--- a/02 - Dynamic Programming/slides.pptx
+++ b/02 - Dynamic Programming/slides.pptx
@@ -5,45 +5,47 @@
     <p:sldMasterId id="2147483659" r:id="rId1"/>
   </p:sldMasterIdLst>
   <p:notesMasterIdLst>
-    <p:notesMasterId r:id="rId21"/>
+    <p:notesMasterId r:id="rId23"/>
   </p:notesMasterIdLst>
   <p:sldIdLst>
     <p:sldId id="256" r:id="rId2"/>
     <p:sldId id="264" r:id="rId3"/>
-    <p:sldId id="265" r:id="rId4"/>
-    <p:sldId id="266" r:id="rId5"/>
-    <p:sldId id="267" r:id="rId6"/>
-    <p:sldId id="268" r:id="rId7"/>
-    <p:sldId id="269" r:id="rId8"/>
-    <p:sldId id="270" r:id="rId9"/>
-    <p:sldId id="272" r:id="rId10"/>
-    <p:sldId id="274" r:id="rId11"/>
+    <p:sldId id="282" r:id="rId4"/>
+    <p:sldId id="265" r:id="rId5"/>
+    <p:sldId id="283" r:id="rId6"/>
+    <p:sldId id="266" r:id="rId7"/>
+    <p:sldId id="267" r:id="rId8"/>
+    <p:sldId id="268" r:id="rId9"/>
+    <p:sldId id="269" r:id="rId10"/>
+    <p:sldId id="270" r:id="rId11"/>
     <p:sldId id="271" r:id="rId12"/>
-    <p:sldId id="279" r:id="rId13"/>
-    <p:sldId id="273" r:id="rId14"/>
-    <p:sldId id="281" r:id="rId15"/>
-    <p:sldId id="280" r:id="rId16"/>
-    <p:sldId id="275" r:id="rId17"/>
-    <p:sldId id="276" r:id="rId18"/>
-    <p:sldId id="277" r:id="rId19"/>
-    <p:sldId id="278" r:id="rId20"/>
+    <p:sldId id="272" r:id="rId13"/>
+    <p:sldId id="274" r:id="rId14"/>
+    <p:sldId id="279" r:id="rId15"/>
+    <p:sldId id="273" r:id="rId16"/>
+    <p:sldId id="281" r:id="rId17"/>
+    <p:sldId id="280" r:id="rId18"/>
+    <p:sldId id="275" r:id="rId19"/>
+    <p:sldId id="276" r:id="rId20"/>
+    <p:sldId id="277" r:id="rId21"/>
+    <p:sldId id="278" r:id="rId22"/>
   </p:sldIdLst>
   <p:sldSz cx="9144000" cy="6858000" type="screen4x3"/>
   <p:notesSz cx="6858000" cy="9144000"/>
   <p:embeddedFontLst>
     <p:embeddedFont>
       <p:font typeface="Economica" panose="02000506040000020004" pitchFamily="2" charset="77"/>
-      <p:regular r:id="rId22"/>
-      <p:bold r:id="rId23"/>
-      <p:italic r:id="rId24"/>
-      <p:boldItalic r:id="rId25"/>
+      <p:regular r:id="rId24"/>
+      <p:bold r:id="rId25"/>
+      <p:italic r:id="rId26"/>
+      <p:boldItalic r:id="rId27"/>
     </p:embeddedFont>
     <p:embeddedFont>
       <p:font typeface="Open Sans" panose="020B0606030504020204" pitchFamily="34" charset="0"/>
-      <p:regular r:id="rId26"/>
-      <p:bold r:id="rId27"/>
-      <p:italic r:id="rId28"/>
-      <p:boldItalic r:id="rId29"/>
+      <p:regular r:id="rId28"/>
+      <p:bold r:id="rId29"/>
+      <p:italic r:id="rId30"/>
+      <p:boldItalic r:id="rId31"/>
     </p:embeddedFont>
   </p:embeddedFontLst>
   <p:defaultTextStyle>
@@ -281,3502 +283,6 @@
     </p:ext>
   </p:extLst>
 </p:presentation>
-</file>
-
-<file path=ppt/revisionInfo.xml><?xml version="1.0" encoding="utf-8"?>
-<p1510:revInfo xmlns:a="http://schemas.openxmlformats.org/drawingml/2006/main" xmlns:r="http://schemas.openxmlformats.org/officeDocument/2006/relationships" xmlns:p1510="http://schemas.microsoft.com/office/powerpoint/2015/10/main">
-  <p1510:revLst>
-    <p1510:client id="{3E7BAF75-66AC-6246-A6D2-BF46DE9AAFF9}" v="12" dt="2022-10-10T06:46:12.470"/>
-  </p1510:revLst>
-</p1510:revInfo>
-</file>
-
-<file path=ppt/changesInfos/changesInfo1.xml><?xml version="1.0" encoding="utf-8"?>
-<pc:chgInfo xmlns:a="http://schemas.openxmlformats.org/drawingml/2006/main" xmlns:r="http://schemas.openxmlformats.org/officeDocument/2006/relationships" xmlns:ac="http://schemas.microsoft.com/office/drawing/2013/main/command" xmlns:pc="http://schemas.microsoft.com/office/powerpoint/2013/main/command">
-  <pc:docChgLst>
-    <pc:chgData name="Riccardo Berta" userId="c8694f89-bba4-4576-b0a8-456619ca5a8c" providerId="ADAL" clId="{A8290FA7-622A-D149-8650-9DF3F18680D5}"/>
-    <pc:docChg chg="undo redo custSel addSld delSld modSld sldOrd modMainMaster">
-      <pc:chgData name="Riccardo Berta" userId="c8694f89-bba4-4576-b0a8-456619ca5a8c" providerId="ADAL" clId="{A8290FA7-622A-D149-8650-9DF3F18680D5}" dt="2022-07-27T13:36:04.688" v="2998"/>
-      <pc:docMkLst>
-        <pc:docMk/>
-      </pc:docMkLst>
-      <pc:sldChg chg="delSp modSp mod">
-        <pc:chgData name="Riccardo Berta" userId="c8694f89-bba4-4576-b0a8-456619ca5a8c" providerId="ADAL" clId="{A8290FA7-622A-D149-8650-9DF3F18680D5}" dt="2022-07-27T13:35:14.530" v="2993" actId="20577"/>
-        <pc:sldMkLst>
-          <pc:docMk/>
-          <pc:sldMk cId="0" sldId="256"/>
-        </pc:sldMkLst>
-        <pc:spChg chg="mod">
-          <ac:chgData name="Riccardo Berta" userId="c8694f89-bba4-4576-b0a8-456619ca5a8c" providerId="ADAL" clId="{A8290FA7-622A-D149-8650-9DF3F18680D5}" dt="2022-07-27T13:35:14.530" v="2993" actId="20577"/>
-          <ac:spMkLst>
-            <pc:docMk/>
-            <pc:sldMk cId="0" sldId="256"/>
-            <ac:spMk id="62" creationId="{00000000-0000-0000-0000-000000000000}"/>
-          </ac:spMkLst>
-        </pc:spChg>
-        <pc:spChg chg="del">
-          <ac:chgData name="Riccardo Berta" userId="c8694f89-bba4-4576-b0a8-456619ca5a8c" providerId="ADAL" clId="{A8290FA7-622A-D149-8650-9DF3F18680D5}" dt="2022-07-18T11:40:08.016" v="50" actId="478"/>
-          <ac:spMkLst>
-            <pc:docMk/>
-            <pc:sldMk cId="0" sldId="256"/>
-            <ac:spMk id="78" creationId="{00000000-0000-0000-0000-000000000000}"/>
-          </ac:spMkLst>
-        </pc:spChg>
-        <pc:grpChg chg="del">
-          <ac:chgData name="Riccardo Berta" userId="c8694f89-bba4-4576-b0a8-456619ca5a8c" providerId="ADAL" clId="{A8290FA7-622A-D149-8650-9DF3F18680D5}" dt="2022-07-18T11:40:10.605" v="51" actId="478"/>
-          <ac:grpSpMkLst>
-            <pc:docMk/>
-            <pc:sldMk cId="0" sldId="256"/>
-            <ac:grpSpMk id="63" creationId="{00000000-0000-0000-0000-000000000000}"/>
-          </ac:grpSpMkLst>
-        </pc:grpChg>
-        <pc:cxnChg chg="mod">
-          <ac:chgData name="Riccardo Berta" userId="c8694f89-bba4-4576-b0a8-456619ca5a8c" providerId="ADAL" clId="{A8290FA7-622A-D149-8650-9DF3F18680D5}" dt="2022-07-18T11:40:10.605" v="51" actId="478"/>
-          <ac:cxnSpMkLst>
-            <pc:docMk/>
-            <pc:sldMk cId="0" sldId="256"/>
-            <ac:cxnSpMk id="66" creationId="{00000000-0000-0000-0000-000000000000}"/>
-          </ac:cxnSpMkLst>
-        </pc:cxnChg>
-        <pc:cxnChg chg="mod">
-          <ac:chgData name="Riccardo Berta" userId="c8694f89-bba4-4576-b0a8-456619ca5a8c" providerId="ADAL" clId="{A8290FA7-622A-D149-8650-9DF3F18680D5}" dt="2022-07-18T11:40:10.605" v="51" actId="478"/>
-          <ac:cxnSpMkLst>
-            <pc:docMk/>
-            <pc:sldMk cId="0" sldId="256"/>
-            <ac:cxnSpMk id="69" creationId="{00000000-0000-0000-0000-000000000000}"/>
-          </ac:cxnSpMkLst>
-        </pc:cxnChg>
-        <pc:cxnChg chg="mod">
-          <ac:chgData name="Riccardo Berta" userId="c8694f89-bba4-4576-b0a8-456619ca5a8c" providerId="ADAL" clId="{A8290FA7-622A-D149-8650-9DF3F18680D5}" dt="2022-07-18T11:40:10.605" v="51" actId="478"/>
-          <ac:cxnSpMkLst>
-            <pc:docMk/>
-            <pc:sldMk cId="0" sldId="256"/>
-            <ac:cxnSpMk id="74" creationId="{00000000-0000-0000-0000-000000000000}"/>
-          </ac:cxnSpMkLst>
-        </pc:cxnChg>
-        <pc:cxnChg chg="mod">
-          <ac:chgData name="Riccardo Berta" userId="c8694f89-bba4-4576-b0a8-456619ca5a8c" providerId="ADAL" clId="{A8290FA7-622A-D149-8650-9DF3F18680D5}" dt="2022-07-18T11:40:10.605" v="51" actId="478"/>
-          <ac:cxnSpMkLst>
-            <pc:docMk/>
-            <pc:sldMk cId="0" sldId="256"/>
-            <ac:cxnSpMk id="75" creationId="{00000000-0000-0000-0000-000000000000}"/>
-          </ac:cxnSpMkLst>
-        </pc:cxnChg>
-      </pc:sldChg>
-      <pc:sldChg chg="delSp modSp mod">
-        <pc:chgData name="Riccardo Berta" userId="c8694f89-bba4-4576-b0a8-456619ca5a8c" providerId="ADAL" clId="{A8290FA7-622A-D149-8650-9DF3F18680D5}" dt="2022-07-27T08:46:23.569" v="1166" actId="948"/>
-        <pc:sldMkLst>
-          <pc:docMk/>
-          <pc:sldMk cId="0" sldId="257"/>
-        </pc:sldMkLst>
-        <pc:spChg chg="mod">
-          <ac:chgData name="Riccardo Berta" userId="c8694f89-bba4-4576-b0a8-456619ca5a8c" providerId="ADAL" clId="{A8290FA7-622A-D149-8650-9DF3F18680D5}" dt="2022-07-27T07:46:33.325" v="171" actId="20577"/>
-          <ac:spMkLst>
-            <pc:docMk/>
-            <pc:sldMk cId="0" sldId="257"/>
-            <ac:spMk id="83" creationId="{00000000-0000-0000-0000-000000000000}"/>
-          </ac:spMkLst>
-        </pc:spChg>
-        <pc:spChg chg="mod">
-          <ac:chgData name="Riccardo Berta" userId="c8694f89-bba4-4576-b0a8-456619ca5a8c" providerId="ADAL" clId="{A8290FA7-622A-D149-8650-9DF3F18680D5}" dt="2022-07-27T08:46:23.569" v="1166" actId="948"/>
-          <ac:spMkLst>
-            <pc:docMk/>
-            <pc:sldMk cId="0" sldId="257"/>
-            <ac:spMk id="84" creationId="{00000000-0000-0000-0000-000000000000}"/>
-          </ac:spMkLst>
-        </pc:spChg>
-        <pc:picChg chg="del">
-          <ac:chgData name="Riccardo Berta" userId="c8694f89-bba4-4576-b0a8-456619ca5a8c" providerId="ADAL" clId="{A8290FA7-622A-D149-8650-9DF3F18680D5}" dt="2022-07-18T11:39:52.245" v="18" actId="478"/>
-          <ac:picMkLst>
-            <pc:docMk/>
-            <pc:sldMk cId="0" sldId="257"/>
-            <ac:picMk id="85" creationId="{00000000-0000-0000-0000-000000000000}"/>
-          </ac:picMkLst>
-        </pc:picChg>
-      </pc:sldChg>
-      <pc:sldChg chg="addSp modSp new mod modNotes">
-        <pc:chgData name="Riccardo Berta" userId="c8694f89-bba4-4576-b0a8-456619ca5a8c" providerId="ADAL" clId="{A8290FA7-622A-D149-8650-9DF3F18680D5}" dt="2022-07-27T08:52:46.755" v="1313" actId="113"/>
-        <pc:sldMkLst>
-          <pc:docMk/>
-          <pc:sldMk cId="1899110855" sldId="258"/>
-        </pc:sldMkLst>
-        <pc:spChg chg="mod">
-          <ac:chgData name="Riccardo Berta" userId="c8694f89-bba4-4576-b0a8-456619ca5a8c" providerId="ADAL" clId="{A8290FA7-622A-D149-8650-9DF3F18680D5}" dt="2022-07-27T08:44:23.725" v="1124"/>
-          <ac:spMkLst>
-            <pc:docMk/>
-            <pc:sldMk cId="1899110855" sldId="258"/>
-            <ac:spMk id="2" creationId="{9A367158-2E24-E90C-7ECC-502AB323ED05}"/>
-          </ac:spMkLst>
-        </pc:spChg>
-        <pc:spChg chg="mod">
-          <ac:chgData name="Riccardo Berta" userId="c8694f89-bba4-4576-b0a8-456619ca5a8c" providerId="ADAL" clId="{A8290FA7-622A-D149-8650-9DF3F18680D5}" dt="2022-07-27T08:52:46.755" v="1313" actId="113"/>
-          <ac:spMkLst>
-            <pc:docMk/>
-            <pc:sldMk cId="1899110855" sldId="258"/>
-            <ac:spMk id="3" creationId="{3F2C94B7-5C82-7750-8B45-751562B2B6D0}"/>
-          </ac:spMkLst>
-        </pc:spChg>
-        <pc:picChg chg="add mod">
-          <ac:chgData name="Riccardo Berta" userId="c8694f89-bba4-4576-b0a8-456619ca5a8c" providerId="ADAL" clId="{A8290FA7-622A-D149-8650-9DF3F18680D5}" dt="2022-07-27T08:50:59.788" v="1228" actId="1076"/>
-          <ac:picMkLst>
-            <pc:docMk/>
-            <pc:sldMk cId="1899110855" sldId="258"/>
-            <ac:picMk id="4" creationId="{1FB36129-1438-3CA3-2875-A711720E74DA}"/>
-          </ac:picMkLst>
-        </pc:picChg>
-      </pc:sldChg>
-      <pc:sldChg chg="new del">
-        <pc:chgData name="Riccardo Berta" userId="c8694f89-bba4-4576-b0a8-456619ca5a8c" providerId="ADAL" clId="{A8290FA7-622A-D149-8650-9DF3F18680D5}" dt="2022-07-27T07:48:28.832" v="223" actId="2696"/>
-        <pc:sldMkLst>
-          <pc:docMk/>
-          <pc:sldMk cId="182339981" sldId="259"/>
-        </pc:sldMkLst>
-      </pc:sldChg>
-      <pc:sldChg chg="del">
-        <pc:chgData name="Riccardo Berta" userId="c8694f89-bba4-4576-b0a8-456619ca5a8c" providerId="ADAL" clId="{A8290FA7-622A-D149-8650-9DF3F18680D5}" dt="2022-07-18T11:39:57.790" v="23" actId="2696"/>
-        <pc:sldMkLst>
-          <pc:docMk/>
-          <pc:sldMk cId="3018556184" sldId="259"/>
-        </pc:sldMkLst>
-        <pc:spChg chg="mod">
-          <ac:chgData name="Riccardo Berta" userId="c8694f89-bba4-4576-b0a8-456619ca5a8c" providerId="ADAL" clId="{A8290FA7-622A-D149-8650-9DF3F18680D5}" dt="2022-07-27T08:44:23.725" v="1124"/>
-          <ac:spMkLst>
-            <pc:docMk/>
-            <pc:sldMk cId="3018556184" sldId="259"/>
-            <ac:spMk id="2" creationId="{41268BF7-2F3B-A5C4-4F7E-1982399FCE62}"/>
-          </ac:spMkLst>
-        </pc:spChg>
-        <pc:spChg chg="mod">
-          <ac:chgData name="Riccardo Berta" userId="c8694f89-bba4-4576-b0a8-456619ca5a8c" providerId="ADAL" clId="{A8290FA7-622A-D149-8650-9DF3F18680D5}" dt="2022-07-27T13:36:04.688" v="2998"/>
-          <ac:spMkLst>
-            <pc:docMk/>
-            <pc:sldMk cId="3018556184" sldId="259"/>
-            <ac:spMk id="3" creationId="{38BFAA1C-1163-169B-2D77-6FEF73CC8512}"/>
-          </ac:spMkLst>
-        </pc:spChg>
-      </pc:sldChg>
-      <pc:sldChg chg="addSp modSp new mod">
-        <pc:chgData name="Riccardo Berta" userId="c8694f89-bba4-4576-b0a8-456619ca5a8c" providerId="ADAL" clId="{A8290FA7-622A-D149-8650-9DF3F18680D5}" dt="2022-07-27T08:48:59.292" v="1210" actId="1076"/>
-        <pc:sldMkLst>
-          <pc:docMk/>
-          <pc:sldMk cId="1104208334" sldId="260"/>
-        </pc:sldMkLst>
-        <pc:spChg chg="mod">
-          <ac:chgData name="Riccardo Berta" userId="c8694f89-bba4-4576-b0a8-456619ca5a8c" providerId="ADAL" clId="{A8290FA7-622A-D149-8650-9DF3F18680D5}" dt="2022-07-27T08:44:23.725" v="1124"/>
-          <ac:spMkLst>
-            <pc:docMk/>
-            <pc:sldMk cId="1104208334" sldId="260"/>
-            <ac:spMk id="2" creationId="{BCB44347-B705-702C-8C13-25742F95F00E}"/>
-          </ac:spMkLst>
-        </pc:spChg>
-        <pc:spChg chg="mod">
-          <ac:chgData name="Riccardo Berta" userId="c8694f89-bba4-4576-b0a8-456619ca5a8c" providerId="ADAL" clId="{A8290FA7-622A-D149-8650-9DF3F18680D5}" dt="2022-07-27T08:48:34.600" v="1207" actId="20577"/>
-          <ac:spMkLst>
-            <pc:docMk/>
-            <pc:sldMk cId="1104208334" sldId="260"/>
-            <ac:spMk id="3" creationId="{1C462C8B-759C-C2C7-EA44-1505F85DD073}"/>
-          </ac:spMkLst>
-        </pc:spChg>
-        <pc:picChg chg="add mod">
-          <ac:chgData name="Riccardo Berta" userId="c8694f89-bba4-4576-b0a8-456619ca5a8c" providerId="ADAL" clId="{A8290FA7-622A-D149-8650-9DF3F18680D5}" dt="2022-07-27T08:48:59.292" v="1210" actId="1076"/>
-          <ac:picMkLst>
-            <pc:docMk/>
-            <pc:sldMk cId="1104208334" sldId="260"/>
-            <ac:picMk id="1026" creationId="{B4CA9CEF-2B94-4431-1046-06B5B4A61164}"/>
-          </ac:picMkLst>
-        </pc:picChg>
-      </pc:sldChg>
-      <pc:sldChg chg="del">
-        <pc:chgData name="Riccardo Berta" userId="c8694f89-bba4-4576-b0a8-456619ca5a8c" providerId="ADAL" clId="{A8290FA7-622A-D149-8650-9DF3F18680D5}" dt="2022-07-18T11:39:58.142" v="25" actId="2696"/>
-        <pc:sldMkLst>
-          <pc:docMk/>
-          <pc:sldMk cId="1290395919" sldId="261"/>
-        </pc:sldMkLst>
-        <pc:spChg chg="mod">
-          <ac:chgData name="Riccardo Berta" userId="c8694f89-bba4-4576-b0a8-456619ca5a8c" providerId="ADAL" clId="{A8290FA7-622A-D149-8650-9DF3F18680D5}" dt="2022-07-27T09:02:55.174" v="1405" actId="313"/>
-          <ac:spMkLst>
-            <pc:docMk/>
-            <pc:sldMk cId="1290395919" sldId="261"/>
-            <ac:spMk id="2" creationId="{7ACF5050-2FE7-D51A-3B42-49745B74F8BD}"/>
-          </ac:spMkLst>
-        </pc:spChg>
-        <pc:spChg chg="mod">
-          <ac:chgData name="Riccardo Berta" userId="c8694f89-bba4-4576-b0a8-456619ca5a8c" providerId="ADAL" clId="{A8290FA7-622A-D149-8650-9DF3F18680D5}" dt="2022-07-27T10:13:59.822" v="1768" actId="20577"/>
-          <ac:spMkLst>
-            <pc:docMk/>
-            <pc:sldMk cId="1290395919" sldId="261"/>
-            <ac:spMk id="3" creationId="{443CA410-E246-EACE-351E-80C846A06F66}"/>
-          </ac:spMkLst>
-        </pc:spChg>
-      </pc:sldChg>
-      <pc:sldChg chg="new del">
-        <pc:chgData name="Riccardo Berta" userId="c8694f89-bba4-4576-b0a8-456619ca5a8c" providerId="ADAL" clId="{A8290FA7-622A-D149-8650-9DF3F18680D5}" dt="2022-07-27T10:14:34.151" v="1776" actId="2696"/>
-        <pc:sldMkLst>
-          <pc:docMk/>
-          <pc:sldMk cId="1228403239" sldId="262"/>
-        </pc:sldMkLst>
-      </pc:sldChg>
-      <pc:sldChg chg="addSp modSp add mod">
-        <pc:chgData name="Riccardo Berta" userId="c8694f89-bba4-4576-b0a8-456619ca5a8c" providerId="ADAL" clId="{A8290FA7-622A-D149-8650-9DF3F18680D5}" dt="2022-07-27T10:42:13.820" v="2230" actId="113"/>
-        <pc:sldMkLst>
-          <pc:docMk/>
-          <pc:sldMk cId="4130549615" sldId="262"/>
-        </pc:sldMkLst>
-        <pc:spChg chg="mod">
-          <ac:chgData name="Riccardo Berta" userId="c8694f89-bba4-4576-b0a8-456619ca5a8c" providerId="ADAL" clId="{A8290FA7-622A-D149-8650-9DF3F18680D5}" dt="2022-07-27T10:14:47.805" v="1801" actId="20577"/>
-          <ac:spMkLst>
-            <pc:docMk/>
-            <pc:sldMk cId="4130549615" sldId="262"/>
-            <ac:spMk id="83" creationId="{00000000-0000-0000-0000-000000000000}"/>
-          </ac:spMkLst>
-        </pc:spChg>
-        <pc:spChg chg="mod">
-          <ac:chgData name="Riccardo Berta" userId="c8694f89-bba4-4576-b0a8-456619ca5a8c" providerId="ADAL" clId="{A8290FA7-622A-D149-8650-9DF3F18680D5}" dt="2022-07-27T10:42:13.820" v="2230" actId="113"/>
-          <ac:spMkLst>
-            <pc:docMk/>
-            <pc:sldMk cId="4130549615" sldId="262"/>
-            <ac:spMk id="84" creationId="{00000000-0000-0000-0000-000000000000}"/>
-          </ac:spMkLst>
-        </pc:spChg>
-        <pc:picChg chg="add mod">
-          <ac:chgData name="Riccardo Berta" userId="c8694f89-bba4-4576-b0a8-456619ca5a8c" providerId="ADAL" clId="{A8290FA7-622A-D149-8650-9DF3F18680D5}" dt="2022-07-27T10:41:57.614" v="2224" actId="1076"/>
-          <ac:picMkLst>
-            <pc:docMk/>
-            <pc:sldMk cId="4130549615" sldId="262"/>
-            <ac:picMk id="2" creationId="{DE7BB65F-08A4-B6D2-CED9-F0FFBD5CDBF9}"/>
-          </ac:picMkLst>
-        </pc:picChg>
-        <pc:picChg chg="add mod">
-          <ac:chgData name="Riccardo Berta" userId="c8694f89-bba4-4576-b0a8-456619ca5a8c" providerId="ADAL" clId="{A8290FA7-622A-D149-8650-9DF3F18680D5}" dt="2022-07-27T10:42:07.380" v="2229" actId="1076"/>
-          <ac:picMkLst>
-            <pc:docMk/>
-            <pc:sldMk cId="4130549615" sldId="262"/>
-            <ac:picMk id="3" creationId="{8F10188F-1192-CC5C-9229-6680F9B1F8A4}"/>
-          </ac:picMkLst>
-        </pc:picChg>
-      </pc:sldChg>
-      <pc:sldChg chg="new del">
-        <pc:chgData name="Riccardo Berta" userId="c8694f89-bba4-4576-b0a8-456619ca5a8c" providerId="ADAL" clId="{A8290FA7-622A-D149-8650-9DF3F18680D5}" dt="2022-07-27T10:14:17.648" v="1770" actId="2696"/>
-        <pc:sldMkLst>
-          <pc:docMk/>
-          <pc:sldMk cId="4179454221" sldId="262"/>
-        </pc:sldMkLst>
-      </pc:sldChg>
-      <pc:sldChg chg="addSp delSp modSp new del mod">
-        <pc:chgData name="Riccardo Berta" userId="c8694f89-bba4-4576-b0a8-456619ca5a8c" providerId="ADAL" clId="{A8290FA7-622A-D149-8650-9DF3F18680D5}" dt="2022-07-27T10:14:36.007" v="1777" actId="2696"/>
-        <pc:sldMkLst>
-          <pc:docMk/>
-          <pc:sldMk cId="2702540954" sldId="263"/>
-        </pc:sldMkLst>
-        <pc:spChg chg="add del mod">
-          <ac:chgData name="Riccardo Berta" userId="c8694f89-bba4-4576-b0a8-456619ca5a8c" providerId="ADAL" clId="{A8290FA7-622A-D149-8650-9DF3F18680D5}" dt="2022-07-27T10:14:34.058" v="1775"/>
-          <ac:spMkLst>
-            <pc:docMk/>
-            <pc:sldMk cId="2702540954" sldId="263"/>
-            <ac:spMk id="3" creationId="{3202F38C-70E9-B11B-4CF4-DD7C2BF1118A}"/>
-          </ac:spMkLst>
-        </pc:spChg>
-      </pc:sldChg>
-      <pc:sldChg chg="del">
-        <pc:chgData name="Riccardo Berta" userId="c8694f89-bba4-4576-b0a8-456619ca5a8c" providerId="ADAL" clId="{A8290FA7-622A-D149-8650-9DF3F18680D5}" dt="2022-07-18T11:39:58.451" v="27" actId="2696"/>
-        <pc:sldMkLst>
-          <pc:docMk/>
-          <pc:sldMk cId="3102138681" sldId="263"/>
-        </pc:sldMkLst>
-        <pc:spChg chg="add mod">
-          <ac:chgData name="Riccardo Berta" userId="c8694f89-bba4-4576-b0a8-456619ca5a8c" providerId="ADAL" clId="{A8290FA7-622A-D149-8650-9DF3F18680D5}" dt="2022-07-27T13:25:04.866" v="2759" actId="113"/>
-          <ac:spMkLst>
-            <pc:docMk/>
-            <pc:sldMk cId="3102138681" sldId="263"/>
-            <ac:spMk id="4" creationId="{F4D09BBD-B357-6547-1869-C5A2382FCC8B}"/>
-          </ac:spMkLst>
-        </pc:spChg>
-        <pc:spChg chg="add del mod">
-          <ac:chgData name="Riccardo Berta" userId="c8694f89-bba4-4576-b0a8-456619ca5a8c" providerId="ADAL" clId="{A8290FA7-622A-D149-8650-9DF3F18680D5}" dt="2022-07-27T11:15:39.262" v="2505" actId="478"/>
-          <ac:spMkLst>
-            <pc:docMk/>
-            <pc:sldMk cId="3102138681" sldId="263"/>
-            <ac:spMk id="5" creationId="{23AC3424-715D-3F08-932D-C2CF108A7059}"/>
-          </ac:spMkLst>
-        </pc:spChg>
-        <pc:spChg chg="add mod">
-          <ac:chgData name="Riccardo Berta" userId="c8694f89-bba4-4576-b0a8-456619ca5a8c" providerId="ADAL" clId="{A8290FA7-622A-D149-8650-9DF3F18680D5}" dt="2022-07-27T11:16:53.879" v="2519" actId="1076"/>
-          <ac:spMkLst>
-            <pc:docMk/>
-            <pc:sldMk cId="3102138681" sldId="263"/>
-            <ac:spMk id="6" creationId="{E6A53417-994D-A7A5-6B3C-BE4F99893522}"/>
-          </ac:spMkLst>
-        </pc:spChg>
-        <pc:spChg chg="add mod">
-          <ac:chgData name="Riccardo Berta" userId="c8694f89-bba4-4576-b0a8-456619ca5a8c" providerId="ADAL" clId="{A8290FA7-622A-D149-8650-9DF3F18680D5}" dt="2022-07-27T11:16:53.879" v="2519" actId="1076"/>
-          <ac:spMkLst>
-            <pc:docMk/>
-            <pc:sldMk cId="3102138681" sldId="263"/>
-            <ac:spMk id="7" creationId="{A40D36EA-EE11-0232-DF5A-70C2463FA6D7}"/>
-          </ac:spMkLst>
-        </pc:spChg>
-        <pc:spChg chg="mod">
-          <ac:chgData name="Riccardo Berta" userId="c8694f89-bba4-4576-b0a8-456619ca5a8c" providerId="ADAL" clId="{A8290FA7-622A-D149-8650-9DF3F18680D5}" dt="2022-07-27T10:48:03.941" v="2323" actId="20577"/>
-          <ac:spMkLst>
-            <pc:docMk/>
-            <pc:sldMk cId="3102138681" sldId="263"/>
-            <ac:spMk id="83" creationId="{00000000-0000-0000-0000-000000000000}"/>
-          </ac:spMkLst>
-        </pc:spChg>
-        <pc:spChg chg="mod">
-          <ac:chgData name="Riccardo Berta" userId="c8694f89-bba4-4576-b0a8-456619ca5a8c" providerId="ADAL" clId="{A8290FA7-622A-D149-8650-9DF3F18680D5}" dt="2022-07-27T10:48:06.788" v="2324" actId="20577"/>
-          <ac:spMkLst>
-            <pc:docMk/>
-            <pc:sldMk cId="3102138681" sldId="263"/>
-            <ac:spMk id="84" creationId="{00000000-0000-0000-0000-000000000000}"/>
-          </ac:spMkLst>
-        </pc:spChg>
-        <pc:grpChg chg="add del mod">
-          <ac:chgData name="Riccardo Berta" userId="c8694f89-bba4-4576-b0a8-456619ca5a8c" providerId="ADAL" clId="{A8290FA7-622A-D149-8650-9DF3F18680D5}" dt="2022-07-27T11:18:00.757" v="2523" actId="478"/>
-          <ac:grpSpMkLst>
-            <pc:docMk/>
-            <pc:sldMk cId="3102138681" sldId="263"/>
-            <ac:grpSpMk id="8" creationId="{197E1684-FF9E-2244-C365-B25FF288C192}"/>
-          </ac:grpSpMkLst>
-        </pc:grpChg>
-        <pc:picChg chg="del">
-          <ac:chgData name="Riccardo Berta" userId="c8694f89-bba4-4576-b0a8-456619ca5a8c" providerId="ADAL" clId="{A8290FA7-622A-D149-8650-9DF3F18680D5}" dt="2022-07-27T10:43:13.465" v="2245" actId="478"/>
-          <ac:picMkLst>
-            <pc:docMk/>
-            <pc:sldMk cId="3102138681" sldId="263"/>
-            <ac:picMk id="2" creationId="{DE7BB65F-08A4-B6D2-CED9-F0FFBD5CDBF9}"/>
-          </ac:picMkLst>
-        </pc:picChg>
-        <pc:picChg chg="del">
-          <ac:chgData name="Riccardo Berta" userId="c8694f89-bba4-4576-b0a8-456619ca5a8c" providerId="ADAL" clId="{A8290FA7-622A-D149-8650-9DF3F18680D5}" dt="2022-07-27T10:43:13.005" v="2244" actId="478"/>
-          <ac:picMkLst>
-            <pc:docMk/>
-            <pc:sldMk cId="3102138681" sldId="263"/>
-            <ac:picMk id="3" creationId="{8F10188F-1192-CC5C-9229-6680F9B1F8A4}"/>
-          </ac:picMkLst>
-        </pc:picChg>
-        <pc:picChg chg="add mod">
-          <ac:chgData name="Riccardo Berta" userId="c8694f89-bba4-4576-b0a8-456619ca5a8c" providerId="ADAL" clId="{A8290FA7-622A-D149-8650-9DF3F18680D5}" dt="2022-07-27T13:24:53.552" v="2751" actId="1076"/>
-          <ac:picMkLst>
-            <pc:docMk/>
-            <pc:sldMk cId="3102138681" sldId="263"/>
-            <ac:picMk id="10" creationId="{0E81828B-E89F-25E9-3F87-0F05B85C6E21}"/>
-          </ac:picMkLst>
-        </pc:picChg>
-        <pc:picChg chg="add mod">
-          <ac:chgData name="Riccardo Berta" userId="c8694f89-bba4-4576-b0a8-456619ca5a8c" providerId="ADAL" clId="{A8290FA7-622A-D149-8650-9DF3F18680D5}" dt="2022-07-27T11:16:53.879" v="2519" actId="1076"/>
-          <ac:picMkLst>
-            <pc:docMk/>
-            <pc:sldMk cId="3102138681" sldId="263"/>
-            <ac:picMk id="2050" creationId="{A53CAF74-1BDF-FAC7-6840-B2596884FF7F}"/>
-          </ac:picMkLst>
-        </pc:picChg>
-      </pc:sldChg>
-      <pc:sldChg chg="addSp modSp add del mod">
-        <pc:chgData name="Riccardo Berta" userId="c8694f89-bba4-4576-b0a8-456619ca5a8c" providerId="ADAL" clId="{A8290FA7-622A-D149-8650-9DF3F18680D5}" dt="2022-07-27T10:42:20.886" v="2231" actId="2696"/>
-        <pc:sldMkLst>
-          <pc:docMk/>
-          <pc:sldMk cId="3911169705" sldId="263"/>
-        </pc:sldMkLst>
-        <pc:spChg chg="mod">
-          <ac:chgData name="Riccardo Berta" userId="c8694f89-bba4-4576-b0a8-456619ca5a8c" providerId="ADAL" clId="{A8290FA7-622A-D149-8650-9DF3F18680D5}" dt="2022-07-27T10:33:15.496" v="2048" actId="20577"/>
-          <ac:spMkLst>
-            <pc:docMk/>
-            <pc:sldMk cId="3911169705" sldId="263"/>
-            <ac:spMk id="83" creationId="{00000000-0000-0000-0000-000000000000}"/>
-          </ac:spMkLst>
-        </pc:spChg>
-        <pc:spChg chg="mod">
-          <ac:chgData name="Riccardo Berta" userId="c8694f89-bba4-4576-b0a8-456619ca5a8c" providerId="ADAL" clId="{A8290FA7-622A-D149-8650-9DF3F18680D5}" dt="2022-07-27T10:34:05.441" v="2067" actId="20577"/>
-          <ac:spMkLst>
-            <pc:docMk/>
-            <pc:sldMk cId="3911169705" sldId="263"/>
-            <ac:spMk id="84" creationId="{00000000-0000-0000-0000-000000000000}"/>
-          </ac:spMkLst>
-        </pc:spChg>
-        <pc:picChg chg="add mod">
-          <ac:chgData name="Riccardo Berta" userId="c8694f89-bba4-4576-b0a8-456619ca5a8c" providerId="ADAL" clId="{A8290FA7-622A-D149-8650-9DF3F18680D5}" dt="2022-07-27T10:33:53.682" v="2062" actId="14100"/>
-          <ac:picMkLst>
-            <pc:docMk/>
-            <pc:sldMk cId="3911169705" sldId="263"/>
-            <ac:picMk id="2" creationId="{D4B2A0E7-4B4D-E6BD-CA2B-E156742EB348}"/>
-          </ac:picMkLst>
-        </pc:picChg>
-        <pc:picChg chg="add mod">
-          <ac:chgData name="Riccardo Berta" userId="c8694f89-bba4-4576-b0a8-456619ca5a8c" providerId="ADAL" clId="{A8290FA7-622A-D149-8650-9DF3F18680D5}" dt="2022-07-27T10:34:01.183" v="2064" actId="1076"/>
-          <ac:picMkLst>
-            <pc:docMk/>
-            <pc:sldMk cId="3911169705" sldId="263"/>
-            <ac:picMk id="3" creationId="{DB1314C3-2E54-D0A9-2C2E-0B14369A70D5}"/>
-          </ac:picMkLst>
-        </pc:picChg>
-      </pc:sldChg>
-      <pc:sldChg chg="del">
-        <pc:chgData name="Riccardo Berta" userId="c8694f89-bba4-4576-b0a8-456619ca5a8c" providerId="ADAL" clId="{A8290FA7-622A-D149-8650-9DF3F18680D5}" dt="2022-07-18T11:39:58.616" v="28" actId="2696"/>
-        <pc:sldMkLst>
-          <pc:docMk/>
-          <pc:sldMk cId="2113557187" sldId="264"/>
-        </pc:sldMkLst>
-        <pc:spChg chg="add del">
-          <ac:chgData name="Riccardo Berta" userId="c8694f89-bba4-4576-b0a8-456619ca5a8c" providerId="ADAL" clId="{A8290FA7-622A-D149-8650-9DF3F18680D5}" dt="2022-07-27T11:59:11.727" v="2638" actId="478"/>
-          <ac:spMkLst>
-            <pc:docMk/>
-            <pc:sldMk cId="2113557187" sldId="264"/>
-            <ac:spMk id="3" creationId="{BC1FDF23-921F-5E18-9CFF-ACCFCF450821}"/>
-          </ac:spMkLst>
-        </pc:spChg>
-        <pc:spChg chg="mod">
-          <ac:chgData name="Riccardo Berta" userId="c8694f89-bba4-4576-b0a8-456619ca5a8c" providerId="ADAL" clId="{A8290FA7-622A-D149-8650-9DF3F18680D5}" dt="2022-07-27T11:59:29.324" v="2645" actId="5793"/>
-          <ac:spMkLst>
-            <pc:docMk/>
-            <pc:sldMk cId="2113557187" sldId="264"/>
-            <ac:spMk id="4" creationId="{F4D09BBD-B357-6547-1869-C5A2382FCC8B}"/>
-          </ac:spMkLst>
-        </pc:spChg>
-        <pc:spChg chg="add del">
-          <ac:chgData name="Riccardo Berta" userId="c8694f89-bba4-4576-b0a8-456619ca5a8c" providerId="ADAL" clId="{A8290FA7-622A-D149-8650-9DF3F18680D5}" dt="2022-07-27T11:59:15.052" v="2640" actId="478"/>
-          <ac:spMkLst>
-            <pc:docMk/>
-            <pc:sldMk cId="2113557187" sldId="264"/>
-            <ac:spMk id="6" creationId="{2CCFB366-8A7D-5E7E-B99E-3A97CFF1730F}"/>
-          </ac:spMkLst>
-        </pc:spChg>
-        <pc:picChg chg="del">
-          <ac:chgData name="Riccardo Berta" userId="c8694f89-bba4-4576-b0a8-456619ca5a8c" providerId="ADAL" clId="{A8290FA7-622A-D149-8650-9DF3F18680D5}" dt="2022-07-27T11:59:09.596" v="2636" actId="478"/>
-          <ac:picMkLst>
-            <pc:docMk/>
-            <pc:sldMk cId="2113557187" sldId="264"/>
-            <ac:picMk id="10" creationId="{0E81828B-E89F-25E9-3F87-0F05B85C6E21}"/>
-          </ac:picMkLst>
-        </pc:picChg>
-        <pc:picChg chg="add mod">
-          <ac:chgData name="Riccardo Berta" userId="c8694f89-bba4-4576-b0a8-456619ca5a8c" providerId="ADAL" clId="{A8290FA7-622A-D149-8650-9DF3F18680D5}" dt="2022-07-27T13:22:18.527" v="2647" actId="14100"/>
-          <ac:picMkLst>
-            <pc:docMk/>
-            <pc:sldMk cId="2113557187" sldId="264"/>
-            <ac:picMk id="3074" creationId="{9CA02893-40B1-CBA3-7B52-7B9773D440DD}"/>
-          </ac:picMkLst>
-        </pc:picChg>
-      </pc:sldChg>
-      <pc:sldChg chg="del">
-        <pc:chgData name="Riccardo Berta" userId="c8694f89-bba4-4576-b0a8-456619ca5a8c" providerId="ADAL" clId="{A8290FA7-622A-D149-8650-9DF3F18680D5}" dt="2022-07-18T11:39:58.749" v="29" actId="2696"/>
-        <pc:sldMkLst>
-          <pc:docMk/>
-          <pc:sldMk cId="2045385232" sldId="265"/>
-        </pc:sldMkLst>
-        <pc:spChg chg="mod">
-          <ac:chgData name="Riccardo Berta" userId="c8694f89-bba4-4576-b0a8-456619ca5a8c" providerId="ADAL" clId="{A8290FA7-622A-D149-8650-9DF3F18680D5}" dt="2022-07-27T13:28:40.287" v="2835" actId="20577"/>
-          <ac:spMkLst>
-            <pc:docMk/>
-            <pc:sldMk cId="2045385232" sldId="265"/>
-            <ac:spMk id="2" creationId="{7ACF5050-2FE7-D51A-3B42-49745B74F8BD}"/>
-          </ac:spMkLst>
-        </pc:spChg>
-        <pc:spChg chg="mod">
-          <ac:chgData name="Riccardo Berta" userId="c8694f89-bba4-4576-b0a8-456619ca5a8c" providerId="ADAL" clId="{A8290FA7-622A-D149-8650-9DF3F18680D5}" dt="2022-07-27T13:34:43.252" v="2978" actId="20577"/>
-          <ac:spMkLst>
-            <pc:docMk/>
-            <pc:sldMk cId="2045385232" sldId="265"/>
-            <ac:spMk id="3" creationId="{443CA410-E246-EACE-351E-80C846A06F66}"/>
-          </ac:spMkLst>
-        </pc:spChg>
-        <pc:picChg chg="add mod">
-          <ac:chgData name="Riccardo Berta" userId="c8694f89-bba4-4576-b0a8-456619ca5a8c" providerId="ADAL" clId="{A8290FA7-622A-D149-8650-9DF3F18680D5}" dt="2022-07-27T13:29:04.301" v="2839" actId="1076"/>
-          <ac:picMkLst>
-            <pc:docMk/>
-            <pc:sldMk cId="2045385232" sldId="265"/>
-            <ac:picMk id="5" creationId="{6F2A372C-E4F3-6EB3-7011-0A41077F7959}"/>
-          </ac:picMkLst>
-        </pc:picChg>
-      </pc:sldChg>
-      <pc:sldChg chg="del">
-        <pc:chgData name="Riccardo Berta" userId="c8694f89-bba4-4576-b0a8-456619ca5a8c" providerId="ADAL" clId="{A8290FA7-622A-D149-8650-9DF3F18680D5}" dt="2022-07-18T11:39:58.869" v="30" actId="2696"/>
-        <pc:sldMkLst>
-          <pc:docMk/>
-          <pc:sldMk cId="4181844165" sldId="266"/>
-        </pc:sldMkLst>
-      </pc:sldChg>
-      <pc:sldChg chg="del">
-        <pc:chgData name="Riccardo Berta" userId="c8694f89-bba4-4576-b0a8-456619ca5a8c" providerId="ADAL" clId="{A8290FA7-622A-D149-8650-9DF3F18680D5}" dt="2022-07-18T11:39:59.035" v="31" actId="2696"/>
-        <pc:sldMkLst>
-          <pc:docMk/>
-          <pc:sldMk cId="216455838" sldId="267"/>
-        </pc:sldMkLst>
-      </pc:sldChg>
-      <pc:sldChg chg="del">
-        <pc:chgData name="Riccardo Berta" userId="c8694f89-bba4-4576-b0a8-456619ca5a8c" providerId="ADAL" clId="{A8290FA7-622A-D149-8650-9DF3F18680D5}" dt="2022-07-18T11:39:59.202" v="32" actId="2696"/>
-        <pc:sldMkLst>
-          <pc:docMk/>
-          <pc:sldMk cId="3471997037" sldId="269"/>
-        </pc:sldMkLst>
-      </pc:sldChg>
-      <pc:sldChg chg="del">
-        <pc:chgData name="Riccardo Berta" userId="c8694f89-bba4-4576-b0a8-456619ca5a8c" providerId="ADAL" clId="{A8290FA7-622A-D149-8650-9DF3F18680D5}" dt="2022-07-18T11:39:59.363" v="33" actId="2696"/>
-        <pc:sldMkLst>
-          <pc:docMk/>
-          <pc:sldMk cId="3130917410" sldId="270"/>
-        </pc:sldMkLst>
-      </pc:sldChg>
-      <pc:sldChg chg="del">
-        <pc:chgData name="Riccardo Berta" userId="c8694f89-bba4-4576-b0a8-456619ca5a8c" providerId="ADAL" clId="{A8290FA7-622A-D149-8650-9DF3F18680D5}" dt="2022-07-18T11:39:59.502" v="34" actId="2696"/>
-        <pc:sldMkLst>
-          <pc:docMk/>
-          <pc:sldMk cId="2266699268" sldId="271"/>
-        </pc:sldMkLst>
-      </pc:sldChg>
-      <pc:sldChg chg="del">
-        <pc:chgData name="Riccardo Berta" userId="c8694f89-bba4-4576-b0a8-456619ca5a8c" providerId="ADAL" clId="{A8290FA7-622A-D149-8650-9DF3F18680D5}" dt="2022-07-18T11:40:00.091" v="38" actId="2696"/>
-        <pc:sldMkLst>
-          <pc:docMk/>
-          <pc:sldMk cId="993270251" sldId="272"/>
-        </pc:sldMkLst>
-      </pc:sldChg>
-      <pc:sldChg chg="del">
-        <pc:chgData name="Riccardo Berta" userId="c8694f89-bba4-4576-b0a8-456619ca5a8c" providerId="ADAL" clId="{A8290FA7-622A-D149-8650-9DF3F18680D5}" dt="2022-07-18T11:39:59.623" v="35" actId="2696"/>
-        <pc:sldMkLst>
-          <pc:docMk/>
-          <pc:sldMk cId="3843819371" sldId="273"/>
-        </pc:sldMkLst>
-      </pc:sldChg>
-      <pc:sldChg chg="del">
-        <pc:chgData name="Riccardo Berta" userId="c8694f89-bba4-4576-b0a8-456619ca5a8c" providerId="ADAL" clId="{A8290FA7-622A-D149-8650-9DF3F18680D5}" dt="2022-07-18T11:39:59.806" v="36" actId="2696"/>
-        <pc:sldMkLst>
-          <pc:docMk/>
-          <pc:sldMk cId="3084049364" sldId="274"/>
-        </pc:sldMkLst>
-      </pc:sldChg>
-      <pc:sldChg chg="del">
-        <pc:chgData name="Riccardo Berta" userId="c8694f89-bba4-4576-b0a8-456619ca5a8c" providerId="ADAL" clId="{A8290FA7-622A-D149-8650-9DF3F18680D5}" dt="2022-07-18T11:39:59.937" v="37" actId="2696"/>
-        <pc:sldMkLst>
-          <pc:docMk/>
-          <pc:sldMk cId="284781631" sldId="275"/>
-        </pc:sldMkLst>
-      </pc:sldChg>
-      <pc:sldMasterChg chg="modSp mod delSldLayout modSldLayout">
-        <pc:chgData name="Riccardo Berta" userId="c8694f89-bba4-4576-b0a8-456619ca5a8c" providerId="ADAL" clId="{A8290FA7-622A-D149-8650-9DF3F18680D5}" dt="2022-07-27T08:45:00.853" v="1135" actId="20577"/>
-        <pc:sldMasterMkLst>
-          <pc:docMk/>
-          <pc:sldMasterMk cId="0" sldId="2147483659"/>
-        </pc:sldMasterMkLst>
-        <pc:spChg chg="mod">
-          <ac:chgData name="Riccardo Berta" userId="c8694f89-bba4-4576-b0a8-456619ca5a8c" providerId="ADAL" clId="{A8290FA7-622A-D149-8650-9DF3F18680D5}" dt="2022-07-27T08:45:00.853" v="1135" actId="20577"/>
-          <ac:spMkLst>
-            <pc:docMk/>
-            <pc:sldMasterMk cId="0" sldId="2147483659"/>
-            <ac:spMk id="7" creationId="{00000000-0000-0000-0000-000000000000}"/>
-          </ac:spMkLst>
-        </pc:spChg>
-        <pc:sldLayoutChg chg="del">
-          <pc:chgData name="Riccardo Berta" userId="c8694f89-bba4-4576-b0a8-456619ca5a8c" providerId="ADAL" clId="{A8290FA7-622A-D149-8650-9DF3F18680D5}" dt="2022-07-27T07:48:28.832" v="223" actId="2696"/>
-          <pc:sldLayoutMkLst>
-            <pc:docMk/>
-            <pc:sldMasterMk cId="0" sldId="2147483659"/>
-            <pc:sldLayoutMk cId="0" sldId="2147483649"/>
-          </pc:sldLayoutMkLst>
-        </pc:sldLayoutChg>
-        <pc:sldLayoutChg chg="delSp">
-          <pc:chgData name="Riccardo Berta" userId="c8694f89-bba4-4576-b0a8-456619ca5a8c" providerId="ADAL" clId="{A8290FA7-622A-D149-8650-9DF3F18680D5}" dt="2022-07-27T08:44:23.725" v="1124"/>
-          <pc:sldLayoutMkLst>
-            <pc:docMk/>
-            <pc:sldMasterMk cId="0" sldId="2147483659"/>
-            <pc:sldLayoutMk cId="0" sldId="2147483650"/>
-          </pc:sldLayoutMkLst>
-          <pc:spChg chg="del">
-            <ac:chgData name="Riccardo Berta" userId="c8694f89-bba4-4576-b0a8-456619ca5a8c" providerId="ADAL" clId="{A8290FA7-622A-D149-8650-9DF3F18680D5}" dt="2022-07-27T08:44:23.725" v="1124"/>
-            <ac:spMkLst>
-              <pc:docMk/>
-              <pc:sldMasterMk cId="0" sldId="2147483659"/>
-              <pc:sldLayoutMk cId="0" sldId="2147483650"/>
-              <ac:spMk id="22" creationId="{00000000-0000-0000-0000-000000000000}"/>
-            </ac:spMkLst>
-          </pc:spChg>
-        </pc:sldLayoutChg>
-      </pc:sldMasterChg>
-    </pc:docChg>
-  </pc:docChgLst>
-  <pc:docChgLst>
-    <pc:chgData name="Riccardo Berta" userId="c8694f89-bba4-4576-b0a8-456619ca5a8c" providerId="ADAL" clId="{58424B7E-67A2-E24B-9516-C248AFA19009}"/>
-    <pc:docChg chg="undo custSel addSld delSld modSld sldOrd modMainMaster">
-      <pc:chgData name="Riccardo Berta" userId="c8694f89-bba4-4576-b0a8-456619ca5a8c" providerId="ADAL" clId="{58424B7E-67A2-E24B-9516-C248AFA19009}" dt="2022-08-30T09:41:00.751" v="1457" actId="20577"/>
-      <pc:docMkLst>
-        <pc:docMk/>
-      </pc:docMkLst>
-      <pc:sldChg chg="modSp mod">
-        <pc:chgData name="Riccardo Berta" userId="c8694f89-bba4-4576-b0a8-456619ca5a8c" providerId="ADAL" clId="{58424B7E-67A2-E24B-9516-C248AFA19009}" dt="2022-08-30T09:38:38.114" v="1432" actId="790"/>
-        <pc:sldMkLst>
-          <pc:docMk/>
-          <pc:sldMk cId="0" sldId="256"/>
-        </pc:sldMkLst>
-        <pc:spChg chg="mod">
-          <ac:chgData name="Riccardo Berta" userId="c8694f89-bba4-4576-b0a8-456619ca5a8c" providerId="ADAL" clId="{58424B7E-67A2-E24B-9516-C248AFA19009}" dt="2022-08-30T09:38:38.114" v="1432" actId="790"/>
-          <ac:spMkLst>
-            <pc:docMk/>
-            <pc:sldMk cId="0" sldId="256"/>
-            <ac:spMk id="62" creationId="{00000000-0000-0000-0000-000000000000}"/>
-          </ac:spMkLst>
-        </pc:spChg>
-      </pc:sldChg>
-      <pc:sldChg chg="addSp modSp mod">
-        <pc:chgData name="Riccardo Berta" userId="c8694f89-bba4-4576-b0a8-456619ca5a8c" providerId="ADAL" clId="{58424B7E-67A2-E24B-9516-C248AFA19009}" dt="2022-08-30T09:37:52.468" v="1397" actId="20577"/>
-        <pc:sldMkLst>
-          <pc:docMk/>
-          <pc:sldMk cId="0" sldId="257"/>
-        </pc:sldMkLst>
-        <pc:spChg chg="mod">
-          <ac:chgData name="Riccardo Berta" userId="c8694f89-bba4-4576-b0a8-456619ca5a8c" providerId="ADAL" clId="{58424B7E-67A2-E24B-9516-C248AFA19009}" dt="2022-08-30T09:37:52.468" v="1397" actId="20577"/>
-          <ac:spMkLst>
-            <pc:docMk/>
-            <pc:sldMk cId="0" sldId="257"/>
-            <ac:spMk id="83" creationId="{00000000-0000-0000-0000-000000000000}"/>
-          </ac:spMkLst>
-        </pc:spChg>
-        <pc:spChg chg="mod">
-          <ac:chgData name="Riccardo Berta" userId="c8694f89-bba4-4576-b0a8-456619ca5a8c" providerId="ADAL" clId="{58424B7E-67A2-E24B-9516-C248AFA19009}" dt="2022-08-30T08:54:17.949" v="242" actId="20577"/>
-          <ac:spMkLst>
-            <pc:docMk/>
-            <pc:sldMk cId="0" sldId="257"/>
-            <ac:spMk id="84" creationId="{00000000-0000-0000-0000-000000000000}"/>
-          </ac:spMkLst>
-        </pc:spChg>
-        <pc:picChg chg="add mod">
-          <ac:chgData name="Riccardo Berta" userId="c8694f89-bba4-4576-b0a8-456619ca5a8c" providerId="ADAL" clId="{58424B7E-67A2-E24B-9516-C248AFA19009}" dt="2022-08-30T08:54:52.448" v="247" actId="1076"/>
-          <ac:picMkLst>
-            <pc:docMk/>
-            <pc:sldMk cId="0" sldId="257"/>
-            <ac:picMk id="3" creationId="{EE0D0F3E-A843-92E5-ABBC-F41E3CA3C922}"/>
-          </ac:picMkLst>
-        </pc:picChg>
-        <pc:picChg chg="add mod">
-          <ac:chgData name="Riccardo Berta" userId="c8694f89-bba4-4576-b0a8-456619ca5a8c" providerId="ADAL" clId="{58424B7E-67A2-E24B-9516-C248AFA19009}" dt="2022-08-30T08:54:40.649" v="245" actId="1076"/>
-          <ac:picMkLst>
-            <pc:docMk/>
-            <pc:sldMk cId="0" sldId="257"/>
-            <ac:picMk id="5" creationId="{692F2B73-F6B6-F2AC-BB2A-2B1020944694}"/>
-          </ac:picMkLst>
-        </pc:picChg>
-      </pc:sldChg>
-      <pc:sldChg chg="modSp mod">
-        <pc:chgData name="Riccardo Berta" userId="c8694f89-bba4-4576-b0a8-456619ca5a8c" providerId="ADAL" clId="{58424B7E-67A2-E24B-9516-C248AFA19009}" dt="2022-08-30T09:41:00.751" v="1457" actId="20577"/>
-        <pc:sldMkLst>
-          <pc:docMk/>
-          <pc:sldMk cId="3018556184" sldId="259"/>
-        </pc:sldMkLst>
-        <pc:spChg chg="mod">
-          <ac:chgData name="Riccardo Berta" userId="c8694f89-bba4-4576-b0a8-456619ca5a8c" providerId="ADAL" clId="{58424B7E-67A2-E24B-9516-C248AFA19009}" dt="2022-08-30T09:40:55.801" v="1443" actId="20577"/>
-          <ac:spMkLst>
-            <pc:docMk/>
-            <pc:sldMk cId="3018556184" sldId="259"/>
-            <ac:spMk id="2" creationId="{41268BF7-2F3B-A5C4-4F7E-1982399FCE62}"/>
-          </ac:spMkLst>
-        </pc:spChg>
-        <pc:spChg chg="mod">
-          <ac:chgData name="Riccardo Berta" userId="c8694f89-bba4-4576-b0a8-456619ca5a8c" providerId="ADAL" clId="{58424B7E-67A2-E24B-9516-C248AFA19009}" dt="2022-08-30T09:41:00.751" v="1457" actId="20577"/>
-          <ac:spMkLst>
-            <pc:docMk/>
-            <pc:sldMk cId="3018556184" sldId="259"/>
-            <ac:spMk id="3" creationId="{38BFAA1C-1163-169B-2D77-6FEF73CC8512}"/>
-          </ac:spMkLst>
-        </pc:spChg>
-      </pc:sldChg>
-      <pc:sldChg chg="del">
-        <pc:chgData name="Riccardo Berta" userId="c8694f89-bba4-4576-b0a8-456619ca5a8c" providerId="ADAL" clId="{58424B7E-67A2-E24B-9516-C248AFA19009}" dt="2022-08-30T08:44:09.932" v="12" actId="2696"/>
-        <pc:sldMkLst>
-          <pc:docMk/>
-          <pc:sldMk cId="1066709261" sldId="260"/>
-        </pc:sldMkLst>
-      </pc:sldChg>
-      <pc:sldChg chg="addSp modSp add mod">
-        <pc:chgData name="Riccardo Berta" userId="c8694f89-bba4-4576-b0a8-456619ca5a8c" providerId="ADAL" clId="{58424B7E-67A2-E24B-9516-C248AFA19009}" dt="2022-08-30T09:38:04.406" v="1411" actId="20577"/>
-        <pc:sldMkLst>
-          <pc:docMk/>
-          <pc:sldMk cId="3692252167" sldId="260"/>
-        </pc:sldMkLst>
-        <pc:spChg chg="mod">
-          <ac:chgData name="Riccardo Berta" userId="c8694f89-bba4-4576-b0a8-456619ca5a8c" providerId="ADAL" clId="{58424B7E-67A2-E24B-9516-C248AFA19009}" dt="2022-08-30T09:38:04.406" v="1411" actId="20577"/>
-          <ac:spMkLst>
-            <pc:docMk/>
-            <pc:sldMk cId="3692252167" sldId="260"/>
-            <ac:spMk id="83" creationId="{00000000-0000-0000-0000-000000000000}"/>
-          </ac:spMkLst>
-        </pc:spChg>
-        <pc:spChg chg="mod">
-          <ac:chgData name="Riccardo Berta" userId="c8694f89-bba4-4576-b0a8-456619ca5a8c" providerId="ADAL" clId="{58424B7E-67A2-E24B-9516-C248AFA19009}" dt="2022-08-30T09:04:35.320" v="520" actId="20577"/>
-          <ac:spMkLst>
-            <pc:docMk/>
-            <pc:sldMk cId="3692252167" sldId="260"/>
-            <ac:spMk id="84" creationId="{00000000-0000-0000-0000-000000000000}"/>
-          </ac:spMkLst>
-        </pc:spChg>
-        <pc:picChg chg="add mod">
-          <ac:chgData name="Riccardo Berta" userId="c8694f89-bba4-4576-b0a8-456619ca5a8c" providerId="ADAL" clId="{58424B7E-67A2-E24B-9516-C248AFA19009}" dt="2022-08-30T09:05:43.669" v="528" actId="1076"/>
-          <ac:picMkLst>
-            <pc:docMk/>
-            <pc:sldMk cId="3692252167" sldId="260"/>
-            <ac:picMk id="3" creationId="{26020D26-A3D1-87FF-6D23-30510A8347CA}"/>
-          </ac:picMkLst>
-        </pc:picChg>
-        <pc:picChg chg="add mod">
-          <ac:chgData name="Riccardo Berta" userId="c8694f89-bba4-4576-b0a8-456619ca5a8c" providerId="ADAL" clId="{58424B7E-67A2-E24B-9516-C248AFA19009}" dt="2022-08-30T09:05:45.736" v="529" actId="1076"/>
-          <ac:picMkLst>
-            <pc:docMk/>
-            <pc:sldMk cId="3692252167" sldId="260"/>
-            <ac:picMk id="5" creationId="{9FA419C2-E609-741E-D65C-C1D117A7308B}"/>
-          </ac:picMkLst>
-        </pc:picChg>
-        <pc:picChg chg="add mod">
-          <ac:chgData name="Riccardo Berta" userId="c8694f89-bba4-4576-b0a8-456619ca5a8c" providerId="ADAL" clId="{58424B7E-67A2-E24B-9516-C248AFA19009}" dt="2022-08-30T09:05:50.436" v="530" actId="1076"/>
-          <ac:picMkLst>
-            <pc:docMk/>
-            <pc:sldMk cId="3692252167" sldId="260"/>
-            <ac:picMk id="7" creationId="{3ECFDE7C-5996-8F77-AAD8-C21E11379B42}"/>
-          </ac:picMkLst>
-        </pc:picChg>
-      </pc:sldChg>
-      <pc:sldChg chg="addSp modSp add mod">
-        <pc:chgData name="Riccardo Berta" userId="c8694f89-bba4-4576-b0a8-456619ca5a8c" providerId="ADAL" clId="{58424B7E-67A2-E24B-9516-C248AFA19009}" dt="2022-08-30T09:35:29.211" v="1307" actId="21"/>
-        <pc:sldMkLst>
-          <pc:docMk/>
-          <pc:sldMk cId="846979211" sldId="261"/>
-        </pc:sldMkLst>
-        <pc:spChg chg="mod">
-          <ac:chgData name="Riccardo Berta" userId="c8694f89-bba4-4576-b0a8-456619ca5a8c" providerId="ADAL" clId="{58424B7E-67A2-E24B-9516-C248AFA19009}" dt="2022-08-30T09:06:58.258" v="533" actId="20577"/>
-          <ac:spMkLst>
-            <pc:docMk/>
-            <pc:sldMk cId="846979211" sldId="261"/>
-            <ac:spMk id="83" creationId="{00000000-0000-0000-0000-000000000000}"/>
-          </ac:spMkLst>
-        </pc:spChg>
-        <pc:spChg chg="mod">
-          <ac:chgData name="Riccardo Berta" userId="c8694f89-bba4-4576-b0a8-456619ca5a8c" providerId="ADAL" clId="{58424B7E-67A2-E24B-9516-C248AFA19009}" dt="2022-08-30T09:35:29.211" v="1307" actId="21"/>
-          <ac:spMkLst>
-            <pc:docMk/>
-            <pc:sldMk cId="846979211" sldId="261"/>
-            <ac:spMk id="84" creationId="{00000000-0000-0000-0000-000000000000}"/>
-          </ac:spMkLst>
-        </pc:spChg>
-        <pc:picChg chg="add mod">
-          <ac:chgData name="Riccardo Berta" userId="c8694f89-bba4-4576-b0a8-456619ca5a8c" providerId="ADAL" clId="{58424B7E-67A2-E24B-9516-C248AFA19009}" dt="2022-08-30T09:08:52.432" v="561" actId="1076"/>
-          <ac:picMkLst>
-            <pc:docMk/>
-            <pc:sldMk cId="846979211" sldId="261"/>
-            <ac:picMk id="3" creationId="{ABE3CA87-0B25-2C79-A596-21112343DAEC}"/>
-          </ac:picMkLst>
-        </pc:picChg>
-      </pc:sldChg>
-      <pc:sldChg chg="modSp add mod">
-        <pc:chgData name="Riccardo Berta" userId="c8694f89-bba4-4576-b0a8-456619ca5a8c" providerId="ADAL" clId="{58424B7E-67A2-E24B-9516-C248AFA19009}" dt="2022-08-30T09:19:27.119" v="830" actId="20577"/>
-        <pc:sldMkLst>
-          <pc:docMk/>
-          <pc:sldMk cId="447929702" sldId="262"/>
-        </pc:sldMkLst>
-        <pc:spChg chg="mod">
-          <ac:chgData name="Riccardo Berta" userId="c8694f89-bba4-4576-b0a8-456619ca5a8c" providerId="ADAL" clId="{58424B7E-67A2-E24B-9516-C248AFA19009}" dt="2022-08-30T09:09:40.371" v="566" actId="20577"/>
-          <ac:spMkLst>
-            <pc:docMk/>
-            <pc:sldMk cId="447929702" sldId="262"/>
-            <ac:spMk id="83" creationId="{00000000-0000-0000-0000-000000000000}"/>
-          </ac:spMkLst>
-        </pc:spChg>
-        <pc:spChg chg="mod">
-          <ac:chgData name="Riccardo Berta" userId="c8694f89-bba4-4576-b0a8-456619ca5a8c" providerId="ADAL" clId="{58424B7E-67A2-E24B-9516-C248AFA19009}" dt="2022-08-30T09:19:27.119" v="830" actId="20577"/>
-          <ac:spMkLst>
-            <pc:docMk/>
-            <pc:sldMk cId="447929702" sldId="262"/>
-            <ac:spMk id="84" creationId="{00000000-0000-0000-0000-000000000000}"/>
-          </ac:spMkLst>
-        </pc:spChg>
-      </pc:sldChg>
-      <pc:sldChg chg="addSp modSp add mod ord">
-        <pc:chgData name="Riccardo Berta" userId="c8694f89-bba4-4576-b0a8-456619ca5a8c" providerId="ADAL" clId="{58424B7E-67A2-E24B-9516-C248AFA19009}" dt="2022-08-30T09:40:40.663" v="1434" actId="20578"/>
-        <pc:sldMkLst>
-          <pc:docMk/>
-          <pc:sldMk cId="11402927" sldId="263"/>
-        </pc:sldMkLst>
-        <pc:spChg chg="mod">
-          <ac:chgData name="Riccardo Berta" userId="c8694f89-bba4-4576-b0a8-456619ca5a8c" providerId="ADAL" clId="{58424B7E-67A2-E24B-9516-C248AFA19009}" dt="2022-08-30T09:26:18.243" v="1009" actId="20577"/>
-          <ac:spMkLst>
-            <pc:docMk/>
-            <pc:sldMk cId="11402927" sldId="263"/>
-            <ac:spMk id="83" creationId="{00000000-0000-0000-0000-000000000000}"/>
-          </ac:spMkLst>
-        </pc:spChg>
-        <pc:spChg chg="mod">
-          <ac:chgData name="Riccardo Berta" userId="c8694f89-bba4-4576-b0a8-456619ca5a8c" providerId="ADAL" clId="{58424B7E-67A2-E24B-9516-C248AFA19009}" dt="2022-08-30T09:32:06.516" v="1199" actId="404"/>
-          <ac:spMkLst>
-            <pc:docMk/>
-            <pc:sldMk cId="11402927" sldId="263"/>
-            <ac:spMk id="84" creationId="{00000000-0000-0000-0000-000000000000}"/>
-          </ac:spMkLst>
-        </pc:spChg>
-        <pc:picChg chg="add mod">
-          <ac:chgData name="Riccardo Berta" userId="c8694f89-bba4-4576-b0a8-456619ca5a8c" providerId="ADAL" clId="{58424B7E-67A2-E24B-9516-C248AFA19009}" dt="2022-08-30T09:29:03.309" v="1117" actId="1076"/>
-          <ac:picMkLst>
-            <pc:docMk/>
-            <pc:sldMk cId="11402927" sldId="263"/>
-            <ac:picMk id="3" creationId="{F3D401DB-61B8-1C3E-9105-7EC9ACE0FC92}"/>
-          </ac:picMkLst>
-        </pc:picChg>
-        <pc:picChg chg="add mod">
-          <ac:chgData name="Riccardo Berta" userId="c8694f89-bba4-4576-b0a8-456619ca5a8c" providerId="ADAL" clId="{58424B7E-67A2-E24B-9516-C248AFA19009}" dt="2022-08-30T09:32:36.205" v="1204" actId="1076"/>
-          <ac:picMkLst>
-            <pc:docMk/>
-            <pc:sldMk cId="11402927" sldId="263"/>
-            <ac:picMk id="5" creationId="{5D828C5A-E211-5917-F0A3-478949F392AF}"/>
-          </ac:picMkLst>
-        </pc:picChg>
-        <pc:picChg chg="add mod">
-          <ac:chgData name="Riccardo Berta" userId="c8694f89-bba4-4576-b0a8-456619ca5a8c" providerId="ADAL" clId="{58424B7E-67A2-E24B-9516-C248AFA19009}" dt="2022-08-30T09:32:25.306" v="1202" actId="1076"/>
-          <ac:picMkLst>
-            <pc:docMk/>
-            <pc:sldMk cId="11402927" sldId="263"/>
-            <ac:picMk id="7" creationId="{0C7BE3E7-6868-19EE-3253-53A71F868074}"/>
-          </ac:picMkLst>
-        </pc:picChg>
-        <pc:picChg chg="add mod">
-          <ac:chgData name="Riccardo Berta" userId="c8694f89-bba4-4576-b0a8-456619ca5a8c" providerId="ADAL" clId="{58424B7E-67A2-E24B-9516-C248AFA19009}" dt="2022-08-30T09:32:20.372" v="1201" actId="1076"/>
-          <ac:picMkLst>
-            <pc:docMk/>
-            <pc:sldMk cId="11402927" sldId="263"/>
-            <ac:picMk id="9" creationId="{4FF45D8D-E910-4192-97BD-DEBE87AA0D7F}"/>
-          </ac:picMkLst>
-        </pc:picChg>
-        <pc:picChg chg="add mod">
-          <ac:chgData name="Riccardo Berta" userId="c8694f89-bba4-4576-b0a8-456619ca5a8c" providerId="ADAL" clId="{58424B7E-67A2-E24B-9516-C248AFA19009}" dt="2022-08-30T09:32:16.472" v="1200" actId="1076"/>
-          <ac:picMkLst>
-            <pc:docMk/>
-            <pc:sldMk cId="11402927" sldId="263"/>
-            <ac:picMk id="11" creationId="{85A08A20-9095-CFB9-3040-825FE39CFB8A}"/>
-          </ac:picMkLst>
-        </pc:picChg>
-      </pc:sldChg>
-      <pc:sldChg chg="del">
-        <pc:chgData name="Riccardo Berta" userId="c8694f89-bba4-4576-b0a8-456619ca5a8c" providerId="ADAL" clId="{58424B7E-67A2-E24B-9516-C248AFA19009}" dt="2022-08-30T08:44:10.781" v="14" actId="2696"/>
-        <pc:sldMkLst>
-          <pc:docMk/>
-          <pc:sldMk cId="2190566097" sldId="263"/>
-        </pc:sldMkLst>
-      </pc:sldChg>
-      <pc:sldChg chg="modSp add mod ord">
-        <pc:chgData name="Riccardo Berta" userId="c8694f89-bba4-4576-b0a8-456619ca5a8c" providerId="ADAL" clId="{58424B7E-67A2-E24B-9516-C248AFA19009}" dt="2022-08-30T09:40:38.066" v="1433" actId="20578"/>
-        <pc:sldMkLst>
-          <pc:docMk/>
-          <pc:sldMk cId="2794482370" sldId="264"/>
-        </pc:sldMkLst>
-        <pc:spChg chg="mod">
-          <ac:chgData name="Riccardo Berta" userId="c8694f89-bba4-4576-b0a8-456619ca5a8c" providerId="ADAL" clId="{58424B7E-67A2-E24B-9516-C248AFA19009}" dt="2022-08-30T09:35:37.505" v="1317" actId="20577"/>
-          <ac:spMkLst>
-            <pc:docMk/>
-            <pc:sldMk cId="2794482370" sldId="264"/>
-            <ac:spMk id="83" creationId="{00000000-0000-0000-0000-000000000000}"/>
-          </ac:spMkLst>
-        </pc:spChg>
-        <pc:spChg chg="mod">
-          <ac:chgData name="Riccardo Berta" userId="c8694f89-bba4-4576-b0a8-456619ca5a8c" providerId="ADAL" clId="{58424B7E-67A2-E24B-9516-C248AFA19009}" dt="2022-08-30T09:37:23.887" v="1369" actId="20577"/>
-          <ac:spMkLst>
-            <pc:docMk/>
-            <pc:sldMk cId="2794482370" sldId="264"/>
-            <ac:spMk id="84" creationId="{00000000-0000-0000-0000-000000000000}"/>
-          </ac:spMkLst>
-        </pc:spChg>
-      </pc:sldChg>
-      <pc:sldChg chg="del">
-        <pc:chgData name="Riccardo Berta" userId="c8694f89-bba4-4576-b0a8-456619ca5a8c" providerId="ADAL" clId="{58424B7E-67A2-E24B-9516-C248AFA19009}" dt="2022-08-30T08:44:11.185" v="15" actId="2696"/>
-        <pc:sldMkLst>
-          <pc:docMk/>
-          <pc:sldMk cId="3888810046" sldId="264"/>
-        </pc:sldMkLst>
-      </pc:sldChg>
-      <pc:sldChg chg="add del">
-        <pc:chgData name="Riccardo Berta" userId="c8694f89-bba4-4576-b0a8-456619ca5a8c" providerId="ADAL" clId="{58424B7E-67A2-E24B-9516-C248AFA19009}" dt="2022-08-30T09:40:43.113" v="1435" actId="2696"/>
-        <pc:sldMkLst>
-          <pc:docMk/>
-          <pc:sldMk cId="1840044115" sldId="265"/>
-        </pc:sldMkLst>
-      </pc:sldChg>
-      <pc:sldChg chg="del">
-        <pc:chgData name="Riccardo Berta" userId="c8694f89-bba4-4576-b0a8-456619ca5a8c" providerId="ADAL" clId="{58424B7E-67A2-E24B-9516-C248AFA19009}" dt="2022-08-30T08:44:10.392" v="13" actId="2696"/>
-        <pc:sldMkLst>
-          <pc:docMk/>
-          <pc:sldMk cId="2733657070" sldId="265"/>
-        </pc:sldMkLst>
-      </pc:sldChg>
-      <pc:sldChg chg="del">
-        <pc:chgData name="Riccardo Berta" userId="c8694f89-bba4-4576-b0a8-456619ca5a8c" providerId="ADAL" clId="{58424B7E-67A2-E24B-9516-C248AFA19009}" dt="2022-08-30T08:44:11.546" v="16" actId="2696"/>
-        <pc:sldMkLst>
-          <pc:docMk/>
-          <pc:sldMk cId="2836957529" sldId="266"/>
-        </pc:sldMkLst>
-      </pc:sldChg>
-      <pc:sldChg chg="add del">
-        <pc:chgData name="Riccardo Berta" userId="c8694f89-bba4-4576-b0a8-456619ca5a8c" providerId="ADAL" clId="{58424B7E-67A2-E24B-9516-C248AFA19009}" dt="2022-08-30T09:40:44.686" v="1436" actId="2696"/>
-        <pc:sldMkLst>
-          <pc:docMk/>
-          <pc:sldMk cId="3173063083" sldId="266"/>
-        </pc:sldMkLst>
-      </pc:sldChg>
-      <pc:sldChg chg="del">
-        <pc:chgData name="Riccardo Berta" userId="c8694f89-bba4-4576-b0a8-456619ca5a8c" providerId="ADAL" clId="{58424B7E-67A2-E24B-9516-C248AFA19009}" dt="2022-08-30T08:44:11.879" v="17" actId="2696"/>
-        <pc:sldMkLst>
-          <pc:docMk/>
-          <pc:sldMk cId="3519359877" sldId="267"/>
-        </pc:sldMkLst>
-      </pc:sldChg>
-      <pc:sldChg chg="add del">
-        <pc:chgData name="Riccardo Berta" userId="c8694f89-bba4-4576-b0a8-456619ca5a8c" providerId="ADAL" clId="{58424B7E-67A2-E24B-9516-C248AFA19009}" dt="2022-08-30T09:40:45.351" v="1437" actId="2696"/>
-        <pc:sldMkLst>
-          <pc:docMk/>
-          <pc:sldMk cId="4284808824" sldId="267"/>
-        </pc:sldMkLst>
-      </pc:sldChg>
-      <pc:sldChg chg="add del">
-        <pc:chgData name="Riccardo Berta" userId="c8694f89-bba4-4576-b0a8-456619ca5a8c" providerId="ADAL" clId="{58424B7E-67A2-E24B-9516-C248AFA19009}" dt="2022-08-30T09:40:46.386" v="1438" actId="2696"/>
-        <pc:sldMkLst>
-          <pc:docMk/>
-          <pc:sldMk cId="2262434218" sldId="268"/>
-        </pc:sldMkLst>
-      </pc:sldChg>
-      <pc:sldChg chg="del">
-        <pc:chgData name="Riccardo Berta" userId="c8694f89-bba4-4576-b0a8-456619ca5a8c" providerId="ADAL" clId="{58424B7E-67A2-E24B-9516-C248AFA19009}" dt="2022-08-30T08:44:12.296" v="18" actId="2696"/>
-        <pc:sldMkLst>
-          <pc:docMk/>
-          <pc:sldMk cId="3883776362" sldId="268"/>
-        </pc:sldMkLst>
-      </pc:sldChg>
-      <pc:sldChg chg="del">
-        <pc:chgData name="Riccardo Berta" userId="c8694f89-bba4-4576-b0a8-456619ca5a8c" providerId="ADAL" clId="{58424B7E-67A2-E24B-9516-C248AFA19009}" dt="2022-08-30T08:44:12.734" v="19" actId="2696"/>
-        <pc:sldMkLst>
-          <pc:docMk/>
-          <pc:sldMk cId="482081013" sldId="269"/>
-        </pc:sldMkLst>
-      </pc:sldChg>
-      <pc:sldChg chg="del">
-        <pc:chgData name="Riccardo Berta" userId="c8694f89-bba4-4576-b0a8-456619ca5a8c" providerId="ADAL" clId="{58424B7E-67A2-E24B-9516-C248AFA19009}" dt="2022-08-30T08:44:13.162" v="20" actId="2696"/>
-        <pc:sldMkLst>
-          <pc:docMk/>
-          <pc:sldMk cId="761532774" sldId="270"/>
-        </pc:sldMkLst>
-      </pc:sldChg>
-      <pc:sldChg chg="del">
-        <pc:chgData name="Riccardo Berta" userId="c8694f89-bba4-4576-b0a8-456619ca5a8c" providerId="ADAL" clId="{58424B7E-67A2-E24B-9516-C248AFA19009}" dt="2022-08-30T08:44:13.596" v="21" actId="2696"/>
-        <pc:sldMkLst>
-          <pc:docMk/>
-          <pc:sldMk cId="3967202540" sldId="271"/>
-        </pc:sldMkLst>
-      </pc:sldChg>
-      <pc:sldChg chg="del">
-        <pc:chgData name="Riccardo Berta" userId="c8694f89-bba4-4576-b0a8-456619ca5a8c" providerId="ADAL" clId="{58424B7E-67A2-E24B-9516-C248AFA19009}" dt="2022-08-30T08:44:14.037" v="22" actId="2696"/>
-        <pc:sldMkLst>
-          <pc:docMk/>
-          <pc:sldMk cId="2355894371" sldId="272"/>
-        </pc:sldMkLst>
-      </pc:sldChg>
-      <pc:sldChg chg="del">
-        <pc:chgData name="Riccardo Berta" userId="c8694f89-bba4-4576-b0a8-456619ca5a8c" providerId="ADAL" clId="{58424B7E-67A2-E24B-9516-C248AFA19009}" dt="2022-08-30T08:44:14.570" v="23" actId="2696"/>
-        <pc:sldMkLst>
-          <pc:docMk/>
-          <pc:sldMk cId="3843819371" sldId="273"/>
-        </pc:sldMkLst>
-      </pc:sldChg>
-      <pc:sldChg chg="del">
-        <pc:chgData name="Riccardo Berta" userId="c8694f89-bba4-4576-b0a8-456619ca5a8c" providerId="ADAL" clId="{58424B7E-67A2-E24B-9516-C248AFA19009}" dt="2022-08-30T08:44:15.613" v="24" actId="2696"/>
-        <pc:sldMkLst>
-          <pc:docMk/>
-          <pc:sldMk cId="806177680" sldId="274"/>
-        </pc:sldMkLst>
-      </pc:sldChg>
-      <pc:sldChg chg="del">
-        <pc:chgData name="Riccardo Berta" userId="c8694f89-bba4-4576-b0a8-456619ca5a8c" providerId="ADAL" clId="{58424B7E-67A2-E24B-9516-C248AFA19009}" dt="2022-08-30T08:44:16.250" v="25" actId="2696"/>
-        <pc:sldMkLst>
-          <pc:docMk/>
-          <pc:sldMk cId="284781631" sldId="275"/>
-        </pc:sldMkLst>
-      </pc:sldChg>
-      <pc:sldChg chg="del">
-        <pc:chgData name="Riccardo Berta" userId="c8694f89-bba4-4576-b0a8-456619ca5a8c" providerId="ADAL" clId="{58424B7E-67A2-E24B-9516-C248AFA19009}" dt="2022-08-30T08:44:17.013" v="26" actId="2696"/>
-        <pc:sldMkLst>
-          <pc:docMk/>
-          <pc:sldMk cId="4125292156" sldId="276"/>
-        </pc:sldMkLst>
-      </pc:sldChg>
-      <pc:sldChg chg="del">
-        <pc:chgData name="Riccardo Berta" userId="c8694f89-bba4-4576-b0a8-456619ca5a8c" providerId="ADAL" clId="{58424B7E-67A2-E24B-9516-C248AFA19009}" dt="2022-08-30T08:44:17.602" v="27" actId="2696"/>
-        <pc:sldMkLst>
-          <pc:docMk/>
-          <pc:sldMk cId="1388305878" sldId="277"/>
-        </pc:sldMkLst>
-      </pc:sldChg>
-      <pc:sldChg chg="del">
-        <pc:chgData name="Riccardo Berta" userId="c8694f89-bba4-4576-b0a8-456619ca5a8c" providerId="ADAL" clId="{58424B7E-67A2-E24B-9516-C248AFA19009}" dt="2022-08-30T08:44:18.091" v="28" actId="2696"/>
-        <pc:sldMkLst>
-          <pc:docMk/>
-          <pc:sldMk cId="2276488042" sldId="278"/>
-        </pc:sldMkLst>
-      </pc:sldChg>
-      <pc:sldMasterChg chg="modSldLayout">
-        <pc:chgData name="Riccardo Berta" userId="c8694f89-bba4-4576-b0a8-456619ca5a8c" providerId="ADAL" clId="{58424B7E-67A2-E24B-9516-C248AFA19009}" dt="2022-08-30T08:51:17.059" v="152" actId="948"/>
-        <pc:sldMasterMkLst>
-          <pc:docMk/>
-          <pc:sldMasterMk cId="0" sldId="2147483659"/>
-        </pc:sldMasterMkLst>
-        <pc:sldLayoutChg chg="modSp mod">
-          <pc:chgData name="Riccardo Berta" userId="c8694f89-bba4-4576-b0a8-456619ca5a8c" providerId="ADAL" clId="{58424B7E-67A2-E24B-9516-C248AFA19009}" dt="2022-08-30T08:51:17.059" v="152" actId="948"/>
-          <pc:sldLayoutMkLst>
-            <pc:docMk/>
-            <pc:sldMasterMk cId="0" sldId="2147483659"/>
-            <pc:sldLayoutMk cId="0" sldId="2147483650"/>
-          </pc:sldLayoutMkLst>
-          <pc:spChg chg="mod">
-            <ac:chgData name="Riccardo Berta" userId="c8694f89-bba4-4576-b0a8-456619ca5a8c" providerId="ADAL" clId="{58424B7E-67A2-E24B-9516-C248AFA19009}" dt="2022-08-30T08:51:17.059" v="152" actId="948"/>
-            <ac:spMkLst>
-              <pc:docMk/>
-              <pc:sldMasterMk cId="0" sldId="2147483659"/>
-              <pc:sldLayoutMk cId="0" sldId="2147483650"/>
-              <ac:spMk id="23" creationId="{00000000-0000-0000-0000-000000000000}"/>
-            </ac:spMkLst>
-          </pc:spChg>
-        </pc:sldLayoutChg>
-      </pc:sldMasterChg>
-    </pc:docChg>
-  </pc:docChgLst>
-  <pc:docChgLst>
-    <pc:chgData name="Riccardo Berta" userId="c8694f89-bba4-4576-b0a8-456619ca5a8c" providerId="ADAL" clId="{F4AAAA8C-1CB2-214C-996A-F15BCA6CB64E}"/>
-    <pc:docChg chg="undo custSel addSld delSld modSld">
-      <pc:chgData name="Riccardo Berta" userId="c8694f89-bba4-4576-b0a8-456619ca5a8c" providerId="ADAL" clId="{F4AAAA8C-1CB2-214C-996A-F15BCA6CB64E}" dt="2022-07-29T16:21:50.628" v="2975" actId="1076"/>
-      <pc:docMkLst>
-        <pc:docMk/>
-      </pc:docMkLst>
-      <pc:sldChg chg="modSp mod">
-        <pc:chgData name="Riccardo Berta" userId="c8694f89-bba4-4576-b0a8-456619ca5a8c" providerId="ADAL" clId="{F4AAAA8C-1CB2-214C-996A-F15BCA6CB64E}" dt="2022-07-27T13:37:29.445" v="2" actId="20577"/>
-        <pc:sldMkLst>
-          <pc:docMk/>
-          <pc:sldMk cId="0" sldId="256"/>
-        </pc:sldMkLst>
-        <pc:spChg chg="mod">
-          <ac:chgData name="Riccardo Berta" userId="c8694f89-bba4-4576-b0a8-456619ca5a8c" providerId="ADAL" clId="{F4AAAA8C-1CB2-214C-996A-F15BCA6CB64E}" dt="2022-07-27T13:37:29.445" v="2" actId="20577"/>
-          <ac:spMkLst>
-            <pc:docMk/>
-            <pc:sldMk cId="0" sldId="256"/>
-            <ac:spMk id="62" creationId="{00000000-0000-0000-0000-000000000000}"/>
-          </ac:spMkLst>
-        </pc:spChg>
-      </pc:sldChg>
-      <pc:sldChg chg="addSp modSp mod">
-        <pc:chgData name="Riccardo Berta" userId="c8694f89-bba4-4576-b0a8-456619ca5a8c" providerId="ADAL" clId="{F4AAAA8C-1CB2-214C-996A-F15BCA6CB64E}" dt="2022-07-27T13:43:23.760" v="162" actId="20577"/>
-        <pc:sldMkLst>
-          <pc:docMk/>
-          <pc:sldMk cId="0" sldId="257"/>
-        </pc:sldMkLst>
-        <pc:spChg chg="mod">
-          <ac:chgData name="Riccardo Berta" userId="c8694f89-bba4-4576-b0a8-456619ca5a8c" providerId="ADAL" clId="{F4AAAA8C-1CB2-214C-996A-F15BCA6CB64E}" dt="2022-07-27T13:38:19.538" v="24" actId="20577"/>
-          <ac:spMkLst>
-            <pc:docMk/>
-            <pc:sldMk cId="0" sldId="257"/>
-            <ac:spMk id="83" creationId="{00000000-0000-0000-0000-000000000000}"/>
-          </ac:spMkLst>
-        </pc:spChg>
-        <pc:spChg chg="mod">
-          <ac:chgData name="Riccardo Berta" userId="c8694f89-bba4-4576-b0a8-456619ca5a8c" providerId="ADAL" clId="{F4AAAA8C-1CB2-214C-996A-F15BCA6CB64E}" dt="2022-07-27T13:43:23.760" v="162" actId="20577"/>
-          <ac:spMkLst>
-            <pc:docMk/>
-            <pc:sldMk cId="0" sldId="257"/>
-            <ac:spMk id="84" creationId="{00000000-0000-0000-0000-000000000000}"/>
-          </ac:spMkLst>
-        </pc:spChg>
-        <pc:picChg chg="add mod">
-          <ac:chgData name="Riccardo Berta" userId="c8694f89-bba4-4576-b0a8-456619ca5a8c" providerId="ADAL" clId="{F4AAAA8C-1CB2-214C-996A-F15BCA6CB64E}" dt="2022-07-27T13:43:02.813" v="153" actId="1076"/>
-          <ac:picMkLst>
-            <pc:docMk/>
-            <pc:sldMk cId="0" sldId="257"/>
-            <ac:picMk id="3" creationId="{E337B85C-FAA8-CC41-92F2-13E0228E3B65}"/>
-          </ac:picMkLst>
-        </pc:picChg>
-      </pc:sldChg>
-      <pc:sldChg chg="modSp del">
-        <pc:chgData name="Riccardo Berta" userId="c8694f89-bba4-4576-b0a8-456619ca5a8c" providerId="ADAL" clId="{F4AAAA8C-1CB2-214C-996A-F15BCA6CB64E}" dt="2022-07-27T13:43:43.714" v="164" actId="2696"/>
-        <pc:sldMkLst>
-          <pc:docMk/>
-          <pc:sldMk cId="1899110855" sldId="258"/>
-        </pc:sldMkLst>
-        <pc:spChg chg="mod">
-          <ac:chgData name="Riccardo Berta" userId="c8694f89-bba4-4576-b0a8-456619ca5a8c" providerId="ADAL" clId="{F4AAAA8C-1CB2-214C-996A-F15BCA6CB64E}" dt="2022-07-27T13:43:40.189" v="163"/>
-          <ac:spMkLst>
-            <pc:docMk/>
-            <pc:sldMk cId="1899110855" sldId="258"/>
-            <ac:spMk id="2" creationId="{9A367158-2E24-E90C-7ECC-502AB323ED05}"/>
-          </ac:spMkLst>
-        </pc:spChg>
-      </pc:sldChg>
-      <pc:sldChg chg="addSp delSp modSp mod">
-        <pc:chgData name="Riccardo Berta" userId="c8694f89-bba4-4576-b0a8-456619ca5a8c" providerId="ADAL" clId="{F4AAAA8C-1CB2-214C-996A-F15BCA6CB64E}" dt="2022-07-29T16:13:43.411" v="2890" actId="20577"/>
-        <pc:sldMkLst>
-          <pc:docMk/>
-          <pc:sldMk cId="3018556184" sldId="259"/>
-        </pc:sldMkLst>
-        <pc:spChg chg="mod">
-          <ac:chgData name="Riccardo Berta" userId="c8694f89-bba4-4576-b0a8-456619ca5a8c" providerId="ADAL" clId="{F4AAAA8C-1CB2-214C-996A-F15BCA6CB64E}" dt="2022-07-29T16:13:43.411" v="2890" actId="20577"/>
-          <ac:spMkLst>
-            <pc:docMk/>
-            <pc:sldMk cId="3018556184" sldId="259"/>
-            <ac:spMk id="3" creationId="{38BFAA1C-1163-169B-2D77-6FEF73CC8512}"/>
-          </ac:spMkLst>
-        </pc:spChg>
-        <pc:picChg chg="add del mod">
-          <ac:chgData name="Riccardo Berta" userId="c8694f89-bba4-4576-b0a8-456619ca5a8c" providerId="ADAL" clId="{F4AAAA8C-1CB2-214C-996A-F15BCA6CB64E}" dt="2022-07-29T07:13:37.040" v="2021" actId="21"/>
-          <ac:picMkLst>
-            <pc:docMk/>
-            <pc:sldMk cId="3018556184" sldId="259"/>
-            <ac:picMk id="5" creationId="{3D57D188-F23C-A5F1-8770-234AC5C0F8CD}"/>
-          </ac:picMkLst>
-        </pc:picChg>
-      </pc:sldChg>
-      <pc:sldChg chg="del">
-        <pc:chgData name="Riccardo Berta" userId="c8694f89-bba4-4576-b0a8-456619ca5a8c" providerId="ADAL" clId="{F4AAAA8C-1CB2-214C-996A-F15BCA6CB64E}" dt="2022-07-27T13:43:45.045" v="165" actId="2696"/>
-        <pc:sldMkLst>
-          <pc:docMk/>
-          <pc:sldMk cId="1104208334" sldId="260"/>
-        </pc:sldMkLst>
-      </pc:sldChg>
-      <pc:sldChg chg="addSp delSp modSp add mod">
-        <pc:chgData name="Riccardo Berta" userId="c8694f89-bba4-4576-b0a8-456619ca5a8c" providerId="ADAL" clId="{F4AAAA8C-1CB2-214C-996A-F15BCA6CB64E}" dt="2022-07-28T05:47:21.216" v="337" actId="1076"/>
-        <pc:sldMkLst>
-          <pc:docMk/>
-          <pc:sldMk cId="2119751735" sldId="260"/>
-        </pc:sldMkLst>
-        <pc:spChg chg="mod">
-          <ac:chgData name="Riccardo Berta" userId="c8694f89-bba4-4576-b0a8-456619ca5a8c" providerId="ADAL" clId="{F4AAAA8C-1CB2-214C-996A-F15BCA6CB64E}" dt="2022-07-27T13:45:31.917" v="177" actId="20577"/>
-          <ac:spMkLst>
-            <pc:docMk/>
-            <pc:sldMk cId="2119751735" sldId="260"/>
-            <ac:spMk id="83" creationId="{00000000-0000-0000-0000-000000000000}"/>
-          </ac:spMkLst>
-        </pc:spChg>
-        <pc:spChg chg="mod">
-          <ac:chgData name="Riccardo Berta" userId="c8694f89-bba4-4576-b0a8-456619ca5a8c" providerId="ADAL" clId="{F4AAAA8C-1CB2-214C-996A-F15BCA6CB64E}" dt="2022-07-28T05:46:51.692" v="332" actId="20577"/>
-          <ac:spMkLst>
-            <pc:docMk/>
-            <pc:sldMk cId="2119751735" sldId="260"/>
-            <ac:spMk id="84" creationId="{00000000-0000-0000-0000-000000000000}"/>
-          </ac:spMkLst>
-        </pc:spChg>
-        <pc:grpChg chg="add mod">
-          <ac:chgData name="Riccardo Berta" userId="c8694f89-bba4-4576-b0a8-456619ca5a8c" providerId="ADAL" clId="{F4AAAA8C-1CB2-214C-996A-F15BCA6CB64E}" dt="2022-07-28T05:47:21.216" v="337" actId="1076"/>
-          <ac:grpSpMkLst>
-            <pc:docMk/>
-            <pc:sldMk cId="2119751735" sldId="260"/>
-            <ac:grpSpMk id="7" creationId="{489CA0CE-5F21-4BF4-5B0C-E98A8FC5FDD8}"/>
-          </ac:grpSpMkLst>
-        </pc:grpChg>
-        <pc:picChg chg="del">
-          <ac:chgData name="Riccardo Berta" userId="c8694f89-bba4-4576-b0a8-456619ca5a8c" providerId="ADAL" clId="{F4AAAA8C-1CB2-214C-996A-F15BCA6CB64E}" dt="2022-07-27T13:45:46.742" v="181" actId="478"/>
-          <ac:picMkLst>
-            <pc:docMk/>
-            <pc:sldMk cId="2119751735" sldId="260"/>
-            <ac:picMk id="3" creationId="{E337B85C-FAA8-CC41-92F2-13E0228E3B65}"/>
-          </ac:picMkLst>
-        </pc:picChg>
-        <pc:picChg chg="add mod">
-          <ac:chgData name="Riccardo Berta" userId="c8694f89-bba4-4576-b0a8-456619ca5a8c" providerId="ADAL" clId="{F4AAAA8C-1CB2-214C-996A-F15BCA6CB64E}" dt="2022-07-28T05:45:35.354" v="315" actId="164"/>
-          <ac:picMkLst>
-            <pc:docMk/>
-            <pc:sldMk cId="2119751735" sldId="260"/>
-            <ac:picMk id="4" creationId="{BEB555A5-8E8F-EF63-4BD5-BDB8C5B0448C}"/>
-          </ac:picMkLst>
-        </pc:picChg>
-        <pc:picChg chg="add mod">
-          <ac:chgData name="Riccardo Berta" userId="c8694f89-bba4-4576-b0a8-456619ca5a8c" providerId="ADAL" clId="{F4AAAA8C-1CB2-214C-996A-F15BCA6CB64E}" dt="2022-07-28T05:45:35.354" v="315" actId="164"/>
-          <ac:picMkLst>
-            <pc:docMk/>
-            <pc:sldMk cId="2119751735" sldId="260"/>
-            <ac:picMk id="6" creationId="{177C8D6D-02B1-C754-62AE-4DE123A1F0A3}"/>
-          </ac:picMkLst>
-        </pc:picChg>
-        <pc:picChg chg="add mod">
-          <ac:chgData name="Riccardo Berta" userId="c8694f89-bba4-4576-b0a8-456619ca5a8c" providerId="ADAL" clId="{F4AAAA8C-1CB2-214C-996A-F15BCA6CB64E}" dt="2022-07-28T05:47:04.885" v="335" actId="167"/>
-          <ac:picMkLst>
-            <pc:docMk/>
-            <pc:sldMk cId="2119751735" sldId="260"/>
-            <ac:picMk id="9" creationId="{B47B7D50-84FB-AA7F-8A99-66D4AF7E0E9D}"/>
-          </ac:picMkLst>
-        </pc:picChg>
-      </pc:sldChg>
-      <pc:sldChg chg="del">
-        <pc:chgData name="Riccardo Berta" userId="c8694f89-bba4-4576-b0a8-456619ca5a8c" providerId="ADAL" clId="{F4AAAA8C-1CB2-214C-996A-F15BCA6CB64E}" dt="2022-07-27T13:43:46.058" v="166" actId="2696"/>
-        <pc:sldMkLst>
-          <pc:docMk/>
-          <pc:sldMk cId="1290395919" sldId="261"/>
-        </pc:sldMkLst>
-      </pc:sldChg>
-      <pc:sldChg chg="delSp modSp add mod">
-        <pc:chgData name="Riccardo Berta" userId="c8694f89-bba4-4576-b0a8-456619ca5a8c" providerId="ADAL" clId="{F4AAAA8C-1CB2-214C-996A-F15BCA6CB64E}" dt="2022-07-28T06:08:36.900" v="979" actId="20577"/>
-        <pc:sldMkLst>
-          <pc:docMk/>
-          <pc:sldMk cId="2389937581" sldId="261"/>
-        </pc:sldMkLst>
-        <pc:spChg chg="mod">
-          <ac:chgData name="Riccardo Berta" userId="c8694f89-bba4-4576-b0a8-456619ca5a8c" providerId="ADAL" clId="{F4AAAA8C-1CB2-214C-996A-F15BCA6CB64E}" dt="2022-07-28T05:48:31.210" v="384" actId="20577"/>
-          <ac:spMkLst>
-            <pc:docMk/>
-            <pc:sldMk cId="2389937581" sldId="261"/>
-            <ac:spMk id="83" creationId="{00000000-0000-0000-0000-000000000000}"/>
-          </ac:spMkLst>
-        </pc:spChg>
-        <pc:spChg chg="mod">
-          <ac:chgData name="Riccardo Berta" userId="c8694f89-bba4-4576-b0a8-456619ca5a8c" providerId="ADAL" clId="{F4AAAA8C-1CB2-214C-996A-F15BCA6CB64E}" dt="2022-07-28T06:08:36.900" v="979" actId="20577"/>
-          <ac:spMkLst>
-            <pc:docMk/>
-            <pc:sldMk cId="2389937581" sldId="261"/>
-            <ac:spMk id="84" creationId="{00000000-0000-0000-0000-000000000000}"/>
-          </ac:spMkLst>
-        </pc:spChg>
-        <pc:picChg chg="del">
-          <ac:chgData name="Riccardo Berta" userId="c8694f89-bba4-4576-b0a8-456619ca5a8c" providerId="ADAL" clId="{F4AAAA8C-1CB2-214C-996A-F15BCA6CB64E}" dt="2022-07-28T05:48:38.627" v="386" actId="478"/>
-          <ac:picMkLst>
-            <pc:docMk/>
-            <pc:sldMk cId="2389937581" sldId="261"/>
-            <ac:picMk id="3" creationId="{E337B85C-FAA8-CC41-92F2-13E0228E3B65}"/>
-          </ac:picMkLst>
-        </pc:picChg>
-      </pc:sldChg>
-      <pc:sldChg chg="addSp delSp modSp add mod">
-        <pc:chgData name="Riccardo Berta" userId="c8694f89-bba4-4576-b0a8-456619ca5a8c" providerId="ADAL" clId="{F4AAAA8C-1CB2-214C-996A-F15BCA6CB64E}" dt="2022-07-28T06:20:33.799" v="1324" actId="58"/>
-        <pc:sldMkLst>
-          <pc:docMk/>
-          <pc:sldMk cId="1270389364" sldId="262"/>
-        </pc:sldMkLst>
-        <pc:spChg chg="mod">
-          <ac:chgData name="Riccardo Berta" userId="c8694f89-bba4-4576-b0a8-456619ca5a8c" providerId="ADAL" clId="{F4AAAA8C-1CB2-214C-996A-F15BCA6CB64E}" dt="2022-07-28T06:09:05.210" v="991" actId="20577"/>
-          <ac:spMkLst>
-            <pc:docMk/>
-            <pc:sldMk cId="1270389364" sldId="262"/>
-            <ac:spMk id="83" creationId="{00000000-0000-0000-0000-000000000000}"/>
-          </ac:spMkLst>
-        </pc:spChg>
-        <pc:spChg chg="mod">
-          <ac:chgData name="Riccardo Berta" userId="c8694f89-bba4-4576-b0a8-456619ca5a8c" providerId="ADAL" clId="{F4AAAA8C-1CB2-214C-996A-F15BCA6CB64E}" dt="2022-07-28T06:20:33.799" v="1324" actId="58"/>
-          <ac:spMkLst>
-            <pc:docMk/>
-            <pc:sldMk cId="1270389364" sldId="262"/>
-            <ac:spMk id="84" creationId="{00000000-0000-0000-0000-000000000000}"/>
-          </ac:spMkLst>
-        </pc:spChg>
-        <pc:picChg chg="del">
-          <ac:chgData name="Riccardo Berta" userId="c8694f89-bba4-4576-b0a8-456619ca5a8c" providerId="ADAL" clId="{F4AAAA8C-1CB2-214C-996A-F15BCA6CB64E}" dt="2022-07-28T06:09:15.678" v="996" actId="478"/>
-          <ac:picMkLst>
-            <pc:docMk/>
-            <pc:sldMk cId="1270389364" sldId="262"/>
-            <ac:picMk id="3" creationId="{E337B85C-FAA8-CC41-92F2-13E0228E3B65}"/>
-          </ac:picMkLst>
-        </pc:picChg>
-        <pc:picChg chg="add mod">
-          <ac:chgData name="Riccardo Berta" userId="c8694f89-bba4-4576-b0a8-456619ca5a8c" providerId="ADAL" clId="{F4AAAA8C-1CB2-214C-996A-F15BCA6CB64E}" dt="2022-07-28T06:17:50.208" v="1230" actId="1036"/>
-          <ac:picMkLst>
-            <pc:docMk/>
-            <pc:sldMk cId="1270389364" sldId="262"/>
-            <ac:picMk id="4" creationId="{AB9A4B8B-5326-C7E4-06B6-378D995D5B26}"/>
-          </ac:picMkLst>
-        </pc:picChg>
-      </pc:sldChg>
-      <pc:sldChg chg="del">
-        <pc:chgData name="Riccardo Berta" userId="c8694f89-bba4-4576-b0a8-456619ca5a8c" providerId="ADAL" clId="{F4AAAA8C-1CB2-214C-996A-F15BCA6CB64E}" dt="2022-07-27T13:43:47.251" v="167" actId="2696"/>
-        <pc:sldMkLst>
-          <pc:docMk/>
-          <pc:sldMk cId="4130549615" sldId="262"/>
-        </pc:sldMkLst>
-      </pc:sldChg>
-      <pc:sldChg chg="modSp add mod">
-        <pc:chgData name="Riccardo Berta" userId="c8694f89-bba4-4576-b0a8-456619ca5a8c" providerId="ADAL" clId="{F4AAAA8C-1CB2-214C-996A-F15BCA6CB64E}" dt="2022-07-29T07:18:15.970" v="2126" actId="1076"/>
-        <pc:sldMkLst>
-          <pc:docMk/>
-          <pc:sldMk cId="2644872656" sldId="263"/>
-        </pc:sldMkLst>
-        <pc:spChg chg="mod">
-          <ac:chgData name="Riccardo Berta" userId="c8694f89-bba4-4576-b0a8-456619ca5a8c" providerId="ADAL" clId="{F4AAAA8C-1CB2-214C-996A-F15BCA6CB64E}" dt="2022-07-28T13:41:46.191" v="1354" actId="20577"/>
-          <ac:spMkLst>
-            <pc:docMk/>
-            <pc:sldMk cId="2644872656" sldId="263"/>
-            <ac:spMk id="83" creationId="{00000000-0000-0000-0000-000000000000}"/>
-          </ac:spMkLst>
-        </pc:spChg>
-        <pc:spChg chg="mod">
-          <ac:chgData name="Riccardo Berta" userId="c8694f89-bba4-4576-b0a8-456619ca5a8c" providerId="ADAL" clId="{F4AAAA8C-1CB2-214C-996A-F15BCA6CB64E}" dt="2022-07-29T07:18:15.970" v="2126" actId="1076"/>
-          <ac:spMkLst>
-            <pc:docMk/>
-            <pc:sldMk cId="2644872656" sldId="263"/>
-            <ac:spMk id="84" creationId="{00000000-0000-0000-0000-000000000000}"/>
-          </ac:spMkLst>
-        </pc:spChg>
-      </pc:sldChg>
-      <pc:sldChg chg="del">
-        <pc:chgData name="Riccardo Berta" userId="c8694f89-bba4-4576-b0a8-456619ca5a8c" providerId="ADAL" clId="{F4AAAA8C-1CB2-214C-996A-F15BCA6CB64E}" dt="2022-07-27T13:43:48.139" v="168" actId="2696"/>
-        <pc:sldMkLst>
-          <pc:docMk/>
-          <pc:sldMk cId="3102138681" sldId="263"/>
-        </pc:sldMkLst>
-      </pc:sldChg>
-      <pc:sldChg chg="modSp add mod">
-        <pc:chgData name="Riccardo Berta" userId="c8694f89-bba4-4576-b0a8-456619ca5a8c" providerId="ADAL" clId="{F4AAAA8C-1CB2-214C-996A-F15BCA6CB64E}" dt="2022-07-28T13:59:43.403" v="1794" actId="20577"/>
-        <pc:sldMkLst>
-          <pc:docMk/>
-          <pc:sldMk cId="1681389695" sldId="264"/>
-        </pc:sldMkLst>
-        <pc:spChg chg="mod">
-          <ac:chgData name="Riccardo Berta" userId="c8694f89-bba4-4576-b0a8-456619ca5a8c" providerId="ADAL" clId="{F4AAAA8C-1CB2-214C-996A-F15BCA6CB64E}" dt="2022-07-28T13:55:27.771" v="1667" actId="20577"/>
-          <ac:spMkLst>
-            <pc:docMk/>
-            <pc:sldMk cId="1681389695" sldId="264"/>
-            <ac:spMk id="83" creationId="{00000000-0000-0000-0000-000000000000}"/>
-          </ac:spMkLst>
-        </pc:spChg>
-        <pc:spChg chg="mod">
-          <ac:chgData name="Riccardo Berta" userId="c8694f89-bba4-4576-b0a8-456619ca5a8c" providerId="ADAL" clId="{F4AAAA8C-1CB2-214C-996A-F15BCA6CB64E}" dt="2022-07-28T13:59:43.403" v="1794" actId="20577"/>
-          <ac:spMkLst>
-            <pc:docMk/>
-            <pc:sldMk cId="1681389695" sldId="264"/>
-            <ac:spMk id="84" creationId="{00000000-0000-0000-0000-000000000000}"/>
-          </ac:spMkLst>
-        </pc:spChg>
-      </pc:sldChg>
-      <pc:sldChg chg="del">
-        <pc:chgData name="Riccardo Berta" userId="c8694f89-bba4-4576-b0a8-456619ca5a8c" providerId="ADAL" clId="{F4AAAA8C-1CB2-214C-996A-F15BCA6CB64E}" dt="2022-07-27T13:43:49.652" v="169" actId="2696"/>
-        <pc:sldMkLst>
-          <pc:docMk/>
-          <pc:sldMk cId="2113557187" sldId="264"/>
-        </pc:sldMkLst>
-      </pc:sldChg>
-      <pc:sldChg chg="del">
-        <pc:chgData name="Riccardo Berta" userId="c8694f89-bba4-4576-b0a8-456619ca5a8c" providerId="ADAL" clId="{F4AAAA8C-1CB2-214C-996A-F15BCA6CB64E}" dt="2022-07-27T13:43:57.658" v="170" actId="2696"/>
-        <pc:sldMkLst>
-          <pc:docMk/>
-          <pc:sldMk cId="2045385232" sldId="265"/>
-        </pc:sldMkLst>
-      </pc:sldChg>
-      <pc:sldChg chg="addSp modSp add mod">
-        <pc:chgData name="Riccardo Berta" userId="c8694f89-bba4-4576-b0a8-456619ca5a8c" providerId="ADAL" clId="{F4AAAA8C-1CB2-214C-996A-F15BCA6CB64E}" dt="2022-07-29T07:15:19.612" v="2059" actId="1037"/>
-        <pc:sldMkLst>
-          <pc:docMk/>
-          <pc:sldMk cId="2862573505" sldId="265"/>
-        </pc:sldMkLst>
-        <pc:spChg chg="mod">
-          <ac:chgData name="Riccardo Berta" userId="c8694f89-bba4-4576-b0a8-456619ca5a8c" providerId="ADAL" clId="{F4AAAA8C-1CB2-214C-996A-F15BCA6CB64E}" dt="2022-07-28T14:01:34.242" v="1824" actId="20577"/>
-          <ac:spMkLst>
-            <pc:docMk/>
-            <pc:sldMk cId="2862573505" sldId="265"/>
-            <ac:spMk id="83" creationId="{00000000-0000-0000-0000-000000000000}"/>
-          </ac:spMkLst>
-        </pc:spChg>
-        <pc:spChg chg="mod">
-          <ac:chgData name="Riccardo Berta" userId="c8694f89-bba4-4576-b0a8-456619ca5a8c" providerId="ADAL" clId="{F4AAAA8C-1CB2-214C-996A-F15BCA6CB64E}" dt="2022-07-29T07:14:51.920" v="2043" actId="1076"/>
-          <ac:spMkLst>
-            <pc:docMk/>
-            <pc:sldMk cId="2862573505" sldId="265"/>
-            <ac:spMk id="84" creationId="{00000000-0000-0000-0000-000000000000}"/>
-          </ac:spMkLst>
-        </pc:spChg>
-        <pc:picChg chg="add mod">
-          <ac:chgData name="Riccardo Berta" userId="c8694f89-bba4-4576-b0a8-456619ca5a8c" providerId="ADAL" clId="{F4AAAA8C-1CB2-214C-996A-F15BCA6CB64E}" dt="2022-07-29T07:14:07.899" v="2027" actId="1076"/>
-          <ac:picMkLst>
-            <pc:docMk/>
-            <pc:sldMk cId="2862573505" sldId="265"/>
-            <ac:picMk id="3" creationId="{E5BCAA50-F768-A24F-D65F-DC7B97A8A06C}"/>
-          </ac:picMkLst>
-        </pc:picChg>
-        <pc:picChg chg="add mod">
-          <ac:chgData name="Riccardo Berta" userId="c8694f89-bba4-4576-b0a8-456619ca5a8c" providerId="ADAL" clId="{F4AAAA8C-1CB2-214C-996A-F15BCA6CB64E}" dt="2022-07-29T07:15:19.612" v="2059" actId="1037"/>
-          <ac:picMkLst>
-            <pc:docMk/>
-            <pc:sldMk cId="2862573505" sldId="265"/>
-            <ac:picMk id="5" creationId="{743A1BA3-6E04-AB8A-9650-4CD776CB6A72}"/>
-          </ac:picMkLst>
-        </pc:picChg>
-        <pc:picChg chg="add mod">
-          <ac:chgData name="Riccardo Berta" userId="c8694f89-bba4-4576-b0a8-456619ca5a8c" providerId="ADAL" clId="{F4AAAA8C-1CB2-214C-996A-F15BCA6CB64E}" dt="2022-07-29T07:15:08.710" v="2051" actId="1037"/>
-          <ac:picMkLst>
-            <pc:docMk/>
-            <pc:sldMk cId="2862573505" sldId="265"/>
-            <ac:picMk id="6" creationId="{9C1ABB64-8085-F0EF-1388-6AF4DB3909BB}"/>
-          </ac:picMkLst>
-        </pc:picChg>
-      </pc:sldChg>
-      <pc:sldChg chg="modSp add mod">
-        <pc:chgData name="Riccardo Berta" userId="c8694f89-bba4-4576-b0a8-456619ca5a8c" providerId="ADAL" clId="{F4AAAA8C-1CB2-214C-996A-F15BCA6CB64E}" dt="2022-07-29T15:42:16.243" v="2364" actId="404"/>
-        <pc:sldMkLst>
-          <pc:docMk/>
-          <pc:sldMk cId="4181844165" sldId="266"/>
-        </pc:sldMkLst>
-        <pc:spChg chg="mod">
-          <ac:chgData name="Riccardo Berta" userId="c8694f89-bba4-4576-b0a8-456619ca5a8c" providerId="ADAL" clId="{F4AAAA8C-1CB2-214C-996A-F15BCA6CB64E}" dt="2022-07-29T07:11:57.611" v="2016"/>
-          <ac:spMkLst>
-            <pc:docMk/>
-            <pc:sldMk cId="4181844165" sldId="266"/>
-            <ac:spMk id="83" creationId="{00000000-0000-0000-0000-000000000000}"/>
-          </ac:spMkLst>
-        </pc:spChg>
-        <pc:spChg chg="mod">
-          <ac:chgData name="Riccardo Berta" userId="c8694f89-bba4-4576-b0a8-456619ca5a8c" providerId="ADAL" clId="{F4AAAA8C-1CB2-214C-996A-F15BCA6CB64E}" dt="2022-07-29T15:42:16.243" v="2364" actId="404"/>
-          <ac:spMkLst>
-            <pc:docMk/>
-            <pc:sldMk cId="4181844165" sldId="266"/>
-            <ac:spMk id="84" creationId="{00000000-0000-0000-0000-000000000000}"/>
-          </ac:spMkLst>
-        </pc:spChg>
-      </pc:sldChg>
-      <pc:sldChg chg="addSp delSp modSp add mod">
-        <pc:chgData name="Riccardo Berta" userId="c8694f89-bba4-4576-b0a8-456619ca5a8c" providerId="ADAL" clId="{F4AAAA8C-1CB2-214C-996A-F15BCA6CB64E}" dt="2022-07-29T16:21:50.628" v="2975" actId="1076"/>
-        <pc:sldMkLst>
-          <pc:docMk/>
-          <pc:sldMk cId="216455838" sldId="267"/>
-        </pc:sldMkLst>
-        <pc:spChg chg="mod">
-          <ac:chgData name="Riccardo Berta" userId="c8694f89-bba4-4576-b0a8-456619ca5a8c" providerId="ADAL" clId="{F4AAAA8C-1CB2-214C-996A-F15BCA6CB64E}" dt="2022-07-29T16:21:40.165" v="2974" actId="20577"/>
-          <ac:spMkLst>
-            <pc:docMk/>
-            <pc:sldMk cId="216455838" sldId="267"/>
-            <ac:spMk id="83" creationId="{00000000-0000-0000-0000-000000000000}"/>
-          </ac:spMkLst>
-        </pc:spChg>
-        <pc:spChg chg="mod">
-          <ac:chgData name="Riccardo Berta" userId="c8694f89-bba4-4576-b0a8-456619ca5a8c" providerId="ADAL" clId="{F4AAAA8C-1CB2-214C-996A-F15BCA6CB64E}" dt="2022-07-29T16:21:04.813" v="2957" actId="20577"/>
-          <ac:spMkLst>
-            <pc:docMk/>
-            <pc:sldMk cId="216455838" sldId="267"/>
-            <ac:spMk id="84" creationId="{00000000-0000-0000-0000-000000000000}"/>
-          </ac:spMkLst>
-        </pc:spChg>
-        <pc:picChg chg="add del">
-          <ac:chgData name="Riccardo Berta" userId="c8694f89-bba4-4576-b0a8-456619ca5a8c" providerId="ADAL" clId="{F4AAAA8C-1CB2-214C-996A-F15BCA6CB64E}" dt="2022-07-29T15:53:24.645" v="2396" actId="478"/>
-          <ac:picMkLst>
-            <pc:docMk/>
-            <pc:sldMk cId="216455838" sldId="267"/>
-            <ac:picMk id="2" creationId="{F4FCEF60-8194-3CD6-BE60-E133D5DF313E}"/>
-          </ac:picMkLst>
-        </pc:picChg>
-        <pc:picChg chg="add mod">
-          <ac:chgData name="Riccardo Berta" userId="c8694f89-bba4-4576-b0a8-456619ca5a8c" providerId="ADAL" clId="{F4AAAA8C-1CB2-214C-996A-F15BCA6CB64E}" dt="2022-07-29T16:21:09.630" v="2958" actId="1076"/>
-          <ac:picMkLst>
-            <pc:docMk/>
-            <pc:sldMk cId="216455838" sldId="267"/>
-            <ac:picMk id="4" creationId="{E6F64BDC-73CD-7216-BA09-69DDCB93F9D4}"/>
-          </ac:picMkLst>
-        </pc:picChg>
-        <pc:picChg chg="add mod">
-          <ac:chgData name="Riccardo Berta" userId="c8694f89-bba4-4576-b0a8-456619ca5a8c" providerId="ADAL" clId="{F4AAAA8C-1CB2-214C-996A-F15BCA6CB64E}" dt="2022-07-29T16:21:50.628" v="2975" actId="1076"/>
-          <ac:picMkLst>
-            <pc:docMk/>
-            <pc:sldMk cId="216455838" sldId="267"/>
-            <ac:picMk id="5" creationId="{3ACC4B13-0F8B-1CAD-68C4-DF5DFDB1BD88}"/>
-          </ac:picMkLst>
-        </pc:picChg>
-      </pc:sldChg>
-      <pc:sldChg chg="modSp add mod">
-        <pc:chgData name="Riccardo Berta" userId="c8694f89-bba4-4576-b0a8-456619ca5a8c" providerId="ADAL" clId="{F4AAAA8C-1CB2-214C-996A-F15BCA6CB64E}" dt="2022-07-29T16:13:07.544" v="2873" actId="20577"/>
-        <pc:sldMkLst>
-          <pc:docMk/>
-          <pc:sldMk cId="925286286" sldId="268"/>
-        </pc:sldMkLst>
-        <pc:spChg chg="mod">
-          <ac:chgData name="Riccardo Berta" userId="c8694f89-bba4-4576-b0a8-456619ca5a8c" providerId="ADAL" clId="{F4AAAA8C-1CB2-214C-996A-F15BCA6CB64E}" dt="2022-07-29T16:00:31.322" v="2504"/>
-          <ac:spMkLst>
-            <pc:docMk/>
-            <pc:sldMk cId="925286286" sldId="268"/>
-            <ac:spMk id="83" creationId="{00000000-0000-0000-0000-000000000000}"/>
-          </ac:spMkLst>
-        </pc:spChg>
-        <pc:spChg chg="mod">
-          <ac:chgData name="Riccardo Berta" userId="c8694f89-bba4-4576-b0a8-456619ca5a8c" providerId="ADAL" clId="{F4AAAA8C-1CB2-214C-996A-F15BCA6CB64E}" dt="2022-07-29T16:13:07.544" v="2873" actId="20577"/>
-          <ac:spMkLst>
-            <pc:docMk/>
-            <pc:sldMk cId="925286286" sldId="268"/>
-            <ac:spMk id="84" creationId="{00000000-0000-0000-0000-000000000000}"/>
-          </ac:spMkLst>
-        </pc:spChg>
-      </pc:sldChg>
-      <pc:sldChg chg="addSp modSp add mod">
-        <pc:chgData name="Riccardo Berta" userId="c8694f89-bba4-4576-b0a8-456619ca5a8c" providerId="ADAL" clId="{F4AAAA8C-1CB2-214C-996A-F15BCA6CB64E}" dt="2022-07-29T16:20:35.039" v="2951" actId="962"/>
-        <pc:sldMkLst>
-          <pc:docMk/>
-          <pc:sldMk cId="3471997037" sldId="269"/>
-        </pc:sldMkLst>
-        <pc:spChg chg="mod">
-          <ac:chgData name="Riccardo Berta" userId="c8694f89-bba4-4576-b0a8-456619ca5a8c" providerId="ADAL" clId="{F4AAAA8C-1CB2-214C-996A-F15BCA6CB64E}" dt="2022-07-29T16:17:02.750" v="2922" actId="20577"/>
-          <ac:spMkLst>
-            <pc:docMk/>
-            <pc:sldMk cId="3471997037" sldId="269"/>
-            <ac:spMk id="83" creationId="{00000000-0000-0000-0000-000000000000}"/>
-          </ac:spMkLst>
-        </pc:spChg>
-        <pc:spChg chg="mod">
-          <ac:chgData name="Riccardo Berta" userId="c8694f89-bba4-4576-b0a8-456619ca5a8c" providerId="ADAL" clId="{F4AAAA8C-1CB2-214C-996A-F15BCA6CB64E}" dt="2022-07-29T16:18:45.638" v="2948" actId="20577"/>
-          <ac:spMkLst>
-            <pc:docMk/>
-            <pc:sldMk cId="3471997037" sldId="269"/>
-            <ac:spMk id="84" creationId="{00000000-0000-0000-0000-000000000000}"/>
-          </ac:spMkLst>
-        </pc:spChg>
-        <pc:picChg chg="add mod">
-          <ac:chgData name="Riccardo Berta" userId="c8694f89-bba4-4576-b0a8-456619ca5a8c" providerId="ADAL" clId="{F4AAAA8C-1CB2-214C-996A-F15BCA6CB64E}" dt="2022-07-29T16:20:35.039" v="2951" actId="962"/>
-          <ac:picMkLst>
-            <pc:docMk/>
-            <pc:sldMk cId="3471997037" sldId="269"/>
-            <ac:picMk id="3" creationId="{471AFF0B-7713-10C4-E8A3-3EDBC8FE0FD9}"/>
-          </ac:picMkLst>
-        </pc:picChg>
-      </pc:sldChg>
-      <pc:sldChg chg="add">
-        <pc:chgData name="Riccardo Berta" userId="c8694f89-bba4-4576-b0a8-456619ca5a8c" providerId="ADAL" clId="{F4AAAA8C-1CB2-214C-996A-F15BCA6CB64E}" dt="2022-07-28T14:01:20.148" v="1808"/>
-        <pc:sldMkLst>
-          <pc:docMk/>
-          <pc:sldMk cId="3130917410" sldId="270"/>
-        </pc:sldMkLst>
-      </pc:sldChg>
-      <pc:sldChg chg="add">
-        <pc:chgData name="Riccardo Berta" userId="c8694f89-bba4-4576-b0a8-456619ca5a8c" providerId="ADAL" clId="{F4AAAA8C-1CB2-214C-996A-F15BCA6CB64E}" dt="2022-07-28T14:01:20.483" v="1809"/>
-        <pc:sldMkLst>
-          <pc:docMk/>
-          <pc:sldMk cId="2266699268" sldId="271"/>
-        </pc:sldMkLst>
-      </pc:sldChg>
-    </pc:docChg>
-  </pc:docChgLst>
-  <pc:docChgLst>
-    <pc:chgData name="Riccardo Berta" userId="c8694f89-bba4-4576-b0a8-456619ca5a8c" providerId="ADAL" clId="{285D91C1-4BF4-0841-A283-B28F698AE366}"/>
-    <pc:docChg chg="custSel addSld modSld">
-      <pc:chgData name="Riccardo Berta" userId="c8694f89-bba4-4576-b0a8-456619ca5a8c" providerId="ADAL" clId="{285D91C1-4BF4-0841-A283-B28F698AE366}" dt="2022-08-26T17:01:29.210" v="222" actId="20577"/>
-      <pc:docMkLst>
-        <pc:docMk/>
-      </pc:docMkLst>
-      <pc:sldChg chg="addSp delSp modSp add mod">
-        <pc:chgData name="Riccardo Berta" userId="c8694f89-bba4-4576-b0a8-456619ca5a8c" providerId="ADAL" clId="{285D91C1-4BF4-0841-A283-B28F698AE366}" dt="2022-08-26T17:01:29.210" v="222" actId="20577"/>
-        <pc:sldMkLst>
-          <pc:docMk/>
-          <pc:sldMk cId="1388305878" sldId="277"/>
-        </pc:sldMkLst>
-        <pc:spChg chg="mod">
-          <ac:chgData name="Riccardo Berta" userId="c8694f89-bba4-4576-b0a8-456619ca5a8c" providerId="ADAL" clId="{285D91C1-4BF4-0841-A283-B28F698AE366}" dt="2022-08-26T11:06:53.297" v="2" actId="20577"/>
-          <ac:spMkLst>
-            <pc:docMk/>
-            <pc:sldMk cId="1388305878" sldId="277"/>
-            <ac:spMk id="83" creationId="{00000000-0000-0000-0000-000000000000}"/>
-          </ac:spMkLst>
-        </pc:spChg>
-        <pc:spChg chg="mod">
-          <ac:chgData name="Riccardo Berta" userId="c8694f89-bba4-4576-b0a8-456619ca5a8c" providerId="ADAL" clId="{285D91C1-4BF4-0841-A283-B28F698AE366}" dt="2022-08-26T17:01:29.210" v="222" actId="20577"/>
-          <ac:spMkLst>
-            <pc:docMk/>
-            <pc:sldMk cId="1388305878" sldId="277"/>
-            <ac:spMk id="84" creationId="{00000000-0000-0000-0000-000000000000}"/>
-          </ac:spMkLst>
-        </pc:spChg>
-        <pc:picChg chg="add mod">
-          <ac:chgData name="Riccardo Berta" userId="c8694f89-bba4-4576-b0a8-456619ca5a8c" providerId="ADAL" clId="{285D91C1-4BF4-0841-A283-B28F698AE366}" dt="2022-08-26T11:13:04.169" v="129" actId="1035"/>
-          <ac:picMkLst>
-            <pc:docMk/>
-            <pc:sldMk cId="1388305878" sldId="277"/>
-            <ac:picMk id="3" creationId="{94F1A503-7FFE-557A-BCB0-DC1D9F0CDB3C}"/>
-          </ac:picMkLst>
-        </pc:picChg>
-        <pc:picChg chg="del">
-          <ac:chgData name="Riccardo Berta" userId="c8694f89-bba4-4576-b0a8-456619ca5a8c" providerId="ADAL" clId="{285D91C1-4BF4-0841-A283-B28F698AE366}" dt="2022-08-26T11:06:59.121" v="7" actId="478"/>
-          <ac:picMkLst>
-            <pc:docMk/>
-            <pc:sldMk cId="1388305878" sldId="277"/>
-            <ac:picMk id="4" creationId="{B37C8976-E86A-4EAB-21EA-45CA6D160B6E}"/>
-          </ac:picMkLst>
-        </pc:picChg>
-        <pc:picChg chg="add mod">
-          <ac:chgData name="Riccardo Berta" userId="c8694f89-bba4-4576-b0a8-456619ca5a8c" providerId="ADAL" clId="{285D91C1-4BF4-0841-A283-B28F698AE366}" dt="2022-08-26T11:13:15.479" v="133" actId="1035"/>
-          <ac:picMkLst>
-            <pc:docMk/>
-            <pc:sldMk cId="1388305878" sldId="277"/>
-            <ac:picMk id="6" creationId="{55622F76-3F69-85DA-DB04-2F9FA718C471}"/>
-          </ac:picMkLst>
-        </pc:picChg>
-      </pc:sldChg>
-      <pc:sldChg chg="addSp delSp modSp add mod">
-        <pc:chgData name="Riccardo Berta" userId="c8694f89-bba4-4576-b0a8-456619ca5a8c" providerId="ADAL" clId="{285D91C1-4BF4-0841-A283-B28F698AE366}" dt="2022-08-26T17:01:19.085" v="220" actId="1076"/>
-        <pc:sldMkLst>
-          <pc:docMk/>
-          <pc:sldMk cId="2276488042" sldId="278"/>
-        </pc:sldMkLst>
-        <pc:spChg chg="mod">
-          <ac:chgData name="Riccardo Berta" userId="c8694f89-bba4-4576-b0a8-456619ca5a8c" providerId="ADAL" clId="{285D91C1-4BF4-0841-A283-B28F698AE366}" dt="2022-08-26T11:13:29.102" v="137" actId="20577"/>
-          <ac:spMkLst>
-            <pc:docMk/>
-            <pc:sldMk cId="2276488042" sldId="278"/>
-            <ac:spMk id="83" creationId="{00000000-0000-0000-0000-000000000000}"/>
-          </ac:spMkLst>
-        </pc:spChg>
-        <pc:spChg chg="mod">
-          <ac:chgData name="Riccardo Berta" userId="c8694f89-bba4-4576-b0a8-456619ca5a8c" providerId="ADAL" clId="{285D91C1-4BF4-0841-A283-B28F698AE366}" dt="2022-08-26T11:21:06.057" v="217" actId="20577"/>
-          <ac:spMkLst>
-            <pc:docMk/>
-            <pc:sldMk cId="2276488042" sldId="278"/>
-            <ac:spMk id="84" creationId="{00000000-0000-0000-0000-000000000000}"/>
-          </ac:spMkLst>
-        </pc:spChg>
-        <pc:picChg chg="del">
-          <ac:chgData name="Riccardo Berta" userId="c8694f89-bba4-4576-b0a8-456619ca5a8c" providerId="ADAL" clId="{285D91C1-4BF4-0841-A283-B28F698AE366}" dt="2022-08-26T11:15:29.168" v="157" actId="478"/>
-          <ac:picMkLst>
-            <pc:docMk/>
-            <pc:sldMk cId="2276488042" sldId="278"/>
-            <ac:picMk id="3" creationId="{94F1A503-7FFE-557A-BCB0-DC1D9F0CDB3C}"/>
-          </ac:picMkLst>
-        </pc:picChg>
-        <pc:picChg chg="add del mod">
-          <ac:chgData name="Riccardo Berta" userId="c8694f89-bba4-4576-b0a8-456619ca5a8c" providerId="ADAL" clId="{285D91C1-4BF4-0841-A283-B28F698AE366}" dt="2022-08-26T11:17:51.407" v="196" actId="478"/>
-          <ac:picMkLst>
-            <pc:docMk/>
-            <pc:sldMk cId="2276488042" sldId="278"/>
-            <ac:picMk id="4" creationId="{60504E6C-6A9E-9C37-40B0-D19295DDEEC3}"/>
-          </ac:picMkLst>
-        </pc:picChg>
-        <pc:picChg chg="del">
-          <ac:chgData name="Riccardo Berta" userId="c8694f89-bba4-4576-b0a8-456619ca5a8c" providerId="ADAL" clId="{285D91C1-4BF4-0841-A283-B28F698AE366}" dt="2022-08-26T11:15:30.021" v="158" actId="478"/>
-          <ac:picMkLst>
-            <pc:docMk/>
-            <pc:sldMk cId="2276488042" sldId="278"/>
-            <ac:picMk id="6" creationId="{55622F76-3F69-85DA-DB04-2F9FA718C471}"/>
-          </ac:picMkLst>
-        </pc:picChg>
-        <pc:picChg chg="add mod">
-          <ac:chgData name="Riccardo Berta" userId="c8694f89-bba4-4576-b0a8-456619ca5a8c" providerId="ADAL" clId="{285D91C1-4BF4-0841-A283-B28F698AE366}" dt="2022-08-26T17:01:19.085" v="220" actId="1076"/>
-          <ac:picMkLst>
-            <pc:docMk/>
-            <pc:sldMk cId="2276488042" sldId="278"/>
-            <ac:picMk id="7" creationId="{12A38CB3-9C82-D386-6AEC-F799DFDA4DBA}"/>
-          </ac:picMkLst>
-        </pc:picChg>
-      </pc:sldChg>
-    </pc:docChg>
-  </pc:docChgLst>
-  <pc:docChgLst>
-    <pc:chgData name="Riccardo Berta" userId="c8694f89-bba4-4576-b0a8-456619ca5a8c" providerId="ADAL" clId="{35C5D11B-424E-5B41-A9C4-509DD0A59BFD}"/>
-    <pc:docChg chg="custSel delSld modSld sldOrd">
-      <pc:chgData name="Riccardo Berta" userId="c8694f89-bba4-4576-b0a8-456619ca5a8c" providerId="ADAL" clId="{35C5D11B-424E-5B41-A9C4-509DD0A59BFD}" dt="2022-04-01T12:12:56.906" v="135" actId="20577"/>
-      <pc:docMkLst>
-        <pc:docMk/>
-      </pc:docMkLst>
-      <pc:sldChg chg="modSp">
-        <pc:chgData name="Riccardo Berta" userId="c8694f89-bba4-4576-b0a8-456619ca5a8c" providerId="ADAL" clId="{35C5D11B-424E-5B41-A9C4-509DD0A59BFD}" dt="2022-03-22T07:34:03.014" v="5"/>
-        <pc:sldMkLst>
-          <pc:docMk/>
-          <pc:sldMk cId="0" sldId="257"/>
-        </pc:sldMkLst>
-        <pc:picChg chg="mod">
-          <ac:chgData name="Riccardo Berta" userId="c8694f89-bba4-4576-b0a8-456619ca5a8c" providerId="ADAL" clId="{35C5D11B-424E-5B41-A9C4-509DD0A59BFD}" dt="2022-03-22T07:34:03.014" v="5"/>
-          <ac:picMkLst>
-            <pc:docMk/>
-            <pc:sldMk cId="0" sldId="257"/>
-            <ac:picMk id="85" creationId="{00000000-0000-0000-0000-000000000000}"/>
-          </ac:picMkLst>
-        </pc:picChg>
-      </pc:sldChg>
-      <pc:sldChg chg="modSp">
-        <pc:chgData name="Riccardo Berta" userId="c8694f89-bba4-4576-b0a8-456619ca5a8c" providerId="ADAL" clId="{35C5D11B-424E-5B41-A9C4-509DD0A59BFD}" dt="2022-03-22T07:34:23.187" v="6"/>
-        <pc:sldMkLst>
-          <pc:docMk/>
-          <pc:sldMk cId="1899110855" sldId="258"/>
-        </pc:sldMkLst>
-        <pc:picChg chg="mod">
-          <ac:chgData name="Riccardo Berta" userId="c8694f89-bba4-4576-b0a8-456619ca5a8c" providerId="ADAL" clId="{35C5D11B-424E-5B41-A9C4-509DD0A59BFD}" dt="2022-03-22T07:34:23.187" v="6"/>
-          <ac:picMkLst>
-            <pc:docMk/>
-            <pc:sldMk cId="1899110855" sldId="258"/>
-            <ac:picMk id="92" creationId="{00000000-0000-0000-0000-000000000000}"/>
-          </ac:picMkLst>
-        </pc:picChg>
-      </pc:sldChg>
-      <pc:sldChg chg="modSp">
-        <pc:chgData name="Riccardo Berta" userId="c8694f89-bba4-4576-b0a8-456619ca5a8c" providerId="ADAL" clId="{35C5D11B-424E-5B41-A9C4-509DD0A59BFD}" dt="2022-03-22T07:39:20.191" v="16"/>
-        <pc:sldMkLst>
-          <pc:docMk/>
-          <pc:sldMk cId="3018556184" sldId="259"/>
-        </pc:sldMkLst>
-        <pc:picChg chg="mod">
-          <ac:chgData name="Riccardo Berta" userId="c8694f89-bba4-4576-b0a8-456619ca5a8c" providerId="ADAL" clId="{35C5D11B-424E-5B41-A9C4-509DD0A59BFD}" dt="2022-03-22T07:38:22.524" v="12"/>
-          <ac:picMkLst>
-            <pc:docMk/>
-            <pc:sldMk cId="3018556184" sldId="259"/>
-            <ac:picMk id="99" creationId="{00000000-0000-0000-0000-000000000000}"/>
-          </ac:picMkLst>
-        </pc:picChg>
-        <pc:picChg chg="mod">
-          <ac:chgData name="Riccardo Berta" userId="c8694f89-bba4-4576-b0a8-456619ca5a8c" providerId="ADAL" clId="{35C5D11B-424E-5B41-A9C4-509DD0A59BFD}" dt="2022-03-22T07:38:34.539" v="13"/>
-          <ac:picMkLst>
-            <pc:docMk/>
-            <pc:sldMk cId="3018556184" sldId="259"/>
-            <ac:picMk id="100" creationId="{00000000-0000-0000-0000-000000000000}"/>
-          </ac:picMkLst>
-        </pc:picChg>
-        <pc:picChg chg="mod">
-          <ac:chgData name="Riccardo Berta" userId="c8694f89-bba4-4576-b0a8-456619ca5a8c" providerId="ADAL" clId="{35C5D11B-424E-5B41-A9C4-509DD0A59BFD}" dt="2022-03-22T07:38:47.480" v="14"/>
-          <ac:picMkLst>
-            <pc:docMk/>
-            <pc:sldMk cId="3018556184" sldId="259"/>
-            <ac:picMk id="101" creationId="{00000000-0000-0000-0000-000000000000}"/>
-          </ac:picMkLst>
-        </pc:picChg>
-        <pc:picChg chg="mod">
-          <ac:chgData name="Riccardo Berta" userId="c8694f89-bba4-4576-b0a8-456619ca5a8c" providerId="ADAL" clId="{35C5D11B-424E-5B41-A9C4-509DD0A59BFD}" dt="2022-03-22T07:38:59.538" v="15"/>
-          <ac:picMkLst>
-            <pc:docMk/>
-            <pc:sldMk cId="3018556184" sldId="259"/>
-            <ac:picMk id="102" creationId="{00000000-0000-0000-0000-000000000000}"/>
-          </ac:picMkLst>
-        </pc:picChg>
-        <pc:picChg chg="mod">
-          <ac:chgData name="Riccardo Berta" userId="c8694f89-bba4-4576-b0a8-456619ca5a8c" providerId="ADAL" clId="{35C5D11B-424E-5B41-A9C4-509DD0A59BFD}" dt="2022-03-22T07:39:20.191" v="16"/>
-          <ac:picMkLst>
-            <pc:docMk/>
-            <pc:sldMk cId="3018556184" sldId="259"/>
-            <ac:picMk id="103" creationId="{00000000-0000-0000-0000-000000000000}"/>
-          </ac:picMkLst>
-        </pc:picChg>
-      </pc:sldChg>
-      <pc:sldChg chg="modSp mod">
-        <pc:chgData name="Riccardo Berta" userId="c8694f89-bba4-4576-b0a8-456619ca5a8c" providerId="ADAL" clId="{35C5D11B-424E-5B41-A9C4-509DD0A59BFD}" dt="2022-03-23T07:58:19.601" v="41" actId="20577"/>
-        <pc:sldMkLst>
-          <pc:docMk/>
-          <pc:sldMk cId="1104208334" sldId="260"/>
-        </pc:sldMkLst>
-        <pc:spChg chg="mod">
-          <ac:chgData name="Riccardo Berta" userId="c8694f89-bba4-4576-b0a8-456619ca5a8c" providerId="ADAL" clId="{35C5D11B-424E-5B41-A9C4-509DD0A59BFD}" dt="2022-03-23T07:58:19.601" v="41" actId="20577"/>
-          <ac:spMkLst>
-            <pc:docMk/>
-            <pc:sldMk cId="1104208334" sldId="260"/>
-            <ac:spMk id="109" creationId="{00000000-0000-0000-0000-000000000000}"/>
-          </ac:spMkLst>
-        </pc:spChg>
-        <pc:picChg chg="mod">
-          <ac:chgData name="Riccardo Berta" userId="c8694f89-bba4-4576-b0a8-456619ca5a8c" providerId="ADAL" clId="{35C5D11B-424E-5B41-A9C4-509DD0A59BFD}" dt="2022-03-22T07:40:02.780" v="18"/>
-          <ac:picMkLst>
-            <pc:docMk/>
-            <pc:sldMk cId="1104208334" sldId="260"/>
-            <ac:picMk id="110" creationId="{00000000-0000-0000-0000-000000000000}"/>
-          </ac:picMkLst>
-        </pc:picChg>
-        <pc:picChg chg="mod">
-          <ac:chgData name="Riccardo Berta" userId="c8694f89-bba4-4576-b0a8-456619ca5a8c" providerId="ADAL" clId="{35C5D11B-424E-5B41-A9C4-509DD0A59BFD}" dt="2022-03-22T07:39:46.143" v="17"/>
-          <ac:picMkLst>
-            <pc:docMk/>
-            <pc:sldMk cId="1104208334" sldId="260"/>
-            <ac:picMk id="111" creationId="{00000000-0000-0000-0000-000000000000}"/>
-          </ac:picMkLst>
-        </pc:picChg>
-      </pc:sldChg>
-      <pc:sldChg chg="modSp">
-        <pc:chgData name="Riccardo Berta" userId="c8694f89-bba4-4576-b0a8-456619ca5a8c" providerId="ADAL" clId="{35C5D11B-424E-5B41-A9C4-509DD0A59BFD}" dt="2022-03-22T07:42:45.729" v="19"/>
-        <pc:sldMkLst>
-          <pc:docMk/>
-          <pc:sldMk cId="1290395919" sldId="261"/>
-        </pc:sldMkLst>
-        <pc:picChg chg="mod">
-          <ac:chgData name="Riccardo Berta" userId="c8694f89-bba4-4576-b0a8-456619ca5a8c" providerId="ADAL" clId="{35C5D11B-424E-5B41-A9C4-509DD0A59BFD}" dt="2022-03-22T07:42:45.729" v="19"/>
-          <ac:picMkLst>
-            <pc:docMk/>
-            <pc:sldMk cId="1290395919" sldId="261"/>
-            <ac:picMk id="119" creationId="{00000000-0000-0000-0000-000000000000}"/>
-          </ac:picMkLst>
-        </pc:picChg>
-      </pc:sldChg>
-      <pc:sldChg chg="modSp mod modNotes">
-        <pc:chgData name="Riccardo Berta" userId="c8694f89-bba4-4576-b0a8-456619ca5a8c" providerId="ADAL" clId="{35C5D11B-424E-5B41-A9C4-509DD0A59BFD}" dt="2022-03-25T14:38:53.205" v="88" actId="20577"/>
-        <pc:sldMkLst>
-          <pc:docMk/>
-          <pc:sldMk cId="4130549615" sldId="262"/>
-        </pc:sldMkLst>
-        <pc:spChg chg="mod">
-          <ac:chgData name="Riccardo Berta" userId="c8694f89-bba4-4576-b0a8-456619ca5a8c" providerId="ADAL" clId="{35C5D11B-424E-5B41-A9C4-509DD0A59BFD}" dt="2022-03-25T14:38:53.205" v="88" actId="20577"/>
-          <ac:spMkLst>
-            <pc:docMk/>
-            <pc:sldMk cId="4130549615" sldId="262"/>
-            <ac:spMk id="125" creationId="{00000000-0000-0000-0000-000000000000}"/>
-          </ac:spMkLst>
-        </pc:spChg>
-        <pc:picChg chg="mod">
-          <ac:chgData name="Riccardo Berta" userId="c8694f89-bba4-4576-b0a8-456619ca5a8c" providerId="ADAL" clId="{35C5D11B-424E-5B41-A9C4-509DD0A59BFD}" dt="2022-03-22T07:43:02.767" v="20"/>
-          <ac:picMkLst>
-            <pc:docMk/>
-            <pc:sldMk cId="4130549615" sldId="262"/>
-            <ac:picMk id="126" creationId="{00000000-0000-0000-0000-000000000000}"/>
-          </ac:picMkLst>
-        </pc:picChg>
-      </pc:sldChg>
-      <pc:sldChg chg="modSp">
-        <pc:chgData name="Riccardo Berta" userId="c8694f89-bba4-4576-b0a8-456619ca5a8c" providerId="ADAL" clId="{35C5D11B-424E-5B41-A9C4-509DD0A59BFD}" dt="2022-03-22T07:43:16.691" v="21"/>
-        <pc:sldMkLst>
-          <pc:docMk/>
-          <pc:sldMk cId="3102138681" sldId="263"/>
-        </pc:sldMkLst>
-        <pc:picChg chg="mod">
-          <ac:chgData name="Riccardo Berta" userId="c8694f89-bba4-4576-b0a8-456619ca5a8c" providerId="ADAL" clId="{35C5D11B-424E-5B41-A9C4-509DD0A59BFD}" dt="2022-03-22T07:43:16.691" v="21"/>
-          <ac:picMkLst>
-            <pc:docMk/>
-            <pc:sldMk cId="3102138681" sldId="263"/>
-            <ac:picMk id="133" creationId="{00000000-0000-0000-0000-000000000000}"/>
-          </ac:picMkLst>
-        </pc:picChg>
-      </pc:sldChg>
-      <pc:sldChg chg="modSp mod">
-        <pc:chgData name="Riccardo Berta" userId="c8694f89-bba4-4576-b0a8-456619ca5a8c" providerId="ADAL" clId="{35C5D11B-424E-5B41-A9C4-509DD0A59BFD}" dt="2022-03-25T15:16:54.434" v="126" actId="20577"/>
-        <pc:sldMkLst>
-          <pc:docMk/>
-          <pc:sldMk cId="2113557187" sldId="264"/>
-        </pc:sldMkLst>
-        <pc:spChg chg="mod">
-          <ac:chgData name="Riccardo Berta" userId="c8694f89-bba4-4576-b0a8-456619ca5a8c" providerId="ADAL" clId="{35C5D11B-424E-5B41-A9C4-509DD0A59BFD}" dt="2022-03-25T15:16:54.434" v="126" actId="20577"/>
-          <ac:spMkLst>
-            <pc:docMk/>
-            <pc:sldMk cId="2113557187" sldId="264"/>
-            <ac:spMk id="139" creationId="{00000000-0000-0000-0000-000000000000}"/>
-          </ac:spMkLst>
-        </pc:spChg>
-        <pc:picChg chg="mod">
-          <ac:chgData name="Riccardo Berta" userId="c8694f89-bba4-4576-b0a8-456619ca5a8c" providerId="ADAL" clId="{35C5D11B-424E-5B41-A9C4-509DD0A59BFD}" dt="2022-03-22T07:43:33.267" v="22"/>
-          <ac:picMkLst>
-            <pc:docMk/>
-            <pc:sldMk cId="2113557187" sldId="264"/>
-            <ac:picMk id="141" creationId="{00000000-0000-0000-0000-000000000000}"/>
-          </ac:picMkLst>
-        </pc:picChg>
-        <pc:picChg chg="mod">
-          <ac:chgData name="Riccardo Berta" userId="c8694f89-bba4-4576-b0a8-456619ca5a8c" providerId="ADAL" clId="{35C5D11B-424E-5B41-A9C4-509DD0A59BFD}" dt="2022-03-22T07:43:50.362" v="23"/>
-          <ac:picMkLst>
-            <pc:docMk/>
-            <pc:sldMk cId="2113557187" sldId="264"/>
-            <ac:picMk id="142" creationId="{00000000-0000-0000-0000-000000000000}"/>
-          </ac:picMkLst>
-        </pc:picChg>
-      </pc:sldChg>
-      <pc:sldChg chg="modSp">
-        <pc:chgData name="Riccardo Berta" userId="c8694f89-bba4-4576-b0a8-456619ca5a8c" providerId="ADAL" clId="{35C5D11B-424E-5B41-A9C4-509DD0A59BFD}" dt="2022-03-22T07:44:03.240" v="24"/>
-        <pc:sldMkLst>
-          <pc:docMk/>
-          <pc:sldMk cId="2045385232" sldId="265"/>
-        </pc:sldMkLst>
-        <pc:picChg chg="mod">
-          <ac:chgData name="Riccardo Berta" userId="c8694f89-bba4-4576-b0a8-456619ca5a8c" providerId="ADAL" clId="{35C5D11B-424E-5B41-A9C4-509DD0A59BFD}" dt="2022-03-22T07:44:03.240" v="24"/>
-          <ac:picMkLst>
-            <pc:docMk/>
-            <pc:sldMk cId="2045385232" sldId="265"/>
-            <ac:picMk id="149" creationId="{00000000-0000-0000-0000-000000000000}"/>
-          </ac:picMkLst>
-        </pc:picChg>
-      </pc:sldChg>
-      <pc:sldChg chg="modSp">
-        <pc:chgData name="Riccardo Berta" userId="c8694f89-bba4-4576-b0a8-456619ca5a8c" providerId="ADAL" clId="{35C5D11B-424E-5B41-A9C4-509DD0A59BFD}" dt="2022-03-22T07:44:22.734" v="25"/>
-        <pc:sldMkLst>
-          <pc:docMk/>
-          <pc:sldMk cId="4181844165" sldId="266"/>
-        </pc:sldMkLst>
-        <pc:picChg chg="mod">
-          <ac:chgData name="Riccardo Berta" userId="c8694f89-bba4-4576-b0a8-456619ca5a8c" providerId="ADAL" clId="{35C5D11B-424E-5B41-A9C4-509DD0A59BFD}" dt="2022-03-22T07:44:22.734" v="25"/>
-          <ac:picMkLst>
-            <pc:docMk/>
-            <pc:sldMk cId="4181844165" sldId="266"/>
-            <ac:picMk id="156" creationId="{00000000-0000-0000-0000-000000000000}"/>
-          </ac:picMkLst>
-        </pc:picChg>
-      </pc:sldChg>
-      <pc:sldChg chg="modSp mod">
-        <pc:chgData name="Riccardo Berta" userId="c8694f89-bba4-4576-b0a8-456619ca5a8c" providerId="ADAL" clId="{35C5D11B-424E-5B41-A9C4-509DD0A59BFD}" dt="2022-04-01T12:12:56.906" v="135" actId="20577"/>
-        <pc:sldMkLst>
-          <pc:docMk/>
-          <pc:sldMk cId="216455838" sldId="267"/>
-        </pc:sldMkLst>
-        <pc:spChg chg="mod">
-          <ac:chgData name="Riccardo Berta" userId="c8694f89-bba4-4576-b0a8-456619ca5a8c" providerId="ADAL" clId="{35C5D11B-424E-5B41-A9C4-509DD0A59BFD}" dt="2022-04-01T12:12:56.906" v="135" actId="20577"/>
-          <ac:spMkLst>
-            <pc:docMk/>
-            <pc:sldMk cId="216455838" sldId="267"/>
-            <ac:spMk id="162" creationId="{00000000-0000-0000-0000-000000000000}"/>
-          </ac:spMkLst>
-        </pc:spChg>
-        <pc:picChg chg="mod">
-          <ac:chgData name="Riccardo Berta" userId="c8694f89-bba4-4576-b0a8-456619ca5a8c" providerId="ADAL" clId="{35C5D11B-424E-5B41-A9C4-509DD0A59BFD}" dt="2022-03-22T07:44:34.392" v="26"/>
-          <ac:picMkLst>
-            <pc:docMk/>
-            <pc:sldMk cId="216455838" sldId="267"/>
-            <ac:picMk id="163" creationId="{00000000-0000-0000-0000-000000000000}"/>
-          </ac:picMkLst>
-        </pc:picChg>
-      </pc:sldChg>
-      <pc:sldChg chg="del">
-        <pc:chgData name="Riccardo Berta" userId="c8694f89-bba4-4576-b0a8-456619ca5a8c" providerId="ADAL" clId="{35C5D11B-424E-5B41-A9C4-509DD0A59BFD}" dt="2022-03-22T07:29:13.529" v="3" actId="2696"/>
-        <pc:sldMkLst>
-          <pc:docMk/>
-          <pc:sldMk cId="925286286" sldId="268"/>
-        </pc:sldMkLst>
-      </pc:sldChg>
-      <pc:sldChg chg="modSp">
-        <pc:chgData name="Riccardo Berta" userId="c8694f89-bba4-4576-b0a8-456619ca5a8c" providerId="ADAL" clId="{35C5D11B-424E-5B41-A9C4-509DD0A59BFD}" dt="2022-03-22T07:44:59.403" v="28"/>
-        <pc:sldMkLst>
-          <pc:docMk/>
-          <pc:sldMk cId="3471997037" sldId="269"/>
-        </pc:sldMkLst>
-        <pc:picChg chg="mod">
-          <ac:chgData name="Riccardo Berta" userId="c8694f89-bba4-4576-b0a8-456619ca5a8c" providerId="ADAL" clId="{35C5D11B-424E-5B41-A9C4-509DD0A59BFD}" dt="2022-03-22T07:44:47.754" v="27"/>
-          <ac:picMkLst>
-            <pc:docMk/>
-            <pc:sldMk cId="3471997037" sldId="269"/>
-            <ac:picMk id="176" creationId="{00000000-0000-0000-0000-000000000000}"/>
-          </ac:picMkLst>
-        </pc:picChg>
-        <pc:picChg chg="mod">
-          <ac:chgData name="Riccardo Berta" userId="c8694f89-bba4-4576-b0a8-456619ca5a8c" providerId="ADAL" clId="{35C5D11B-424E-5B41-A9C4-509DD0A59BFD}" dt="2022-03-22T07:44:59.403" v="28"/>
-          <ac:picMkLst>
-            <pc:docMk/>
-            <pc:sldMk cId="3471997037" sldId="269"/>
-            <ac:picMk id="177" creationId="{00000000-0000-0000-0000-000000000000}"/>
-          </ac:picMkLst>
-        </pc:picChg>
-      </pc:sldChg>
-      <pc:sldChg chg="modSp mod">
-        <pc:chgData name="Riccardo Berta" userId="c8694f89-bba4-4576-b0a8-456619ca5a8c" providerId="ADAL" clId="{35C5D11B-424E-5B41-A9C4-509DD0A59BFD}" dt="2022-03-22T07:47:03.443" v="33"/>
-        <pc:sldMkLst>
-          <pc:docMk/>
-          <pc:sldMk cId="3130917410" sldId="270"/>
-        </pc:sldMkLst>
-        <pc:picChg chg="mod">
-          <ac:chgData name="Riccardo Berta" userId="c8694f89-bba4-4576-b0a8-456619ca5a8c" providerId="ADAL" clId="{35C5D11B-424E-5B41-A9C4-509DD0A59BFD}" dt="2022-03-22T07:46:52.226" v="32"/>
-          <ac:picMkLst>
-            <pc:docMk/>
-            <pc:sldMk cId="3130917410" sldId="270"/>
-            <ac:picMk id="184" creationId="{00000000-0000-0000-0000-000000000000}"/>
-          </ac:picMkLst>
-        </pc:picChg>
-        <pc:picChg chg="mod">
-          <ac:chgData name="Riccardo Berta" userId="c8694f89-bba4-4576-b0a8-456619ca5a8c" providerId="ADAL" clId="{35C5D11B-424E-5B41-A9C4-509DD0A59BFD}" dt="2022-03-22T07:47:03.443" v="33"/>
-          <ac:picMkLst>
-            <pc:docMk/>
-            <pc:sldMk cId="3130917410" sldId="270"/>
-            <ac:picMk id="185" creationId="{00000000-0000-0000-0000-000000000000}"/>
-          </ac:picMkLst>
-        </pc:picChg>
-      </pc:sldChg>
-      <pc:sldChg chg="modSp mod">
-        <pc:chgData name="Riccardo Berta" userId="c8694f89-bba4-4576-b0a8-456619ca5a8c" providerId="ADAL" clId="{35C5D11B-424E-5B41-A9C4-509DD0A59BFD}" dt="2022-03-22T07:47:51.976" v="38"/>
-        <pc:sldMkLst>
-          <pc:docMk/>
-          <pc:sldMk cId="2266699268" sldId="271"/>
-        </pc:sldMkLst>
-        <pc:picChg chg="mod">
-          <ac:chgData name="Riccardo Berta" userId="c8694f89-bba4-4576-b0a8-456619ca5a8c" providerId="ADAL" clId="{35C5D11B-424E-5B41-A9C4-509DD0A59BFD}" dt="2022-03-22T07:47:14.728" v="34"/>
-          <ac:picMkLst>
-            <pc:docMk/>
-            <pc:sldMk cId="2266699268" sldId="271"/>
-            <ac:picMk id="193" creationId="{00000000-0000-0000-0000-000000000000}"/>
-          </ac:picMkLst>
-        </pc:picChg>
-        <pc:picChg chg="mod">
-          <ac:chgData name="Riccardo Berta" userId="c8694f89-bba4-4576-b0a8-456619ca5a8c" providerId="ADAL" clId="{35C5D11B-424E-5B41-A9C4-509DD0A59BFD}" dt="2022-03-22T07:47:31.485" v="36"/>
-          <ac:picMkLst>
-            <pc:docMk/>
-            <pc:sldMk cId="2266699268" sldId="271"/>
-            <ac:picMk id="194" creationId="{00000000-0000-0000-0000-000000000000}"/>
-          </ac:picMkLst>
-        </pc:picChg>
-        <pc:picChg chg="mod">
-          <ac:chgData name="Riccardo Berta" userId="c8694f89-bba4-4576-b0a8-456619ca5a8c" providerId="ADAL" clId="{35C5D11B-424E-5B41-A9C4-509DD0A59BFD}" dt="2022-03-22T07:47:51.976" v="38"/>
-          <ac:picMkLst>
-            <pc:docMk/>
-            <pc:sldMk cId="2266699268" sldId="271"/>
-            <ac:picMk id="195" creationId="{00000000-0000-0000-0000-000000000000}"/>
-          </ac:picMkLst>
-        </pc:picChg>
-      </pc:sldChg>
-      <pc:sldChg chg="modSp mod ord">
-        <pc:chgData name="Riccardo Berta" userId="c8694f89-bba4-4576-b0a8-456619ca5a8c" providerId="ADAL" clId="{35C5D11B-424E-5B41-A9C4-509DD0A59BFD}" dt="2022-03-22T07:29:04.952" v="2"/>
-        <pc:sldMkLst>
-          <pc:docMk/>
-          <pc:sldMk cId="993270251" sldId="272"/>
-        </pc:sldMkLst>
-        <pc:spChg chg="mod">
-          <ac:chgData name="Riccardo Berta" userId="c8694f89-bba4-4576-b0a8-456619ca5a8c" providerId="ADAL" clId="{35C5D11B-424E-5B41-A9C4-509DD0A59BFD}" dt="2022-03-22T07:29:04.952" v="2"/>
-          <ac:spMkLst>
-            <pc:docMk/>
-            <pc:sldMk cId="993270251" sldId="272"/>
-            <ac:spMk id="201" creationId="{00000000-0000-0000-0000-000000000000}"/>
-          </ac:spMkLst>
-        </pc:spChg>
-      </pc:sldChg>
-      <pc:sldChg chg="modSp">
-        <pc:chgData name="Riccardo Berta" userId="c8694f89-bba4-4576-b0a8-456619ca5a8c" providerId="ADAL" clId="{35C5D11B-424E-5B41-A9C4-509DD0A59BFD}" dt="2022-03-22T07:48:04.230" v="39"/>
-        <pc:sldMkLst>
-          <pc:docMk/>
-          <pc:sldMk cId="3843819371" sldId="273"/>
-        </pc:sldMkLst>
-        <pc:picChg chg="mod">
-          <ac:chgData name="Riccardo Berta" userId="c8694f89-bba4-4576-b0a8-456619ca5a8c" providerId="ADAL" clId="{35C5D11B-424E-5B41-A9C4-509DD0A59BFD}" dt="2022-03-22T07:48:04.230" v="39"/>
-          <ac:picMkLst>
-            <pc:docMk/>
-            <pc:sldMk cId="3843819371" sldId="273"/>
-            <ac:picMk id="210" creationId="{00000000-0000-0000-0000-000000000000}"/>
-          </ac:picMkLst>
-        </pc:picChg>
-      </pc:sldChg>
-      <pc:sldChg chg="modSp">
-        <pc:chgData name="Riccardo Berta" userId="c8694f89-bba4-4576-b0a8-456619ca5a8c" providerId="ADAL" clId="{35C5D11B-424E-5B41-A9C4-509DD0A59BFD}" dt="2022-03-22T07:48:21.111" v="40"/>
-        <pc:sldMkLst>
-          <pc:docMk/>
-          <pc:sldMk cId="284781631" sldId="275"/>
-        </pc:sldMkLst>
-        <pc:picChg chg="mod">
-          <ac:chgData name="Riccardo Berta" userId="c8694f89-bba4-4576-b0a8-456619ca5a8c" providerId="ADAL" clId="{35C5D11B-424E-5B41-A9C4-509DD0A59BFD}" dt="2022-03-22T07:48:21.111" v="40"/>
-          <ac:picMkLst>
-            <pc:docMk/>
-            <pc:sldMk cId="284781631" sldId="275"/>
-            <ac:picMk id="224" creationId="{00000000-0000-0000-0000-000000000000}"/>
-          </ac:picMkLst>
-        </pc:picChg>
-      </pc:sldChg>
-    </pc:docChg>
-  </pc:docChgLst>
-  <pc:docChgLst>
-    <pc:chgData name="Riccardo Berta" userId="c8694f89-bba4-4576-b0a8-456619ca5a8c" providerId="ADAL" clId="{89457721-8AF9-BB44-BAF2-46F7B0D7D7E8}"/>
-    <pc:docChg chg="custSel addSld delSld modSld">
-      <pc:chgData name="Riccardo Berta" userId="c8694f89-bba4-4576-b0a8-456619ca5a8c" providerId="ADAL" clId="{89457721-8AF9-BB44-BAF2-46F7B0D7D7E8}" dt="2022-08-30T09:55:24.863" v="44" actId="20577"/>
-      <pc:docMkLst>
-        <pc:docMk/>
-      </pc:docMkLst>
-      <pc:sldChg chg="modSp mod">
-        <pc:chgData name="Riccardo Berta" userId="c8694f89-bba4-4576-b0a8-456619ca5a8c" providerId="ADAL" clId="{89457721-8AF9-BB44-BAF2-46F7B0D7D7E8}" dt="2022-08-30T09:54:06.379" v="7" actId="20577"/>
-        <pc:sldMkLst>
-          <pc:docMk/>
-          <pc:sldMk cId="0" sldId="256"/>
-        </pc:sldMkLst>
-        <pc:spChg chg="mod">
-          <ac:chgData name="Riccardo Berta" userId="c8694f89-bba4-4576-b0a8-456619ca5a8c" providerId="ADAL" clId="{89457721-8AF9-BB44-BAF2-46F7B0D7D7E8}" dt="2022-08-30T09:54:06.379" v="7" actId="20577"/>
-          <ac:spMkLst>
-            <pc:docMk/>
-            <pc:sldMk cId="0" sldId="256"/>
-            <ac:spMk id="62" creationId="{00000000-0000-0000-0000-000000000000}"/>
-          </ac:spMkLst>
-        </pc:spChg>
-      </pc:sldChg>
-      <pc:sldChg chg="delSp modSp mod">
-        <pc:chgData name="Riccardo Berta" userId="c8694f89-bba4-4576-b0a8-456619ca5a8c" providerId="ADAL" clId="{89457721-8AF9-BB44-BAF2-46F7B0D7D7E8}" dt="2022-08-30T09:54:23.221" v="18" actId="478"/>
-        <pc:sldMkLst>
-          <pc:docMk/>
-          <pc:sldMk cId="0" sldId="257"/>
-        </pc:sldMkLst>
-        <pc:spChg chg="mod">
-          <ac:chgData name="Riccardo Berta" userId="c8694f89-bba4-4576-b0a8-456619ca5a8c" providerId="ADAL" clId="{89457721-8AF9-BB44-BAF2-46F7B0D7D7E8}" dt="2022-08-30T09:54:14.367" v="13" actId="20577"/>
-          <ac:spMkLst>
-            <pc:docMk/>
-            <pc:sldMk cId="0" sldId="257"/>
-            <ac:spMk id="83" creationId="{00000000-0000-0000-0000-000000000000}"/>
-          </ac:spMkLst>
-        </pc:spChg>
-        <pc:spChg chg="mod">
-          <ac:chgData name="Riccardo Berta" userId="c8694f89-bba4-4576-b0a8-456619ca5a8c" providerId="ADAL" clId="{89457721-8AF9-BB44-BAF2-46F7B0D7D7E8}" dt="2022-08-30T09:54:19.217" v="17" actId="20577"/>
-          <ac:spMkLst>
-            <pc:docMk/>
-            <pc:sldMk cId="0" sldId="257"/>
-            <ac:spMk id="84" creationId="{00000000-0000-0000-0000-000000000000}"/>
-          </ac:spMkLst>
-        </pc:spChg>
-        <pc:picChg chg="del">
-          <ac:chgData name="Riccardo Berta" userId="c8694f89-bba4-4576-b0a8-456619ca5a8c" providerId="ADAL" clId="{89457721-8AF9-BB44-BAF2-46F7B0D7D7E8}" dt="2022-08-30T09:54:23.221" v="18" actId="478"/>
-          <ac:picMkLst>
-            <pc:docMk/>
-            <pc:sldMk cId="0" sldId="257"/>
-            <ac:picMk id="3" creationId="{EE0D0F3E-A843-92E5-ABBC-F41E3CA3C922}"/>
-          </ac:picMkLst>
-        </pc:picChg>
-        <pc:picChg chg="del">
-          <ac:chgData name="Riccardo Berta" userId="c8694f89-bba4-4576-b0a8-456619ca5a8c" providerId="ADAL" clId="{89457721-8AF9-BB44-BAF2-46F7B0D7D7E8}" dt="2022-08-30T09:54:16.325" v="14" actId="478"/>
-          <ac:picMkLst>
-            <pc:docMk/>
-            <pc:sldMk cId="0" sldId="257"/>
-            <ac:picMk id="5" creationId="{692F2B73-F6B6-F2AC-BB2A-2B1020944694}"/>
-          </ac:picMkLst>
-        </pc:picChg>
-      </pc:sldChg>
-      <pc:sldChg chg="modSp mod">
-        <pc:chgData name="Riccardo Berta" userId="c8694f89-bba4-4576-b0a8-456619ca5a8c" providerId="ADAL" clId="{89457721-8AF9-BB44-BAF2-46F7B0D7D7E8}" dt="2022-08-30T09:54:11.362" v="10" actId="20577"/>
-        <pc:sldMkLst>
-          <pc:docMk/>
-          <pc:sldMk cId="3018556184" sldId="259"/>
-        </pc:sldMkLst>
-        <pc:spChg chg="mod">
-          <ac:chgData name="Riccardo Berta" userId="c8694f89-bba4-4576-b0a8-456619ca5a8c" providerId="ADAL" clId="{89457721-8AF9-BB44-BAF2-46F7B0D7D7E8}" dt="2022-08-30T09:54:11.362" v="10" actId="20577"/>
-          <ac:spMkLst>
-            <pc:docMk/>
-            <pc:sldMk cId="3018556184" sldId="259"/>
-            <ac:spMk id="3" creationId="{38BFAA1C-1163-169B-2D77-6FEF73CC8512}"/>
-          </ac:spMkLst>
-        </pc:spChg>
-      </pc:sldChg>
-      <pc:sldChg chg="add">
-        <pc:chgData name="Riccardo Berta" userId="c8694f89-bba4-4576-b0a8-456619ca5a8c" providerId="ADAL" clId="{89457721-8AF9-BB44-BAF2-46F7B0D7D7E8}" dt="2022-08-30T09:54:31.238" v="24"/>
-        <pc:sldMkLst>
-          <pc:docMk/>
-          <pc:sldMk cId="3239712184" sldId="260"/>
-        </pc:sldMkLst>
-      </pc:sldChg>
-      <pc:sldChg chg="del">
-        <pc:chgData name="Riccardo Berta" userId="c8694f89-bba4-4576-b0a8-456619ca5a8c" providerId="ADAL" clId="{89457721-8AF9-BB44-BAF2-46F7B0D7D7E8}" dt="2022-08-30T09:54:26.068" v="19" actId="2696"/>
-        <pc:sldMkLst>
-          <pc:docMk/>
-          <pc:sldMk cId="3692252167" sldId="260"/>
-        </pc:sldMkLst>
-      </pc:sldChg>
-      <pc:sldChg chg="add">
-        <pc:chgData name="Riccardo Berta" userId="c8694f89-bba4-4576-b0a8-456619ca5a8c" providerId="ADAL" clId="{89457721-8AF9-BB44-BAF2-46F7B0D7D7E8}" dt="2022-08-30T09:54:32.176" v="25"/>
-        <pc:sldMkLst>
-          <pc:docMk/>
-          <pc:sldMk cId="723946338" sldId="261"/>
-        </pc:sldMkLst>
-      </pc:sldChg>
-      <pc:sldChg chg="del">
-        <pc:chgData name="Riccardo Berta" userId="c8694f89-bba4-4576-b0a8-456619ca5a8c" providerId="ADAL" clId="{89457721-8AF9-BB44-BAF2-46F7B0D7D7E8}" dt="2022-08-30T09:54:26.532" v="20" actId="2696"/>
-        <pc:sldMkLst>
-          <pc:docMk/>
-          <pc:sldMk cId="846979211" sldId="261"/>
-        </pc:sldMkLst>
-      </pc:sldChg>
-      <pc:sldChg chg="del">
-        <pc:chgData name="Riccardo Berta" userId="c8694f89-bba4-4576-b0a8-456619ca5a8c" providerId="ADAL" clId="{89457721-8AF9-BB44-BAF2-46F7B0D7D7E8}" dt="2022-08-30T09:54:26.938" v="21" actId="2696"/>
-        <pc:sldMkLst>
-          <pc:docMk/>
-          <pc:sldMk cId="447929702" sldId="262"/>
-        </pc:sldMkLst>
-      </pc:sldChg>
-      <pc:sldChg chg="add">
-        <pc:chgData name="Riccardo Berta" userId="c8694f89-bba4-4576-b0a8-456619ca5a8c" providerId="ADAL" clId="{89457721-8AF9-BB44-BAF2-46F7B0D7D7E8}" dt="2022-08-30T09:54:33.167" v="26"/>
-        <pc:sldMkLst>
-          <pc:docMk/>
-          <pc:sldMk cId="1167696200" sldId="262"/>
-        </pc:sldMkLst>
-      </pc:sldChg>
-      <pc:sldChg chg="del">
-        <pc:chgData name="Riccardo Berta" userId="c8694f89-bba4-4576-b0a8-456619ca5a8c" providerId="ADAL" clId="{89457721-8AF9-BB44-BAF2-46F7B0D7D7E8}" dt="2022-08-30T09:54:27.400" v="22" actId="2696"/>
-        <pc:sldMkLst>
-          <pc:docMk/>
-          <pc:sldMk cId="11402927" sldId="263"/>
-        </pc:sldMkLst>
-      </pc:sldChg>
-      <pc:sldChg chg="modSp add mod">
-        <pc:chgData name="Riccardo Berta" userId="c8694f89-bba4-4576-b0a8-456619ca5a8c" providerId="ADAL" clId="{89457721-8AF9-BB44-BAF2-46F7B0D7D7E8}" dt="2022-08-30T09:55:24.863" v="44" actId="20577"/>
-        <pc:sldMkLst>
-          <pc:docMk/>
-          <pc:sldMk cId="1817587258" sldId="263"/>
-        </pc:sldMkLst>
-        <pc:spChg chg="mod">
-          <ac:chgData name="Riccardo Berta" userId="c8694f89-bba4-4576-b0a8-456619ca5a8c" providerId="ADAL" clId="{89457721-8AF9-BB44-BAF2-46F7B0D7D7E8}" dt="2022-08-30T09:54:51.021" v="28"/>
-          <ac:spMkLst>
-            <pc:docMk/>
-            <pc:sldMk cId="1817587258" sldId="263"/>
-            <ac:spMk id="83" creationId="{00000000-0000-0000-0000-000000000000}"/>
-          </ac:spMkLst>
-        </pc:spChg>
-        <pc:spChg chg="mod">
-          <ac:chgData name="Riccardo Berta" userId="c8694f89-bba4-4576-b0a8-456619ca5a8c" providerId="ADAL" clId="{89457721-8AF9-BB44-BAF2-46F7B0D7D7E8}" dt="2022-08-30T09:55:24.863" v="44" actId="20577"/>
-          <ac:spMkLst>
-            <pc:docMk/>
-            <pc:sldMk cId="1817587258" sldId="263"/>
-            <ac:spMk id="84" creationId="{00000000-0000-0000-0000-000000000000}"/>
-          </ac:spMkLst>
-        </pc:spChg>
-      </pc:sldChg>
-      <pc:sldChg chg="del">
-        <pc:chgData name="Riccardo Berta" userId="c8694f89-bba4-4576-b0a8-456619ca5a8c" providerId="ADAL" clId="{89457721-8AF9-BB44-BAF2-46F7B0D7D7E8}" dt="2022-08-30T09:54:27.959" v="23" actId="2696"/>
-        <pc:sldMkLst>
-          <pc:docMk/>
-          <pc:sldMk cId="2794482370" sldId="264"/>
-        </pc:sldMkLst>
-      </pc:sldChg>
-    </pc:docChg>
-  </pc:docChgLst>
-  <pc:docChgLst>
-    <pc:chgData name="Riccardo Berta" userId="c8694f89-bba4-4576-b0a8-456619ca5a8c" providerId="ADAL" clId="{4967B734-A465-2844-BA15-7FBACE49D2F8}"/>
-    <pc:docChg chg="undo redo custSel addSld delSld modSld sldOrd">
-      <pc:chgData name="Riccardo Berta" userId="c8694f89-bba4-4576-b0a8-456619ca5a8c" providerId="ADAL" clId="{4967B734-A465-2844-BA15-7FBACE49D2F8}" dt="2022-10-10T05:41:52.141" v="2700" actId="1036"/>
-      <pc:docMkLst>
-        <pc:docMk/>
-      </pc:docMkLst>
-      <pc:sldChg chg="modSp mod">
-        <pc:chgData name="Riccardo Berta" userId="c8694f89-bba4-4576-b0a8-456619ca5a8c" providerId="ADAL" clId="{4967B734-A465-2844-BA15-7FBACE49D2F8}" dt="2022-10-04T09:21:06.296" v="1514" actId="790"/>
-        <pc:sldMkLst>
-          <pc:docMk/>
-          <pc:sldMk cId="0" sldId="256"/>
-        </pc:sldMkLst>
-        <pc:spChg chg="mod">
-          <ac:chgData name="Riccardo Berta" userId="c8694f89-bba4-4576-b0a8-456619ca5a8c" providerId="ADAL" clId="{4967B734-A465-2844-BA15-7FBACE49D2F8}" dt="2022-10-04T09:21:06.296" v="1514" actId="790"/>
-          <ac:spMkLst>
-            <pc:docMk/>
-            <pc:sldMk cId="0" sldId="256"/>
-            <ac:spMk id="62" creationId="{00000000-0000-0000-0000-000000000000}"/>
-          </ac:spMkLst>
-        </pc:spChg>
-      </pc:sldChg>
-      <pc:sldChg chg="delSp modSp mod">
-        <pc:chgData name="Riccardo Berta" userId="c8694f89-bba4-4576-b0a8-456619ca5a8c" providerId="ADAL" clId="{4967B734-A465-2844-BA15-7FBACE49D2F8}" dt="2022-10-05T05:37:06.487" v="2566" actId="20577"/>
-        <pc:sldMkLst>
-          <pc:docMk/>
-          <pc:sldMk cId="0" sldId="257"/>
-        </pc:sldMkLst>
-        <pc:spChg chg="mod">
-          <ac:chgData name="Riccardo Berta" userId="c8694f89-bba4-4576-b0a8-456619ca5a8c" providerId="ADAL" clId="{4967B734-A465-2844-BA15-7FBACE49D2F8}" dt="2022-10-04T06:59:58.583" v="222" actId="20577"/>
-          <ac:spMkLst>
-            <pc:docMk/>
-            <pc:sldMk cId="0" sldId="257"/>
-            <ac:spMk id="83" creationId="{00000000-0000-0000-0000-000000000000}"/>
-          </ac:spMkLst>
-        </pc:spChg>
-        <pc:spChg chg="mod">
-          <ac:chgData name="Riccardo Berta" userId="c8694f89-bba4-4576-b0a8-456619ca5a8c" providerId="ADAL" clId="{4967B734-A465-2844-BA15-7FBACE49D2F8}" dt="2022-10-05T05:37:06.487" v="2566" actId="20577"/>
-          <ac:spMkLst>
-            <pc:docMk/>
-            <pc:sldMk cId="0" sldId="257"/>
-            <ac:spMk id="84" creationId="{00000000-0000-0000-0000-000000000000}"/>
-          </ac:spMkLst>
-        </pc:spChg>
-        <pc:picChg chg="del">
-          <ac:chgData name="Riccardo Berta" userId="c8694f89-bba4-4576-b0a8-456619ca5a8c" providerId="ADAL" clId="{4967B734-A465-2844-BA15-7FBACE49D2F8}" dt="2022-10-04T06:53:54.793" v="41" actId="478"/>
-          <ac:picMkLst>
-            <pc:docMk/>
-            <pc:sldMk cId="0" sldId="257"/>
-            <ac:picMk id="2" creationId="{1E81BD5B-9F1C-4180-0225-A6FA7F7521E2}"/>
-          </ac:picMkLst>
-        </pc:picChg>
-      </pc:sldChg>
-      <pc:sldChg chg="del">
-        <pc:chgData name="Riccardo Berta" userId="c8694f89-bba4-4576-b0a8-456619ca5a8c" providerId="ADAL" clId="{4967B734-A465-2844-BA15-7FBACE49D2F8}" dt="2022-10-04T06:54:03.310" v="50" actId="2696"/>
-        <pc:sldMkLst>
-          <pc:docMk/>
-          <pc:sldMk cId="3018556184" sldId="259"/>
-        </pc:sldMkLst>
-      </pc:sldChg>
-      <pc:sldChg chg="del">
-        <pc:chgData name="Riccardo Berta" userId="c8694f89-bba4-4576-b0a8-456619ca5a8c" providerId="ADAL" clId="{4967B734-A465-2844-BA15-7FBACE49D2F8}" dt="2022-10-04T06:54:03.809" v="51" actId="2696"/>
-        <pc:sldMkLst>
-          <pc:docMk/>
-          <pc:sldMk cId="723946338" sldId="261"/>
-        </pc:sldMkLst>
-      </pc:sldChg>
-      <pc:sldChg chg="modSp mod">
-        <pc:chgData name="Riccardo Berta" userId="c8694f89-bba4-4576-b0a8-456619ca5a8c" providerId="ADAL" clId="{4967B734-A465-2844-BA15-7FBACE49D2F8}" dt="2022-10-04T09:53:48.313" v="2176" actId="1076"/>
-        <pc:sldMkLst>
-          <pc:docMk/>
-          <pc:sldMk cId="0" sldId="264"/>
-        </pc:sldMkLst>
-        <pc:spChg chg="mod">
-          <ac:chgData name="Riccardo Berta" userId="c8694f89-bba4-4576-b0a8-456619ca5a8c" providerId="ADAL" clId="{4967B734-A465-2844-BA15-7FBACE49D2F8}" dt="2022-10-04T09:53:48.313" v="2176" actId="1076"/>
-          <ac:spMkLst>
-            <pc:docMk/>
-            <pc:sldMk cId="0" sldId="264"/>
-            <ac:spMk id="84" creationId="{00000000-0000-0000-0000-000000000000}"/>
-          </ac:spMkLst>
-        </pc:spChg>
-      </pc:sldChg>
-      <pc:sldChg chg="del">
-        <pc:chgData name="Riccardo Berta" userId="c8694f89-bba4-4576-b0a8-456619ca5a8c" providerId="ADAL" clId="{4967B734-A465-2844-BA15-7FBACE49D2F8}" dt="2022-10-04T06:54:04.269" v="52" actId="2696"/>
-        <pc:sldMkLst>
-          <pc:docMk/>
-          <pc:sldMk cId="2752186034" sldId="265"/>
-        </pc:sldMkLst>
-      </pc:sldChg>
-      <pc:sldChg chg="addSp modSp add mod">
-        <pc:chgData name="Riccardo Berta" userId="c8694f89-bba4-4576-b0a8-456619ca5a8c" providerId="ADAL" clId="{4967B734-A465-2844-BA15-7FBACE49D2F8}" dt="2022-10-05T05:38:43.218" v="2573" actId="20577"/>
-        <pc:sldMkLst>
-          <pc:docMk/>
-          <pc:sldMk cId="4260925133" sldId="265"/>
-        </pc:sldMkLst>
-        <pc:spChg chg="mod">
-          <ac:chgData name="Riccardo Berta" userId="c8694f89-bba4-4576-b0a8-456619ca5a8c" providerId="ADAL" clId="{4967B734-A465-2844-BA15-7FBACE49D2F8}" dt="2022-10-04T07:03:57.181" v="300" actId="20577"/>
-          <ac:spMkLst>
-            <pc:docMk/>
-            <pc:sldMk cId="4260925133" sldId="265"/>
-            <ac:spMk id="83" creationId="{00000000-0000-0000-0000-000000000000}"/>
-          </ac:spMkLst>
-        </pc:spChg>
-        <pc:spChg chg="mod">
-          <ac:chgData name="Riccardo Berta" userId="c8694f89-bba4-4576-b0a8-456619ca5a8c" providerId="ADAL" clId="{4967B734-A465-2844-BA15-7FBACE49D2F8}" dt="2022-10-05T05:38:43.218" v="2573" actId="20577"/>
-          <ac:spMkLst>
-            <pc:docMk/>
-            <pc:sldMk cId="4260925133" sldId="265"/>
-            <ac:spMk id="84" creationId="{00000000-0000-0000-0000-000000000000}"/>
-          </ac:spMkLst>
-        </pc:spChg>
-        <pc:picChg chg="add mod">
-          <ac:chgData name="Riccardo Berta" userId="c8694f89-bba4-4576-b0a8-456619ca5a8c" providerId="ADAL" clId="{4967B734-A465-2844-BA15-7FBACE49D2F8}" dt="2022-10-04T07:04:48.519" v="307" actId="167"/>
-          <ac:picMkLst>
-            <pc:docMk/>
-            <pc:sldMk cId="4260925133" sldId="265"/>
-            <ac:picMk id="3" creationId="{674E15D2-3951-6F58-7582-C0EB4A615F1D}"/>
-          </ac:picMkLst>
-        </pc:picChg>
-      </pc:sldChg>
-      <pc:sldChg chg="addSp delSp modSp add mod">
-        <pc:chgData name="Riccardo Berta" userId="c8694f89-bba4-4576-b0a8-456619ca5a8c" providerId="ADAL" clId="{4967B734-A465-2844-BA15-7FBACE49D2F8}" dt="2022-10-05T05:43:30.967" v="2628" actId="20577"/>
-        <pc:sldMkLst>
-          <pc:docMk/>
-          <pc:sldMk cId="2074499598" sldId="266"/>
-        </pc:sldMkLst>
-        <pc:spChg chg="mod">
-          <ac:chgData name="Riccardo Berta" userId="c8694f89-bba4-4576-b0a8-456619ca5a8c" providerId="ADAL" clId="{4967B734-A465-2844-BA15-7FBACE49D2F8}" dt="2022-10-04T08:27:30.224" v="813" actId="20577"/>
-          <ac:spMkLst>
-            <pc:docMk/>
-            <pc:sldMk cId="2074499598" sldId="266"/>
-            <ac:spMk id="83" creationId="{00000000-0000-0000-0000-000000000000}"/>
-          </ac:spMkLst>
-        </pc:spChg>
-        <pc:spChg chg="mod">
-          <ac:chgData name="Riccardo Berta" userId="c8694f89-bba4-4576-b0a8-456619ca5a8c" providerId="ADAL" clId="{4967B734-A465-2844-BA15-7FBACE49D2F8}" dt="2022-10-05T05:43:30.967" v="2628" actId="20577"/>
-          <ac:spMkLst>
-            <pc:docMk/>
-            <pc:sldMk cId="2074499598" sldId="266"/>
-            <ac:spMk id="84" creationId="{00000000-0000-0000-0000-000000000000}"/>
-          </ac:spMkLst>
-        </pc:spChg>
-        <pc:picChg chg="add del mod">
-          <ac:chgData name="Riccardo Berta" userId="c8694f89-bba4-4576-b0a8-456619ca5a8c" providerId="ADAL" clId="{4967B734-A465-2844-BA15-7FBACE49D2F8}" dt="2022-10-04T08:28:52.112" v="847" actId="478"/>
-          <ac:picMkLst>
-            <pc:docMk/>
-            <pc:sldMk cId="2074499598" sldId="266"/>
-            <ac:picMk id="3" creationId="{44D37D90-9379-A202-D5CB-57A361B7ED10}"/>
-          </ac:picMkLst>
-        </pc:picChg>
-      </pc:sldChg>
-      <pc:sldChg chg="addSp delSp modSp add mod ord">
-        <pc:chgData name="Riccardo Berta" userId="c8694f89-bba4-4576-b0a8-456619ca5a8c" providerId="ADAL" clId="{4967B734-A465-2844-BA15-7FBACE49D2F8}" dt="2022-10-05T05:40:18.404" v="2582" actId="20577"/>
-        <pc:sldMkLst>
-          <pc:docMk/>
-          <pc:sldMk cId="2259674710" sldId="267"/>
-        </pc:sldMkLst>
-        <pc:spChg chg="mod">
-          <ac:chgData name="Riccardo Berta" userId="c8694f89-bba4-4576-b0a8-456619ca5a8c" providerId="ADAL" clId="{4967B734-A465-2844-BA15-7FBACE49D2F8}" dt="2022-10-04T07:10:58.043" v="468" actId="20577"/>
-          <ac:spMkLst>
-            <pc:docMk/>
-            <pc:sldMk cId="2259674710" sldId="267"/>
-            <ac:spMk id="83" creationId="{00000000-0000-0000-0000-000000000000}"/>
-          </ac:spMkLst>
-        </pc:spChg>
-        <pc:spChg chg="mod">
-          <ac:chgData name="Riccardo Berta" userId="c8694f89-bba4-4576-b0a8-456619ca5a8c" providerId="ADAL" clId="{4967B734-A465-2844-BA15-7FBACE49D2F8}" dt="2022-10-05T05:40:18.404" v="2582" actId="20577"/>
-          <ac:spMkLst>
-            <pc:docMk/>
-            <pc:sldMk cId="2259674710" sldId="267"/>
-            <ac:spMk id="84" creationId="{00000000-0000-0000-0000-000000000000}"/>
-          </ac:spMkLst>
-        </pc:spChg>
-        <pc:grpChg chg="add mod">
-          <ac:chgData name="Riccardo Berta" userId="c8694f89-bba4-4576-b0a8-456619ca5a8c" providerId="ADAL" clId="{4967B734-A465-2844-BA15-7FBACE49D2F8}" dt="2022-10-04T07:10:46.067" v="451" actId="1076"/>
-          <ac:grpSpMkLst>
-            <pc:docMk/>
-            <pc:sldMk cId="2259674710" sldId="267"/>
-            <ac:grpSpMk id="8" creationId="{76E119E0-3152-62BD-BDB3-39042BF2F1A5}"/>
-          </ac:grpSpMkLst>
-        </pc:grpChg>
-        <pc:grpChg chg="add mod">
-          <ac:chgData name="Riccardo Berta" userId="c8694f89-bba4-4576-b0a8-456619ca5a8c" providerId="ADAL" clId="{4967B734-A465-2844-BA15-7FBACE49D2F8}" dt="2022-10-04T07:10:41.433" v="450" actId="1076"/>
-          <ac:grpSpMkLst>
-            <pc:docMk/>
-            <pc:sldMk cId="2259674710" sldId="267"/>
-            <ac:grpSpMk id="13" creationId="{06C159A0-B8B5-40E9-02ED-983116530DFD}"/>
-          </ac:grpSpMkLst>
-        </pc:grpChg>
-        <pc:picChg chg="add del mod">
-          <ac:chgData name="Riccardo Berta" userId="c8694f89-bba4-4576-b0a8-456619ca5a8c" providerId="ADAL" clId="{4967B734-A465-2844-BA15-7FBACE49D2F8}" dt="2022-10-04T07:09:16.200" v="426" actId="478"/>
-          <ac:picMkLst>
-            <pc:docMk/>
-            <pc:sldMk cId="2259674710" sldId="267"/>
-            <ac:picMk id="3" creationId="{2ABEDA67-0163-D4F3-A664-9064A870FA11}"/>
-          </ac:picMkLst>
-        </pc:picChg>
-        <pc:picChg chg="add mod">
-          <ac:chgData name="Riccardo Berta" userId="c8694f89-bba4-4576-b0a8-456619ca5a8c" providerId="ADAL" clId="{4967B734-A465-2844-BA15-7FBACE49D2F8}" dt="2022-10-04T07:09:56.780" v="438" actId="164"/>
-          <ac:picMkLst>
-            <pc:docMk/>
-            <pc:sldMk cId="2259674710" sldId="267"/>
-            <ac:picMk id="5" creationId="{32BFCBAB-B883-C97F-EB56-9BCA8EFD7C98}"/>
-          </ac:picMkLst>
-        </pc:picChg>
-        <pc:picChg chg="add mod">
-          <ac:chgData name="Riccardo Berta" userId="c8694f89-bba4-4576-b0a8-456619ca5a8c" providerId="ADAL" clId="{4967B734-A465-2844-BA15-7FBACE49D2F8}" dt="2022-10-04T07:09:56.780" v="438" actId="164"/>
-          <ac:picMkLst>
-            <pc:docMk/>
-            <pc:sldMk cId="2259674710" sldId="267"/>
-            <ac:picMk id="7" creationId="{40DBC67E-51C8-0100-997A-3D832D4D8980}"/>
-          </ac:picMkLst>
-        </pc:picChg>
-        <pc:picChg chg="add mod">
-          <ac:chgData name="Riccardo Berta" userId="c8694f89-bba4-4576-b0a8-456619ca5a8c" providerId="ADAL" clId="{4967B734-A465-2844-BA15-7FBACE49D2F8}" dt="2022-10-04T07:10:38.910" v="449" actId="164"/>
-          <ac:picMkLst>
-            <pc:docMk/>
-            <pc:sldMk cId="2259674710" sldId="267"/>
-            <ac:picMk id="10" creationId="{CE457A6C-F4AE-07DF-22FD-0203427E5E4D}"/>
-          </ac:picMkLst>
-        </pc:picChg>
-        <pc:picChg chg="add mod">
-          <ac:chgData name="Riccardo Berta" userId="c8694f89-bba4-4576-b0a8-456619ca5a8c" providerId="ADAL" clId="{4967B734-A465-2844-BA15-7FBACE49D2F8}" dt="2022-10-04T07:10:38.910" v="449" actId="164"/>
-          <ac:picMkLst>
-            <pc:docMk/>
-            <pc:sldMk cId="2259674710" sldId="267"/>
-            <ac:picMk id="12" creationId="{C697C6E3-A578-4BB5-2F96-37B0F860D0FA}"/>
-          </ac:picMkLst>
-        </pc:picChg>
-      </pc:sldChg>
-      <pc:sldChg chg="addSp delSp modSp add mod ord">
-        <pc:chgData name="Riccardo Berta" userId="c8694f89-bba4-4576-b0a8-456619ca5a8c" providerId="ADAL" clId="{4967B734-A465-2844-BA15-7FBACE49D2F8}" dt="2022-10-04T08:21:03.314" v="615" actId="20577"/>
-        <pc:sldMkLst>
-          <pc:docMk/>
-          <pc:sldMk cId="2756532613" sldId="268"/>
-        </pc:sldMkLst>
-        <pc:spChg chg="mod">
-          <ac:chgData name="Riccardo Berta" userId="c8694f89-bba4-4576-b0a8-456619ca5a8c" providerId="ADAL" clId="{4967B734-A465-2844-BA15-7FBACE49D2F8}" dt="2022-10-04T08:19:34.413" v="566" actId="20577"/>
-          <ac:spMkLst>
-            <pc:docMk/>
-            <pc:sldMk cId="2756532613" sldId="268"/>
-            <ac:spMk id="83" creationId="{00000000-0000-0000-0000-000000000000}"/>
-          </ac:spMkLst>
-        </pc:spChg>
-        <pc:spChg chg="mod">
-          <ac:chgData name="Riccardo Berta" userId="c8694f89-bba4-4576-b0a8-456619ca5a8c" providerId="ADAL" clId="{4967B734-A465-2844-BA15-7FBACE49D2F8}" dt="2022-10-04T08:21:03.314" v="615" actId="20577"/>
-          <ac:spMkLst>
-            <pc:docMk/>
-            <pc:sldMk cId="2756532613" sldId="268"/>
-            <ac:spMk id="84" creationId="{00000000-0000-0000-0000-000000000000}"/>
-          </ac:spMkLst>
-        </pc:spChg>
-        <pc:picChg chg="add del mod">
-          <ac:chgData name="Riccardo Berta" userId="c8694f89-bba4-4576-b0a8-456619ca5a8c" providerId="ADAL" clId="{4967B734-A465-2844-BA15-7FBACE49D2F8}" dt="2022-10-04T08:20:02.584" v="570" actId="21"/>
-          <ac:picMkLst>
-            <pc:docMk/>
-            <pc:sldMk cId="2756532613" sldId="268"/>
-            <ac:picMk id="3" creationId="{98442946-176C-875C-17DD-8426B4357AF0}"/>
-          </ac:picMkLst>
-        </pc:picChg>
-      </pc:sldChg>
-      <pc:sldChg chg="addSp delSp modSp add mod ord">
-        <pc:chgData name="Riccardo Berta" userId="c8694f89-bba4-4576-b0a8-456619ca5a8c" providerId="ADAL" clId="{4967B734-A465-2844-BA15-7FBACE49D2F8}" dt="2022-10-04T08:22:30.428" v="629" actId="20577"/>
-        <pc:sldMkLst>
-          <pc:docMk/>
-          <pc:sldMk cId="3950372499" sldId="269"/>
-        </pc:sldMkLst>
-        <pc:spChg chg="add del mod">
-          <ac:chgData name="Riccardo Berta" userId="c8694f89-bba4-4576-b0a8-456619ca5a8c" providerId="ADAL" clId="{4967B734-A465-2844-BA15-7FBACE49D2F8}" dt="2022-10-04T08:21:20.713" v="620" actId="478"/>
-          <ac:spMkLst>
-            <pc:docMk/>
-            <pc:sldMk cId="3950372499" sldId="269"/>
-            <ac:spMk id="4" creationId="{39E4D033-B0C4-D65C-AF4F-60006E851E46}"/>
-          </ac:spMkLst>
-        </pc:spChg>
-        <pc:spChg chg="mod">
-          <ac:chgData name="Riccardo Berta" userId="c8694f89-bba4-4576-b0a8-456619ca5a8c" providerId="ADAL" clId="{4967B734-A465-2844-BA15-7FBACE49D2F8}" dt="2022-10-04T08:22:30.428" v="629" actId="20577"/>
-          <ac:spMkLst>
-            <pc:docMk/>
-            <pc:sldMk cId="3950372499" sldId="269"/>
-            <ac:spMk id="83" creationId="{00000000-0000-0000-0000-000000000000}"/>
-          </ac:spMkLst>
-        </pc:spChg>
-        <pc:spChg chg="del">
-          <ac:chgData name="Riccardo Berta" userId="c8694f89-bba4-4576-b0a8-456619ca5a8c" providerId="ADAL" clId="{4967B734-A465-2844-BA15-7FBACE49D2F8}" dt="2022-10-04T08:21:12.185" v="617" actId="478"/>
-          <ac:spMkLst>
-            <pc:docMk/>
-            <pc:sldMk cId="3950372499" sldId="269"/>
-            <ac:spMk id="84" creationId="{00000000-0000-0000-0000-000000000000}"/>
-          </ac:spMkLst>
-        </pc:spChg>
-        <pc:picChg chg="add del mod modCrop">
-          <ac:chgData name="Riccardo Berta" userId="c8694f89-bba4-4576-b0a8-456619ca5a8c" providerId="ADAL" clId="{4967B734-A465-2844-BA15-7FBACE49D2F8}" dt="2022-10-04T08:22:28.190" v="625" actId="1076"/>
-          <ac:picMkLst>
-            <pc:docMk/>
-            <pc:sldMk cId="3950372499" sldId="269"/>
-            <ac:picMk id="2" creationId="{DD7459EB-2FB9-EE3F-1B0C-BEEC31DF7753}"/>
-          </ac:picMkLst>
-        </pc:picChg>
-      </pc:sldChg>
-      <pc:sldChg chg="addSp delSp modSp add mod">
-        <pc:chgData name="Riccardo Berta" userId="c8694f89-bba4-4576-b0a8-456619ca5a8c" providerId="ADAL" clId="{4967B734-A465-2844-BA15-7FBACE49D2F8}" dt="2022-10-04T08:30:10.946" v="871" actId="1076"/>
-        <pc:sldMkLst>
-          <pc:docMk/>
-          <pc:sldMk cId="3668836689" sldId="270"/>
-        </pc:sldMkLst>
-        <pc:spChg chg="add del mod">
-          <ac:chgData name="Riccardo Berta" userId="c8694f89-bba4-4576-b0a8-456619ca5a8c" providerId="ADAL" clId="{4967B734-A465-2844-BA15-7FBACE49D2F8}" dt="2022-10-04T08:28:59.088" v="849" actId="478"/>
-          <ac:spMkLst>
-            <pc:docMk/>
-            <pc:sldMk cId="3668836689" sldId="270"/>
-            <ac:spMk id="3" creationId="{ADD0BEAE-9DF8-C7CC-E5FD-45BD4BBED0AD}"/>
-          </ac:spMkLst>
-        </pc:spChg>
-        <pc:spChg chg="mod">
-          <ac:chgData name="Riccardo Berta" userId="c8694f89-bba4-4576-b0a8-456619ca5a8c" providerId="ADAL" clId="{4967B734-A465-2844-BA15-7FBACE49D2F8}" dt="2022-10-04T08:29:04.981" v="863" actId="20577"/>
-          <ac:spMkLst>
-            <pc:docMk/>
-            <pc:sldMk cId="3668836689" sldId="270"/>
-            <ac:spMk id="83" creationId="{00000000-0000-0000-0000-000000000000}"/>
-          </ac:spMkLst>
-        </pc:spChg>
-        <pc:spChg chg="del">
-          <ac:chgData name="Riccardo Berta" userId="c8694f89-bba4-4576-b0a8-456619ca5a8c" providerId="ADAL" clId="{4967B734-A465-2844-BA15-7FBACE49D2F8}" dt="2022-10-04T08:28:56.705" v="848" actId="478"/>
-          <ac:spMkLst>
-            <pc:docMk/>
-            <pc:sldMk cId="3668836689" sldId="270"/>
-            <ac:spMk id="84" creationId="{00000000-0000-0000-0000-000000000000}"/>
-          </ac:spMkLst>
-        </pc:spChg>
-        <pc:picChg chg="add mod modCrop">
-          <ac:chgData name="Riccardo Berta" userId="c8694f89-bba4-4576-b0a8-456619ca5a8c" providerId="ADAL" clId="{4967B734-A465-2844-BA15-7FBACE49D2F8}" dt="2022-10-04T08:30:10.946" v="871" actId="1076"/>
-          <ac:picMkLst>
-            <pc:docMk/>
-            <pc:sldMk cId="3668836689" sldId="270"/>
-            <ac:picMk id="4" creationId="{577B3EB2-1884-58A5-AA7F-C288CC12280D}"/>
-          </ac:picMkLst>
-        </pc:picChg>
-      </pc:sldChg>
-      <pc:sldChg chg="addSp modSp add mod">
-        <pc:chgData name="Riccardo Berta" userId="c8694f89-bba4-4576-b0a8-456619ca5a8c" providerId="ADAL" clId="{4967B734-A465-2844-BA15-7FBACE49D2F8}" dt="2022-10-04T08:33:08.776" v="912" actId="1076"/>
-        <pc:sldMkLst>
-          <pc:docMk/>
-          <pc:sldMk cId="1894295752" sldId="271"/>
-        </pc:sldMkLst>
-        <pc:spChg chg="mod">
-          <ac:chgData name="Riccardo Berta" userId="c8694f89-bba4-4576-b0a8-456619ca5a8c" providerId="ADAL" clId="{4967B734-A465-2844-BA15-7FBACE49D2F8}" dt="2022-10-04T08:30:25.791" v="874" actId="20577"/>
-          <ac:spMkLst>
-            <pc:docMk/>
-            <pc:sldMk cId="1894295752" sldId="271"/>
-            <ac:spMk id="83" creationId="{00000000-0000-0000-0000-000000000000}"/>
-          </ac:spMkLst>
-        </pc:spChg>
-        <pc:spChg chg="mod">
-          <ac:chgData name="Riccardo Berta" userId="c8694f89-bba4-4576-b0a8-456619ca5a8c" providerId="ADAL" clId="{4967B734-A465-2844-BA15-7FBACE49D2F8}" dt="2022-10-04T08:33:01.838" v="909" actId="1035"/>
-          <ac:spMkLst>
-            <pc:docMk/>
-            <pc:sldMk cId="1894295752" sldId="271"/>
-            <ac:spMk id="84" creationId="{00000000-0000-0000-0000-000000000000}"/>
-          </ac:spMkLst>
-        </pc:spChg>
-        <pc:picChg chg="add mod">
-          <ac:chgData name="Riccardo Berta" userId="c8694f89-bba4-4576-b0a8-456619ca5a8c" providerId="ADAL" clId="{4967B734-A465-2844-BA15-7FBACE49D2F8}" dt="2022-10-04T08:33:08.776" v="912" actId="1076"/>
-          <ac:picMkLst>
-            <pc:docMk/>
-            <pc:sldMk cId="1894295752" sldId="271"/>
-            <ac:picMk id="3" creationId="{B5A2D85B-25EA-51CE-30EE-5FCC2A5BCEE7}"/>
-          </ac:picMkLst>
-        </pc:picChg>
-      </pc:sldChg>
-      <pc:sldChg chg="del">
-        <pc:chgData name="Riccardo Berta" userId="c8694f89-bba4-4576-b0a8-456619ca5a8c" providerId="ADAL" clId="{4967B734-A465-2844-BA15-7FBACE49D2F8}" dt="2022-10-04T06:54:05.175" v="54" actId="2696"/>
-        <pc:sldMkLst>
-          <pc:docMk/>
-          <pc:sldMk cId="1942012932" sldId="271"/>
-        </pc:sldMkLst>
-      </pc:sldChg>
-      <pc:sldChg chg="addSp modSp add mod">
-        <pc:chgData name="Riccardo Berta" userId="c8694f89-bba4-4576-b0a8-456619ca5a8c" providerId="ADAL" clId="{4967B734-A465-2844-BA15-7FBACE49D2F8}" dt="2022-10-05T05:45:21.155" v="2636" actId="20577"/>
-        <pc:sldMkLst>
-          <pc:docMk/>
-          <pc:sldMk cId="732868139" sldId="272"/>
-        </pc:sldMkLst>
-        <pc:spChg chg="mod">
-          <ac:chgData name="Riccardo Berta" userId="c8694f89-bba4-4576-b0a8-456619ca5a8c" providerId="ADAL" clId="{4967B734-A465-2844-BA15-7FBACE49D2F8}" dt="2022-10-04T08:33:38.186" v="939" actId="20577"/>
-          <ac:spMkLst>
-            <pc:docMk/>
-            <pc:sldMk cId="732868139" sldId="272"/>
-            <ac:spMk id="83" creationId="{00000000-0000-0000-0000-000000000000}"/>
-          </ac:spMkLst>
-        </pc:spChg>
-        <pc:spChg chg="mod">
-          <ac:chgData name="Riccardo Berta" userId="c8694f89-bba4-4576-b0a8-456619ca5a8c" providerId="ADAL" clId="{4967B734-A465-2844-BA15-7FBACE49D2F8}" dt="2022-10-05T05:45:21.155" v="2636" actId="20577"/>
-          <ac:spMkLst>
-            <pc:docMk/>
-            <pc:sldMk cId="732868139" sldId="272"/>
-            <ac:spMk id="84" creationId="{00000000-0000-0000-0000-000000000000}"/>
-          </ac:spMkLst>
-        </pc:spChg>
-        <pc:picChg chg="add mod">
-          <ac:chgData name="Riccardo Berta" userId="c8694f89-bba4-4576-b0a8-456619ca5a8c" providerId="ADAL" clId="{4967B734-A465-2844-BA15-7FBACE49D2F8}" dt="2022-10-04T08:36:29.105" v="1008" actId="1076"/>
-          <ac:picMkLst>
-            <pc:docMk/>
-            <pc:sldMk cId="732868139" sldId="272"/>
-            <ac:picMk id="3" creationId="{06C364F7-5AEB-D00D-6586-D30FF7199764}"/>
-          </ac:picMkLst>
-        </pc:picChg>
-      </pc:sldChg>
-      <pc:sldChg chg="addSp delSp modSp add mod">
-        <pc:chgData name="Riccardo Berta" userId="c8694f89-bba4-4576-b0a8-456619ca5a8c" providerId="ADAL" clId="{4967B734-A465-2844-BA15-7FBACE49D2F8}" dt="2022-10-04T08:54:59.469" v="1509" actId="20577"/>
-        <pc:sldMkLst>
-          <pc:docMk/>
-          <pc:sldMk cId="3859598341" sldId="273"/>
-        </pc:sldMkLst>
-        <pc:spChg chg="add del">
-          <ac:chgData name="Riccardo Berta" userId="c8694f89-bba4-4576-b0a8-456619ca5a8c" providerId="ADAL" clId="{4967B734-A465-2844-BA15-7FBACE49D2F8}" dt="2022-10-04T08:40:47.038" v="1073" actId="478"/>
-          <ac:spMkLst>
-            <pc:docMk/>
-            <pc:sldMk cId="3859598341" sldId="273"/>
-            <ac:spMk id="5" creationId="{4BD7BBB3-7BD1-8528-AAC5-76102E39DEBE}"/>
-          </ac:spMkLst>
-        </pc:spChg>
-        <pc:spChg chg="mod">
-          <ac:chgData name="Riccardo Berta" userId="c8694f89-bba4-4576-b0a8-456619ca5a8c" providerId="ADAL" clId="{4967B734-A465-2844-BA15-7FBACE49D2F8}" dt="2022-10-04T08:54:59.469" v="1509" actId="20577"/>
-          <ac:spMkLst>
-            <pc:docMk/>
-            <pc:sldMk cId="3859598341" sldId="273"/>
-            <ac:spMk id="83" creationId="{00000000-0000-0000-0000-000000000000}"/>
-          </ac:spMkLst>
-        </pc:spChg>
-        <pc:spChg chg="mod">
-          <ac:chgData name="Riccardo Berta" userId="c8694f89-bba4-4576-b0a8-456619ca5a8c" providerId="ADAL" clId="{4967B734-A465-2844-BA15-7FBACE49D2F8}" dt="2022-10-04T08:50:37.924" v="1412" actId="113"/>
-          <ac:spMkLst>
-            <pc:docMk/>
-            <pc:sldMk cId="3859598341" sldId="273"/>
-            <ac:spMk id="84" creationId="{00000000-0000-0000-0000-000000000000}"/>
-          </ac:spMkLst>
-        </pc:spChg>
-        <pc:picChg chg="add del mod">
-          <ac:chgData name="Riccardo Berta" userId="c8694f89-bba4-4576-b0a8-456619ca5a8c" providerId="ADAL" clId="{4967B734-A465-2844-BA15-7FBACE49D2F8}" dt="2022-10-04T08:40:42.684" v="1072" actId="478"/>
-          <ac:picMkLst>
-            <pc:docMk/>
-            <pc:sldMk cId="3859598341" sldId="273"/>
-            <ac:picMk id="3" creationId="{20386706-AA10-6FE6-3018-AE4EEDC01050}"/>
-          </ac:picMkLst>
-        </pc:picChg>
-        <pc:picChg chg="add mod">
-          <ac:chgData name="Riccardo Berta" userId="c8694f89-bba4-4576-b0a8-456619ca5a8c" providerId="ADAL" clId="{4967B734-A465-2844-BA15-7FBACE49D2F8}" dt="2022-10-04T08:50:21.355" v="1410" actId="1076"/>
-          <ac:picMkLst>
-            <pc:docMk/>
-            <pc:sldMk cId="3859598341" sldId="273"/>
-            <ac:picMk id="7" creationId="{3AA9CA5E-B11C-5354-F133-CC2410A67F28}"/>
-          </ac:picMkLst>
-        </pc:picChg>
-      </pc:sldChg>
-      <pc:sldChg chg="addSp modSp add mod">
-        <pc:chgData name="Riccardo Berta" userId="c8694f89-bba4-4576-b0a8-456619ca5a8c" providerId="ADAL" clId="{4967B734-A465-2844-BA15-7FBACE49D2F8}" dt="2022-10-04T08:55:10.050" v="1510" actId="1076"/>
-        <pc:sldMkLst>
-          <pc:docMk/>
-          <pc:sldMk cId="2213323745" sldId="274"/>
-        </pc:sldMkLst>
-        <pc:spChg chg="mod">
-          <ac:chgData name="Riccardo Berta" userId="c8694f89-bba4-4576-b0a8-456619ca5a8c" providerId="ADAL" clId="{4967B734-A465-2844-BA15-7FBACE49D2F8}" dt="2022-10-04T08:54:47.815" v="1503" actId="20577"/>
-          <ac:spMkLst>
-            <pc:docMk/>
-            <pc:sldMk cId="2213323745" sldId="274"/>
-            <ac:spMk id="83" creationId="{00000000-0000-0000-0000-000000000000}"/>
-          </ac:spMkLst>
-        </pc:spChg>
-        <pc:spChg chg="mod">
-          <ac:chgData name="Riccardo Berta" userId="c8694f89-bba4-4576-b0a8-456619ca5a8c" providerId="ADAL" clId="{4967B734-A465-2844-BA15-7FBACE49D2F8}" dt="2022-10-04T08:54:36.556" v="1475" actId="5793"/>
-          <ac:spMkLst>
-            <pc:docMk/>
-            <pc:sldMk cId="2213323745" sldId="274"/>
-            <ac:spMk id="84" creationId="{00000000-0000-0000-0000-000000000000}"/>
-          </ac:spMkLst>
-        </pc:spChg>
-        <pc:picChg chg="add mod">
-          <ac:chgData name="Riccardo Berta" userId="c8694f89-bba4-4576-b0a8-456619ca5a8c" providerId="ADAL" clId="{4967B734-A465-2844-BA15-7FBACE49D2F8}" dt="2022-10-04T08:55:10.050" v="1510" actId="1076"/>
-          <ac:picMkLst>
-            <pc:docMk/>
-            <pc:sldMk cId="2213323745" sldId="274"/>
-            <ac:picMk id="3" creationId="{DC8EA310-4CEB-F6CD-8EBA-90EBC000E7D0}"/>
-          </ac:picMkLst>
-        </pc:picChg>
-      </pc:sldChg>
-      <pc:sldChg chg="del">
-        <pc:chgData name="Riccardo Berta" userId="c8694f89-bba4-4576-b0a8-456619ca5a8c" providerId="ADAL" clId="{4967B734-A465-2844-BA15-7FBACE49D2F8}" dt="2022-10-04T06:54:05.569" v="55" actId="2696"/>
-        <pc:sldMkLst>
-          <pc:docMk/>
-          <pc:sldMk cId="2759966790" sldId="274"/>
-        </pc:sldMkLst>
-      </pc:sldChg>
-      <pc:sldChg chg="addSp modSp add mod">
-        <pc:chgData name="Riccardo Berta" userId="c8694f89-bba4-4576-b0a8-456619ca5a8c" providerId="ADAL" clId="{4967B734-A465-2844-BA15-7FBACE49D2F8}" dt="2022-10-10T05:36:43.547" v="2688" actId="20577"/>
-        <pc:sldMkLst>
-          <pc:docMk/>
-          <pc:sldMk cId="303121765" sldId="275"/>
-        </pc:sldMkLst>
-        <pc:spChg chg="mod">
-          <ac:chgData name="Riccardo Berta" userId="c8694f89-bba4-4576-b0a8-456619ca5a8c" providerId="ADAL" clId="{4967B734-A465-2844-BA15-7FBACE49D2F8}" dt="2022-10-04T08:56:19.042" v="1513"/>
-          <ac:spMkLst>
-            <pc:docMk/>
-            <pc:sldMk cId="303121765" sldId="275"/>
-            <ac:spMk id="83" creationId="{00000000-0000-0000-0000-000000000000}"/>
-          </ac:spMkLst>
-        </pc:spChg>
-        <pc:spChg chg="mod">
-          <ac:chgData name="Riccardo Berta" userId="c8694f89-bba4-4576-b0a8-456619ca5a8c" providerId="ADAL" clId="{4967B734-A465-2844-BA15-7FBACE49D2F8}" dt="2022-10-10T05:36:43.547" v="2688" actId="20577"/>
-          <ac:spMkLst>
-            <pc:docMk/>
-            <pc:sldMk cId="303121765" sldId="275"/>
-            <ac:spMk id="84" creationId="{00000000-0000-0000-0000-000000000000}"/>
-          </ac:spMkLst>
-        </pc:spChg>
-        <pc:picChg chg="add mod">
-          <ac:chgData name="Riccardo Berta" userId="c8694f89-bba4-4576-b0a8-456619ca5a8c" providerId="ADAL" clId="{4967B734-A465-2844-BA15-7FBACE49D2F8}" dt="2022-10-04T09:29:01.183" v="1661" actId="1076"/>
-          <ac:picMkLst>
-            <pc:docMk/>
-            <pc:sldMk cId="303121765" sldId="275"/>
-            <ac:picMk id="3" creationId="{1558432E-BB9A-36EE-DEE9-411FA3BCAAC6}"/>
-          </ac:picMkLst>
-        </pc:picChg>
-        <pc:picChg chg="add mod">
-          <ac:chgData name="Riccardo Berta" userId="c8694f89-bba4-4576-b0a8-456619ca5a8c" providerId="ADAL" clId="{4967B734-A465-2844-BA15-7FBACE49D2F8}" dt="2022-10-04T09:29:10.609" v="1671" actId="1076"/>
-          <ac:picMkLst>
-            <pc:docMk/>
-            <pc:sldMk cId="303121765" sldId="275"/>
-            <ac:picMk id="5" creationId="{AFA7E6B6-E78E-79EF-CB15-0348F1C7B395}"/>
-          </ac:picMkLst>
-        </pc:picChg>
-      </pc:sldChg>
-      <pc:sldChg chg="del">
-        <pc:chgData name="Riccardo Berta" userId="c8694f89-bba4-4576-b0a8-456619ca5a8c" providerId="ADAL" clId="{4967B734-A465-2844-BA15-7FBACE49D2F8}" dt="2022-10-04T06:54:06.082" v="56" actId="2696"/>
-        <pc:sldMkLst>
-          <pc:docMk/>
-          <pc:sldMk cId="3965473342" sldId="275"/>
-        </pc:sldMkLst>
-      </pc:sldChg>
-      <pc:sldChg chg="addSp modSp add mod">
-        <pc:chgData name="Riccardo Berta" userId="c8694f89-bba4-4576-b0a8-456619ca5a8c" providerId="ADAL" clId="{4967B734-A465-2844-BA15-7FBACE49D2F8}" dt="2022-10-04T09:35:09.338" v="1844" actId="113"/>
-        <pc:sldMkLst>
-          <pc:docMk/>
-          <pc:sldMk cId="2020526202" sldId="276"/>
-        </pc:sldMkLst>
-        <pc:spChg chg="mod">
-          <ac:chgData name="Riccardo Berta" userId="c8694f89-bba4-4576-b0a8-456619ca5a8c" providerId="ADAL" clId="{4967B734-A465-2844-BA15-7FBACE49D2F8}" dt="2022-10-04T09:29:30.015" v="1699" actId="20577"/>
-          <ac:spMkLst>
-            <pc:docMk/>
-            <pc:sldMk cId="2020526202" sldId="276"/>
-            <ac:spMk id="83" creationId="{00000000-0000-0000-0000-000000000000}"/>
-          </ac:spMkLst>
-        </pc:spChg>
-        <pc:spChg chg="mod">
-          <ac:chgData name="Riccardo Berta" userId="c8694f89-bba4-4576-b0a8-456619ca5a8c" providerId="ADAL" clId="{4967B734-A465-2844-BA15-7FBACE49D2F8}" dt="2022-10-04T09:35:09.338" v="1844" actId="113"/>
-          <ac:spMkLst>
-            <pc:docMk/>
-            <pc:sldMk cId="2020526202" sldId="276"/>
-            <ac:spMk id="84" creationId="{00000000-0000-0000-0000-000000000000}"/>
-          </ac:spMkLst>
-        </pc:spChg>
-        <pc:picChg chg="add mod">
-          <ac:chgData name="Riccardo Berta" userId="c8694f89-bba4-4576-b0a8-456619ca5a8c" providerId="ADAL" clId="{4967B734-A465-2844-BA15-7FBACE49D2F8}" dt="2022-10-04T09:34:22.336" v="1806" actId="1076"/>
-          <ac:picMkLst>
-            <pc:docMk/>
-            <pc:sldMk cId="2020526202" sldId="276"/>
-            <ac:picMk id="3" creationId="{88ECFE04-FF14-52F4-A978-DE862D655546}"/>
-          </ac:picMkLst>
-        </pc:picChg>
-      </pc:sldChg>
-      <pc:sldChg chg="del">
-        <pc:chgData name="Riccardo Berta" userId="c8694f89-bba4-4576-b0a8-456619ca5a8c" providerId="ADAL" clId="{4967B734-A465-2844-BA15-7FBACE49D2F8}" dt="2022-10-04T06:54:06.650" v="57" actId="2696"/>
-        <pc:sldMkLst>
-          <pc:docMk/>
-          <pc:sldMk cId="3364334937" sldId="276"/>
-        </pc:sldMkLst>
-      </pc:sldChg>
-      <pc:sldChg chg="del">
-        <pc:chgData name="Riccardo Berta" userId="c8694f89-bba4-4576-b0a8-456619ca5a8c" providerId="ADAL" clId="{4967B734-A465-2844-BA15-7FBACE49D2F8}" dt="2022-10-04T06:54:07.117" v="58" actId="2696"/>
-        <pc:sldMkLst>
-          <pc:docMk/>
-          <pc:sldMk cId="2920432797" sldId="277"/>
-        </pc:sldMkLst>
-      </pc:sldChg>
-      <pc:sldChg chg="addSp modSp add mod">
-        <pc:chgData name="Riccardo Berta" userId="c8694f89-bba4-4576-b0a8-456619ca5a8c" providerId="ADAL" clId="{4967B734-A465-2844-BA15-7FBACE49D2F8}" dt="2022-10-10T05:38:42.742" v="2693" actId="20577"/>
-        <pc:sldMkLst>
-          <pc:docMk/>
-          <pc:sldMk cId="3156887330" sldId="277"/>
-        </pc:sldMkLst>
-        <pc:spChg chg="mod">
-          <ac:chgData name="Riccardo Berta" userId="c8694f89-bba4-4576-b0a8-456619ca5a8c" providerId="ADAL" clId="{4967B734-A465-2844-BA15-7FBACE49D2F8}" dt="2022-10-04T09:34:47.105" v="1828" actId="20577"/>
-          <ac:spMkLst>
-            <pc:docMk/>
-            <pc:sldMk cId="3156887330" sldId="277"/>
-            <ac:spMk id="83" creationId="{00000000-0000-0000-0000-000000000000}"/>
-          </ac:spMkLst>
-        </pc:spChg>
-        <pc:spChg chg="mod">
-          <ac:chgData name="Riccardo Berta" userId="c8694f89-bba4-4576-b0a8-456619ca5a8c" providerId="ADAL" clId="{4967B734-A465-2844-BA15-7FBACE49D2F8}" dt="2022-10-10T05:38:42.742" v="2693" actId="20577"/>
-          <ac:spMkLst>
-            <pc:docMk/>
-            <pc:sldMk cId="3156887330" sldId="277"/>
-            <ac:spMk id="84" creationId="{00000000-0000-0000-0000-000000000000}"/>
-          </ac:spMkLst>
-        </pc:spChg>
-        <pc:picChg chg="add mod">
-          <ac:chgData name="Riccardo Berta" userId="c8694f89-bba4-4576-b0a8-456619ca5a8c" providerId="ADAL" clId="{4967B734-A465-2844-BA15-7FBACE49D2F8}" dt="2022-10-04T09:39:19.764" v="1943" actId="1076"/>
-          <ac:picMkLst>
-            <pc:docMk/>
-            <pc:sldMk cId="3156887330" sldId="277"/>
-            <ac:picMk id="3" creationId="{EC767993-3E78-5F54-36E2-E40875AD49A1}"/>
-          </ac:picMkLst>
-        </pc:picChg>
-      </pc:sldChg>
-      <pc:sldChg chg="addSp modSp add mod">
-        <pc:chgData name="Riccardo Berta" userId="c8694f89-bba4-4576-b0a8-456619ca5a8c" providerId="ADAL" clId="{4967B734-A465-2844-BA15-7FBACE49D2F8}" dt="2022-10-04T09:50:43.485" v="2061" actId="1076"/>
-        <pc:sldMkLst>
-          <pc:docMk/>
-          <pc:sldMk cId="1586284290" sldId="278"/>
-        </pc:sldMkLst>
-        <pc:spChg chg="mod">
-          <ac:chgData name="Riccardo Berta" userId="c8694f89-bba4-4576-b0a8-456619ca5a8c" providerId="ADAL" clId="{4967B734-A465-2844-BA15-7FBACE49D2F8}" dt="2022-10-04T09:39:46.696" v="1972" actId="20577"/>
-          <ac:spMkLst>
-            <pc:docMk/>
-            <pc:sldMk cId="1586284290" sldId="278"/>
-            <ac:spMk id="83" creationId="{00000000-0000-0000-0000-000000000000}"/>
-          </ac:spMkLst>
-        </pc:spChg>
-        <pc:spChg chg="mod">
-          <ac:chgData name="Riccardo Berta" userId="c8694f89-bba4-4576-b0a8-456619ca5a8c" providerId="ADAL" clId="{4967B734-A465-2844-BA15-7FBACE49D2F8}" dt="2022-10-04T09:50:25.842" v="2059" actId="20577"/>
-          <ac:spMkLst>
-            <pc:docMk/>
-            <pc:sldMk cId="1586284290" sldId="278"/>
-            <ac:spMk id="84" creationId="{00000000-0000-0000-0000-000000000000}"/>
-          </ac:spMkLst>
-        </pc:spChg>
-        <pc:picChg chg="add mod modCrop">
-          <ac:chgData name="Riccardo Berta" userId="c8694f89-bba4-4576-b0a8-456619ca5a8c" providerId="ADAL" clId="{4967B734-A465-2844-BA15-7FBACE49D2F8}" dt="2022-10-04T09:48:54.619" v="2028" actId="1076"/>
-          <ac:picMkLst>
-            <pc:docMk/>
-            <pc:sldMk cId="1586284290" sldId="278"/>
-            <ac:picMk id="3" creationId="{EC904396-95B0-3596-C30B-F4DAD67A93A0}"/>
-          </ac:picMkLst>
-        </pc:picChg>
-        <pc:picChg chg="add mod">
-          <ac:chgData name="Riccardo Berta" userId="c8694f89-bba4-4576-b0a8-456619ca5a8c" providerId="ADAL" clId="{4967B734-A465-2844-BA15-7FBACE49D2F8}" dt="2022-10-04T09:50:43.485" v="2061" actId="1076"/>
-          <ac:picMkLst>
-            <pc:docMk/>
-            <pc:sldMk cId="1586284290" sldId="278"/>
-            <ac:picMk id="5" creationId="{F263AB65-02BC-B30C-60E2-24FB398F2F09}"/>
-          </ac:picMkLst>
-        </pc:picChg>
-      </pc:sldChg>
-      <pc:sldChg chg="del">
-        <pc:chgData name="Riccardo Berta" userId="c8694f89-bba4-4576-b0a8-456619ca5a8c" providerId="ADAL" clId="{4967B734-A465-2844-BA15-7FBACE49D2F8}" dt="2022-10-04T06:54:07.594" v="59" actId="2696"/>
-        <pc:sldMkLst>
-          <pc:docMk/>
-          <pc:sldMk cId="3024273348" sldId="278"/>
-        </pc:sldMkLst>
-      </pc:sldChg>
-      <pc:sldChg chg="del">
-        <pc:chgData name="Riccardo Berta" userId="c8694f89-bba4-4576-b0a8-456619ca5a8c" providerId="ADAL" clId="{4967B734-A465-2844-BA15-7FBACE49D2F8}" dt="2022-10-04T06:54:08.017" v="60" actId="2696"/>
-        <pc:sldMkLst>
-          <pc:docMk/>
-          <pc:sldMk cId="2505677359" sldId="279"/>
-        </pc:sldMkLst>
-      </pc:sldChg>
-      <pc:sldChg chg="modSp add mod">
-        <pc:chgData name="Riccardo Berta" userId="c8694f89-bba4-4576-b0a8-456619ca5a8c" providerId="ADAL" clId="{4967B734-A465-2844-BA15-7FBACE49D2F8}" dt="2022-10-04T09:56:29.719" v="2268" actId="404"/>
-        <pc:sldMkLst>
-          <pc:docMk/>
-          <pc:sldMk cId="2677523252" sldId="279"/>
-        </pc:sldMkLst>
-        <pc:spChg chg="mod">
-          <ac:chgData name="Riccardo Berta" userId="c8694f89-bba4-4576-b0a8-456619ca5a8c" providerId="ADAL" clId="{4967B734-A465-2844-BA15-7FBACE49D2F8}" dt="2022-10-04T09:51:16.166" v="2076" actId="20577"/>
-          <ac:spMkLst>
-            <pc:docMk/>
-            <pc:sldMk cId="2677523252" sldId="279"/>
-            <ac:spMk id="83" creationId="{00000000-0000-0000-0000-000000000000}"/>
-          </ac:spMkLst>
-        </pc:spChg>
-        <pc:spChg chg="mod">
-          <ac:chgData name="Riccardo Berta" userId="c8694f89-bba4-4576-b0a8-456619ca5a8c" providerId="ADAL" clId="{4967B734-A465-2844-BA15-7FBACE49D2F8}" dt="2022-10-04T09:56:29.719" v="2268" actId="404"/>
-          <ac:spMkLst>
-            <pc:docMk/>
-            <pc:sldMk cId="2677523252" sldId="279"/>
-            <ac:spMk id="84" creationId="{00000000-0000-0000-0000-000000000000}"/>
-          </ac:spMkLst>
-        </pc:spChg>
-      </pc:sldChg>
-      <pc:sldChg chg="addSp delSp modSp add mod">
-        <pc:chgData name="Riccardo Berta" userId="c8694f89-bba4-4576-b0a8-456619ca5a8c" providerId="ADAL" clId="{4967B734-A465-2844-BA15-7FBACE49D2F8}" dt="2022-10-10T05:41:52.141" v="2700" actId="1036"/>
-        <pc:sldMkLst>
-          <pc:docMk/>
-          <pc:sldMk cId="635836889" sldId="280"/>
-        </pc:sldMkLst>
-        <pc:spChg chg="add del mod">
-          <ac:chgData name="Riccardo Berta" userId="c8694f89-bba4-4576-b0a8-456619ca5a8c" providerId="ADAL" clId="{4967B734-A465-2844-BA15-7FBACE49D2F8}" dt="2022-10-04T10:06:24.142" v="2388"/>
-          <ac:spMkLst>
-            <pc:docMk/>
-            <pc:sldMk cId="635836889" sldId="280"/>
-            <ac:spMk id="4" creationId="{CD5234B4-8570-26AF-D55A-23B29365C2EC}"/>
-          </ac:spMkLst>
-        </pc:spChg>
-        <pc:spChg chg="mod">
-          <ac:chgData name="Riccardo Berta" userId="c8694f89-bba4-4576-b0a8-456619ca5a8c" providerId="ADAL" clId="{4967B734-A465-2844-BA15-7FBACE49D2F8}" dt="2022-10-04T10:04:00.493" v="2348" actId="20577"/>
-          <ac:spMkLst>
-            <pc:docMk/>
-            <pc:sldMk cId="635836889" sldId="280"/>
-            <ac:spMk id="83" creationId="{00000000-0000-0000-0000-000000000000}"/>
-          </ac:spMkLst>
-        </pc:spChg>
-        <pc:spChg chg="mod">
-          <ac:chgData name="Riccardo Berta" userId="c8694f89-bba4-4576-b0a8-456619ca5a8c" providerId="ADAL" clId="{4967B734-A465-2844-BA15-7FBACE49D2F8}" dt="2022-10-10T05:41:42.757" v="2695" actId="20577"/>
-          <ac:spMkLst>
-            <pc:docMk/>
-            <pc:sldMk cId="635836889" sldId="280"/>
-            <ac:spMk id="84" creationId="{00000000-0000-0000-0000-000000000000}"/>
-          </ac:spMkLst>
-        </pc:spChg>
-        <pc:picChg chg="add mod">
-          <ac:chgData name="Riccardo Berta" userId="c8694f89-bba4-4576-b0a8-456619ca5a8c" providerId="ADAL" clId="{4967B734-A465-2844-BA15-7FBACE49D2F8}" dt="2022-10-10T05:41:52.141" v="2700" actId="1036"/>
-          <ac:picMkLst>
-            <pc:docMk/>
-            <pc:sldMk cId="635836889" sldId="280"/>
-            <ac:picMk id="3" creationId="{9D698964-6810-0A38-210E-1AC551FB61ED}"/>
-          </ac:picMkLst>
-        </pc:picChg>
-      </pc:sldChg>
-      <pc:sldChg chg="del">
-        <pc:chgData name="Riccardo Berta" userId="c8694f89-bba4-4576-b0a8-456619ca5a8c" providerId="ADAL" clId="{4967B734-A465-2844-BA15-7FBACE49D2F8}" dt="2022-10-04T06:54:08.481" v="61" actId="2696"/>
-        <pc:sldMkLst>
-          <pc:docMk/>
-          <pc:sldMk cId="3525330065" sldId="280"/>
-        </pc:sldMkLst>
-      </pc:sldChg>
-      <pc:sldChg chg="del">
-        <pc:chgData name="Riccardo Berta" userId="c8694f89-bba4-4576-b0a8-456619ca5a8c" providerId="ADAL" clId="{4967B734-A465-2844-BA15-7FBACE49D2F8}" dt="2022-10-04T06:54:08.911" v="62" actId="2696"/>
-        <pc:sldMkLst>
-          <pc:docMk/>
-          <pc:sldMk cId="349541788" sldId="281"/>
-        </pc:sldMkLst>
-      </pc:sldChg>
-      <pc:sldChg chg="addSp modSp add mod">
-        <pc:chgData name="Riccardo Berta" userId="c8694f89-bba4-4576-b0a8-456619ca5a8c" providerId="ADAL" clId="{4967B734-A465-2844-BA15-7FBACE49D2F8}" dt="2022-10-04T10:06:15.809" v="2385" actId="1076"/>
-        <pc:sldMkLst>
-          <pc:docMk/>
-          <pc:sldMk cId="2288803032" sldId="281"/>
-        </pc:sldMkLst>
-        <pc:spChg chg="mod">
-          <ac:chgData name="Riccardo Berta" userId="c8694f89-bba4-4576-b0a8-456619ca5a8c" providerId="ADAL" clId="{4967B734-A465-2844-BA15-7FBACE49D2F8}" dt="2022-10-04T10:04:07.647" v="2351" actId="20577"/>
-          <ac:spMkLst>
-            <pc:docMk/>
-            <pc:sldMk cId="2288803032" sldId="281"/>
-            <ac:spMk id="83" creationId="{00000000-0000-0000-0000-000000000000}"/>
-          </ac:spMkLst>
-        </pc:spChg>
-        <pc:spChg chg="mod">
-          <ac:chgData name="Riccardo Berta" userId="c8694f89-bba4-4576-b0a8-456619ca5a8c" providerId="ADAL" clId="{4967B734-A465-2844-BA15-7FBACE49D2F8}" dt="2022-10-04T10:06:05.744" v="2382" actId="113"/>
-          <ac:spMkLst>
-            <pc:docMk/>
-            <pc:sldMk cId="2288803032" sldId="281"/>
-            <ac:spMk id="84" creationId="{00000000-0000-0000-0000-000000000000}"/>
-          </ac:spMkLst>
-        </pc:spChg>
-        <pc:picChg chg="add mod">
-          <ac:chgData name="Riccardo Berta" userId="c8694f89-bba4-4576-b0a8-456619ca5a8c" providerId="ADAL" clId="{4967B734-A465-2844-BA15-7FBACE49D2F8}" dt="2022-10-04T10:06:15.809" v="2385" actId="1076"/>
-          <ac:picMkLst>
-            <pc:docMk/>
-            <pc:sldMk cId="2288803032" sldId="281"/>
-            <ac:picMk id="3" creationId="{54E22ADE-C1D5-4C60-42F1-3C4C79C16916}"/>
-          </ac:picMkLst>
-        </pc:picChg>
-      </pc:sldChg>
-      <pc:sldChg chg="addSp delSp modSp add mod">
-        <pc:chgData name="Riccardo Berta" userId="c8694f89-bba4-4576-b0a8-456619ca5a8c" providerId="ADAL" clId="{4967B734-A465-2844-BA15-7FBACE49D2F8}" dt="2022-10-04T10:16:31.835" v="2463" actId="20577"/>
-        <pc:sldMkLst>
-          <pc:docMk/>
-          <pc:sldMk cId="663506827" sldId="282"/>
-        </pc:sldMkLst>
-        <pc:spChg chg="mod">
-          <ac:chgData name="Riccardo Berta" userId="c8694f89-bba4-4576-b0a8-456619ca5a8c" providerId="ADAL" clId="{4967B734-A465-2844-BA15-7FBACE49D2F8}" dt="2022-10-04T10:16:31.835" v="2463" actId="20577"/>
-          <ac:spMkLst>
-            <pc:docMk/>
-            <pc:sldMk cId="663506827" sldId="282"/>
-            <ac:spMk id="83" creationId="{00000000-0000-0000-0000-000000000000}"/>
-          </ac:spMkLst>
-        </pc:spChg>
-        <pc:spChg chg="mod">
-          <ac:chgData name="Riccardo Berta" userId="c8694f89-bba4-4576-b0a8-456619ca5a8c" providerId="ADAL" clId="{4967B734-A465-2844-BA15-7FBACE49D2F8}" dt="2022-10-04T10:07:50.041" v="2416" actId="1076"/>
-          <ac:spMkLst>
-            <pc:docMk/>
-            <pc:sldMk cId="663506827" sldId="282"/>
-            <ac:spMk id="84" creationId="{00000000-0000-0000-0000-000000000000}"/>
-          </ac:spMkLst>
-        </pc:spChg>
-        <pc:picChg chg="del">
-          <ac:chgData name="Riccardo Berta" userId="c8694f89-bba4-4576-b0a8-456619ca5a8c" providerId="ADAL" clId="{4967B734-A465-2844-BA15-7FBACE49D2F8}" dt="2022-10-04T10:06:28.259" v="2391" actId="478"/>
-          <ac:picMkLst>
-            <pc:docMk/>
-            <pc:sldMk cId="663506827" sldId="282"/>
-            <ac:picMk id="3" creationId="{54E22ADE-C1D5-4C60-42F1-3C4C79C16916}"/>
-          </ac:picMkLst>
-        </pc:picChg>
-        <pc:picChg chg="add mod">
-          <ac:chgData name="Riccardo Berta" userId="c8694f89-bba4-4576-b0a8-456619ca5a8c" providerId="ADAL" clId="{4967B734-A465-2844-BA15-7FBACE49D2F8}" dt="2022-10-04T10:07:56.607" v="2418" actId="1076"/>
-          <ac:picMkLst>
-            <pc:docMk/>
-            <pc:sldMk cId="663506827" sldId="282"/>
-            <ac:picMk id="4" creationId="{CB17357D-3BA1-B6CF-F4B0-06F6D3C3026E}"/>
-          </ac:picMkLst>
-        </pc:picChg>
-      </pc:sldChg>
-      <pc:sldChg chg="del">
-        <pc:chgData name="Riccardo Berta" userId="c8694f89-bba4-4576-b0a8-456619ca5a8c" providerId="ADAL" clId="{4967B734-A465-2844-BA15-7FBACE49D2F8}" dt="2022-10-04T06:54:09.464" v="63" actId="2696"/>
-        <pc:sldMkLst>
-          <pc:docMk/>
-          <pc:sldMk cId="2584172506" sldId="282"/>
-        </pc:sldMkLst>
-      </pc:sldChg>
-      <pc:sldChg chg="addSp delSp modSp add mod">
-        <pc:chgData name="Riccardo Berta" userId="c8694f89-bba4-4576-b0a8-456619ca5a8c" providerId="ADAL" clId="{4967B734-A465-2844-BA15-7FBACE49D2F8}" dt="2022-10-04T10:17:39.088" v="2550" actId="20577"/>
-        <pc:sldMkLst>
-          <pc:docMk/>
-          <pc:sldMk cId="2423864326" sldId="283"/>
-        </pc:sldMkLst>
-        <pc:spChg chg="mod">
-          <ac:chgData name="Riccardo Berta" userId="c8694f89-bba4-4576-b0a8-456619ca5a8c" providerId="ADAL" clId="{4967B734-A465-2844-BA15-7FBACE49D2F8}" dt="2022-10-04T10:16:35.426" v="2465" actId="20577"/>
-          <ac:spMkLst>
-            <pc:docMk/>
-            <pc:sldMk cId="2423864326" sldId="283"/>
-            <ac:spMk id="83" creationId="{00000000-0000-0000-0000-000000000000}"/>
-          </ac:spMkLst>
-        </pc:spChg>
-        <pc:spChg chg="mod">
-          <ac:chgData name="Riccardo Berta" userId="c8694f89-bba4-4576-b0a8-456619ca5a8c" providerId="ADAL" clId="{4967B734-A465-2844-BA15-7FBACE49D2F8}" dt="2022-10-04T10:17:39.088" v="2550" actId="20577"/>
-          <ac:spMkLst>
-            <pc:docMk/>
-            <pc:sldMk cId="2423864326" sldId="283"/>
-            <ac:spMk id="84" creationId="{00000000-0000-0000-0000-000000000000}"/>
-          </ac:spMkLst>
-        </pc:spChg>
-        <pc:picChg chg="add mod">
-          <ac:chgData name="Riccardo Berta" userId="c8694f89-bba4-4576-b0a8-456619ca5a8c" providerId="ADAL" clId="{4967B734-A465-2844-BA15-7FBACE49D2F8}" dt="2022-10-04T10:16:40.395" v="2467" actId="1076"/>
-          <ac:picMkLst>
-            <pc:docMk/>
-            <pc:sldMk cId="2423864326" sldId="283"/>
-            <ac:picMk id="3" creationId="{A9220B9F-26DE-F97C-B182-0C5B8ACF52A6}"/>
-          </ac:picMkLst>
-        </pc:picChg>
-        <pc:picChg chg="del">
-          <ac:chgData name="Riccardo Berta" userId="c8694f89-bba4-4576-b0a8-456619ca5a8c" providerId="ADAL" clId="{4967B734-A465-2844-BA15-7FBACE49D2F8}" dt="2022-10-04T10:08:28.635" v="2424" actId="478"/>
-          <ac:picMkLst>
-            <pc:docMk/>
-            <pc:sldMk cId="2423864326" sldId="283"/>
-            <ac:picMk id="4" creationId="{CB17357D-3BA1-B6CF-F4B0-06F6D3C3026E}"/>
-          </ac:picMkLst>
-        </pc:picChg>
-        <pc:picChg chg="add del mod">
-          <ac:chgData name="Riccardo Berta" userId="c8694f89-bba4-4576-b0a8-456619ca5a8c" providerId="ADAL" clId="{4967B734-A465-2844-BA15-7FBACE49D2F8}" dt="2022-10-04T10:15:22.510" v="2440" actId="21"/>
-          <ac:picMkLst>
-            <pc:docMk/>
-            <pc:sldMk cId="2423864326" sldId="283"/>
-            <ac:picMk id="6" creationId="{47EEA959-CD75-423F-FF11-1B537B275B90}"/>
-          </ac:picMkLst>
-        </pc:picChg>
-      </pc:sldChg>
-      <pc:sldChg chg="del">
-        <pc:chgData name="Riccardo Berta" userId="c8694f89-bba4-4576-b0a8-456619ca5a8c" providerId="ADAL" clId="{4967B734-A465-2844-BA15-7FBACE49D2F8}" dt="2022-10-04T06:54:09.892" v="64" actId="2696"/>
-        <pc:sldMkLst>
-          <pc:docMk/>
-          <pc:sldMk cId="2548826204" sldId="283"/>
-        </pc:sldMkLst>
-      </pc:sldChg>
-      <pc:sldChg chg="add del">
-        <pc:chgData name="Riccardo Berta" userId="c8694f89-bba4-4576-b0a8-456619ca5a8c" providerId="ADAL" clId="{4967B734-A465-2844-BA15-7FBACE49D2F8}" dt="2022-10-04T10:14:48.405" v="2429"/>
-        <pc:sldMkLst>
-          <pc:docMk/>
-          <pc:sldMk cId="196183857" sldId="284"/>
-        </pc:sldMkLst>
-      </pc:sldChg>
-      <pc:sldChg chg="addSp delSp modSp add mod">
-        <pc:chgData name="Riccardo Berta" userId="c8694f89-bba4-4576-b0a8-456619ca5a8c" providerId="ADAL" clId="{4967B734-A465-2844-BA15-7FBACE49D2F8}" dt="2022-10-04T10:16:23.053" v="2461" actId="1076"/>
-        <pc:sldMkLst>
-          <pc:docMk/>
-          <pc:sldMk cId="852930802" sldId="284"/>
-        </pc:sldMkLst>
-        <pc:spChg chg="mod">
-          <ac:chgData name="Riccardo Berta" userId="c8694f89-bba4-4576-b0a8-456619ca5a8c" providerId="ADAL" clId="{4967B734-A465-2844-BA15-7FBACE49D2F8}" dt="2022-10-04T10:15:10.060" v="2434" actId="20577"/>
-          <ac:spMkLst>
-            <pc:docMk/>
-            <pc:sldMk cId="852930802" sldId="284"/>
-            <ac:spMk id="83" creationId="{00000000-0000-0000-0000-000000000000}"/>
-          </ac:spMkLst>
-        </pc:spChg>
-        <pc:spChg chg="mod">
-          <ac:chgData name="Riccardo Berta" userId="c8694f89-bba4-4576-b0a8-456619ca5a8c" providerId="ADAL" clId="{4967B734-A465-2844-BA15-7FBACE49D2F8}" dt="2022-10-04T10:16:02.996" v="2458" actId="20577"/>
-          <ac:spMkLst>
-            <pc:docMk/>
-            <pc:sldMk cId="852930802" sldId="284"/>
-            <ac:spMk id="84" creationId="{00000000-0000-0000-0000-000000000000}"/>
-          </ac:spMkLst>
-        </pc:spChg>
-        <pc:picChg chg="add mod">
-          <ac:chgData name="Riccardo Berta" userId="c8694f89-bba4-4576-b0a8-456619ca5a8c" providerId="ADAL" clId="{4967B734-A465-2844-BA15-7FBACE49D2F8}" dt="2022-10-04T10:16:23.053" v="2461" actId="1076"/>
-          <ac:picMkLst>
-            <pc:docMk/>
-            <pc:sldMk cId="852930802" sldId="284"/>
-            <ac:picMk id="2" creationId="{DF568B29-4E99-A3CF-2B9A-96B190172962}"/>
-          </ac:picMkLst>
-        </pc:picChg>
-        <pc:picChg chg="del">
-          <ac:chgData name="Riccardo Berta" userId="c8694f89-bba4-4576-b0a8-456619ca5a8c" providerId="ADAL" clId="{4967B734-A465-2844-BA15-7FBACE49D2F8}" dt="2022-10-04T10:15:11.873" v="2435" actId="478"/>
-          <ac:picMkLst>
-            <pc:docMk/>
-            <pc:sldMk cId="852930802" sldId="284"/>
-            <ac:picMk id="3" creationId="{54E22ADE-C1D5-4C60-42F1-3C4C79C16916}"/>
-          </ac:picMkLst>
-        </pc:picChg>
-      </pc:sldChg>
-      <pc:sldChg chg="del">
-        <pc:chgData name="Riccardo Berta" userId="c8694f89-bba4-4576-b0a8-456619ca5a8c" providerId="ADAL" clId="{4967B734-A465-2844-BA15-7FBACE49D2F8}" dt="2022-10-04T06:54:10.321" v="65" actId="2696"/>
-        <pc:sldMkLst>
-          <pc:docMk/>
-          <pc:sldMk cId="3494619461" sldId="284"/>
-        </pc:sldMkLst>
-      </pc:sldChg>
-      <pc:sldChg chg="del">
-        <pc:chgData name="Riccardo Berta" userId="c8694f89-bba4-4576-b0a8-456619ca5a8c" providerId="ADAL" clId="{4967B734-A465-2844-BA15-7FBACE49D2F8}" dt="2022-10-04T06:54:10.985" v="66" actId="2696"/>
-        <pc:sldMkLst>
-          <pc:docMk/>
-          <pc:sldMk cId="3458162749" sldId="285"/>
-        </pc:sldMkLst>
-      </pc:sldChg>
-      <pc:sldChg chg="del">
-        <pc:chgData name="Riccardo Berta" userId="c8694f89-bba4-4576-b0a8-456619ca5a8c" providerId="ADAL" clId="{4967B734-A465-2844-BA15-7FBACE49D2F8}" dt="2022-10-04T06:54:13.372" v="69" actId="2696"/>
-        <pc:sldMkLst>
-          <pc:docMk/>
-          <pc:sldMk cId="3186725423" sldId="286"/>
-        </pc:sldMkLst>
-      </pc:sldChg>
-      <pc:sldChg chg="del">
-        <pc:chgData name="Riccardo Berta" userId="c8694f89-bba4-4576-b0a8-456619ca5a8c" providerId="ADAL" clId="{4967B734-A465-2844-BA15-7FBACE49D2F8}" dt="2022-10-04T06:54:04.705" v="53" actId="2696"/>
-        <pc:sldMkLst>
-          <pc:docMk/>
-          <pc:sldMk cId="1166550415" sldId="288"/>
-        </pc:sldMkLst>
-      </pc:sldChg>
-      <pc:sldChg chg="del">
-        <pc:chgData name="Riccardo Berta" userId="c8694f89-bba4-4576-b0a8-456619ca5a8c" providerId="ADAL" clId="{4967B734-A465-2844-BA15-7FBACE49D2F8}" dt="2022-10-04T06:54:12.030" v="67" actId="2696"/>
-        <pc:sldMkLst>
-          <pc:docMk/>
-          <pc:sldMk cId="0" sldId="344"/>
-        </pc:sldMkLst>
-      </pc:sldChg>
-      <pc:sldChg chg="del">
-        <pc:chgData name="Riccardo Berta" userId="c8694f89-bba4-4576-b0a8-456619ca5a8c" providerId="ADAL" clId="{4967B734-A465-2844-BA15-7FBACE49D2F8}" dt="2022-10-04T06:54:12.601" v="68" actId="2696"/>
-        <pc:sldMkLst>
-          <pc:docMk/>
-          <pc:sldMk cId="615642029" sldId="403"/>
-        </pc:sldMkLst>
-      </pc:sldChg>
-      <pc:sldMasterChg chg="delSldLayout">
-        <pc:chgData name="Riccardo Berta" userId="c8694f89-bba4-4576-b0a8-456619ca5a8c" providerId="ADAL" clId="{4967B734-A465-2844-BA15-7FBACE49D2F8}" dt="2022-10-04T06:54:12.601" v="68" actId="2696"/>
-        <pc:sldMasterMkLst>
-          <pc:docMk/>
-          <pc:sldMasterMk cId="0" sldId="2147483659"/>
-        </pc:sldMasterMkLst>
-        <pc:sldLayoutChg chg="del">
-          <pc:chgData name="Riccardo Berta" userId="c8694f89-bba4-4576-b0a8-456619ca5a8c" providerId="ADAL" clId="{4967B734-A465-2844-BA15-7FBACE49D2F8}" dt="2022-10-04T06:54:12.601" v="68" actId="2696"/>
-          <pc:sldLayoutMkLst>
-            <pc:docMk/>
-            <pc:sldMasterMk cId="0" sldId="2147483659"/>
-            <pc:sldLayoutMk cId="2937273629" sldId="2147483660"/>
-          </pc:sldLayoutMkLst>
-        </pc:sldLayoutChg>
-      </pc:sldMasterChg>
-    </pc:docChg>
-  </pc:docChgLst>
-  <pc:docChgLst>
-    <pc:chgData name="Riccardo Berta" userId="c8694f89-bba4-4576-b0a8-456619ca5a8c" providerId="ADAL" clId="{3E7BAF75-66AC-6246-A6D2-BF46DE9AAFF9}"/>
-    <pc:docChg chg="undo custSel addSld delSld modSld sldOrd">
-      <pc:chgData name="Riccardo Berta" userId="c8694f89-bba4-4576-b0a8-456619ca5a8c" providerId="ADAL" clId="{3E7BAF75-66AC-6246-A6D2-BF46DE9AAFF9}" dt="2022-10-10T06:50:03.464" v="408" actId="2696"/>
-      <pc:docMkLst>
-        <pc:docMk/>
-      </pc:docMkLst>
-      <pc:sldChg chg="modSp mod">
-        <pc:chgData name="Riccardo Berta" userId="c8694f89-bba4-4576-b0a8-456619ca5a8c" providerId="ADAL" clId="{3E7BAF75-66AC-6246-A6D2-BF46DE9AAFF9}" dt="2022-10-10T05:46:15.837" v="2"/>
-        <pc:sldMkLst>
-          <pc:docMk/>
-          <pc:sldMk cId="0" sldId="256"/>
-        </pc:sldMkLst>
-        <pc:spChg chg="mod">
-          <ac:chgData name="Riccardo Berta" userId="c8694f89-bba4-4576-b0a8-456619ca5a8c" providerId="ADAL" clId="{3E7BAF75-66AC-6246-A6D2-BF46DE9AAFF9}" dt="2022-10-10T05:46:15.837" v="2"/>
-          <ac:spMkLst>
-            <pc:docMk/>
-            <pc:sldMk cId="0" sldId="256"/>
-            <ac:spMk id="62" creationId="{00000000-0000-0000-0000-000000000000}"/>
-          </ac:spMkLst>
-        </pc:spChg>
-      </pc:sldChg>
-      <pc:sldChg chg="addSp delSp modSp del mod">
-        <pc:chgData name="Riccardo Berta" userId="c8694f89-bba4-4576-b0a8-456619ca5a8c" providerId="ADAL" clId="{3E7BAF75-66AC-6246-A6D2-BF46DE9AAFF9}" dt="2022-10-10T06:50:03.464" v="408" actId="2696"/>
-        <pc:sldMkLst>
-          <pc:docMk/>
-          <pc:sldMk cId="0" sldId="257"/>
-        </pc:sldMkLst>
-        <pc:spChg chg="mod">
-          <ac:chgData name="Riccardo Berta" userId="c8694f89-bba4-4576-b0a8-456619ca5a8c" providerId="ADAL" clId="{3E7BAF75-66AC-6246-A6D2-BF46DE9AAFF9}" dt="2022-10-10T05:52:29.389" v="210" actId="20577"/>
-          <ac:spMkLst>
-            <pc:docMk/>
-            <pc:sldMk cId="0" sldId="257"/>
-            <ac:spMk id="83" creationId="{00000000-0000-0000-0000-000000000000}"/>
-          </ac:spMkLst>
-        </pc:spChg>
-        <pc:spChg chg="mod">
-          <ac:chgData name="Riccardo Berta" userId="c8694f89-bba4-4576-b0a8-456619ca5a8c" providerId="ADAL" clId="{3E7BAF75-66AC-6246-A6D2-BF46DE9AAFF9}" dt="2022-10-10T06:48:58.220" v="403" actId="20577"/>
-          <ac:spMkLst>
-            <pc:docMk/>
-            <pc:sldMk cId="0" sldId="257"/>
-            <ac:spMk id="84" creationId="{00000000-0000-0000-0000-000000000000}"/>
-          </ac:spMkLst>
-        </pc:spChg>
-        <pc:picChg chg="add del mod">
-          <ac:chgData name="Riccardo Berta" userId="c8694f89-bba4-4576-b0a8-456619ca5a8c" providerId="ADAL" clId="{3E7BAF75-66AC-6246-A6D2-BF46DE9AAFF9}" dt="2022-10-10T05:54:30.378" v="259" actId="21"/>
-          <ac:picMkLst>
-            <pc:docMk/>
-            <pc:sldMk cId="0" sldId="257"/>
-            <ac:picMk id="3" creationId="{77158CF1-79B9-1189-BA62-05566A5F9F89}"/>
-          </ac:picMkLst>
-        </pc:picChg>
-        <pc:picChg chg="add del mod">
-          <ac:chgData name="Riccardo Berta" userId="c8694f89-bba4-4576-b0a8-456619ca5a8c" providerId="ADAL" clId="{3E7BAF75-66AC-6246-A6D2-BF46DE9AAFF9}" dt="2022-10-10T06:45:43.530" v="274" actId="478"/>
-          <ac:picMkLst>
-            <pc:docMk/>
-            <pc:sldMk cId="0" sldId="257"/>
-            <ac:picMk id="5" creationId="{EA46E203-9491-2A6B-C89A-E85314823A8A}"/>
-          </ac:picMkLst>
-        </pc:picChg>
-        <pc:picChg chg="add del mod">
-          <ac:chgData name="Riccardo Berta" userId="c8694f89-bba4-4576-b0a8-456619ca5a8c" providerId="ADAL" clId="{3E7BAF75-66AC-6246-A6D2-BF46DE9AAFF9}" dt="2022-10-10T06:46:01.687" v="277" actId="478"/>
-          <ac:picMkLst>
-            <pc:docMk/>
-            <pc:sldMk cId="0" sldId="257"/>
-            <ac:picMk id="7" creationId="{B05BB6B6-2684-63DB-BA47-244FB3AED254}"/>
-          </ac:picMkLst>
-        </pc:picChg>
-        <pc:picChg chg="add mod">
-          <ac:chgData name="Riccardo Berta" userId="c8694f89-bba4-4576-b0a8-456619ca5a8c" providerId="ADAL" clId="{3E7BAF75-66AC-6246-A6D2-BF46DE9AAFF9}" dt="2022-10-10T06:46:26.825" v="282" actId="1076"/>
-          <ac:picMkLst>
-            <pc:docMk/>
-            <pc:sldMk cId="0" sldId="257"/>
-            <ac:picMk id="9" creationId="{130A8276-CD8C-0CDC-504C-5EB1E6B4EE17}"/>
-          </ac:picMkLst>
-        </pc:picChg>
-      </pc:sldChg>
-      <pc:sldChg chg="modSp mod">
-        <pc:chgData name="Riccardo Berta" userId="c8694f89-bba4-4576-b0a8-456619ca5a8c" providerId="ADAL" clId="{3E7BAF75-66AC-6246-A6D2-BF46DE9AAFF9}" dt="2022-10-10T06:49:57.961" v="406" actId="20577"/>
-        <pc:sldMkLst>
-          <pc:docMk/>
-          <pc:sldMk cId="0" sldId="264"/>
-        </pc:sldMkLst>
-        <pc:spChg chg="mod">
-          <ac:chgData name="Riccardo Berta" userId="c8694f89-bba4-4576-b0a8-456619ca5a8c" providerId="ADAL" clId="{3E7BAF75-66AC-6246-A6D2-BF46DE9AAFF9}" dt="2022-10-10T06:49:57.961" v="406" actId="20577"/>
-          <ac:spMkLst>
-            <pc:docMk/>
-            <pc:sldMk cId="0" sldId="264"/>
-            <ac:spMk id="84" creationId="{00000000-0000-0000-0000-000000000000}"/>
-          </ac:spMkLst>
-        </pc:spChg>
-      </pc:sldChg>
-      <pc:sldChg chg="add">
-        <pc:chgData name="Riccardo Berta" userId="c8694f89-bba4-4576-b0a8-456619ca5a8c" providerId="ADAL" clId="{3E7BAF75-66AC-6246-A6D2-BF46DE9AAFF9}" dt="2022-10-10T05:46:57.632" v="59"/>
-        <pc:sldMkLst>
-          <pc:docMk/>
-          <pc:sldMk cId="2056707301" sldId="265"/>
-        </pc:sldMkLst>
-      </pc:sldChg>
-      <pc:sldChg chg="del">
-        <pc:chgData name="Riccardo Berta" userId="c8694f89-bba4-4576-b0a8-456619ca5a8c" providerId="ADAL" clId="{3E7BAF75-66AC-6246-A6D2-BF46DE9AAFF9}" dt="2022-10-10T05:46:43.197" v="39" actId="2696"/>
-        <pc:sldMkLst>
-          <pc:docMk/>
-          <pc:sldMk cId="4260925133" sldId="265"/>
-        </pc:sldMkLst>
-      </pc:sldChg>
-      <pc:sldChg chg="del">
-        <pc:chgData name="Riccardo Berta" userId="c8694f89-bba4-4576-b0a8-456619ca5a8c" providerId="ADAL" clId="{3E7BAF75-66AC-6246-A6D2-BF46DE9AAFF9}" dt="2022-10-10T05:46:44.845" v="43" actId="2696"/>
-        <pc:sldMkLst>
-          <pc:docMk/>
-          <pc:sldMk cId="2074499598" sldId="266"/>
-        </pc:sldMkLst>
-      </pc:sldChg>
-      <pc:sldChg chg="add">
-        <pc:chgData name="Riccardo Berta" userId="c8694f89-bba4-4576-b0a8-456619ca5a8c" providerId="ADAL" clId="{3E7BAF75-66AC-6246-A6D2-BF46DE9AAFF9}" dt="2022-10-10T05:46:58.085" v="60"/>
-        <pc:sldMkLst>
-          <pc:docMk/>
-          <pc:sldMk cId="3627108427" sldId="266"/>
-        </pc:sldMkLst>
-      </pc:sldChg>
-      <pc:sldChg chg="add">
-        <pc:chgData name="Riccardo Berta" userId="c8694f89-bba4-4576-b0a8-456619ca5a8c" providerId="ADAL" clId="{3E7BAF75-66AC-6246-A6D2-BF46DE9AAFF9}" dt="2022-10-10T05:46:58.436" v="61"/>
-        <pc:sldMkLst>
-          <pc:docMk/>
-          <pc:sldMk cId="755056336" sldId="267"/>
-        </pc:sldMkLst>
-      </pc:sldChg>
-      <pc:sldChg chg="del">
-        <pc:chgData name="Riccardo Berta" userId="c8694f89-bba4-4576-b0a8-456619ca5a8c" providerId="ADAL" clId="{3E7BAF75-66AC-6246-A6D2-BF46DE9AAFF9}" dt="2022-10-10T05:46:43.684" v="40" actId="2696"/>
-        <pc:sldMkLst>
-          <pc:docMk/>
-          <pc:sldMk cId="2259674710" sldId="267"/>
-        </pc:sldMkLst>
-      </pc:sldChg>
-      <pc:sldChg chg="add">
-        <pc:chgData name="Riccardo Berta" userId="c8694f89-bba4-4576-b0a8-456619ca5a8c" providerId="ADAL" clId="{3E7BAF75-66AC-6246-A6D2-BF46DE9AAFF9}" dt="2022-10-10T05:46:58.789" v="62"/>
-        <pc:sldMkLst>
-          <pc:docMk/>
-          <pc:sldMk cId="2533931395" sldId="268"/>
-        </pc:sldMkLst>
-      </pc:sldChg>
-      <pc:sldChg chg="del">
-        <pc:chgData name="Riccardo Berta" userId="c8694f89-bba4-4576-b0a8-456619ca5a8c" providerId="ADAL" clId="{3E7BAF75-66AC-6246-A6D2-BF46DE9AAFF9}" dt="2022-10-10T05:46:44.071" v="41" actId="2696"/>
-        <pc:sldMkLst>
-          <pc:docMk/>
-          <pc:sldMk cId="2756532613" sldId="268"/>
-        </pc:sldMkLst>
-      </pc:sldChg>
-      <pc:sldChg chg="add">
-        <pc:chgData name="Riccardo Berta" userId="c8694f89-bba4-4576-b0a8-456619ca5a8c" providerId="ADAL" clId="{3E7BAF75-66AC-6246-A6D2-BF46DE9AAFF9}" dt="2022-10-10T05:46:59.115" v="63"/>
-        <pc:sldMkLst>
-          <pc:docMk/>
-          <pc:sldMk cId="3588489452" sldId="269"/>
-        </pc:sldMkLst>
-      </pc:sldChg>
-      <pc:sldChg chg="del">
-        <pc:chgData name="Riccardo Berta" userId="c8694f89-bba4-4576-b0a8-456619ca5a8c" providerId="ADAL" clId="{3E7BAF75-66AC-6246-A6D2-BF46DE9AAFF9}" dt="2022-10-10T05:46:44.473" v="42" actId="2696"/>
-        <pc:sldMkLst>
-          <pc:docMk/>
-          <pc:sldMk cId="3950372499" sldId="269"/>
-        </pc:sldMkLst>
-      </pc:sldChg>
-      <pc:sldChg chg="addSp delSp modSp add del mod ord">
-        <pc:chgData name="Riccardo Berta" userId="c8694f89-bba4-4576-b0a8-456619ca5a8c" providerId="ADAL" clId="{3E7BAF75-66AC-6246-A6D2-BF46DE9AAFF9}" dt="2022-10-10T06:50:00.088" v="407" actId="2696"/>
-        <pc:sldMkLst>
-          <pc:docMk/>
-          <pc:sldMk cId="1602265730" sldId="270"/>
-        </pc:sldMkLst>
-        <pc:spChg chg="mod">
-          <ac:chgData name="Riccardo Berta" userId="c8694f89-bba4-4576-b0a8-456619ca5a8c" providerId="ADAL" clId="{3E7BAF75-66AC-6246-A6D2-BF46DE9AAFF9}" dt="2022-10-10T05:52:08.199" v="174" actId="20577"/>
-          <ac:spMkLst>
-            <pc:docMk/>
-            <pc:sldMk cId="1602265730" sldId="270"/>
-            <ac:spMk id="83" creationId="{00000000-0000-0000-0000-000000000000}"/>
-          </ac:spMkLst>
-        </pc:spChg>
-        <pc:spChg chg="mod">
-          <ac:chgData name="Riccardo Berta" userId="c8694f89-bba4-4576-b0a8-456619ca5a8c" providerId="ADAL" clId="{3E7BAF75-66AC-6246-A6D2-BF46DE9AAFF9}" dt="2022-10-10T05:54:57.918" v="270" actId="20577"/>
-          <ac:spMkLst>
-            <pc:docMk/>
-            <pc:sldMk cId="1602265730" sldId="270"/>
-            <ac:spMk id="84" creationId="{00000000-0000-0000-0000-000000000000}"/>
-          </ac:spMkLst>
-        </pc:spChg>
-        <pc:picChg chg="add del mod modCrop">
-          <ac:chgData name="Riccardo Berta" userId="c8694f89-bba4-4576-b0a8-456619ca5a8c" providerId="ADAL" clId="{3E7BAF75-66AC-6246-A6D2-BF46DE9AAFF9}" dt="2022-10-10T05:54:27.586" v="258" actId="478"/>
-          <ac:picMkLst>
-            <pc:docMk/>
-            <pc:sldMk cId="1602265730" sldId="270"/>
-            <ac:picMk id="3" creationId="{823D74D6-16BE-2E45-CDC1-8D17637D30F9}"/>
-          </ac:picMkLst>
-        </pc:picChg>
-        <pc:picChg chg="add mod">
-          <ac:chgData name="Riccardo Berta" userId="c8694f89-bba4-4576-b0a8-456619ca5a8c" providerId="ADAL" clId="{3E7BAF75-66AC-6246-A6D2-BF46DE9AAFF9}" dt="2022-10-10T05:55:03.304" v="271" actId="1076"/>
-          <ac:picMkLst>
-            <pc:docMk/>
-            <pc:sldMk cId="1602265730" sldId="270"/>
-            <ac:picMk id="4" creationId="{2A63E7D8-8EC6-38EC-96E9-864C8BA5FBBD}"/>
-          </ac:picMkLst>
-        </pc:picChg>
-      </pc:sldChg>
-      <pc:sldChg chg="del">
-        <pc:chgData name="Riccardo Berta" userId="c8694f89-bba4-4576-b0a8-456619ca5a8c" providerId="ADAL" clId="{3E7BAF75-66AC-6246-A6D2-BF46DE9AAFF9}" dt="2022-10-10T05:46:45.250" v="44" actId="2696"/>
-        <pc:sldMkLst>
-          <pc:docMk/>
-          <pc:sldMk cId="3668836689" sldId="270"/>
-        </pc:sldMkLst>
-      </pc:sldChg>
-      <pc:sldChg chg="del">
-        <pc:chgData name="Riccardo Berta" userId="c8694f89-bba4-4576-b0a8-456619ca5a8c" providerId="ADAL" clId="{3E7BAF75-66AC-6246-A6D2-BF46DE9AAFF9}" dt="2022-10-10T05:46:45.673" v="45" actId="2696"/>
-        <pc:sldMkLst>
-          <pc:docMk/>
-          <pc:sldMk cId="1894295752" sldId="271"/>
-        </pc:sldMkLst>
-      </pc:sldChg>
-      <pc:sldChg chg="del">
-        <pc:chgData name="Riccardo Berta" userId="c8694f89-bba4-4576-b0a8-456619ca5a8c" providerId="ADAL" clId="{3E7BAF75-66AC-6246-A6D2-BF46DE9AAFF9}" dt="2022-10-10T05:46:46.147" v="46" actId="2696"/>
-        <pc:sldMkLst>
-          <pc:docMk/>
-          <pc:sldMk cId="732868139" sldId="272"/>
-        </pc:sldMkLst>
-      </pc:sldChg>
-      <pc:sldChg chg="del">
-        <pc:chgData name="Riccardo Berta" userId="c8694f89-bba4-4576-b0a8-456619ca5a8c" providerId="ADAL" clId="{3E7BAF75-66AC-6246-A6D2-BF46DE9AAFF9}" dt="2022-10-10T05:46:46.631" v="47" actId="2696"/>
-        <pc:sldMkLst>
-          <pc:docMk/>
-          <pc:sldMk cId="3859598341" sldId="273"/>
-        </pc:sldMkLst>
-      </pc:sldChg>
-      <pc:sldChg chg="del">
-        <pc:chgData name="Riccardo Berta" userId="c8694f89-bba4-4576-b0a8-456619ca5a8c" providerId="ADAL" clId="{3E7BAF75-66AC-6246-A6D2-BF46DE9AAFF9}" dt="2022-10-10T05:46:47.315" v="48" actId="2696"/>
-        <pc:sldMkLst>
-          <pc:docMk/>
-          <pc:sldMk cId="2213323745" sldId="274"/>
-        </pc:sldMkLst>
-      </pc:sldChg>
-      <pc:sldChg chg="del">
-        <pc:chgData name="Riccardo Berta" userId="c8694f89-bba4-4576-b0a8-456619ca5a8c" providerId="ADAL" clId="{3E7BAF75-66AC-6246-A6D2-BF46DE9AAFF9}" dt="2022-10-10T05:46:47.713" v="49" actId="2696"/>
-        <pc:sldMkLst>
-          <pc:docMk/>
-          <pc:sldMk cId="303121765" sldId="275"/>
-        </pc:sldMkLst>
-      </pc:sldChg>
-      <pc:sldChg chg="del">
-        <pc:chgData name="Riccardo Berta" userId="c8694f89-bba4-4576-b0a8-456619ca5a8c" providerId="ADAL" clId="{3E7BAF75-66AC-6246-A6D2-BF46DE9AAFF9}" dt="2022-10-10T05:46:48.481" v="50" actId="2696"/>
-        <pc:sldMkLst>
-          <pc:docMk/>
-          <pc:sldMk cId="2020526202" sldId="276"/>
-        </pc:sldMkLst>
-      </pc:sldChg>
-      <pc:sldChg chg="del">
-        <pc:chgData name="Riccardo Berta" userId="c8694f89-bba4-4576-b0a8-456619ca5a8c" providerId="ADAL" clId="{3E7BAF75-66AC-6246-A6D2-BF46DE9AAFF9}" dt="2022-10-10T05:46:48.981" v="51" actId="2696"/>
-        <pc:sldMkLst>
-          <pc:docMk/>
-          <pc:sldMk cId="3156887330" sldId="277"/>
-        </pc:sldMkLst>
-      </pc:sldChg>
-      <pc:sldChg chg="del">
-        <pc:chgData name="Riccardo Berta" userId="c8694f89-bba4-4576-b0a8-456619ca5a8c" providerId="ADAL" clId="{3E7BAF75-66AC-6246-A6D2-BF46DE9AAFF9}" dt="2022-10-10T05:46:49.684" v="52" actId="2696"/>
-        <pc:sldMkLst>
-          <pc:docMk/>
-          <pc:sldMk cId="1586284290" sldId="278"/>
-        </pc:sldMkLst>
-      </pc:sldChg>
-      <pc:sldChg chg="del">
-        <pc:chgData name="Riccardo Berta" userId="c8694f89-bba4-4576-b0a8-456619ca5a8c" providerId="ADAL" clId="{3E7BAF75-66AC-6246-A6D2-BF46DE9AAFF9}" dt="2022-10-10T05:46:50.239" v="53" actId="2696"/>
-        <pc:sldMkLst>
-          <pc:docMk/>
-          <pc:sldMk cId="2677523252" sldId="279"/>
-        </pc:sldMkLst>
-      </pc:sldChg>
-      <pc:sldChg chg="del">
-        <pc:chgData name="Riccardo Berta" userId="c8694f89-bba4-4576-b0a8-456619ca5a8c" providerId="ADAL" clId="{3E7BAF75-66AC-6246-A6D2-BF46DE9AAFF9}" dt="2022-10-10T05:46:52.009" v="54" actId="2696"/>
-        <pc:sldMkLst>
-          <pc:docMk/>
-          <pc:sldMk cId="635836889" sldId="280"/>
-        </pc:sldMkLst>
-      </pc:sldChg>
-      <pc:sldChg chg="del">
-        <pc:chgData name="Riccardo Berta" userId="c8694f89-bba4-4576-b0a8-456619ca5a8c" providerId="ADAL" clId="{3E7BAF75-66AC-6246-A6D2-BF46DE9AAFF9}" dt="2022-10-10T05:46:52.591" v="55" actId="2696"/>
-        <pc:sldMkLst>
-          <pc:docMk/>
-          <pc:sldMk cId="2288803032" sldId="281"/>
-        </pc:sldMkLst>
-      </pc:sldChg>
-      <pc:sldChg chg="del">
-        <pc:chgData name="Riccardo Berta" userId="c8694f89-bba4-4576-b0a8-456619ca5a8c" providerId="ADAL" clId="{3E7BAF75-66AC-6246-A6D2-BF46DE9AAFF9}" dt="2022-10-10T05:46:53.984" v="57" actId="2696"/>
-        <pc:sldMkLst>
-          <pc:docMk/>
-          <pc:sldMk cId="663506827" sldId="282"/>
-        </pc:sldMkLst>
-      </pc:sldChg>
-      <pc:sldChg chg="del">
-        <pc:chgData name="Riccardo Berta" userId="c8694f89-bba4-4576-b0a8-456619ca5a8c" providerId="ADAL" clId="{3E7BAF75-66AC-6246-A6D2-BF46DE9AAFF9}" dt="2022-10-10T05:46:55.020" v="58" actId="2696"/>
-        <pc:sldMkLst>
-          <pc:docMk/>
-          <pc:sldMk cId="2423864326" sldId="283"/>
-        </pc:sldMkLst>
-      </pc:sldChg>
-      <pc:sldChg chg="del">
-        <pc:chgData name="Riccardo Berta" userId="c8694f89-bba4-4576-b0a8-456619ca5a8c" providerId="ADAL" clId="{3E7BAF75-66AC-6246-A6D2-BF46DE9AAFF9}" dt="2022-10-10T05:46:53.442" v="56" actId="2696"/>
-        <pc:sldMkLst>
-          <pc:docMk/>
-          <pc:sldMk cId="852930802" sldId="284"/>
-        </pc:sldMkLst>
-      </pc:sldChg>
-    </pc:docChg>
-  </pc:docChgLst>
-</pc:chgInfo>
 </file>
 
 <file path=ppt/notesMasters/notesMaster1.xml><?xml version="1.0" encoding="utf-8"?>
@@ -4423,7 +929,7 @@
     </p:spTree>
     <p:extLst>
       <p:ext uri="{BB962C8B-B14F-4D97-AF65-F5344CB8AC3E}">
-        <p14:creationId xmlns:p14="http://schemas.microsoft.com/office/powerpoint/2010/main" val="618771442"/>
+        <p14:creationId xmlns:p14="http://schemas.microsoft.com/office/powerpoint/2010/main" val="3397328808"/>
       </p:ext>
     </p:extLst>
   </p:cSld>
@@ -4641,7 +1147,7 @@
     </p:spTree>
     <p:extLst>
       <p:ext uri="{BB962C8B-B14F-4D97-AF65-F5344CB8AC3E}">
-        <p14:creationId xmlns:p14="http://schemas.microsoft.com/office/powerpoint/2010/main" val="3395230761"/>
+        <p14:creationId xmlns:p14="http://schemas.microsoft.com/office/powerpoint/2010/main" val="445410199"/>
       </p:ext>
     </p:extLst>
   </p:cSld>
@@ -4750,7 +1256,7 @@
     </p:spTree>
     <p:extLst>
       <p:ext uri="{BB962C8B-B14F-4D97-AF65-F5344CB8AC3E}">
-        <p14:creationId xmlns:p14="http://schemas.microsoft.com/office/powerpoint/2010/main" val="2049456627"/>
+        <p14:creationId xmlns:p14="http://schemas.microsoft.com/office/powerpoint/2010/main" val="618771442"/>
       </p:ext>
     </p:extLst>
   </p:cSld>
@@ -4859,7 +1365,7 @@
     </p:spTree>
     <p:extLst>
       <p:ext uri="{BB962C8B-B14F-4D97-AF65-F5344CB8AC3E}">
-        <p14:creationId xmlns:p14="http://schemas.microsoft.com/office/powerpoint/2010/main" val="6571440"/>
+        <p14:creationId xmlns:p14="http://schemas.microsoft.com/office/powerpoint/2010/main" val="3395230761"/>
       </p:ext>
     </p:extLst>
   </p:cSld>
@@ -4968,7 +1474,7 @@
     </p:spTree>
     <p:extLst>
       <p:ext uri="{BB962C8B-B14F-4D97-AF65-F5344CB8AC3E}">
-        <p14:creationId xmlns:p14="http://schemas.microsoft.com/office/powerpoint/2010/main" val="2883437574"/>
+        <p14:creationId xmlns:p14="http://schemas.microsoft.com/office/powerpoint/2010/main" val="2049456627"/>
       </p:ext>
     </p:extLst>
   </p:cSld>
@@ -5077,7 +1583,7 @@
     </p:spTree>
     <p:extLst>
       <p:ext uri="{BB962C8B-B14F-4D97-AF65-F5344CB8AC3E}">
-        <p14:creationId xmlns:p14="http://schemas.microsoft.com/office/powerpoint/2010/main" val="2583470422"/>
+        <p14:creationId xmlns:p14="http://schemas.microsoft.com/office/powerpoint/2010/main" val="6571440"/>
       </p:ext>
     </p:extLst>
   </p:cSld>
@@ -5186,7 +1692,7 @@
     </p:spTree>
     <p:extLst>
       <p:ext uri="{BB962C8B-B14F-4D97-AF65-F5344CB8AC3E}">
-        <p14:creationId xmlns:p14="http://schemas.microsoft.com/office/powerpoint/2010/main" val="3133767148"/>
+        <p14:creationId xmlns:p14="http://schemas.microsoft.com/office/powerpoint/2010/main" val="2883437574"/>
       </p:ext>
     </p:extLst>
   </p:cSld>
@@ -5295,7 +1801,7 @@
     </p:spTree>
     <p:extLst>
       <p:ext uri="{BB962C8B-B14F-4D97-AF65-F5344CB8AC3E}">
-        <p14:creationId xmlns:p14="http://schemas.microsoft.com/office/powerpoint/2010/main" val="1725411018"/>
+        <p14:creationId xmlns:p14="http://schemas.microsoft.com/office/powerpoint/2010/main" val="2583470422"/>
       </p:ext>
     </p:extLst>
   </p:cSld>
@@ -5404,7 +1910,7 @@
     </p:spTree>
     <p:extLst>
       <p:ext uri="{BB962C8B-B14F-4D97-AF65-F5344CB8AC3E}">
-        <p14:creationId xmlns:p14="http://schemas.microsoft.com/office/powerpoint/2010/main" val="1470491545"/>
+        <p14:creationId xmlns:p14="http://schemas.microsoft.com/office/powerpoint/2010/main" val="3133767148"/>
       </p:ext>
     </p:extLst>
   </p:cSld>
@@ -5518,6 +2024,224 @@
 </p:notes>
 </file>
 
+<file path=ppt/notesSlides/notesSlide20.xml><?xml version="1.0" encoding="utf-8"?>
+<p:notes xmlns:a="http://schemas.openxmlformats.org/drawingml/2006/main" xmlns:r="http://schemas.openxmlformats.org/officeDocument/2006/relationships" xmlns:p="http://schemas.openxmlformats.org/presentationml/2006/main" showMasterSp="0" showMasterPhAnim="0">
+  <p:cSld>
+    <p:spTree>
+      <p:nvGrpSpPr>
+        <p:cNvPr id="1" name="Shape 79"/>
+        <p:cNvGrpSpPr/>
+        <p:nvPr/>
+      </p:nvGrpSpPr>
+      <p:grpSpPr>
+        <a:xfrm>
+          <a:off x="0" y="0"/>
+          <a:ext cx="0" cy="0"/>
+          <a:chOff x="0" y="0"/>
+          <a:chExt cx="0" cy="0"/>
+        </a:xfrm>
+      </p:grpSpPr>
+      <p:sp>
+        <p:nvSpPr>
+          <p:cNvPr id="80" name="Google Shape;80;geed6aedbf_0_0:notes"/>
+          <p:cNvSpPr>
+            <a:spLocks noGrp="1" noRot="1" noChangeAspect="1"/>
+          </p:cNvSpPr>
+          <p:nvPr>
+            <p:ph type="sldImg" idx="2"/>
+          </p:nvPr>
+        </p:nvSpPr>
+        <p:spPr>
+          <a:xfrm>
+            <a:off x="1143000" y="685800"/>
+            <a:ext cx="4572000" cy="3429000"/>
+          </a:xfrm>
+          <a:custGeom>
+            <a:avLst/>
+            <a:gdLst/>
+            <a:ahLst/>
+            <a:cxnLst/>
+            <a:rect l="l" t="t" r="r" b="b"/>
+            <a:pathLst>
+              <a:path w="120000" h="120000" extrusionOk="0">
+                <a:moveTo>
+                  <a:pt x="0" y="0"/>
+                </a:moveTo>
+                <a:lnTo>
+                  <a:pt x="120000" y="0"/>
+                </a:lnTo>
+                <a:lnTo>
+                  <a:pt x="120000" y="120000"/>
+                </a:lnTo>
+                <a:lnTo>
+                  <a:pt x="0" y="120000"/>
+                </a:lnTo>
+                <a:close/>
+              </a:path>
+            </a:pathLst>
+          </a:custGeom>
+        </p:spPr>
+      </p:sp>
+      <p:sp>
+        <p:nvSpPr>
+          <p:cNvPr id="81" name="Google Shape;81;geed6aedbf_0_0:notes"/>
+          <p:cNvSpPr txBox="1">
+            <a:spLocks noGrp="1"/>
+          </p:cNvSpPr>
+          <p:nvPr>
+            <p:ph type="body" idx="1"/>
+          </p:nvPr>
+        </p:nvSpPr>
+        <p:spPr>
+          <a:xfrm>
+            <a:off x="685800" y="4343400"/>
+            <a:ext cx="5486400" cy="4114800"/>
+          </a:xfrm>
+          <a:prstGeom prst="rect">
+            <a:avLst/>
+          </a:prstGeom>
+        </p:spPr>
+        <p:txBody>
+          <a:bodyPr spcFirstLastPara="1" wrap="square" lIns="91425" tIns="91425" rIns="91425" bIns="91425" anchor="t" anchorCtr="0">
+            <a:noAutofit/>
+          </a:bodyPr>
+          <a:lstStyle/>
+          <a:p>
+            <a:pPr marL="0" lvl="0" indent="0" algn="l" rtl="0">
+              <a:spcBef>
+                <a:spcPts val="0"/>
+              </a:spcBef>
+              <a:spcAft>
+                <a:spcPts val="0"/>
+              </a:spcAft>
+              <a:buNone/>
+            </a:pPr>
+            <a:endParaRPr dirty="0"/>
+          </a:p>
+        </p:txBody>
+      </p:sp>
+    </p:spTree>
+    <p:extLst>
+      <p:ext uri="{BB962C8B-B14F-4D97-AF65-F5344CB8AC3E}">
+        <p14:creationId xmlns:p14="http://schemas.microsoft.com/office/powerpoint/2010/main" val="1725411018"/>
+      </p:ext>
+    </p:extLst>
+  </p:cSld>
+  <p:clrMapOvr>
+    <a:masterClrMapping/>
+  </p:clrMapOvr>
+</p:notes>
+</file>
+
+<file path=ppt/notesSlides/notesSlide21.xml><?xml version="1.0" encoding="utf-8"?>
+<p:notes xmlns:a="http://schemas.openxmlformats.org/drawingml/2006/main" xmlns:r="http://schemas.openxmlformats.org/officeDocument/2006/relationships" xmlns:p="http://schemas.openxmlformats.org/presentationml/2006/main" showMasterSp="0" showMasterPhAnim="0">
+  <p:cSld>
+    <p:spTree>
+      <p:nvGrpSpPr>
+        <p:cNvPr id="1" name="Shape 79"/>
+        <p:cNvGrpSpPr/>
+        <p:nvPr/>
+      </p:nvGrpSpPr>
+      <p:grpSpPr>
+        <a:xfrm>
+          <a:off x="0" y="0"/>
+          <a:ext cx="0" cy="0"/>
+          <a:chOff x="0" y="0"/>
+          <a:chExt cx="0" cy="0"/>
+        </a:xfrm>
+      </p:grpSpPr>
+      <p:sp>
+        <p:nvSpPr>
+          <p:cNvPr id="80" name="Google Shape;80;geed6aedbf_0_0:notes"/>
+          <p:cNvSpPr>
+            <a:spLocks noGrp="1" noRot="1" noChangeAspect="1"/>
+          </p:cNvSpPr>
+          <p:nvPr>
+            <p:ph type="sldImg" idx="2"/>
+          </p:nvPr>
+        </p:nvSpPr>
+        <p:spPr>
+          <a:xfrm>
+            <a:off x="1143000" y="685800"/>
+            <a:ext cx="4572000" cy="3429000"/>
+          </a:xfrm>
+          <a:custGeom>
+            <a:avLst/>
+            <a:gdLst/>
+            <a:ahLst/>
+            <a:cxnLst/>
+            <a:rect l="l" t="t" r="r" b="b"/>
+            <a:pathLst>
+              <a:path w="120000" h="120000" extrusionOk="0">
+                <a:moveTo>
+                  <a:pt x="0" y="0"/>
+                </a:moveTo>
+                <a:lnTo>
+                  <a:pt x="120000" y="0"/>
+                </a:lnTo>
+                <a:lnTo>
+                  <a:pt x="120000" y="120000"/>
+                </a:lnTo>
+                <a:lnTo>
+                  <a:pt x="0" y="120000"/>
+                </a:lnTo>
+                <a:close/>
+              </a:path>
+            </a:pathLst>
+          </a:custGeom>
+        </p:spPr>
+      </p:sp>
+      <p:sp>
+        <p:nvSpPr>
+          <p:cNvPr id="81" name="Google Shape;81;geed6aedbf_0_0:notes"/>
+          <p:cNvSpPr txBox="1">
+            <a:spLocks noGrp="1"/>
+          </p:cNvSpPr>
+          <p:nvPr>
+            <p:ph type="body" idx="1"/>
+          </p:nvPr>
+        </p:nvSpPr>
+        <p:spPr>
+          <a:xfrm>
+            <a:off x="685800" y="4343400"/>
+            <a:ext cx="5486400" cy="4114800"/>
+          </a:xfrm>
+          <a:prstGeom prst="rect">
+            <a:avLst/>
+          </a:prstGeom>
+        </p:spPr>
+        <p:txBody>
+          <a:bodyPr spcFirstLastPara="1" wrap="square" lIns="91425" tIns="91425" rIns="91425" bIns="91425" anchor="t" anchorCtr="0">
+            <a:noAutofit/>
+          </a:bodyPr>
+          <a:lstStyle/>
+          <a:p>
+            <a:pPr marL="0" lvl="0" indent="0" algn="l" rtl="0">
+              <a:spcBef>
+                <a:spcPts val="0"/>
+              </a:spcBef>
+              <a:spcAft>
+                <a:spcPts val="0"/>
+              </a:spcAft>
+              <a:buNone/>
+            </a:pPr>
+            <a:endParaRPr dirty="0"/>
+          </a:p>
+        </p:txBody>
+      </p:sp>
+    </p:spTree>
+    <p:extLst>
+      <p:ext uri="{BB962C8B-B14F-4D97-AF65-F5344CB8AC3E}">
+        <p14:creationId xmlns:p14="http://schemas.microsoft.com/office/powerpoint/2010/main" val="1470491545"/>
+      </p:ext>
+    </p:extLst>
+  </p:cSld>
+  <p:clrMapOvr>
+    <a:masterClrMapping/>
+  </p:clrMapOvr>
+</p:notes>
+</file>
+
 <file path=ppt/notesSlides/notesSlide3.xml><?xml version="1.0" encoding="utf-8"?>
 <p:notes xmlns:a="http://schemas.openxmlformats.org/drawingml/2006/main" xmlns:r="http://schemas.openxmlformats.org/officeDocument/2006/relationships" xmlns:p="http://schemas.openxmlformats.org/presentationml/2006/main" showMasterSp="0" showMasterPhAnim="0">
   <p:cSld>
@@ -5617,7 +2341,7 @@
     </p:spTree>
     <p:extLst>
       <p:ext uri="{BB962C8B-B14F-4D97-AF65-F5344CB8AC3E}">
-        <p14:creationId xmlns:p14="http://schemas.microsoft.com/office/powerpoint/2010/main" val="3153866496"/>
+        <p14:creationId xmlns:p14="http://schemas.microsoft.com/office/powerpoint/2010/main" val="1124775020"/>
       </p:ext>
     </p:extLst>
   </p:cSld>
@@ -5726,7 +2450,7 @@
     </p:spTree>
     <p:extLst>
       <p:ext uri="{BB962C8B-B14F-4D97-AF65-F5344CB8AC3E}">
-        <p14:creationId xmlns:p14="http://schemas.microsoft.com/office/powerpoint/2010/main" val="1800261792"/>
+        <p14:creationId xmlns:p14="http://schemas.microsoft.com/office/powerpoint/2010/main" val="3153866496"/>
       </p:ext>
     </p:extLst>
   </p:cSld>
@@ -5835,7 +2559,7 @@
     </p:spTree>
     <p:extLst>
       <p:ext uri="{BB962C8B-B14F-4D97-AF65-F5344CB8AC3E}">
-        <p14:creationId xmlns:p14="http://schemas.microsoft.com/office/powerpoint/2010/main" val="484055550"/>
+        <p14:creationId xmlns:p14="http://schemas.microsoft.com/office/powerpoint/2010/main" val="3800359103"/>
       </p:ext>
     </p:extLst>
   </p:cSld>
@@ -5944,7 +2668,7 @@
     </p:spTree>
     <p:extLst>
       <p:ext uri="{BB962C8B-B14F-4D97-AF65-F5344CB8AC3E}">
-        <p14:creationId xmlns:p14="http://schemas.microsoft.com/office/powerpoint/2010/main" val="89177576"/>
+        <p14:creationId xmlns:p14="http://schemas.microsoft.com/office/powerpoint/2010/main" val="1800261792"/>
       </p:ext>
     </p:extLst>
   </p:cSld>
@@ -6053,7 +2777,7 @@
     </p:spTree>
     <p:extLst>
       <p:ext uri="{BB962C8B-B14F-4D97-AF65-F5344CB8AC3E}">
-        <p14:creationId xmlns:p14="http://schemas.microsoft.com/office/powerpoint/2010/main" val="2132602478"/>
+        <p14:creationId xmlns:p14="http://schemas.microsoft.com/office/powerpoint/2010/main" val="484055550"/>
       </p:ext>
     </p:extLst>
   </p:cSld>
@@ -6162,7 +2886,7 @@
     </p:spTree>
     <p:extLst>
       <p:ext uri="{BB962C8B-B14F-4D97-AF65-F5344CB8AC3E}">
-        <p14:creationId xmlns:p14="http://schemas.microsoft.com/office/powerpoint/2010/main" val="3397328808"/>
+        <p14:creationId xmlns:p14="http://schemas.microsoft.com/office/powerpoint/2010/main" val="89177576"/>
       </p:ext>
     </p:extLst>
   </p:cSld>
@@ -6271,7 +2995,7 @@
     </p:spTree>
     <p:extLst>
       <p:ext uri="{BB962C8B-B14F-4D97-AF65-F5344CB8AC3E}">
-        <p14:creationId xmlns:p14="http://schemas.microsoft.com/office/powerpoint/2010/main" val="445410199"/>
+        <p14:creationId xmlns:p14="http://schemas.microsoft.com/office/powerpoint/2010/main" val="2132602478"/>
       </p:ext>
     </p:extLst>
   </p:cSld>
@@ -11477,7 +8201,7 @@
             <a:pPr lvl="0"/>
             <a:r>
               <a:rPr lang="en-GB" sz="4000" dirty="0"/>
-              <a:t>Policy Evaluation (2)</a:t>
+              <a:t>Action-value function (Q-function)</a:t>
             </a:r>
             <a:endParaRPr sz="4000" dirty="0"/>
           </a:p>
@@ -11495,8 +8219,8 @@
         </p:nvSpPr>
         <p:spPr>
           <a:xfrm>
-            <a:off x="162750" y="930148"/>
-            <a:ext cx="8818500" cy="5672357"/>
+            <a:off x="162750" y="1212537"/>
+            <a:ext cx="8818500" cy="5224230"/>
           </a:xfrm>
           <a:prstGeom prst="rect">
             <a:avLst/>
@@ -11511,89 +8235,65 @@
             <a:pPr lvl="0"/>
             <a:r>
               <a:rPr lang="en-GB" dirty="0"/>
-              <a:t>We can apply the policy evaluation algorithm to the </a:t>
-            </a:r>
-            <a:r>
-              <a:rPr lang="en-GB" dirty="0" err="1"/>
-              <a:t>fronzen</a:t>
-            </a:r>
-            <a:r>
-              <a:rPr lang="en-GB" dirty="0"/>
-              <a:t>-lake environment in order to compare “go-get-it” and “careful” policies</a:t>
+              <a:t>However, the critical question isn’t merely about the </a:t>
+            </a:r>
+            <a:r>
+              <a:rPr lang="en-GB" b="1" dirty="0"/>
+              <a:t>value of a state</a:t>
+            </a:r>
+            <a:r>
+              <a:rPr lang="en-GB" dirty="0"/>
+              <a:t>, but </a:t>
+            </a:r>
+            <a:r>
+              <a:rPr lang="en-GB" b="1" dirty="0"/>
+              <a:t>the value of taking an action in a state!</a:t>
+            </a:r>
+          </a:p>
+          <a:p>
+            <a:pPr lvl="0"/>
+            <a:r>
+              <a:rPr lang="en-GB" dirty="0"/>
+              <a:t>For instance, the “go-get-it” policy goes right when in state 14, but the “careful” policy goes down</a:t>
             </a:r>
           </a:p>
           <a:p>
             <a:pPr lvl="1"/>
             <a:r>
               <a:rPr lang="en-GB" dirty="0"/>
-              <a:t>See “notebook - policy-</a:t>
-            </a:r>
-            <a:r>
-              <a:rPr lang="en-GB" dirty="0" err="1"/>
-              <a:t>evaluation.ipynb</a:t>
-            </a:r>
-            <a:r>
-              <a:rPr lang="en-GB" dirty="0"/>
-              <a:t>” notebook</a:t>
-            </a:r>
-          </a:p>
-          <a:p>
-            <a:endParaRPr lang="en-GB" dirty="0"/>
-          </a:p>
-          <a:p>
-            <a:endParaRPr lang="en-GB" dirty="0"/>
-          </a:p>
-          <a:p>
-            <a:endParaRPr lang="en-GB" dirty="0"/>
-          </a:p>
-          <a:p>
-            <a:endParaRPr lang="en-GB" dirty="0"/>
-          </a:p>
-          <a:p>
-            <a:endParaRPr lang="en-GB" dirty="0"/>
-          </a:p>
-          <a:p>
-            <a:endParaRPr lang="en-GB" dirty="0"/>
-          </a:p>
-          <a:p>
-            <a:endParaRPr lang="en-GB" dirty="0"/>
-          </a:p>
-          <a:p>
-            <a:endParaRPr lang="en-GB" dirty="0"/>
-          </a:p>
-          <a:p>
-            <a:endParaRPr lang="en-GB" dirty="0"/>
-          </a:p>
-          <a:p>
-            <a:endParaRPr lang="en-GB" dirty="0"/>
-          </a:p>
-          <a:p>
-            <a:endParaRPr lang="en-GB" dirty="0"/>
-          </a:p>
-          <a:p>
-            <a:endParaRPr lang="en-GB" dirty="0"/>
-          </a:p>
-          <a:p>
-            <a:endParaRPr lang="en-GB" dirty="0"/>
-          </a:p>
-          <a:p>
-            <a:r>
-              <a:rPr lang="en-GB" dirty="0"/>
-              <a:t>It seems “go-get-it” doesn’t pay well in frozen-lake! </a:t>
-            </a:r>
-          </a:p>
-          <a:p>
-            <a:r>
-              <a:rPr lang="en-GB" dirty="0"/>
-              <a:t>A question arises: </a:t>
-            </a:r>
-            <a:r>
-              <a:rPr lang="en-GB" b="1" dirty="0"/>
-              <a:t>are there any better policies </a:t>
-            </a:r>
-            <a:r>
-              <a:rPr lang="en-GB" dirty="0"/>
-              <a:t>for this environment?</a:t>
+              <a:t>which action is better? </a:t>
+            </a:r>
+          </a:p>
+          <a:p>
+            <a:pPr lvl="1"/>
+            <a:r>
+              <a:rPr lang="en-GB" dirty="0"/>
+              <a:t>which action is better under each policy? </a:t>
+            </a:r>
+          </a:p>
+          <a:p>
+            <a:r>
+              <a:rPr lang="en-GB" dirty="0"/>
+              <a:t>We can define the action-value function (Q-function) as the expected return if the agent follows a policy after taking an action in state:</a:t>
+            </a:r>
+          </a:p>
+          <a:p>
+            <a:pPr lvl="0"/>
+            <a:endParaRPr lang="en-GB" dirty="0"/>
+          </a:p>
+          <a:p>
+            <a:pPr lvl="0"/>
+            <a:endParaRPr lang="en-GB" dirty="0"/>
+          </a:p>
+          <a:p>
+            <a:pPr lvl="0"/>
+            <a:endParaRPr lang="en-GB" dirty="0"/>
+          </a:p>
+          <a:p>
+            <a:pPr lvl="0"/>
+            <a:r>
+              <a:rPr lang="en-GB" dirty="0"/>
+              <a:t>We can provide a formulation of the Bellman equation also for the action-value function with similar reasoning:</a:t>
             </a:r>
           </a:p>
           <a:p>
@@ -11607,7 +8307,7 @@
           <p:cNvPr id="3" name="Immagine 2">
             <a:extLst>
               <a:ext uri="{FF2B5EF4-FFF2-40B4-BE49-F238E27FC236}">
-                <a16:creationId xmlns:a16="http://schemas.microsoft.com/office/drawing/2014/main" id="{6A21728D-C447-40EA-7D63-4081FD2B8AB5}"/>
+                <a16:creationId xmlns:a16="http://schemas.microsoft.com/office/drawing/2014/main" id="{DAFF939D-CA3F-4971-8022-A9968C6B4E03}"/>
               </a:ext>
             </a:extLst>
           </p:cNvPr>
@@ -11616,15 +8316,46 @@
           </p:cNvPicPr>
           <p:nvPr/>
         </p:nvPicPr>
-        <p:blipFill rotWithShape="1">
+        <p:blipFill>
           <a:blip r:embed="rId3"/>
-          <a:srcRect b="19274"/>
-          <a:stretch/>
+          <a:stretch>
+            <a:fillRect/>
+          </a:stretch>
         </p:blipFill>
         <p:spPr>
           <a:xfrm>
-            <a:off x="512109" y="2133901"/>
-            <a:ext cx="7435103" cy="3473524"/>
+            <a:off x="685800" y="3832796"/>
+            <a:ext cx="7772400" cy="977584"/>
+          </a:xfrm>
+          <a:prstGeom prst="rect">
+            <a:avLst/>
+          </a:prstGeom>
+        </p:spPr>
+      </p:pic>
+      <p:pic>
+        <p:nvPicPr>
+          <p:cNvPr id="5" name="Immagine 4">
+            <a:extLst>
+              <a:ext uri="{FF2B5EF4-FFF2-40B4-BE49-F238E27FC236}">
+                <a16:creationId xmlns:a16="http://schemas.microsoft.com/office/drawing/2014/main" id="{7B86D6E6-A8CA-EF51-8EE9-2D96DFC182B9}"/>
+              </a:ext>
+            </a:extLst>
+          </p:cNvPr>
+          <p:cNvPicPr>
+            <a:picLocks noChangeAspect="1"/>
+          </p:cNvPicPr>
+          <p:nvPr/>
+        </p:nvPicPr>
+        <p:blipFill>
+          <a:blip r:embed="rId4"/>
+          <a:stretch>
+            <a:fillRect/>
+          </a:stretch>
+        </p:blipFill>
+        <p:spPr>
+          <a:xfrm>
+            <a:off x="685800" y="5522367"/>
+            <a:ext cx="5816600" cy="914400"/>
           </a:xfrm>
           <a:prstGeom prst="rect">
             <a:avLst/>
@@ -11634,7 +8365,7 @@
     </p:spTree>
     <p:extLst>
       <p:ext uri="{BB962C8B-B14F-4D97-AF65-F5344CB8AC3E}">
-        <p14:creationId xmlns:p14="http://schemas.microsoft.com/office/powerpoint/2010/main" val="3676487896"/>
+        <p14:creationId xmlns:p14="http://schemas.microsoft.com/office/powerpoint/2010/main" val="2117938314"/>
       </p:ext>
     </p:extLst>
   </p:cSld>
@@ -11706,8 +8437,8 @@
         </p:nvSpPr>
         <p:spPr>
           <a:xfrm>
-            <a:off x="162750" y="1212537"/>
-            <a:ext cx="8818500" cy="5224230"/>
+            <a:off x="162750" y="1043732"/>
+            <a:ext cx="8818500" cy="5515009"/>
           </a:xfrm>
           <a:prstGeom prst="rect">
             <a:avLst/>
@@ -11722,7 +8453,7 @@
             <a:pPr lvl="0"/>
             <a:r>
               <a:rPr lang="en-GB" dirty="0"/>
-              <a:t>Using value functions we can compare policies and define an </a:t>
+              <a:t>We can compare policies and define an </a:t>
             </a:r>
             <a:r>
               <a:rPr lang="en-GB" b="1" dirty="0"/>
@@ -11730,18 +8461,14 @@
             </a:r>
             <a:r>
               <a:rPr lang="en-GB" dirty="0"/>
-              <a:t> over them</a:t>
-            </a:r>
-          </a:p>
-          <a:p>
-            <a:pPr lvl="0"/>
-            <a:endParaRPr lang="en-GB" dirty="0"/>
-          </a:p>
-          <a:p>
-            <a:pPr lvl="0"/>
-            <a:r>
-              <a:rPr lang="en-GB" dirty="0"/>
-              <a:t>A policy 𝜋 is defined to be </a:t>
+              <a:t> over them:</a:t>
+            </a:r>
+          </a:p>
+          <a:p>
+            <a:pPr lvl="1"/>
+            <a:r>
+              <a:rPr lang="en-GB" dirty="0"/>
+              <a:t>a policy 𝜋 is defined to be </a:t>
             </a:r>
             <a:r>
               <a:rPr lang="en-GB" b="1" dirty="0"/>
@@ -11757,26 +8484,26 @@
             <a:endParaRPr lang="en-GB" dirty="0"/>
           </a:p>
           <a:p>
-            <a:pPr lvl="0"/>
-            <a:endParaRPr lang="en-GB" dirty="0"/>
-          </a:p>
-          <a:p>
-            <a:pPr lvl="0"/>
-            <a:endParaRPr lang="en-GB" dirty="0"/>
-          </a:p>
-          <a:p>
-            <a:pPr lvl="0"/>
-            <a:r>
-              <a:rPr lang="en-GB" dirty="0"/>
-              <a:t>There is always at least one policy that is </a:t>
+            <a:pPr lvl="1"/>
+            <a:r>
+              <a:rPr lang="en-GB" dirty="0"/>
+              <a:t>there is always one policy </a:t>
             </a:r>
             <a:r>
               <a:rPr lang="en-GB" b="1" dirty="0"/>
-              <a:t>better than or equal to all other policies,</a:t>
-            </a:r>
-            <a:r>
-              <a:rPr lang="en-GB" dirty="0"/>
-              <a:t> this is an </a:t>
+              <a:t>better than or equal to all </a:t>
+            </a:r>
+            <a:r>
+              <a:rPr lang="en-GB" b="1" dirty="0" err="1"/>
+              <a:t>othe</a:t>
+            </a:r>
+            <a:r>
+              <a:rPr lang="en-GB" b="1" dirty="0"/>
+              <a:t>,</a:t>
+            </a:r>
+            <a:r>
+              <a:rPr lang="en-GB" dirty="0"/>
+              <a:t> this is </a:t>
             </a:r>
             <a:r>
               <a:rPr lang="en-GB" b="1" dirty="0"/>
@@ -11789,7 +8516,74 @@
           </a:p>
           <a:p>
             <a:pPr lvl="0"/>
-            <a:endParaRPr lang="en-GB" dirty="0"/>
+            <a:r>
+              <a:rPr lang="en-GB" b="1" dirty="0"/>
+              <a:t>Optimal state-value function</a:t>
+            </a:r>
+            <a:r>
+              <a:rPr lang="en-GB" dirty="0"/>
+              <a:t> has maximum value across all policies:</a:t>
+            </a:r>
+          </a:p>
+          <a:p>
+            <a:pPr marL="120650" lvl="0" indent="0">
+              <a:buNone/>
+            </a:pPr>
+            <a:endParaRPr lang="en-GB" sz="2800" dirty="0"/>
+          </a:p>
+          <a:p>
+            <a:pPr lvl="0"/>
+            <a:r>
+              <a:rPr lang="en-GB" b="1" dirty="0"/>
+              <a:t>Optimal action-value function</a:t>
+            </a:r>
+            <a:r>
+              <a:rPr lang="en-GB" dirty="0"/>
+              <a:t> has maximum value across all policies:</a:t>
+            </a:r>
+          </a:p>
+          <a:p>
+            <a:pPr lvl="0"/>
+            <a:endParaRPr lang="en-GB" dirty="0"/>
+          </a:p>
+          <a:p>
+            <a:pPr lvl="0"/>
+            <a:endParaRPr lang="en-GB" dirty="0"/>
+          </a:p>
+          <a:p>
+            <a:pPr lvl="0"/>
+            <a:r>
+              <a:rPr lang="en-GB" dirty="0"/>
+              <a:t>Once we have an optimal state-(action-)value function, it is easy to determine an optimal policy</a:t>
+            </a:r>
+          </a:p>
+          <a:p>
+            <a:pPr lvl="0"/>
+            <a:r>
+              <a:rPr lang="en-GB" dirty="0"/>
+              <a:t>This relies on at least three assumptions (rarely true in practice):</a:t>
+            </a:r>
+          </a:p>
+          <a:p>
+            <a:pPr lvl="1"/>
+            <a:r>
+              <a:rPr lang="en-GB" dirty="0"/>
+              <a:t>we accurately know the dynamics of the environment</a:t>
+            </a:r>
+          </a:p>
+          <a:p>
+            <a:pPr lvl="1"/>
+            <a:r>
+              <a:rPr lang="en-GB" dirty="0"/>
+              <a:t>we have enough computational resources to complete the computation of the solution</a:t>
+            </a:r>
+          </a:p>
+          <a:p>
+            <a:pPr lvl="1"/>
+            <a:r>
+              <a:rPr lang="en-GB" dirty="0"/>
+              <a:t>the Markov property</a:t>
+            </a:r>
           </a:p>
           <a:p>
             <a:pPr lvl="1"/>
@@ -11819,8 +8613,68 @@
         </p:blipFill>
         <p:spPr>
           <a:xfrm>
-            <a:off x="694764" y="2688665"/>
-            <a:ext cx="4419600" cy="431800"/>
+            <a:off x="1147155" y="1992057"/>
+            <a:ext cx="3923871" cy="383367"/>
+          </a:xfrm>
+          <a:prstGeom prst="rect">
+            <a:avLst/>
+          </a:prstGeom>
+        </p:spPr>
+      </p:pic>
+      <p:pic>
+        <p:nvPicPr>
+          <p:cNvPr id="10" name="Immagine 9">
+            <a:extLst>
+              <a:ext uri="{FF2B5EF4-FFF2-40B4-BE49-F238E27FC236}">
+                <a16:creationId xmlns:a16="http://schemas.microsoft.com/office/drawing/2014/main" id="{D65949B2-86D7-6273-3893-959F8649C774}"/>
+              </a:ext>
+            </a:extLst>
+          </p:cNvPr>
+          <p:cNvPicPr>
+            <a:picLocks noChangeAspect="1"/>
+          </p:cNvPicPr>
+          <p:nvPr/>
+        </p:nvPicPr>
+        <p:blipFill>
+          <a:blip r:embed="rId4"/>
+          <a:stretch>
+            <a:fillRect/>
+          </a:stretch>
+        </p:blipFill>
+        <p:spPr>
+          <a:xfrm>
+            <a:off x="673100" y="3110727"/>
+            <a:ext cx="3282950" cy="460340"/>
+          </a:xfrm>
+          <a:prstGeom prst="rect">
+            <a:avLst/>
+          </a:prstGeom>
+        </p:spPr>
+      </p:pic>
+      <p:pic>
+        <p:nvPicPr>
+          <p:cNvPr id="12" name="Immagine 11">
+            <a:extLst>
+              <a:ext uri="{FF2B5EF4-FFF2-40B4-BE49-F238E27FC236}">
+                <a16:creationId xmlns:a16="http://schemas.microsoft.com/office/drawing/2014/main" id="{A34C585B-ADDA-909D-7E87-E59E871EA38E}"/>
+              </a:ext>
+            </a:extLst>
+          </p:cNvPr>
+          <p:cNvPicPr>
+            <a:picLocks noChangeAspect="1"/>
+          </p:cNvPicPr>
+          <p:nvPr/>
+        </p:nvPicPr>
+        <p:blipFill>
+          <a:blip r:embed="rId5"/>
+          <a:stretch>
+            <a:fillRect/>
+          </a:stretch>
+        </p:blipFill>
+        <p:spPr>
+          <a:xfrm>
+            <a:off x="673100" y="3840490"/>
+            <a:ext cx="4927600" cy="511355"/>
           </a:xfrm>
           <a:prstGeom prst="rect">
             <a:avLst/>
@@ -11885,7 +8739,7 @@
             <a:pPr lvl="0"/>
             <a:r>
               <a:rPr lang="en-GB" sz="4000" dirty="0"/>
-              <a:t>Policy Improvement (1)</a:t>
+              <a:t>Policy Evaluation (1)</a:t>
             </a:r>
             <a:endParaRPr sz="4000" dirty="0"/>
           </a:p>
@@ -11903,8 +8757,8 @@
         </p:nvSpPr>
         <p:spPr>
           <a:xfrm>
-            <a:off x="162750" y="1161008"/>
-            <a:ext cx="8818500" cy="5224230"/>
+            <a:off x="162750" y="1004965"/>
+            <a:ext cx="8818500" cy="5672357"/>
           </a:xfrm>
           <a:prstGeom prst="rect">
             <a:avLst/>
@@ -11919,152 +8773,152 @@
             <a:pPr lvl="0"/>
             <a:r>
               <a:rPr lang="en-GB" dirty="0"/>
-              <a:t>Value functions helps find better policies</a:t>
+              <a:t>We can consider an initial </a:t>
+            </a:r>
+            <a:r>
+              <a:rPr lang="en-GB" b="1" dirty="0"/>
+              <a:t>random approximation 𝑣</a:t>
+            </a:r>
+            <a:r>
+              <a:rPr lang="en-GB" b="1" baseline="-25000" dirty="0"/>
+              <a:t>0</a:t>
+            </a:r>
+            <a:r>
+              <a:rPr lang="en-GB" dirty="0"/>
+              <a:t>, then we can get </a:t>
+            </a:r>
+            <a:r>
+              <a:rPr lang="en-GB" b="1" dirty="0"/>
+              <a:t>successive approximation</a:t>
+            </a:r>
+            <a:r>
+              <a:rPr lang="en-GB" dirty="0"/>
+              <a:t> using the Bellman equation as an </a:t>
+            </a:r>
+            <a:r>
+              <a:rPr lang="en-GB" b="1" dirty="0"/>
+              <a:t>update rule</a:t>
+            </a:r>
+            <a:r>
+              <a:rPr lang="en-GB" dirty="0"/>
+              <a:t>:</a:t>
+            </a:r>
+          </a:p>
+          <a:p>
+            <a:pPr lvl="0"/>
+            <a:endParaRPr lang="en-GB" dirty="0"/>
+          </a:p>
+          <a:p>
+            <a:pPr lvl="0"/>
+            <a:endParaRPr lang="en-GB" dirty="0"/>
+          </a:p>
+          <a:p>
+            <a:pPr lvl="0"/>
+            <a:endParaRPr lang="en-GB" dirty="0"/>
+          </a:p>
+          <a:p>
+            <a:pPr lvl="0"/>
+            <a:endParaRPr lang="en-GB" dirty="0"/>
+          </a:p>
+          <a:p>
+            <a:pPr lvl="0"/>
+            <a:endParaRPr lang="en-GB" dirty="0"/>
+          </a:p>
+          <a:p>
+            <a:pPr marL="120650" lvl="0" indent="0">
+              <a:buNone/>
+            </a:pPr>
+            <a:endParaRPr lang="en-GB" dirty="0"/>
+          </a:p>
+          <a:p>
+            <a:pPr lvl="0"/>
+            <a:r>
+              <a:rPr lang="en-GB" dirty="0"/>
+              <a:t>The sequence </a:t>
+            </a:r>
+            <a:r>
+              <a:rPr lang="en-GB" b="1" dirty="0"/>
+              <a:t>𝑣</a:t>
+            </a:r>
+            <a:r>
+              <a:rPr lang="en-GB" b="1" baseline="-25000" dirty="0"/>
+              <a:t>𝑘</a:t>
+            </a:r>
+            <a:r>
+              <a:rPr lang="en-GB" b="1" dirty="0"/>
+              <a:t> converge to 𝑣</a:t>
+            </a:r>
+            <a:r>
+              <a:rPr lang="en-GB" b="1" baseline="-25000" dirty="0"/>
+              <a:t>𝜋</a:t>
+            </a:r>
+            <a:r>
+              <a:rPr lang="en-GB" b="1" dirty="0"/>
+              <a:t>  as  𝑘⟶∞ </a:t>
             </a:r>
           </a:p>
           <a:p>
             <a:pPr lvl="1"/>
             <a:r>
               <a:rPr lang="en-GB" dirty="0"/>
-              <a:t>suppose we have determined the value function 𝑣</a:t>
-            </a:r>
-            <a:r>
-              <a:rPr lang="en-GB" baseline="-25000" dirty="0"/>
-              <a:t>𝜋 </a:t>
-            </a:r>
-            <a:r>
-              <a:rPr lang="en-GB" dirty="0"/>
-              <a:t>for a policy 𝜋 </a:t>
+              <a:t>we can stop short when variations are sufficiently small</a:t>
             </a:r>
           </a:p>
           <a:p>
             <a:pPr lvl="1"/>
-            <a:r>
-              <a:rPr lang="en-GB" dirty="0"/>
-              <a:t>for a state 𝑠, we would know if we should change the policy and choose 𝑎 ≠ 𝜋(𝑠)</a:t>
+            <a:endParaRPr lang="en-GB" dirty="0"/>
+          </a:p>
+          <a:p>
+            <a:pPr lvl="0"/>
+            <a:r>
+              <a:rPr lang="en-GB" dirty="0"/>
+              <a:t>Notice that we </a:t>
+            </a:r>
+            <a:r>
+              <a:rPr lang="en-GB" b="1" dirty="0"/>
+              <a:t>update estimates on the basis of other estimates: </a:t>
+            </a:r>
+            <a:r>
+              <a:rPr lang="en-GB" dirty="0"/>
+              <a:t>this general idea is called </a:t>
+            </a:r>
+            <a:r>
+              <a:rPr lang="en-GB" b="1" dirty="0"/>
+              <a:t>bootstrapping</a:t>
+            </a:r>
+            <a:endParaRPr lang="en-GB" dirty="0"/>
+          </a:p>
+          <a:p>
+            <a:pPr lvl="0"/>
+            <a:r>
+              <a:rPr lang="en-GB" dirty="0"/>
+              <a:t>Notice that the k here are </a:t>
+            </a:r>
+            <a:r>
+              <a:rPr lang="en-GB" b="1" dirty="0"/>
+              <a:t>iterations across estimates</a:t>
+            </a:r>
+            <a:r>
+              <a:rPr lang="en-GB" dirty="0"/>
+              <a:t>, they’re </a:t>
+            </a:r>
+            <a:r>
+              <a:rPr lang="en-GB" b="1" dirty="0"/>
+              <a:t>not interactions with the environment</a:t>
             </a:r>
           </a:p>
           <a:p>
             <a:pPr lvl="1"/>
             <a:r>
               <a:rPr lang="en-GB" dirty="0"/>
-              <a:t>we know how good is to follow the policy (it is 𝑣</a:t>
-            </a:r>
-            <a:r>
-              <a:rPr lang="en-GB" baseline="-25000" dirty="0"/>
-              <a:t>𝜋</a:t>
-            </a:r>
-            <a:r>
-              <a:rPr lang="en-GB" dirty="0"/>
-              <a:t>(𝑠) ), but would it be better to change?</a:t>
-            </a:r>
-          </a:p>
-          <a:p>
-            <a:r>
-              <a:rPr lang="en-GB" dirty="0"/>
-              <a:t>To answer we consider </a:t>
-            </a:r>
-            <a:r>
-              <a:rPr lang="en-GB" b="1" dirty="0"/>
-              <a:t>selecting 𝑎 in 𝑠 </a:t>
-            </a:r>
-            <a:r>
-              <a:rPr lang="en-GB" dirty="0"/>
-              <a:t>and </a:t>
-            </a:r>
-            <a:r>
-              <a:rPr lang="en-GB" b="1" dirty="0"/>
-              <a:t>then following the policy 𝜋</a:t>
-            </a:r>
-            <a:r>
-              <a:rPr lang="en-GB" dirty="0"/>
-              <a:t>:</a:t>
-            </a:r>
-          </a:p>
-          <a:p>
-            <a:endParaRPr lang="en-GB" dirty="0"/>
-          </a:p>
-          <a:p>
-            <a:pPr marL="120650" indent="0">
-              <a:buNone/>
-            </a:pPr>
-            <a:endParaRPr lang="en-GB" dirty="0"/>
-          </a:p>
-          <a:p>
-            <a:pPr marL="120650" indent="0">
-              <a:buNone/>
-            </a:pPr>
-            <a:endParaRPr lang="en-GB" sz="1050" dirty="0"/>
-          </a:p>
-          <a:p>
-            <a:r>
-              <a:rPr lang="en-GB" dirty="0"/>
-              <a:t>If it is greater then 𝑣</a:t>
-            </a:r>
-            <a:r>
-              <a:rPr lang="en-GB" baseline="-25000" dirty="0"/>
-              <a:t>𝜋</a:t>
-            </a:r>
-            <a:r>
-              <a:rPr lang="en-GB" dirty="0"/>
-              <a:t>(𝑠), it is better to select 𝑎 in 𝑠 </a:t>
-            </a:r>
-          </a:p>
-          <a:p>
-            <a:r>
-              <a:rPr lang="en-GB" dirty="0"/>
-              <a:t>This is a case of the </a:t>
-            </a:r>
-            <a:r>
-              <a:rPr lang="en-GB" b="1" dirty="0"/>
-              <a:t>general policy improvement theorem</a:t>
+              <a:t>these aren’t episodes, these aren’t time steps</a:t>
             </a:r>
           </a:p>
           <a:p>
             <a:pPr lvl="1"/>
             <a:r>
               <a:rPr lang="en-GB" dirty="0"/>
-              <a:t>let 𝜋 and 𝜋′ a pair of policies that:</a:t>
-            </a:r>
-          </a:p>
-          <a:p>
-            <a:pPr lvl="1"/>
-            <a:endParaRPr lang="en-GB" dirty="0"/>
-          </a:p>
-          <a:p>
-            <a:r>
-              <a:rPr lang="en-GB" dirty="0"/>
-              <a:t>In the example:</a:t>
-            </a:r>
-          </a:p>
-          <a:p>
-            <a:pPr lvl="1"/>
-            <a:r>
-              <a:rPr lang="en-GB" dirty="0"/>
-              <a:t>the original policy 𝜋 and the changed policy are identical, except for the different action taken in state 𝑠</a:t>
-            </a:r>
-          </a:p>
-          <a:p>
-            <a:pPr lvl="1"/>
-            <a:r>
-              <a:rPr lang="en-GB" dirty="0"/>
-              <a:t>if  𝑞</a:t>
-            </a:r>
-            <a:r>
-              <a:rPr lang="en-GB" baseline="-25000" dirty="0"/>
-              <a:t>𝜋</a:t>
-            </a:r>
-            <a:r>
-              <a:rPr lang="en-GB" dirty="0"/>
-              <a:t>(𝑠,𝑎) &gt; 𝑣</a:t>
-            </a:r>
-            <a:r>
-              <a:rPr lang="en-GB" baseline="-25000" dirty="0"/>
-              <a:t>𝜋</a:t>
-            </a:r>
-            <a:r>
-              <a:rPr lang="en-GB" dirty="0"/>
-              <a:t>(𝑠) , then the changed policy is better than the original one</a:t>
+              <a:t>just the iterations of the iterative policy evaluation algorithm</a:t>
             </a:r>
           </a:p>
           <a:p>
@@ -12079,10 +8933,10 @@
       </p:sp>
       <p:pic>
         <p:nvPicPr>
-          <p:cNvPr id="3" name="Immagine 2">
+          <p:cNvPr id="16" name="Immagine 15">
             <a:extLst>
               <a:ext uri="{FF2B5EF4-FFF2-40B4-BE49-F238E27FC236}">
-                <a16:creationId xmlns:a16="http://schemas.microsoft.com/office/drawing/2014/main" id="{001B1AC1-1C27-46C8-BAF5-4B3B35EF5917}"/>
+                <a16:creationId xmlns:a16="http://schemas.microsoft.com/office/drawing/2014/main" id="{A943F268-5332-5E82-3E71-0B5D714B54E6}"/>
               </a:ext>
             </a:extLst>
           </p:cNvPr>
@@ -12099,8 +8953,8 @@
         </p:blipFill>
         <p:spPr>
           <a:xfrm>
-            <a:off x="729876" y="3084876"/>
-            <a:ext cx="3707653" cy="688247"/>
+            <a:off x="1124324" y="4074690"/>
+            <a:ext cx="2128068" cy="484610"/>
           </a:xfrm>
           <a:prstGeom prst="rect">
             <a:avLst/>
@@ -12109,10 +8963,10 @@
       </p:pic>
       <p:pic>
         <p:nvPicPr>
-          <p:cNvPr id="5" name="Immagine 4">
+          <p:cNvPr id="3" name="Immagine 2">
             <a:extLst>
               <a:ext uri="{FF2B5EF4-FFF2-40B4-BE49-F238E27FC236}">
-                <a16:creationId xmlns:a16="http://schemas.microsoft.com/office/drawing/2014/main" id="{E2235F9D-E3CA-4A5D-E363-7D04B2546A4F}"/>
+                <a16:creationId xmlns:a16="http://schemas.microsoft.com/office/drawing/2014/main" id="{0C052D58-72B0-E4BA-539C-4C5ECF706054}"/>
               </a:ext>
             </a:extLst>
           </p:cNvPr>
@@ -12129,8 +8983,38 @@
         </p:blipFill>
         <p:spPr>
           <a:xfrm>
-            <a:off x="1133288" y="4818560"/>
-            <a:ext cx="4467038" cy="384143"/>
+            <a:off x="711550" y="1895833"/>
+            <a:ext cx="7772400" cy="662599"/>
+          </a:xfrm>
+          <a:prstGeom prst="rect">
+            <a:avLst/>
+          </a:prstGeom>
+        </p:spPr>
+      </p:pic>
+      <p:pic>
+        <p:nvPicPr>
+          <p:cNvPr id="5" name="Immagine 4">
+            <a:extLst>
+              <a:ext uri="{FF2B5EF4-FFF2-40B4-BE49-F238E27FC236}">
+                <a16:creationId xmlns:a16="http://schemas.microsoft.com/office/drawing/2014/main" id="{18497E2C-2894-8692-6C23-6F9AE4CBFC6E}"/>
+              </a:ext>
+            </a:extLst>
+          </p:cNvPr>
+          <p:cNvPicPr>
+            <a:picLocks noChangeAspect="1"/>
+          </p:cNvPicPr>
+          <p:nvPr/>
+        </p:nvPicPr>
+        <p:blipFill>
+          <a:blip r:embed="rId5"/>
+          <a:stretch>
+            <a:fillRect/>
+          </a:stretch>
+        </p:blipFill>
+        <p:spPr>
+          <a:xfrm>
+            <a:off x="686150" y="2727537"/>
+            <a:ext cx="5016850" cy="589023"/>
           </a:xfrm>
           <a:prstGeom prst="rect">
             <a:avLst/>
@@ -12140,7 +9024,7 @@
     </p:spTree>
     <p:extLst>
       <p:ext uri="{BB962C8B-B14F-4D97-AF65-F5344CB8AC3E}">
-        <p14:creationId xmlns:p14="http://schemas.microsoft.com/office/powerpoint/2010/main" val="286158131"/>
+        <p14:creationId xmlns:p14="http://schemas.microsoft.com/office/powerpoint/2010/main" val="2527555437"/>
       </p:ext>
     </p:extLst>
   </p:cSld>
@@ -12195,7 +9079,7 @@
             <a:pPr lvl="0"/>
             <a:r>
               <a:rPr lang="en-GB" sz="4000" dirty="0"/>
-              <a:t>Policy Improvement (2)</a:t>
+              <a:t>Policy Evaluation (2)</a:t>
             </a:r>
             <a:endParaRPr sz="4000" dirty="0"/>
           </a:p>
@@ -12213,8 +9097,8 @@
         </p:nvSpPr>
         <p:spPr>
           <a:xfrm>
-            <a:off x="162750" y="1212537"/>
-            <a:ext cx="8818500" cy="5224230"/>
+            <a:off x="162750" y="930148"/>
+            <a:ext cx="8818500" cy="5672357"/>
           </a:xfrm>
           <a:prstGeom prst="rect">
             <a:avLst/>
@@ -12229,68 +9113,93 @@
             <a:pPr lvl="0"/>
             <a:r>
               <a:rPr lang="en-GB" dirty="0"/>
-              <a:t>It is natural to extend to consider changes at all states and to all possible actions, selecting at each state the action that appears best according to  𝑞</a:t>
-            </a:r>
-            <a:r>
-              <a:rPr lang="en-GB" baseline="-25000" dirty="0"/>
-              <a:t>𝜋</a:t>
-            </a:r>
-            <a:r>
-              <a:rPr lang="en-GB" dirty="0"/>
-              <a:t>(𝑠,𝑎) :</a:t>
-            </a:r>
-          </a:p>
-          <a:p>
-            <a:pPr lvl="0"/>
-            <a:endParaRPr lang="en-GB" dirty="0"/>
-          </a:p>
-          <a:p>
-            <a:pPr lvl="0"/>
-            <a:endParaRPr lang="en-GB" dirty="0"/>
-          </a:p>
-          <a:p>
-            <a:pPr lvl="0"/>
-            <a:endParaRPr lang="en-GB" dirty="0"/>
-          </a:p>
-          <a:p>
-            <a:pPr lvl="0"/>
-            <a:r>
-              <a:rPr lang="en-GB" dirty="0"/>
-              <a:t>The process of making a new policy that improves an original policy, by making it</a:t>
+              <a:t>We can apply the policy evaluation algorithm to the FL environment to compare “go-get-it” and “careful” policies</a:t>
+            </a:r>
+          </a:p>
+          <a:p>
+            <a:r>
+              <a:rPr lang="en-GB" b="1" dirty="0">
+                <a:highlight>
+                  <a:srgbClr val="FFFF00"/>
+                </a:highlight>
+              </a:rPr>
+              <a:t>See “policy-</a:t>
+            </a:r>
+            <a:r>
+              <a:rPr lang="en-GB" b="1" dirty="0" err="1">
+                <a:highlight>
+                  <a:srgbClr val="FFFF00"/>
+                </a:highlight>
+              </a:rPr>
+              <a:t>evaluation.ipynb</a:t>
+            </a:r>
+            <a:r>
+              <a:rPr lang="en-GB" b="1" dirty="0">
+                <a:highlight>
+                  <a:srgbClr val="FFFF00"/>
+                </a:highlight>
+              </a:rPr>
+              <a:t>” notebook</a:t>
+            </a:r>
+          </a:p>
+          <a:p>
+            <a:endParaRPr lang="en-GB" dirty="0"/>
+          </a:p>
+          <a:p>
+            <a:endParaRPr lang="en-GB" dirty="0"/>
+          </a:p>
+          <a:p>
+            <a:endParaRPr lang="en-GB" dirty="0"/>
+          </a:p>
+          <a:p>
+            <a:endParaRPr lang="en-GB" dirty="0"/>
+          </a:p>
+          <a:p>
+            <a:endParaRPr lang="en-GB" dirty="0"/>
+          </a:p>
+          <a:p>
+            <a:endParaRPr lang="en-GB" dirty="0"/>
+          </a:p>
+          <a:p>
+            <a:endParaRPr lang="en-GB" dirty="0"/>
+          </a:p>
+          <a:p>
+            <a:endParaRPr lang="en-GB" dirty="0"/>
+          </a:p>
+          <a:p>
+            <a:endParaRPr lang="en-GB" dirty="0"/>
+          </a:p>
+          <a:p>
+            <a:endParaRPr lang="en-GB" dirty="0"/>
+          </a:p>
+          <a:p>
+            <a:endParaRPr lang="en-GB" dirty="0"/>
+          </a:p>
+          <a:p>
+            <a:endParaRPr lang="en-GB" dirty="0"/>
+          </a:p>
+          <a:p>
+            <a:endParaRPr lang="en-GB" sz="500" dirty="0"/>
+          </a:p>
+          <a:p>
+            <a:r>
+              <a:rPr lang="en-GB" dirty="0"/>
+              <a:t>As already seen, Go-get-it policy doesn’t pay well in the FL environment! Whereas the Careful policy is much better. </a:t>
+            </a:r>
+          </a:p>
+          <a:p>
+            <a:r>
+              <a:rPr lang="en-GB" dirty="0"/>
+              <a:t>A question arises: </a:t>
             </a:r>
             <a:r>
               <a:rPr lang="en-GB" b="1" dirty="0"/>
-              <a:t> greedy with respect to the value function of the original policy</a:t>
-            </a:r>
-            <a:r>
-              <a:rPr lang="en-GB" dirty="0"/>
-              <a:t>, is called policy improvement</a:t>
-            </a:r>
-          </a:p>
-          <a:p>
-            <a:pPr lvl="0"/>
-            <a:endParaRPr lang="en-GB" dirty="0"/>
-          </a:p>
-          <a:p>
-            <a:pPr lvl="0"/>
-            <a:endParaRPr lang="en-GB" dirty="0"/>
-          </a:p>
-          <a:p>
-            <a:pPr marL="120650" lvl="0" indent="0">
-              <a:buNone/>
-            </a:pPr>
-            <a:r>
-              <a:rPr lang="en-GB" dirty="0"/>
-              <a:t> </a:t>
-            </a:r>
-          </a:p>
-          <a:p>
-            <a:pPr lvl="0"/>
-            <a:endParaRPr lang="en-GB" dirty="0"/>
-          </a:p>
-          <a:p>
-            <a:pPr lvl="0"/>
-            <a:endParaRPr lang="en-GB" dirty="0"/>
+              <a:t>are there any better policies </a:t>
+            </a:r>
+            <a:r>
+              <a:rPr lang="en-GB" dirty="0"/>
+              <a:t>for this environment?</a:t>
+            </a:r>
           </a:p>
           <a:p>
             <a:pPr lvl="1"/>
@@ -12303,7 +9212,7 @@
           <p:cNvPr id="3" name="Immagine 2">
             <a:extLst>
               <a:ext uri="{FF2B5EF4-FFF2-40B4-BE49-F238E27FC236}">
-                <a16:creationId xmlns:a16="http://schemas.microsoft.com/office/drawing/2014/main" id="{D168A4EC-8B0B-3D6A-14AC-9D2288F47B59}"/>
+                <a16:creationId xmlns:a16="http://schemas.microsoft.com/office/drawing/2014/main" id="{6A21728D-C447-40EA-7D63-4081FD2B8AB5}"/>
               </a:ext>
             </a:extLst>
           </p:cNvPr>
@@ -12312,16 +9221,15 @@
           </p:cNvPicPr>
           <p:nvPr/>
         </p:nvPicPr>
-        <p:blipFill>
+        <p:blipFill rotWithShape="1">
           <a:blip r:embed="rId3"/>
-          <a:stretch>
-            <a:fillRect/>
-          </a:stretch>
+          <a:srcRect b="19274"/>
+          <a:stretch/>
         </p:blipFill>
         <p:spPr>
           <a:xfrm>
-            <a:off x="669738" y="1939739"/>
-            <a:ext cx="6997700" cy="800100"/>
+            <a:off x="512109" y="1961624"/>
+            <a:ext cx="7435103" cy="3473524"/>
           </a:xfrm>
           <a:prstGeom prst="rect">
             <a:avLst/>
@@ -12331,7 +9239,7 @@
     </p:spTree>
     <p:extLst>
       <p:ext uri="{BB962C8B-B14F-4D97-AF65-F5344CB8AC3E}">
-        <p14:creationId xmlns:p14="http://schemas.microsoft.com/office/powerpoint/2010/main" val="4134572258"/>
+        <p14:creationId xmlns:p14="http://schemas.microsoft.com/office/powerpoint/2010/main" val="3676487896"/>
       </p:ext>
     </p:extLst>
   </p:cSld>
@@ -12386,7 +9294,7 @@
             <a:pPr lvl="0"/>
             <a:r>
               <a:rPr lang="en-GB" sz="4000" dirty="0"/>
-              <a:t>Policy Improvement (3)</a:t>
+              <a:t>Policy Improvement (1)</a:t>
             </a:r>
             <a:endParaRPr sz="4000" dirty="0"/>
           </a:p>
@@ -12404,8 +9312,8 @@
         </p:nvSpPr>
         <p:spPr>
           <a:xfrm>
-            <a:off x="162750" y="1009991"/>
-            <a:ext cx="8818500" cy="5646303"/>
+            <a:off x="162750" y="1161008"/>
+            <a:ext cx="8818500" cy="5224230"/>
           </a:xfrm>
           <a:prstGeom prst="rect">
             <a:avLst/>
@@ -12420,76 +9328,153 @@
             <a:pPr lvl="0"/>
             <a:r>
               <a:rPr lang="en-GB" dirty="0"/>
-              <a:t>We can apply the policy improvement algorithm to the </a:t>
-            </a:r>
-            <a:r>
-              <a:rPr lang="en-GB" dirty="0" err="1"/>
-              <a:t>fronzen</a:t>
-            </a:r>
-            <a:r>
-              <a:rPr lang="en-GB" dirty="0"/>
-              <a:t>-lake environment in order to improve the “careful” policy</a:t>
-            </a:r>
-          </a:p>
-          <a:p>
-            <a:pPr lvl="0"/>
-            <a:endParaRPr lang="en-GB" dirty="0"/>
+              <a:t>Value functions helps find better policies</a:t>
+            </a:r>
           </a:p>
           <a:p>
             <a:pPr lvl="1"/>
-            <a:endParaRPr lang="en-GB" sz="1100" dirty="0"/>
-          </a:p>
-          <a:p>
-            <a:endParaRPr lang="en-GB" dirty="0"/>
-          </a:p>
-          <a:p>
-            <a:endParaRPr lang="en-GB" dirty="0"/>
-          </a:p>
-          <a:p>
-            <a:endParaRPr lang="en-GB" dirty="0"/>
-          </a:p>
-          <a:p>
-            <a:endParaRPr lang="en-GB" dirty="0"/>
-          </a:p>
-          <a:p>
-            <a:endParaRPr lang="en-GB" dirty="0"/>
-          </a:p>
-          <a:p>
-            <a:endParaRPr lang="en-GB" dirty="0"/>
-          </a:p>
-          <a:p>
-            <a:endParaRPr lang="en-GB" dirty="0"/>
-          </a:p>
-          <a:p>
-            <a:endParaRPr lang="en-GB" dirty="0"/>
-          </a:p>
-          <a:p>
-            <a:endParaRPr lang="en-GB" dirty="0"/>
-          </a:p>
-          <a:p>
-            <a:endParaRPr lang="en-GB" dirty="0"/>
-          </a:p>
-          <a:p>
-            <a:endParaRPr lang="en-GB" dirty="0"/>
-          </a:p>
-          <a:p>
-            <a:endParaRPr lang="en-GB" dirty="0"/>
-          </a:p>
-          <a:p>
-            <a:r>
-              <a:rPr lang="en-GB" dirty="0"/>
-              <a:t>Notice if we act greedily with respect to the Q-function of the policy, we obtain a new policy: “careful-plus”</a:t>
-            </a:r>
-          </a:p>
-          <a:p>
-            <a:pPr marL="120650" lvl="0" indent="0">
+            <a:r>
+              <a:rPr lang="en-GB" dirty="0"/>
+              <a:t>suppose we have determined the value function 𝑣</a:t>
+            </a:r>
+            <a:r>
+              <a:rPr lang="en-GB" baseline="-25000" dirty="0"/>
+              <a:t>𝜋 </a:t>
+            </a:r>
+            <a:r>
+              <a:rPr lang="en-GB" dirty="0"/>
+              <a:t>for a policy 𝜋 </a:t>
+            </a:r>
+          </a:p>
+          <a:p>
+            <a:pPr lvl="1"/>
+            <a:r>
+              <a:rPr lang="en-GB" dirty="0"/>
+              <a:t>for a state 𝑠, we would know if we should change the policy and choose 𝑎 ≠ 𝜋(𝑠)</a:t>
+            </a:r>
+          </a:p>
+          <a:p>
+            <a:pPr lvl="1"/>
+            <a:r>
+              <a:rPr lang="en-GB" dirty="0"/>
+              <a:t>we know how good is to follow the policy (it is 𝑣</a:t>
+            </a:r>
+            <a:r>
+              <a:rPr lang="en-GB" baseline="-25000" dirty="0"/>
+              <a:t>𝜋</a:t>
+            </a:r>
+            <a:r>
+              <a:rPr lang="en-GB" dirty="0"/>
+              <a:t>(𝑠) ), but would it be better to change?</a:t>
+            </a:r>
+          </a:p>
+          <a:p>
+            <a:r>
+              <a:rPr lang="en-GB" dirty="0"/>
+              <a:t>To answer we consider </a:t>
+            </a:r>
+            <a:r>
+              <a:rPr lang="en-GB" b="1" dirty="0"/>
+              <a:t>selecting 𝑎 in 𝑠 </a:t>
+            </a:r>
+            <a:r>
+              <a:rPr lang="en-GB" dirty="0"/>
+              <a:t>and </a:t>
+            </a:r>
+            <a:r>
+              <a:rPr lang="en-GB" b="1" dirty="0"/>
+              <a:t>then following the policy 𝜋</a:t>
+            </a:r>
+            <a:r>
+              <a:rPr lang="en-GB" dirty="0"/>
+              <a:t>:</a:t>
+            </a:r>
+          </a:p>
+          <a:p>
+            <a:endParaRPr lang="en-GB" dirty="0"/>
+          </a:p>
+          <a:p>
+            <a:pPr marL="120650" indent="0">
               <a:buNone/>
             </a:pPr>
             <a:endParaRPr lang="en-GB" dirty="0"/>
           </a:p>
           <a:p>
-            <a:pPr lvl="0"/>
-            <a:endParaRPr lang="en-GB" dirty="0"/>
+            <a:pPr marL="120650" indent="0">
+              <a:buNone/>
+            </a:pPr>
+            <a:endParaRPr lang="en-GB" sz="1050" dirty="0"/>
+          </a:p>
+          <a:p>
+            <a:r>
+              <a:rPr lang="en-GB" dirty="0"/>
+              <a:t>If it is greater then 𝑣</a:t>
+            </a:r>
+            <a:r>
+              <a:rPr lang="en-GB" baseline="-25000" dirty="0"/>
+              <a:t>𝜋</a:t>
+            </a:r>
+            <a:r>
+              <a:rPr lang="en-GB" dirty="0"/>
+              <a:t>(𝑠), it is better to select 𝑎 in 𝑠 </a:t>
+            </a:r>
+          </a:p>
+          <a:p>
+            <a:r>
+              <a:rPr lang="en-GB" dirty="0"/>
+              <a:t>This is a case of the </a:t>
+            </a:r>
+            <a:r>
+              <a:rPr lang="en-GB" b="1" dirty="0"/>
+              <a:t>general policy improvement theorem</a:t>
+            </a:r>
+          </a:p>
+          <a:p>
+            <a:pPr lvl="1"/>
+            <a:r>
+              <a:rPr lang="en-GB" dirty="0"/>
+              <a:t>let 𝜋 and 𝜋′ a pair of policies that:</a:t>
+            </a:r>
+          </a:p>
+          <a:p>
+            <a:pPr lvl="1"/>
+            <a:endParaRPr lang="en-GB" dirty="0"/>
+          </a:p>
+          <a:p>
+            <a:r>
+              <a:rPr lang="en-GB" dirty="0"/>
+              <a:t>In the example:</a:t>
+            </a:r>
+          </a:p>
+          <a:p>
+            <a:pPr lvl="1"/>
+            <a:r>
+              <a:rPr lang="en-GB" dirty="0"/>
+              <a:t>the original policy 𝜋 and the changed policy are identical, except for the different action taken in state 𝑠</a:t>
+            </a:r>
+          </a:p>
+          <a:p>
+            <a:pPr lvl="1"/>
+            <a:r>
+              <a:rPr lang="en-GB" dirty="0"/>
+              <a:t>if  𝑞</a:t>
+            </a:r>
+            <a:r>
+              <a:rPr lang="en-GB" baseline="-25000" dirty="0"/>
+              <a:t>𝜋</a:t>
+            </a:r>
+            <a:r>
+              <a:rPr lang="en-GB" dirty="0"/>
+              <a:t>(𝑠,𝑎) &gt; 𝑣</a:t>
+            </a:r>
+            <a:r>
+              <a:rPr lang="en-GB" baseline="-25000" dirty="0"/>
+              <a:t>𝜋</a:t>
+            </a:r>
+            <a:r>
+              <a:rPr lang="en-GB" dirty="0"/>
+              <a:t>(𝑠) , then the changed policy is better than the original one</a:t>
+            </a:r>
           </a:p>
           <a:p>
             <a:pPr lvl="0"/>
@@ -12503,10 +9488,10 @@
       </p:sp>
       <p:pic>
         <p:nvPicPr>
-          <p:cNvPr id="4" name="Immagine 3">
+          <p:cNvPr id="3" name="Immagine 2">
             <a:extLst>
               <a:ext uri="{FF2B5EF4-FFF2-40B4-BE49-F238E27FC236}">
-                <a16:creationId xmlns:a16="http://schemas.microsoft.com/office/drawing/2014/main" id="{F2EA674F-3007-8C11-D4E9-6B891C31B2B8}"/>
+                <a16:creationId xmlns:a16="http://schemas.microsoft.com/office/drawing/2014/main" id="{001B1AC1-1C27-46C8-BAF5-4B3B35EF5917}"/>
               </a:ext>
             </a:extLst>
           </p:cNvPr>
@@ -12523,8 +9508,38 @@
         </p:blipFill>
         <p:spPr>
           <a:xfrm>
-            <a:off x="995082" y="1879338"/>
-            <a:ext cx="6456455" cy="3907608"/>
+            <a:off x="729876" y="3084876"/>
+            <a:ext cx="3707653" cy="688247"/>
+          </a:xfrm>
+          <a:prstGeom prst="rect">
+            <a:avLst/>
+          </a:prstGeom>
+        </p:spPr>
+      </p:pic>
+      <p:pic>
+        <p:nvPicPr>
+          <p:cNvPr id="5" name="Immagine 4">
+            <a:extLst>
+              <a:ext uri="{FF2B5EF4-FFF2-40B4-BE49-F238E27FC236}">
+                <a16:creationId xmlns:a16="http://schemas.microsoft.com/office/drawing/2014/main" id="{E2235F9D-E3CA-4A5D-E363-7D04B2546A4F}"/>
+              </a:ext>
+            </a:extLst>
+          </p:cNvPr>
+          <p:cNvPicPr>
+            <a:picLocks noChangeAspect="1"/>
+          </p:cNvPicPr>
+          <p:nvPr/>
+        </p:nvPicPr>
+        <p:blipFill>
+          <a:blip r:embed="rId4"/>
+          <a:stretch>
+            <a:fillRect/>
+          </a:stretch>
+        </p:blipFill>
+        <p:spPr>
+          <a:xfrm>
+            <a:off x="1133288" y="4818560"/>
+            <a:ext cx="4467038" cy="384143"/>
           </a:xfrm>
           <a:prstGeom prst="rect">
             <a:avLst/>
@@ -12534,7 +9549,7 @@
     </p:spTree>
     <p:extLst>
       <p:ext uri="{BB962C8B-B14F-4D97-AF65-F5344CB8AC3E}">
-        <p14:creationId xmlns:p14="http://schemas.microsoft.com/office/powerpoint/2010/main" val="903545879"/>
+        <p14:creationId xmlns:p14="http://schemas.microsoft.com/office/powerpoint/2010/main" val="286158131"/>
       </p:ext>
     </p:extLst>
   </p:cSld>
@@ -12589,7 +9604,7 @@
             <a:pPr lvl="0"/>
             <a:r>
               <a:rPr lang="en-GB" sz="4000" dirty="0"/>
-              <a:t>Policy Improvement (4)</a:t>
+              <a:t>Policy Improvement (2)</a:t>
             </a:r>
             <a:endParaRPr sz="4000" dirty="0"/>
           </a:p>
@@ -12623,35 +9638,60 @@
             <a:pPr lvl="0"/>
             <a:r>
               <a:rPr lang="en-GB" dirty="0"/>
-              <a:t> Is this policy any better? Well, policy evaluation can tell us</a:t>
-            </a:r>
-          </a:p>
-          <a:p>
-            <a:pPr lvl="1"/>
-            <a:r>
-              <a:rPr lang="en-GB" dirty="0"/>
-              <a:t>see “notebook - policy-</a:t>
-            </a:r>
-            <a:r>
-              <a:rPr lang="en-GB" dirty="0" err="1"/>
-              <a:t>improvement.ipynb</a:t>
-            </a:r>
-            <a:r>
-              <a:rPr lang="en-GB" dirty="0"/>
-              <a:t>” notebook</a:t>
-            </a:r>
-          </a:p>
-          <a:p>
-            <a:pPr lvl="1"/>
-            <a:endParaRPr lang="en-GB" dirty="0"/>
-          </a:p>
-          <a:p>
-            <a:pPr lvl="0"/>
-            <a:endParaRPr lang="en-GB" dirty="0"/>
-          </a:p>
-          <a:p>
-            <a:pPr lvl="0"/>
-            <a:endParaRPr lang="en-GB" dirty="0"/>
+              <a:t>It is natural to extend to consider changes at all states and to all possible actions, selecting at each state the action that appears best according to  𝑞</a:t>
+            </a:r>
+            <a:r>
+              <a:rPr lang="en-GB" baseline="-25000" dirty="0"/>
+              <a:t>𝜋</a:t>
+            </a:r>
+            <a:r>
+              <a:rPr lang="en-GB" dirty="0"/>
+              <a:t>(𝑠,𝑎) :</a:t>
+            </a:r>
+          </a:p>
+          <a:p>
+            <a:pPr lvl="0"/>
+            <a:endParaRPr lang="en-GB" dirty="0"/>
+          </a:p>
+          <a:p>
+            <a:pPr lvl="0"/>
+            <a:endParaRPr lang="en-GB" dirty="0"/>
+          </a:p>
+          <a:p>
+            <a:pPr lvl="0"/>
+            <a:endParaRPr lang="en-GB" dirty="0"/>
+          </a:p>
+          <a:p>
+            <a:pPr lvl="0"/>
+            <a:r>
+              <a:rPr lang="en-GB" dirty="0"/>
+              <a:t>The process of making a new policy that improves an original policy, by making it</a:t>
+            </a:r>
+            <a:r>
+              <a:rPr lang="en-GB" b="1" dirty="0"/>
+              <a:t> greedy with respect to the value function of the original policy</a:t>
+            </a:r>
+            <a:r>
+              <a:rPr lang="en-GB" dirty="0"/>
+              <a:t>, is called policy improvement</a:t>
+            </a:r>
+          </a:p>
+          <a:p>
+            <a:pPr lvl="0"/>
+            <a:endParaRPr lang="en-GB" dirty="0"/>
+          </a:p>
+          <a:p>
+            <a:pPr lvl="0"/>
+            <a:endParaRPr lang="en-GB" dirty="0"/>
+          </a:p>
+          <a:p>
+            <a:pPr marL="120650" lvl="0" indent="0">
+              <a:buNone/>
+            </a:pPr>
+            <a:r>
+              <a:rPr lang="en-GB" dirty="0"/>
+              <a:t> </a:t>
+            </a:r>
           </a:p>
           <a:p>
             <a:pPr lvl="0"/>
@@ -12669,10 +9709,10 @@
       </p:sp>
       <p:pic>
         <p:nvPicPr>
-          <p:cNvPr id="6" name="Immagine 5">
+          <p:cNvPr id="3" name="Immagine 2">
             <a:extLst>
               <a:ext uri="{FF2B5EF4-FFF2-40B4-BE49-F238E27FC236}">
-                <a16:creationId xmlns:a16="http://schemas.microsoft.com/office/drawing/2014/main" id="{9E42DC6C-2D97-601D-D608-EEEE5049A6ED}"/>
+                <a16:creationId xmlns:a16="http://schemas.microsoft.com/office/drawing/2014/main" id="{D168A4EC-8B0B-3D6A-14AC-9D2288F47B59}"/>
               </a:ext>
             </a:extLst>
           </p:cNvPr>
@@ -12689,8 +9729,8 @@
         </p:blipFill>
         <p:spPr>
           <a:xfrm>
-            <a:off x="580640" y="2072556"/>
-            <a:ext cx="7772400" cy="4203440"/>
+            <a:off x="669738" y="1939739"/>
+            <a:ext cx="6997700" cy="800100"/>
           </a:xfrm>
           <a:prstGeom prst="rect">
             <a:avLst/>
@@ -12700,7 +9740,7 @@
     </p:spTree>
     <p:extLst>
       <p:ext uri="{BB962C8B-B14F-4D97-AF65-F5344CB8AC3E}">
-        <p14:creationId xmlns:p14="http://schemas.microsoft.com/office/powerpoint/2010/main" val="3124096913"/>
+        <p14:creationId xmlns:p14="http://schemas.microsoft.com/office/powerpoint/2010/main" val="4134572258"/>
       </p:ext>
     </p:extLst>
   </p:cSld>
@@ -12755,8 +9795,9 @@
             <a:pPr lvl="0"/>
             <a:r>
               <a:rPr lang="en-GB" sz="4000" dirty="0"/>
-              <a:t>Policy Iteration</a:t>
-            </a:r>
+              <a:t>Policy Improvement (3)</a:t>
+            </a:r>
+            <a:endParaRPr sz="4000" dirty="0"/>
           </a:p>
         </p:txBody>
       </p:sp>
@@ -12772,8 +9813,8 @@
         </p:nvSpPr>
         <p:spPr>
           <a:xfrm>
-            <a:off x="162750" y="1043733"/>
-            <a:ext cx="8818500" cy="5470651"/>
+            <a:off x="162750" y="1009991"/>
+            <a:ext cx="8818500" cy="5646303"/>
           </a:xfrm>
           <a:prstGeom prst="rect">
             <a:avLst/>
@@ -12788,112 +9829,75 @@
             <a:pPr lvl="0"/>
             <a:r>
               <a:rPr lang="en-GB" dirty="0"/>
-              <a:t>Once a policy has been improved using its value function to yield a better policy, we can then compute a new value function and improve again to yield an even better policy</a:t>
-            </a:r>
+              <a:t>We can apply the policy improvement algorithm to the </a:t>
+            </a:r>
+            <a:r>
+              <a:rPr lang="en-GB" dirty="0" err="1"/>
+              <a:t>fronzen</a:t>
+            </a:r>
+            <a:r>
+              <a:rPr lang="en-GB" dirty="0"/>
+              <a:t>-lake environment in order to improve the “careful” policy</a:t>
+            </a:r>
+          </a:p>
+          <a:p>
+            <a:pPr lvl="0"/>
+            <a:endParaRPr lang="en-GB" dirty="0"/>
           </a:p>
           <a:p>
             <a:pPr lvl="1"/>
-            <a:r>
-              <a:rPr lang="en-GB" dirty="0"/>
-              <a:t>a </a:t>
-            </a:r>
-            <a:r>
-              <a:rPr lang="en-GB" b="1" dirty="0"/>
-              <a:t>sequence of monotonically improving policies </a:t>
-            </a:r>
-            <a:r>
-              <a:rPr lang="en-GB" dirty="0"/>
-              <a:t>and value functions</a:t>
-            </a:r>
-          </a:p>
-          <a:p>
-            <a:pPr lvl="1"/>
-            <a:endParaRPr lang="en-GB" dirty="0"/>
-          </a:p>
-          <a:p>
-            <a:pPr lvl="1"/>
-            <a:endParaRPr lang="en-GB" dirty="0"/>
-          </a:p>
-          <a:p>
-            <a:r>
-              <a:rPr lang="en-GB" dirty="0"/>
-              <a:t>Each policy is guaranteed to be a </a:t>
-            </a:r>
-            <a:r>
-              <a:rPr lang="en-GB" b="1" dirty="0"/>
-              <a:t>strict improvement </a:t>
-            </a:r>
-            <a:r>
-              <a:rPr lang="en-GB" dirty="0"/>
-              <a:t>over the previous one (unless it is already optimal). </a:t>
-            </a:r>
-          </a:p>
-          <a:p>
-            <a:r>
-              <a:rPr lang="en-GB" dirty="0"/>
-              <a:t>Because a finite MDP has only a finite number of policies, this process must </a:t>
-            </a:r>
-            <a:r>
-              <a:rPr lang="en-GB" b="1" dirty="0"/>
-              <a:t>converge to an optimal policy </a:t>
-            </a:r>
-            <a:r>
-              <a:rPr lang="en-GB" dirty="0"/>
-              <a:t>in a finite number of iterations</a:t>
-            </a:r>
-          </a:p>
-          <a:p>
-            <a:endParaRPr lang="en-GB" dirty="0"/>
-          </a:p>
-          <a:p>
-            <a:r>
-              <a:rPr lang="en-GB" dirty="0"/>
-              <a:t>See “notebook - policy-</a:t>
-            </a:r>
-            <a:r>
-              <a:rPr lang="en-GB" dirty="0" err="1"/>
-              <a:t>iteration.ipynb</a:t>
-            </a:r>
-            <a:r>
-              <a:rPr lang="en-GB" dirty="0"/>
-              <a:t>” notebook</a:t>
-            </a:r>
-          </a:p>
-          <a:p>
-            <a:endParaRPr lang="en-GB" dirty="0"/>
-          </a:p>
-          <a:p>
-            <a:r>
-              <a:rPr lang="en-GB" dirty="0"/>
-              <a:t>We have considered the special case of </a:t>
-            </a:r>
-            <a:r>
-              <a:rPr lang="en-GB" b="1" dirty="0"/>
-              <a:t>deterministic policies</a:t>
-            </a:r>
-            <a:r>
-              <a:rPr lang="en-GB" dirty="0"/>
-              <a:t>, anyway all the ideas extend easily to </a:t>
-            </a:r>
-            <a:r>
-              <a:rPr lang="en-GB" b="1" dirty="0"/>
-              <a:t>stochastic policies</a:t>
-            </a:r>
-          </a:p>
-          <a:p>
-            <a:pPr lvl="1"/>
-            <a:r>
-              <a:rPr lang="en-GB" dirty="0"/>
-              <a:t>each action gets portion of the probability of being selected in the new greedy policy</a:t>
-            </a:r>
-          </a:p>
-          <a:p>
-            <a:endParaRPr lang="en-GB" dirty="0"/>
+            <a:endParaRPr lang="en-GB" sz="1100" dirty="0"/>
+          </a:p>
+          <a:p>
+            <a:endParaRPr lang="en-GB" dirty="0"/>
+          </a:p>
+          <a:p>
+            <a:endParaRPr lang="en-GB" dirty="0"/>
+          </a:p>
+          <a:p>
+            <a:endParaRPr lang="en-GB" dirty="0"/>
+          </a:p>
+          <a:p>
+            <a:endParaRPr lang="en-GB" dirty="0"/>
+          </a:p>
+          <a:p>
+            <a:endParaRPr lang="en-GB" dirty="0"/>
+          </a:p>
+          <a:p>
+            <a:endParaRPr lang="en-GB" dirty="0"/>
+          </a:p>
+          <a:p>
+            <a:endParaRPr lang="en-GB" dirty="0"/>
+          </a:p>
+          <a:p>
+            <a:endParaRPr lang="en-GB" dirty="0"/>
+          </a:p>
+          <a:p>
+            <a:endParaRPr lang="en-GB" dirty="0"/>
+          </a:p>
+          <a:p>
+            <a:endParaRPr lang="en-GB" dirty="0"/>
+          </a:p>
+          <a:p>
+            <a:endParaRPr lang="en-GB" dirty="0"/>
+          </a:p>
+          <a:p>
+            <a:endParaRPr lang="en-GB" dirty="0"/>
+          </a:p>
+          <a:p>
+            <a:r>
+              <a:rPr lang="en-GB" dirty="0"/>
+              <a:t>Notice if we act greedily with respect to the Q-function of the policy, we obtain a new policy: “careful-plus”</a:t>
+            </a:r>
           </a:p>
           <a:p>
             <a:pPr marL="120650" lvl="0" indent="0">
               <a:buNone/>
             </a:pPr>
+            <a:endParaRPr lang="en-GB" dirty="0"/>
+          </a:p>
+          <a:p>
+            <a:pPr lvl="0"/>
             <a:endParaRPr lang="en-GB" dirty="0"/>
           </a:p>
           <a:p>
@@ -12908,10 +9912,10 @@
       </p:sp>
       <p:pic>
         <p:nvPicPr>
-          <p:cNvPr id="3" name="Immagine 2">
+          <p:cNvPr id="4" name="Immagine 3">
             <a:extLst>
               <a:ext uri="{FF2B5EF4-FFF2-40B4-BE49-F238E27FC236}">
-                <a16:creationId xmlns:a16="http://schemas.microsoft.com/office/drawing/2014/main" id="{F7D6C0C6-FB5B-3F81-6B73-32C3F23993DC}"/>
+                <a16:creationId xmlns:a16="http://schemas.microsoft.com/office/drawing/2014/main" id="{F2EA674F-3007-8C11-D4E9-6B891C31B2B8}"/>
               </a:ext>
             </a:extLst>
           </p:cNvPr>
@@ -12928,8 +9932,8 @@
         </p:blipFill>
         <p:spPr>
           <a:xfrm>
-            <a:off x="860612" y="2489947"/>
-            <a:ext cx="7772400" cy="513271"/>
+            <a:off x="995082" y="1879338"/>
+            <a:ext cx="6456455" cy="3907608"/>
           </a:xfrm>
           <a:prstGeom prst="rect">
             <a:avLst/>
@@ -12939,7 +9943,7 @@
     </p:spTree>
     <p:extLst>
       <p:ext uri="{BB962C8B-B14F-4D97-AF65-F5344CB8AC3E}">
-        <p14:creationId xmlns:p14="http://schemas.microsoft.com/office/powerpoint/2010/main" val="168016828"/>
+        <p14:creationId xmlns:p14="http://schemas.microsoft.com/office/powerpoint/2010/main" val="903545879"/>
       </p:ext>
     </p:extLst>
   </p:cSld>
@@ -12994,7 +9998,7 @@
             <a:pPr lvl="0"/>
             <a:r>
               <a:rPr lang="en-GB" sz="4000" dirty="0"/>
-              <a:t>Value Iteration (1)</a:t>
+              <a:t>Policy Improvement (4)</a:t>
             </a:r>
             <a:endParaRPr sz="4000" dirty="0"/>
           </a:p>
@@ -13012,7 +10016,7 @@
         </p:nvSpPr>
         <p:spPr>
           <a:xfrm>
-            <a:off x="162750" y="1043733"/>
+            <a:off x="162750" y="1212537"/>
             <a:ext cx="8818500" cy="5224230"/>
           </a:xfrm>
           <a:prstGeom prst="rect">
@@ -13028,88 +10032,38 @@
             <a:pPr lvl="0"/>
             <a:r>
               <a:rPr lang="en-GB" dirty="0"/>
-              <a:t>Policy interaction works, but </a:t>
-            </a:r>
-            <a:r>
-              <a:rPr lang="en-GB" b="1" dirty="0"/>
-              <a:t>slowly</a:t>
+              <a:t> Is this policy any better? Well, policy evaluation can tell us</a:t>
+            </a:r>
+          </a:p>
+          <a:p>
+            <a:r>
+              <a:rPr lang="en-GB" b="1" dirty="0">
+                <a:highlight>
+                  <a:srgbClr val="FFFF00"/>
+                </a:highlight>
+              </a:rPr>
+              <a:t>See “policy-</a:t>
+            </a:r>
+            <a:r>
+              <a:rPr lang="en-GB" b="1" dirty="0" err="1">
+                <a:highlight>
+                  <a:srgbClr val="FFFF00"/>
+                </a:highlight>
+              </a:rPr>
+              <a:t>improvement.ipynb</a:t>
+            </a:r>
+            <a:r>
+              <a:rPr lang="en-GB" b="1" dirty="0">
+                <a:highlight>
+                  <a:srgbClr val="FFFF00"/>
+                </a:highlight>
+              </a:rPr>
+              <a:t>” notebook</a:t>
             </a:r>
           </a:p>
           <a:p>
             <a:pPr lvl="1"/>
-            <a:r>
-              <a:rPr lang="en-GB" dirty="0"/>
-              <a:t>each iterations involves evaluation:  a protracted iterative computation requiring multiple sweeps through the state set</a:t>
-            </a:r>
-          </a:p>
-          <a:p>
-            <a:r>
-              <a:rPr lang="en-GB" dirty="0"/>
-              <a:t>We can </a:t>
-            </a:r>
-            <a:r>
-              <a:rPr lang="en-GB" b="1" dirty="0"/>
-              <a:t>truncate</a:t>
-            </a:r>
-            <a:r>
-              <a:rPr lang="en-GB" dirty="0"/>
-              <a:t> evaluation after a single iteration</a:t>
-            </a:r>
-          </a:p>
-          <a:p>
-            <a:pPr lvl="1"/>
-            <a:r>
-              <a:rPr lang="en-GB" dirty="0"/>
-              <a:t>still an improvement upon the initial policy </a:t>
-            </a:r>
-          </a:p>
-          <a:p>
-            <a:r>
-              <a:rPr lang="en-GB" dirty="0"/>
-              <a:t>It that case we calculate the greedy policy as soon as we can, greedily</a:t>
-            </a:r>
-          </a:p>
-          <a:p>
-            <a:pPr lvl="1"/>
-            <a:r>
-              <a:rPr lang="en-GB" dirty="0"/>
-              <a:t>don’t wait until we have an accurate estimate of the policy before improving</a:t>
-            </a:r>
-          </a:p>
-          <a:p>
-            <a:pPr lvl="1"/>
-            <a:r>
-              <a:rPr lang="en-GB" dirty="0"/>
-              <a:t>instead, we truncates the evaluation phase after a single state sweep</a:t>
-            </a:r>
-          </a:p>
-          <a:p>
-            <a:r>
-              <a:rPr lang="en-GB" dirty="0"/>
-              <a:t>We can merge the truncated evaluation step and the improvement step into the same equation:</a:t>
-            </a:r>
-          </a:p>
-          <a:p>
-            <a:pPr lvl="1"/>
-            <a:endParaRPr lang="en-GB" dirty="0"/>
-          </a:p>
-          <a:p>
-            <a:pPr lvl="1"/>
-            <a:endParaRPr lang="en-GB" dirty="0"/>
-          </a:p>
-          <a:p>
-            <a:pPr lvl="1"/>
-            <a:r>
-              <a:rPr lang="en-GB" dirty="0"/>
-              <a:t>instead of improving the policy (by taking the argmax to get a better policy and then evaluating this improved policy to obtain a value function again)</a:t>
-            </a:r>
-          </a:p>
-          <a:p>
-            <a:pPr lvl="1"/>
-            <a:r>
-              <a:rPr lang="en-GB" dirty="0"/>
-              <a:t>we directly calculate the maximum (max, instead of argmax) value across the actions to be used for the next sweep over the states</a:t>
-            </a:r>
+            <a:endParaRPr lang="en-GB" dirty="0"/>
           </a:p>
           <a:p>
             <a:pPr lvl="0"/>
@@ -13135,10 +10089,10 @@
       </p:sp>
       <p:pic>
         <p:nvPicPr>
-          <p:cNvPr id="3" name="Immagine 2">
+          <p:cNvPr id="6" name="Immagine 5">
             <a:extLst>
               <a:ext uri="{FF2B5EF4-FFF2-40B4-BE49-F238E27FC236}">
-                <a16:creationId xmlns:a16="http://schemas.microsoft.com/office/drawing/2014/main" id="{4BDFCAA1-82C2-65D3-67CE-11523EB0262D}"/>
+                <a16:creationId xmlns:a16="http://schemas.microsoft.com/office/drawing/2014/main" id="{9E42DC6C-2D97-601D-D608-EEEE5049A6ED}"/>
               </a:ext>
             </a:extLst>
           </p:cNvPr>
@@ -13155,8 +10109,8 @@
         </p:blipFill>
         <p:spPr>
           <a:xfrm>
-            <a:off x="618191" y="4367306"/>
-            <a:ext cx="4787900" cy="812800"/>
+            <a:off x="580640" y="2072556"/>
+            <a:ext cx="7772400" cy="4203440"/>
           </a:xfrm>
           <a:prstGeom prst="rect">
             <a:avLst/>
@@ -13166,7 +10120,7 @@
     </p:spTree>
     <p:extLst>
       <p:ext uri="{BB962C8B-B14F-4D97-AF65-F5344CB8AC3E}">
-        <p14:creationId xmlns:p14="http://schemas.microsoft.com/office/powerpoint/2010/main" val="1894403721"/>
+        <p14:creationId xmlns:p14="http://schemas.microsoft.com/office/powerpoint/2010/main" val="3124096913"/>
       </p:ext>
     </p:extLst>
   </p:cSld>
@@ -13221,9 +10175,8 @@
             <a:pPr lvl="0"/>
             <a:r>
               <a:rPr lang="en-GB" sz="4000" dirty="0"/>
-              <a:t>Value Iteration (2)</a:t>
-            </a:r>
-            <a:endParaRPr sz="4000" dirty="0"/>
+              <a:t>Policy Iteration</a:t>
+            </a:r>
           </a:p>
         </p:txBody>
       </p:sp>
@@ -13239,8 +10192,8 @@
         </p:nvSpPr>
         <p:spPr>
           <a:xfrm>
-            <a:off x="162750" y="1212537"/>
-            <a:ext cx="8818500" cy="5224230"/>
+            <a:off x="162750" y="1043733"/>
+            <a:ext cx="8818500" cy="5470651"/>
           </a:xfrm>
           <a:prstGeom prst="rect">
             <a:avLst/>
@@ -13255,96 +10208,67 @@
             <a:pPr lvl="0"/>
             <a:r>
               <a:rPr lang="en-GB" dirty="0"/>
-              <a:t>The sequence 𝑣</a:t>
-            </a:r>
-            <a:r>
-              <a:rPr lang="en-GB" baseline="-25000" dirty="0"/>
-              <a:t>𝑘</a:t>
-            </a:r>
-            <a:r>
-              <a:rPr lang="en-GB" dirty="0"/>
-              <a:t> can be shown to </a:t>
+              <a:t>Once a policy has been improved using its value function to yield a better policy, we can then compute a new value function and improve again to yield an even better policy</a:t>
+            </a:r>
+          </a:p>
+          <a:p>
+            <a:pPr lvl="1"/>
+            <a:r>
+              <a:rPr lang="en-GB" dirty="0"/>
+              <a:t>a </a:t>
             </a:r>
             <a:r>
               <a:rPr lang="en-GB" b="1" dirty="0"/>
-              <a:t>converge</a:t>
-            </a:r>
-            <a:r>
-              <a:rPr lang="en-GB" dirty="0"/>
-              <a:t> to 𝑣</a:t>
-            </a:r>
-            <a:r>
-              <a:rPr lang="en-GB" baseline="-25000" dirty="0"/>
-              <a:t>∗</a:t>
-            </a:r>
-            <a:r>
-              <a:rPr lang="en-GB" dirty="0"/>
-              <a:t> </a:t>
-            </a:r>
-          </a:p>
-          <a:p>
-            <a:pPr lvl="0"/>
-            <a:endParaRPr lang="en-GB" dirty="0"/>
-          </a:p>
-          <a:p>
-            <a:pPr lvl="0"/>
-            <a:r>
-              <a:rPr lang="en-GB" dirty="0"/>
-              <a:t>Like policy evaluation, value iteration formally requires an infinite number of iterations to converge exactly</a:t>
+              <a:t>sequence of monotonically improving policies </a:t>
+            </a:r>
+            <a:r>
+              <a:rPr lang="en-GB" dirty="0"/>
+              <a:t>and value functions</a:t>
             </a:r>
           </a:p>
           <a:p>
             <a:pPr lvl="1"/>
-            <a:r>
-              <a:rPr lang="en-GB" dirty="0"/>
-              <a:t>in practice, we stop once the value function changes by only a small amount</a:t>
-            </a:r>
-          </a:p>
-          <a:p>
-            <a:pPr lvl="0"/>
-            <a:endParaRPr lang="en-GB" dirty="0"/>
-          </a:p>
-          <a:p>
-            <a:pPr lvl="0"/>
-            <a:r>
-              <a:rPr lang="en-GB" dirty="0"/>
-              <a:t>Notice that in practice, in value iteration, </a:t>
+            <a:endParaRPr lang="en-GB" dirty="0"/>
+          </a:p>
+          <a:p>
+            <a:pPr lvl="1"/>
+            <a:endParaRPr lang="en-GB" dirty="0"/>
+          </a:p>
+          <a:p>
+            <a:r>
+              <a:rPr lang="en-GB" dirty="0"/>
+              <a:t>Each policy is guaranteed to be a </a:t>
             </a:r>
             <a:r>
               <a:rPr lang="en-GB" b="1" dirty="0"/>
-              <a:t>we don’t have to deal with policies </a:t>
-            </a:r>
-            <a:endParaRPr lang="en-GB" dirty="0"/>
-          </a:p>
-          <a:p>
-            <a:pPr lvl="1"/>
-            <a:r>
-              <a:rPr lang="en-GB" dirty="0"/>
-              <a:t>it doesn’t have any separate evaluation phase that runs to convergence</a:t>
-            </a:r>
-          </a:p>
-          <a:p>
-            <a:r>
-              <a:rPr lang="en-GB" dirty="0"/>
-              <a:t>While the goal is the same as of policy iteration (to find the optimal policy) it happens to do this through the value functions (thus the name)</a:t>
-            </a:r>
-          </a:p>
-          <a:p>
-            <a:endParaRPr lang="en-GB" dirty="0"/>
-          </a:p>
-          <a:p>
-            <a:r>
-              <a:rPr lang="en-GB" dirty="0"/>
-              <a:t>Only at the end of the algorithm, after the value function converges to the optimal, do we extract the optimal policy by taking the argmax over the actions of the Q-function.</a:t>
-            </a:r>
-          </a:p>
-          <a:p>
-            <a:endParaRPr lang="en-GB" dirty="0"/>
-          </a:p>
-          <a:p>
-            <a:r>
-              <a:rPr lang="en-GB" dirty="0"/>
-              <a:t>See “notebook – value-</a:t>
+              <a:t>strict improvement </a:t>
+            </a:r>
+            <a:r>
+              <a:rPr lang="en-GB" dirty="0"/>
+              <a:t>over the previous one (unless it is already optimal). </a:t>
+            </a:r>
+          </a:p>
+          <a:p>
+            <a:r>
+              <a:rPr lang="en-GB" dirty="0"/>
+              <a:t>Because a finite MDP has only a finite number of policies, this process must </a:t>
+            </a:r>
+            <a:r>
+              <a:rPr lang="en-GB" b="1" dirty="0"/>
+              <a:t>converge to an optimal policy </a:t>
+            </a:r>
+            <a:r>
+              <a:rPr lang="en-GB" dirty="0"/>
+              <a:t>in a finite number of iterations</a:t>
+            </a:r>
+          </a:p>
+          <a:p>
+            <a:endParaRPr lang="en-GB" dirty="0"/>
+          </a:p>
+          <a:p>
+            <a:r>
+              <a:rPr lang="en-GB" dirty="0"/>
+              <a:t>See “notebook - policy-</a:t>
             </a:r>
             <a:r>
               <a:rPr lang="en-GB" dirty="0" err="1"/>
@@ -13356,7 +10280,40 @@
             </a:r>
           </a:p>
           <a:p>
-            <a:pPr lvl="0"/>
+            <a:endParaRPr lang="en-GB" dirty="0"/>
+          </a:p>
+          <a:p>
+            <a:r>
+              <a:rPr lang="en-GB" dirty="0"/>
+              <a:t>We have considered the special case of </a:t>
+            </a:r>
+            <a:r>
+              <a:rPr lang="en-GB" b="1" dirty="0"/>
+              <a:t>deterministic policies</a:t>
+            </a:r>
+            <a:r>
+              <a:rPr lang="en-GB" dirty="0"/>
+              <a:t>, anyway all the ideas extend easily to </a:t>
+            </a:r>
+            <a:r>
+              <a:rPr lang="en-GB" b="1" dirty="0"/>
+              <a:t>stochastic policies</a:t>
+            </a:r>
+          </a:p>
+          <a:p>
+            <a:pPr lvl="1"/>
+            <a:r>
+              <a:rPr lang="en-GB" dirty="0"/>
+              <a:t>each action gets portion of the probability of being selected in the new greedy policy</a:t>
+            </a:r>
+          </a:p>
+          <a:p>
+            <a:endParaRPr lang="en-GB" dirty="0"/>
+          </a:p>
+          <a:p>
+            <a:pPr marL="120650" lvl="0" indent="0">
+              <a:buNone/>
+            </a:pPr>
             <a:endParaRPr lang="en-GB" dirty="0"/>
           </a:p>
           <a:p>
@@ -13369,10 +10326,40 @@
           </a:p>
         </p:txBody>
       </p:sp>
+      <p:pic>
+        <p:nvPicPr>
+          <p:cNvPr id="3" name="Immagine 2">
+            <a:extLst>
+              <a:ext uri="{FF2B5EF4-FFF2-40B4-BE49-F238E27FC236}">
+                <a16:creationId xmlns:a16="http://schemas.microsoft.com/office/drawing/2014/main" id="{F7D6C0C6-FB5B-3F81-6B73-32C3F23993DC}"/>
+              </a:ext>
+            </a:extLst>
+          </p:cNvPr>
+          <p:cNvPicPr>
+            <a:picLocks noChangeAspect="1"/>
+          </p:cNvPicPr>
+          <p:nvPr/>
+        </p:nvPicPr>
+        <p:blipFill>
+          <a:blip r:embed="rId3"/>
+          <a:stretch>
+            <a:fillRect/>
+          </a:stretch>
+        </p:blipFill>
+        <p:spPr>
+          <a:xfrm>
+            <a:off x="860612" y="2489947"/>
+            <a:ext cx="7772400" cy="513271"/>
+          </a:xfrm>
+          <a:prstGeom prst="rect">
+            <a:avLst/>
+          </a:prstGeom>
+        </p:spPr>
+      </p:pic>
     </p:spTree>
     <p:extLst>
       <p:ext uri="{BB962C8B-B14F-4D97-AF65-F5344CB8AC3E}">
-        <p14:creationId xmlns:p14="http://schemas.microsoft.com/office/powerpoint/2010/main" val="434073321"/>
+        <p14:creationId xmlns:p14="http://schemas.microsoft.com/office/powerpoint/2010/main" val="168016828"/>
       </p:ext>
     </p:extLst>
   </p:cSld>
@@ -13427,7 +10414,7 @@
             <a:pPr lvl="0"/>
             <a:r>
               <a:rPr lang="en-GB" sz="4000" dirty="0"/>
-              <a:t>Drawbacks</a:t>
+              <a:t>Value Iteration (1)</a:t>
             </a:r>
             <a:endParaRPr sz="4000" dirty="0"/>
           </a:p>
@@ -13445,7 +10432,7 @@
         </p:nvSpPr>
         <p:spPr>
           <a:xfrm>
-            <a:off x="162750" y="1212537"/>
+            <a:off x="162750" y="1043733"/>
             <a:ext cx="8818500" cy="5224230"/>
           </a:xfrm>
           <a:prstGeom prst="rect">
@@ -13461,66 +10448,65 @@
             <a:pPr lvl="0"/>
             <a:r>
               <a:rPr lang="en-GB" dirty="0"/>
-              <a:t>Dynamic programming can be used to compute optimal policies, but it require a </a:t>
+              <a:t>Policy interaction works, but </a:t>
             </a:r>
             <a:r>
               <a:rPr lang="en-GB" b="1" dirty="0"/>
-              <a:t>perfect model of the environment</a:t>
+              <a:t>slowly</a:t>
             </a:r>
           </a:p>
           <a:p>
             <a:pPr lvl="1"/>
             <a:r>
               <a:rPr lang="en-GB" dirty="0"/>
-              <a:t>these methods in a way "cheat": they require full access to the MDP</a:t>
+              <a:t>each iterations involves evaluation:  a protracted iterative computation requiring multiple sweeps through the state set</a:t>
+            </a:r>
+          </a:p>
+          <a:p>
+            <a:r>
+              <a:rPr lang="en-GB" dirty="0"/>
+              <a:t>We can </a:t>
+            </a:r>
+            <a:r>
+              <a:rPr lang="en-GB" b="1" dirty="0"/>
+              <a:t>truncate</a:t>
+            </a:r>
+            <a:r>
+              <a:rPr lang="en-GB" dirty="0"/>
+              <a:t> evaluation after a single iteration</a:t>
             </a:r>
           </a:p>
           <a:p>
             <a:pPr lvl="1"/>
             <a:r>
               <a:rPr lang="en-GB" dirty="0"/>
-              <a:t>they depend on </a:t>
-            </a:r>
-            <a:r>
-              <a:rPr lang="en-GB" b="1" dirty="0"/>
-              <a:t>knowing the dynamics of the environment</a:t>
-            </a:r>
-            <a:r>
-              <a:rPr lang="en-GB" dirty="0"/>
-              <a:t>, which is something we can’t always obtain</a:t>
-            </a:r>
-          </a:p>
-          <a:p>
-            <a:pPr lvl="0"/>
-            <a:r>
-              <a:rPr lang="en-GB" dirty="0"/>
-              <a:t>Another major drawback is that it involve </a:t>
-            </a:r>
-            <a:r>
-              <a:rPr lang="en-GB" b="1" dirty="0"/>
-              <a:t>operations over the entire state set </a:t>
+              <a:t>still an improvement upon the initial policy </a:t>
+            </a:r>
+          </a:p>
+          <a:p>
+            <a:r>
+              <a:rPr lang="en-GB" dirty="0"/>
+              <a:t>It that case we calculate the greedy policy as soon as we can, greedily</a:t>
             </a:r>
           </a:p>
           <a:p>
             <a:pPr lvl="1"/>
             <a:r>
               <a:rPr lang="en-GB" dirty="0"/>
-              <a:t>if the state set is very large, then even a single sweep can be prohibitively expensive</a:t>
+              <a:t>don’t wait until we have an accurate estimate of the policy before improving</a:t>
             </a:r>
           </a:p>
           <a:p>
             <a:pPr lvl="1"/>
             <a:r>
               <a:rPr lang="en-GB" dirty="0"/>
-              <a:t>for example, backgammon has over 10</a:t>
-            </a:r>
-            <a:r>
-              <a:rPr lang="en-GB" baseline="30000" dirty="0"/>
-              <a:t>20</a:t>
-            </a:r>
-            <a:r>
-              <a:rPr lang="en-GB" dirty="0"/>
-              <a:t>  states…</a:t>
+              <a:t>instead, we truncates the evaluation phase after a single state sweep</a:t>
+            </a:r>
+          </a:p>
+          <a:p>
+            <a:r>
+              <a:rPr lang="en-GB" dirty="0"/>
+              <a:t>We can merge the truncated evaluation step and the improvement step into the same equation:</a:t>
             </a:r>
           </a:p>
           <a:p>
@@ -13528,29 +10514,30 @@
             <a:endParaRPr lang="en-GB" dirty="0"/>
           </a:p>
           <a:p>
-            <a:pPr lvl="0"/>
-            <a:r>
-              <a:rPr lang="en-GB" b="1" dirty="0"/>
-              <a:t>Asynchronous dynamic programming </a:t>
-            </a:r>
-            <a:r>
-              <a:rPr lang="en-GB" dirty="0"/>
-              <a:t>are iterative algorithms that are not organized in terms of systematic sweeps of the state set. </a:t>
-            </a:r>
-          </a:p>
-          <a:p>
             <a:pPr lvl="1"/>
-            <a:r>
-              <a:rPr lang="en-GB" dirty="0"/>
-              <a:t>avoiding sweeps does not mean that we can get away with less computation</a:t>
-            </a:r>
+            <a:endParaRPr lang="en-GB" dirty="0"/>
           </a:p>
           <a:p>
             <a:pPr lvl="1"/>
             <a:r>
               <a:rPr lang="en-GB" dirty="0"/>
-              <a:t>it just means that an algorithm does not need to get locked into any hopelessly long sweep before it can make progress improving a policy</a:t>
-            </a:r>
+              <a:t>instead of improving the policy (by taking the argmax to get a better policy and then evaluating this improved policy to obtain a value function again)</a:t>
+            </a:r>
+          </a:p>
+          <a:p>
+            <a:pPr lvl="1"/>
+            <a:r>
+              <a:rPr lang="en-GB" dirty="0"/>
+              <a:t>we directly calculate the maximum (max, instead of argmax) value across the actions to be used for the next sweep over the states</a:t>
+            </a:r>
+          </a:p>
+          <a:p>
+            <a:pPr lvl="0"/>
+            <a:endParaRPr lang="en-GB" dirty="0"/>
+          </a:p>
+          <a:p>
+            <a:pPr lvl="0"/>
+            <a:endParaRPr lang="en-GB" dirty="0"/>
           </a:p>
           <a:p>
             <a:pPr lvl="0"/>
@@ -13566,10 +10553,40 @@
           </a:p>
         </p:txBody>
       </p:sp>
+      <p:pic>
+        <p:nvPicPr>
+          <p:cNvPr id="3" name="Immagine 2">
+            <a:extLst>
+              <a:ext uri="{FF2B5EF4-FFF2-40B4-BE49-F238E27FC236}">
+                <a16:creationId xmlns:a16="http://schemas.microsoft.com/office/drawing/2014/main" id="{4BDFCAA1-82C2-65D3-67CE-11523EB0262D}"/>
+              </a:ext>
+            </a:extLst>
+          </p:cNvPr>
+          <p:cNvPicPr>
+            <a:picLocks noChangeAspect="1"/>
+          </p:cNvPicPr>
+          <p:nvPr/>
+        </p:nvPicPr>
+        <p:blipFill>
+          <a:blip r:embed="rId3"/>
+          <a:stretch>
+            <a:fillRect/>
+          </a:stretch>
+        </p:blipFill>
+        <p:spPr>
+          <a:xfrm>
+            <a:off x="618191" y="4367306"/>
+            <a:ext cx="4787900" cy="812800"/>
+          </a:xfrm>
+          <a:prstGeom prst="rect">
+            <a:avLst/>
+          </a:prstGeom>
+        </p:spPr>
+      </p:pic>
     </p:spTree>
     <p:extLst>
       <p:ext uri="{BB962C8B-B14F-4D97-AF65-F5344CB8AC3E}">
-        <p14:creationId xmlns:p14="http://schemas.microsoft.com/office/powerpoint/2010/main" val="1953745686"/>
+        <p14:creationId xmlns:p14="http://schemas.microsoft.com/office/powerpoint/2010/main" val="1894403721"/>
       </p:ext>
     </p:extLst>
   </p:cSld>
@@ -13666,6 +10683,13 @@
             <a:pPr lvl="0"/>
             <a:r>
               <a:rPr lang="en-GB" sz="1800" dirty="0"/>
+              <a:t>Definition</a:t>
+            </a:r>
+          </a:p>
+          <a:p>
+            <a:pPr lvl="0"/>
+            <a:r>
+              <a:rPr lang="en-GB" sz="1800" dirty="0"/>
               <a:t>Policy goodness</a:t>
             </a:r>
             <a:endParaRPr lang="en-GB" dirty="0"/>
@@ -13745,6 +10769,421 @@
         </p:txBody>
       </p:sp>
     </p:spTree>
+  </p:cSld>
+  <p:clrMapOvr>
+    <a:masterClrMapping/>
+  </p:clrMapOvr>
+</p:sld>
+</file>
+
+<file path=ppt/slides/slide20.xml><?xml version="1.0" encoding="utf-8"?>
+<p:sld xmlns:a="http://schemas.openxmlformats.org/drawingml/2006/main" xmlns:r="http://schemas.openxmlformats.org/officeDocument/2006/relationships" xmlns:p="http://schemas.openxmlformats.org/presentationml/2006/main">
+  <p:cSld>
+    <p:spTree>
+      <p:nvGrpSpPr>
+        <p:cNvPr id="1" name="Shape 82"/>
+        <p:cNvGrpSpPr/>
+        <p:nvPr/>
+      </p:nvGrpSpPr>
+      <p:grpSpPr>
+        <a:xfrm>
+          <a:off x="0" y="0"/>
+          <a:ext cx="0" cy="0"/>
+          <a:chOff x="0" y="0"/>
+          <a:chExt cx="0" cy="0"/>
+        </a:xfrm>
+      </p:grpSpPr>
+      <p:sp>
+        <p:nvSpPr>
+          <p:cNvPr id="83" name="Google Shape;83;p14"/>
+          <p:cNvSpPr txBox="1">
+            <a:spLocks noGrp="1"/>
+          </p:cNvSpPr>
+          <p:nvPr>
+            <p:ph type="title" idx="4294967295"/>
+          </p:nvPr>
+        </p:nvSpPr>
+        <p:spPr>
+          <a:xfrm>
+            <a:off x="311700" y="421233"/>
+            <a:ext cx="8520600" cy="622500"/>
+          </a:xfrm>
+          <a:prstGeom prst="rect">
+            <a:avLst/>
+          </a:prstGeom>
+        </p:spPr>
+        <p:txBody>
+          <a:bodyPr spcFirstLastPara="1" wrap="square" lIns="91425" tIns="91425" rIns="91425" bIns="91425" anchor="b" anchorCtr="0">
+            <a:noAutofit/>
+          </a:bodyPr>
+          <a:lstStyle/>
+          <a:p>
+            <a:pPr lvl="0"/>
+            <a:r>
+              <a:rPr lang="en-GB" sz="4000" dirty="0"/>
+              <a:t>Value Iteration (2)</a:t>
+            </a:r>
+            <a:endParaRPr sz="4000" dirty="0"/>
+          </a:p>
+        </p:txBody>
+      </p:sp>
+      <p:sp>
+        <p:nvSpPr>
+          <p:cNvPr id="84" name="Google Shape;84;p14"/>
+          <p:cNvSpPr txBox="1">
+            <a:spLocks noGrp="1"/>
+          </p:cNvSpPr>
+          <p:nvPr>
+            <p:ph type="body" idx="1"/>
+          </p:nvPr>
+        </p:nvSpPr>
+        <p:spPr>
+          <a:xfrm>
+            <a:off x="162750" y="1212537"/>
+            <a:ext cx="8818500" cy="5224230"/>
+          </a:xfrm>
+          <a:prstGeom prst="rect">
+            <a:avLst/>
+          </a:prstGeom>
+        </p:spPr>
+        <p:txBody>
+          <a:bodyPr spcFirstLastPara="1" wrap="square" lIns="91425" tIns="91425" rIns="91425" bIns="91425" anchor="t" anchorCtr="0">
+            <a:noAutofit/>
+          </a:bodyPr>
+          <a:lstStyle/>
+          <a:p>
+            <a:pPr lvl="0"/>
+            <a:r>
+              <a:rPr lang="en-GB" dirty="0"/>
+              <a:t>The sequence 𝑣</a:t>
+            </a:r>
+            <a:r>
+              <a:rPr lang="en-GB" baseline="-25000" dirty="0"/>
+              <a:t>𝑘</a:t>
+            </a:r>
+            <a:r>
+              <a:rPr lang="en-GB" dirty="0"/>
+              <a:t> can be shown to </a:t>
+            </a:r>
+            <a:r>
+              <a:rPr lang="en-GB" b="1" dirty="0"/>
+              <a:t>converge</a:t>
+            </a:r>
+            <a:r>
+              <a:rPr lang="en-GB" dirty="0"/>
+              <a:t> to 𝑣</a:t>
+            </a:r>
+            <a:r>
+              <a:rPr lang="en-GB" baseline="-25000" dirty="0"/>
+              <a:t>∗</a:t>
+            </a:r>
+            <a:r>
+              <a:rPr lang="en-GB" dirty="0"/>
+              <a:t> </a:t>
+            </a:r>
+          </a:p>
+          <a:p>
+            <a:pPr lvl="0"/>
+            <a:endParaRPr lang="en-GB" dirty="0"/>
+          </a:p>
+          <a:p>
+            <a:pPr lvl="0"/>
+            <a:r>
+              <a:rPr lang="en-GB" dirty="0"/>
+              <a:t>Like policy evaluation, value iteration formally requires an infinite number of iterations to converge exactly</a:t>
+            </a:r>
+          </a:p>
+          <a:p>
+            <a:pPr lvl="1"/>
+            <a:r>
+              <a:rPr lang="en-GB" dirty="0"/>
+              <a:t>in practice, we stop once the value function changes by only a small amount</a:t>
+            </a:r>
+          </a:p>
+          <a:p>
+            <a:pPr lvl="0"/>
+            <a:endParaRPr lang="en-GB" dirty="0"/>
+          </a:p>
+          <a:p>
+            <a:pPr lvl="0"/>
+            <a:r>
+              <a:rPr lang="en-GB" dirty="0"/>
+              <a:t>Notice that in practice, in value iteration, </a:t>
+            </a:r>
+            <a:r>
+              <a:rPr lang="en-GB" b="1" dirty="0"/>
+              <a:t>we don’t have to deal with policies </a:t>
+            </a:r>
+            <a:endParaRPr lang="en-GB" dirty="0"/>
+          </a:p>
+          <a:p>
+            <a:pPr lvl="1"/>
+            <a:r>
+              <a:rPr lang="en-GB" dirty="0"/>
+              <a:t>it doesn’t have any separate evaluation phase that runs to convergence</a:t>
+            </a:r>
+          </a:p>
+          <a:p>
+            <a:r>
+              <a:rPr lang="en-GB" dirty="0"/>
+              <a:t>While the goal is the same as of policy iteration (to find the optimal policy) it happens to do this through the value functions (thus the name)</a:t>
+            </a:r>
+          </a:p>
+          <a:p>
+            <a:endParaRPr lang="en-GB" dirty="0"/>
+          </a:p>
+          <a:p>
+            <a:r>
+              <a:rPr lang="en-GB" dirty="0"/>
+              <a:t>Only at the end of the algorithm, after the value function converges to the optimal, do we extract the optimal policy by taking the argmax over the actions of the Q-function.</a:t>
+            </a:r>
+          </a:p>
+          <a:p>
+            <a:endParaRPr lang="en-GB" dirty="0"/>
+          </a:p>
+          <a:p>
+            <a:r>
+              <a:rPr lang="en-GB" b="1" dirty="0">
+                <a:highlight>
+                  <a:srgbClr val="FFFF00"/>
+                </a:highlight>
+              </a:rPr>
+              <a:t>See “Value-</a:t>
+            </a:r>
+            <a:r>
+              <a:rPr lang="en-GB" b="1" dirty="0" err="1">
+                <a:highlight>
+                  <a:srgbClr val="FFFF00"/>
+                </a:highlight>
+              </a:rPr>
+              <a:t>iteration.ipynb</a:t>
+            </a:r>
+            <a:r>
+              <a:rPr lang="en-GB" b="1" dirty="0">
+                <a:highlight>
+                  <a:srgbClr val="FFFF00"/>
+                </a:highlight>
+              </a:rPr>
+              <a:t>” notebook</a:t>
+            </a:r>
+          </a:p>
+          <a:p>
+            <a:pPr lvl="0"/>
+            <a:endParaRPr lang="en-GB" dirty="0"/>
+          </a:p>
+          <a:p>
+            <a:pPr lvl="0"/>
+            <a:endParaRPr lang="en-GB" dirty="0"/>
+          </a:p>
+          <a:p>
+            <a:pPr lvl="1"/>
+            <a:endParaRPr lang="en-GB" dirty="0"/>
+          </a:p>
+        </p:txBody>
+      </p:sp>
+    </p:spTree>
+    <p:extLst>
+      <p:ext uri="{BB962C8B-B14F-4D97-AF65-F5344CB8AC3E}">
+        <p14:creationId xmlns:p14="http://schemas.microsoft.com/office/powerpoint/2010/main" val="434073321"/>
+      </p:ext>
+    </p:extLst>
+  </p:cSld>
+  <p:clrMapOvr>
+    <a:masterClrMapping/>
+  </p:clrMapOvr>
+</p:sld>
+</file>
+
+<file path=ppt/slides/slide21.xml><?xml version="1.0" encoding="utf-8"?>
+<p:sld xmlns:a="http://schemas.openxmlformats.org/drawingml/2006/main" xmlns:r="http://schemas.openxmlformats.org/officeDocument/2006/relationships" xmlns:p="http://schemas.openxmlformats.org/presentationml/2006/main">
+  <p:cSld>
+    <p:spTree>
+      <p:nvGrpSpPr>
+        <p:cNvPr id="1" name="Shape 82"/>
+        <p:cNvGrpSpPr/>
+        <p:nvPr/>
+      </p:nvGrpSpPr>
+      <p:grpSpPr>
+        <a:xfrm>
+          <a:off x="0" y="0"/>
+          <a:ext cx="0" cy="0"/>
+          <a:chOff x="0" y="0"/>
+          <a:chExt cx="0" cy="0"/>
+        </a:xfrm>
+      </p:grpSpPr>
+      <p:sp>
+        <p:nvSpPr>
+          <p:cNvPr id="83" name="Google Shape;83;p14"/>
+          <p:cNvSpPr txBox="1">
+            <a:spLocks noGrp="1"/>
+          </p:cNvSpPr>
+          <p:nvPr>
+            <p:ph type="title" idx="4294967295"/>
+          </p:nvPr>
+        </p:nvSpPr>
+        <p:spPr>
+          <a:xfrm>
+            <a:off x="311700" y="421233"/>
+            <a:ext cx="8520600" cy="622500"/>
+          </a:xfrm>
+          <a:prstGeom prst="rect">
+            <a:avLst/>
+          </a:prstGeom>
+        </p:spPr>
+        <p:txBody>
+          <a:bodyPr spcFirstLastPara="1" wrap="square" lIns="91425" tIns="91425" rIns="91425" bIns="91425" anchor="b" anchorCtr="0">
+            <a:noAutofit/>
+          </a:bodyPr>
+          <a:lstStyle/>
+          <a:p>
+            <a:pPr lvl="0"/>
+            <a:r>
+              <a:rPr lang="en-GB" sz="4000" dirty="0"/>
+              <a:t>Drawbacks</a:t>
+            </a:r>
+            <a:endParaRPr sz="4000" dirty="0"/>
+          </a:p>
+        </p:txBody>
+      </p:sp>
+      <p:sp>
+        <p:nvSpPr>
+          <p:cNvPr id="84" name="Google Shape;84;p14"/>
+          <p:cNvSpPr txBox="1">
+            <a:spLocks noGrp="1"/>
+          </p:cNvSpPr>
+          <p:nvPr>
+            <p:ph type="body" idx="1"/>
+          </p:nvPr>
+        </p:nvSpPr>
+        <p:spPr>
+          <a:xfrm>
+            <a:off x="162750" y="1212537"/>
+            <a:ext cx="8818500" cy="5224230"/>
+          </a:xfrm>
+          <a:prstGeom prst="rect">
+            <a:avLst/>
+          </a:prstGeom>
+        </p:spPr>
+        <p:txBody>
+          <a:bodyPr spcFirstLastPara="1" wrap="square" lIns="91425" tIns="91425" rIns="91425" bIns="91425" anchor="t" anchorCtr="0">
+            <a:noAutofit/>
+          </a:bodyPr>
+          <a:lstStyle/>
+          <a:p>
+            <a:pPr lvl="0"/>
+            <a:r>
+              <a:rPr lang="en-GB" dirty="0"/>
+              <a:t>Dynamic programming can be used to compute optimal policies, but it require a </a:t>
+            </a:r>
+            <a:r>
+              <a:rPr lang="en-GB" b="1" dirty="0"/>
+              <a:t>perfect model of the environment</a:t>
+            </a:r>
+          </a:p>
+          <a:p>
+            <a:pPr lvl="1"/>
+            <a:r>
+              <a:rPr lang="en-GB" dirty="0"/>
+              <a:t>these methods in a way "cheat": they require full access to the MDP</a:t>
+            </a:r>
+          </a:p>
+          <a:p>
+            <a:pPr lvl="1"/>
+            <a:r>
+              <a:rPr lang="en-GB" dirty="0"/>
+              <a:t>they depend on </a:t>
+            </a:r>
+            <a:r>
+              <a:rPr lang="en-GB" b="1" dirty="0"/>
+              <a:t>knowing the dynamics of the environment</a:t>
+            </a:r>
+            <a:r>
+              <a:rPr lang="en-GB" dirty="0"/>
+              <a:t>, which is something we can’t always obtain</a:t>
+            </a:r>
+          </a:p>
+          <a:p>
+            <a:pPr lvl="0"/>
+            <a:r>
+              <a:rPr lang="en-GB" dirty="0"/>
+              <a:t>Another major drawback is that it involve </a:t>
+            </a:r>
+            <a:r>
+              <a:rPr lang="en-GB" b="1" dirty="0"/>
+              <a:t>operations over the entire state set </a:t>
+            </a:r>
+          </a:p>
+          <a:p>
+            <a:pPr lvl="1"/>
+            <a:r>
+              <a:rPr lang="en-GB" dirty="0"/>
+              <a:t>if the state set is very large, then even a single sweep can be prohibitively expensive</a:t>
+            </a:r>
+          </a:p>
+          <a:p>
+            <a:pPr lvl="1"/>
+            <a:r>
+              <a:rPr lang="en-GB" dirty="0"/>
+              <a:t>for example, backgammon has over 10</a:t>
+            </a:r>
+            <a:r>
+              <a:rPr lang="en-GB" baseline="30000" dirty="0"/>
+              <a:t>20</a:t>
+            </a:r>
+            <a:r>
+              <a:rPr lang="en-GB" dirty="0"/>
+              <a:t>  states…</a:t>
+            </a:r>
+          </a:p>
+          <a:p>
+            <a:pPr lvl="1"/>
+            <a:endParaRPr lang="en-GB" dirty="0"/>
+          </a:p>
+          <a:p>
+            <a:pPr lvl="0"/>
+            <a:r>
+              <a:rPr lang="en-GB" b="1" dirty="0"/>
+              <a:t>Asynchronous dynamic programming </a:t>
+            </a:r>
+            <a:r>
+              <a:rPr lang="en-GB" dirty="0"/>
+              <a:t>are iterative algorithms that are not organized in terms of systematic sweeps of the state set. </a:t>
+            </a:r>
+          </a:p>
+          <a:p>
+            <a:pPr lvl="1"/>
+            <a:r>
+              <a:rPr lang="en-GB" dirty="0"/>
+              <a:t>avoiding sweeps does not mean that we can get away with less computation</a:t>
+            </a:r>
+          </a:p>
+          <a:p>
+            <a:pPr lvl="1"/>
+            <a:r>
+              <a:rPr lang="en-GB" dirty="0"/>
+              <a:t>it just means that an algorithm does not need to get locked into any hopelessly long sweep before it can make progress improving a policy</a:t>
+            </a:r>
+          </a:p>
+          <a:p>
+            <a:pPr lvl="0"/>
+            <a:endParaRPr lang="en-GB" dirty="0"/>
+          </a:p>
+          <a:p>
+            <a:pPr lvl="0"/>
+            <a:endParaRPr lang="en-GB" dirty="0"/>
+          </a:p>
+          <a:p>
+            <a:pPr lvl="1"/>
+            <a:endParaRPr lang="en-GB" dirty="0"/>
+          </a:p>
+        </p:txBody>
+      </p:sp>
+    </p:spTree>
+    <p:extLst>
+      <p:ext uri="{BB962C8B-B14F-4D97-AF65-F5344CB8AC3E}">
+        <p14:creationId xmlns:p14="http://schemas.microsoft.com/office/powerpoint/2010/main" val="1953745686"/>
+      </p:ext>
+    </p:extLst>
   </p:cSld>
   <p:clrMapOvr>
     <a:masterClrMapping/>
@@ -13797,7 +11236,7 @@
             <a:pPr lvl="0"/>
             <a:r>
               <a:rPr lang="en-GB" sz="4000" dirty="0"/>
-              <a:t>Policy goodness</a:t>
+              <a:t>Definition</a:t>
             </a:r>
             <a:endParaRPr sz="4000" dirty="0"/>
           </a:p>
@@ -13815,8 +11254,8 @@
         </p:nvSpPr>
         <p:spPr>
           <a:xfrm>
-            <a:off x="162750" y="1212537"/>
-            <a:ext cx="8818500" cy="5224230"/>
+            <a:off x="162750" y="1397000"/>
+            <a:ext cx="8818500" cy="5205505"/>
           </a:xfrm>
           <a:prstGeom prst="rect">
             <a:avLst/>
@@ -13831,26 +11270,137 @@
             <a:pPr lvl="0"/>
             <a:r>
               <a:rPr lang="en-GB" dirty="0"/>
-              <a:t>How good is a policy? </a:t>
-            </a:r>
-          </a:p>
-          <a:p>
-            <a:pPr lvl="0"/>
-            <a:r>
-              <a:rPr lang="en-GB" dirty="0"/>
-              <a:t>How much better is a policy compared to another policy?</a:t>
-            </a:r>
-          </a:p>
-          <a:p>
-            <a:pPr lvl="0"/>
-            <a:endParaRPr lang="en-GB" dirty="0"/>
-          </a:p>
-          <a:p>
-            <a:pPr lvl="0"/>
-            <a:r>
-              <a:rPr lang="en-GB" dirty="0"/>
-              <a:t>Consider the following policies for the frozen-lake environment:</a:t>
-            </a:r>
+              <a:t>Algorithms to compute </a:t>
+            </a:r>
+            <a:r>
+              <a:rPr lang="en-GB" b="1" dirty="0"/>
+              <a:t>optimal policies</a:t>
+            </a:r>
+            <a:r>
+              <a:rPr lang="en-GB" dirty="0"/>
+              <a:t> for a MDP, given </a:t>
+            </a:r>
+            <a:r>
+              <a:rPr lang="en-GB" b="1" dirty="0"/>
+              <a:t>a perfect model of the environment</a:t>
+            </a:r>
+            <a:r>
+              <a:rPr lang="en-GB" dirty="0"/>
+              <a:t>  </a:t>
+            </a:r>
+          </a:p>
+          <a:p>
+            <a:pPr lvl="0"/>
+            <a:endParaRPr lang="en-GB" dirty="0"/>
+          </a:p>
+          <a:p>
+            <a:pPr lvl="0"/>
+            <a:r>
+              <a:rPr lang="en-GB" dirty="0"/>
+              <a:t>Notice: in some way they are </a:t>
+            </a:r>
+            <a:r>
+              <a:rPr lang="en-GB" b="1" dirty="0"/>
+              <a:t>cheating</a:t>
+            </a:r>
+          </a:p>
+          <a:p>
+            <a:pPr lvl="1"/>
+            <a:r>
+              <a:rPr lang="en-GB" dirty="0"/>
+              <a:t>require full access to the MDP</a:t>
+            </a:r>
+          </a:p>
+          <a:p>
+            <a:pPr lvl="1"/>
+            <a:r>
+              <a:rPr lang="en-GB" dirty="0"/>
+              <a:t>because they depend on </a:t>
+            </a:r>
+            <a:r>
+              <a:rPr lang="en-GB" b="1" dirty="0"/>
+              <a:t>knowing the dynamics of the environment</a:t>
+            </a:r>
+          </a:p>
+          <a:p>
+            <a:pPr lvl="1"/>
+            <a:r>
+              <a:rPr lang="en-GB" dirty="0"/>
+              <a:t>which is something we can’t always obtain</a:t>
+            </a:r>
+          </a:p>
+          <a:p>
+            <a:pPr lvl="1"/>
+            <a:endParaRPr lang="en-GB" dirty="0"/>
+          </a:p>
+          <a:p>
+            <a:r>
+              <a:rPr lang="en-GB" dirty="0"/>
+              <a:t>They are important theoretically. </a:t>
+            </a:r>
+          </a:p>
+          <a:p>
+            <a:pPr lvl="0"/>
+            <a:endParaRPr lang="en-GB" dirty="0"/>
+          </a:p>
+          <a:p>
+            <a:pPr lvl="0"/>
+            <a:r>
+              <a:rPr lang="en-GB" dirty="0"/>
+              <a:t>When an agent has full access to the MDP, there’s </a:t>
+            </a:r>
+            <a:r>
+              <a:rPr lang="en-GB" b="1" dirty="0"/>
+              <a:t>no uncertainty</a:t>
+            </a:r>
+            <a:r>
+              <a:rPr lang="en-GB" dirty="0"/>
+              <a:t> because he can look at the dynamics and rewards and calculate expectations directly</a:t>
+            </a:r>
+          </a:p>
+          <a:p>
+            <a:pPr lvl="1"/>
+            <a:r>
+              <a:rPr lang="en-GB" dirty="0"/>
+              <a:t>no need for </a:t>
+            </a:r>
+            <a:r>
+              <a:rPr lang="en-GB" b="1" dirty="0"/>
+              <a:t>exploration</a:t>
+            </a:r>
+            <a:r>
+              <a:rPr lang="en-GB" dirty="0"/>
+              <a:t>, for </a:t>
+            </a:r>
+            <a:r>
+              <a:rPr lang="en-GB" b="1" dirty="0"/>
+              <a:t>interaction</a:t>
+            </a:r>
+            <a:r>
+              <a:rPr lang="en-GB" dirty="0"/>
+              <a:t> or for </a:t>
+            </a:r>
+            <a:r>
+              <a:rPr lang="en-GB" b="1" dirty="0"/>
+              <a:t>trial-and-error learning</a:t>
+            </a:r>
+            <a:endParaRPr lang="en-GB" dirty="0"/>
+          </a:p>
+          <a:p>
+            <a:pPr lvl="0"/>
+            <a:endParaRPr lang="en-GB" dirty="0"/>
+          </a:p>
+          <a:p>
+            <a:pPr lvl="0"/>
+            <a:endParaRPr lang="en-GB" dirty="0"/>
+          </a:p>
+          <a:p>
+            <a:pPr lvl="0"/>
+            <a:endParaRPr lang="en-GB" dirty="0"/>
+          </a:p>
+          <a:p>
+            <a:pPr lvl="0"/>
+            <a:endParaRPr lang="en-GB" dirty="0"/>
           </a:p>
           <a:p>
             <a:pPr lvl="0"/>
@@ -13866,40 +11416,10 @@
           </a:p>
         </p:txBody>
       </p:sp>
-      <p:pic>
-        <p:nvPicPr>
-          <p:cNvPr id="3" name="Immagine 2">
-            <a:extLst>
-              <a:ext uri="{FF2B5EF4-FFF2-40B4-BE49-F238E27FC236}">
-                <a16:creationId xmlns:a16="http://schemas.microsoft.com/office/drawing/2014/main" id="{3D612918-D8B8-CD01-B1BD-3C2C883C0619}"/>
-              </a:ext>
-            </a:extLst>
-          </p:cNvPr>
-          <p:cNvPicPr>
-            <a:picLocks noChangeAspect="1"/>
-          </p:cNvPicPr>
-          <p:nvPr/>
-        </p:nvPicPr>
-        <p:blipFill>
-          <a:blip r:embed="rId3"/>
-          <a:stretch>
-            <a:fillRect/>
-          </a:stretch>
-        </p:blipFill>
-        <p:spPr>
-          <a:xfrm>
-            <a:off x="311700" y="2517413"/>
-            <a:ext cx="8675537" cy="3772564"/>
-          </a:xfrm>
-          <a:prstGeom prst="rect">
-            <a:avLst/>
-          </a:prstGeom>
-        </p:spPr>
-      </p:pic>
     </p:spTree>
     <p:extLst>
       <p:ext uri="{BB962C8B-B14F-4D97-AF65-F5344CB8AC3E}">
-        <p14:creationId xmlns:p14="http://schemas.microsoft.com/office/powerpoint/2010/main" val="2056707301"/>
+        <p14:creationId xmlns:p14="http://schemas.microsoft.com/office/powerpoint/2010/main" val="4067905971"/>
       </p:ext>
     </p:extLst>
   </p:cSld>
@@ -13954,6 +11474,409 @@
             <a:pPr lvl="0"/>
             <a:r>
               <a:rPr lang="en-GB" sz="4000" dirty="0"/>
+              <a:t>Policy goodness (1)</a:t>
+            </a:r>
+            <a:endParaRPr sz="4000" dirty="0"/>
+          </a:p>
+        </p:txBody>
+      </p:sp>
+      <p:sp>
+        <p:nvSpPr>
+          <p:cNvPr id="84" name="Google Shape;84;p14"/>
+          <p:cNvSpPr txBox="1">
+            <a:spLocks noGrp="1"/>
+          </p:cNvSpPr>
+          <p:nvPr>
+            <p:ph type="body" idx="1"/>
+          </p:nvPr>
+        </p:nvSpPr>
+        <p:spPr>
+          <a:xfrm>
+            <a:off x="162750" y="1212537"/>
+            <a:ext cx="8818500" cy="5224230"/>
+          </a:xfrm>
+          <a:prstGeom prst="rect">
+            <a:avLst/>
+          </a:prstGeom>
+        </p:spPr>
+        <p:txBody>
+          <a:bodyPr spcFirstLastPara="1" wrap="square" lIns="91425" tIns="91425" rIns="91425" bIns="91425" anchor="t" anchorCtr="0">
+            <a:noAutofit/>
+          </a:bodyPr>
+          <a:lstStyle/>
+          <a:p>
+            <a:pPr lvl="0"/>
+            <a:r>
+              <a:rPr lang="en-GB" dirty="0"/>
+              <a:t>How good is a policy? </a:t>
+            </a:r>
+          </a:p>
+          <a:p>
+            <a:pPr lvl="0"/>
+            <a:r>
+              <a:rPr lang="en-GB" dirty="0"/>
+              <a:t>How much better is a policy compared to another policy?</a:t>
+            </a:r>
+          </a:p>
+          <a:p>
+            <a:pPr lvl="0"/>
+            <a:endParaRPr lang="en-GB" dirty="0"/>
+          </a:p>
+          <a:p>
+            <a:pPr lvl="0"/>
+            <a:r>
+              <a:rPr lang="en-GB" dirty="0"/>
+              <a:t>Consider the following policies for the frozen-lake environment:</a:t>
+            </a:r>
+          </a:p>
+          <a:p>
+            <a:pPr lvl="0"/>
+            <a:endParaRPr lang="en-GB" dirty="0"/>
+          </a:p>
+          <a:p>
+            <a:pPr lvl="0"/>
+            <a:endParaRPr lang="en-GB" dirty="0"/>
+          </a:p>
+          <a:p>
+            <a:pPr lvl="1"/>
+            <a:endParaRPr lang="en-GB" dirty="0"/>
+          </a:p>
+        </p:txBody>
+      </p:sp>
+      <p:pic>
+        <p:nvPicPr>
+          <p:cNvPr id="3" name="Immagine 2">
+            <a:extLst>
+              <a:ext uri="{FF2B5EF4-FFF2-40B4-BE49-F238E27FC236}">
+                <a16:creationId xmlns:a16="http://schemas.microsoft.com/office/drawing/2014/main" id="{3D612918-D8B8-CD01-B1BD-3C2C883C0619}"/>
+              </a:ext>
+            </a:extLst>
+          </p:cNvPr>
+          <p:cNvPicPr>
+            <a:picLocks noChangeAspect="1"/>
+          </p:cNvPicPr>
+          <p:nvPr/>
+        </p:nvPicPr>
+        <p:blipFill>
+          <a:blip r:embed="rId3"/>
+          <a:stretch>
+            <a:fillRect/>
+          </a:stretch>
+        </p:blipFill>
+        <p:spPr>
+          <a:xfrm>
+            <a:off x="311700" y="2517413"/>
+            <a:ext cx="8675537" cy="3772564"/>
+          </a:xfrm>
+          <a:prstGeom prst="rect">
+            <a:avLst/>
+          </a:prstGeom>
+        </p:spPr>
+      </p:pic>
+    </p:spTree>
+    <p:extLst>
+      <p:ext uri="{BB962C8B-B14F-4D97-AF65-F5344CB8AC3E}">
+        <p14:creationId xmlns:p14="http://schemas.microsoft.com/office/powerpoint/2010/main" val="2056707301"/>
+      </p:ext>
+    </p:extLst>
+  </p:cSld>
+  <p:clrMapOvr>
+    <a:masterClrMapping/>
+  </p:clrMapOvr>
+</p:sld>
+</file>
+
+<file path=ppt/slides/slide5.xml><?xml version="1.0" encoding="utf-8"?>
+<p:sld xmlns:a="http://schemas.openxmlformats.org/drawingml/2006/main" xmlns:r="http://schemas.openxmlformats.org/officeDocument/2006/relationships" xmlns:p="http://schemas.openxmlformats.org/presentationml/2006/main">
+  <p:cSld>
+    <p:spTree>
+      <p:nvGrpSpPr>
+        <p:cNvPr id="1" name="Shape 82"/>
+        <p:cNvGrpSpPr/>
+        <p:nvPr/>
+      </p:nvGrpSpPr>
+      <p:grpSpPr>
+        <a:xfrm>
+          <a:off x="0" y="0"/>
+          <a:ext cx="0" cy="0"/>
+          <a:chOff x="0" y="0"/>
+          <a:chExt cx="0" cy="0"/>
+        </a:xfrm>
+      </p:grpSpPr>
+      <p:sp>
+        <p:nvSpPr>
+          <p:cNvPr id="83" name="Google Shape;83;p14"/>
+          <p:cNvSpPr txBox="1">
+            <a:spLocks noGrp="1"/>
+          </p:cNvSpPr>
+          <p:nvPr>
+            <p:ph type="title" idx="4294967295"/>
+          </p:nvPr>
+        </p:nvSpPr>
+        <p:spPr>
+          <a:xfrm>
+            <a:off x="215153" y="434044"/>
+            <a:ext cx="8520600" cy="622500"/>
+          </a:xfrm>
+          <a:prstGeom prst="rect">
+            <a:avLst/>
+          </a:prstGeom>
+        </p:spPr>
+        <p:txBody>
+          <a:bodyPr spcFirstLastPara="1" wrap="square" lIns="91425" tIns="91425" rIns="91425" bIns="91425" anchor="b" anchorCtr="0">
+            <a:noAutofit/>
+          </a:bodyPr>
+          <a:lstStyle/>
+          <a:p>
+            <a:pPr lvl="0"/>
+            <a:r>
+              <a:rPr lang="en-GB" sz="4000" dirty="0"/>
+              <a:t>Policy goodness (2)</a:t>
+            </a:r>
+            <a:endParaRPr sz="4000" dirty="0"/>
+          </a:p>
+        </p:txBody>
+      </p:sp>
+      <p:sp>
+        <p:nvSpPr>
+          <p:cNvPr id="84" name="Google Shape;84;p14"/>
+          <p:cNvSpPr txBox="1">
+            <a:spLocks noGrp="1"/>
+          </p:cNvSpPr>
+          <p:nvPr>
+            <p:ph type="body" idx="1"/>
+          </p:nvPr>
+        </p:nvSpPr>
+        <p:spPr>
+          <a:xfrm>
+            <a:off x="162750" y="1185657"/>
+            <a:ext cx="8818500" cy="5224230"/>
+          </a:xfrm>
+          <a:prstGeom prst="rect">
+            <a:avLst/>
+          </a:prstGeom>
+        </p:spPr>
+        <p:txBody>
+          <a:bodyPr spcFirstLastPara="1" wrap="square" lIns="91425" tIns="91425" rIns="91425" bIns="91425" anchor="t" anchorCtr="0">
+            <a:noAutofit/>
+          </a:bodyPr>
+          <a:lstStyle/>
+          <a:p>
+            <a:pPr lvl="0"/>
+            <a:r>
+              <a:rPr lang="en-GB" dirty="0"/>
+              <a:t>We can use </a:t>
+            </a:r>
+            <a:r>
+              <a:rPr lang="en-GB" b="1" dirty="0"/>
+              <a:t>a brute-force approach</a:t>
+            </a:r>
+          </a:p>
+          <a:p>
+            <a:pPr lvl="1"/>
+            <a:r>
+              <a:rPr lang="en-GB" dirty="0"/>
+              <a:t>simulate the environment for a long time </a:t>
+            </a:r>
+          </a:p>
+          <a:p>
+            <a:pPr lvl="1"/>
+            <a:r>
+              <a:rPr lang="en-GB" dirty="0"/>
+              <a:t>then average the returns and evaluate the success probability</a:t>
+            </a:r>
+          </a:p>
+          <a:p>
+            <a:r>
+              <a:rPr lang="en-GB" b="1" dirty="0">
+                <a:highlight>
+                  <a:srgbClr val="FFFF00"/>
+                </a:highlight>
+              </a:rPr>
+              <a:t>See “brute-force-</a:t>
+            </a:r>
+            <a:r>
+              <a:rPr lang="en-GB" b="1" dirty="0" err="1">
+                <a:highlight>
+                  <a:srgbClr val="FFFF00"/>
+                </a:highlight>
+              </a:rPr>
+              <a:t>evaluation.ipynb</a:t>
+            </a:r>
+            <a:r>
+              <a:rPr lang="en-GB" b="1" dirty="0">
+                <a:highlight>
+                  <a:srgbClr val="FFFF00"/>
+                </a:highlight>
+              </a:rPr>
+              <a:t>” notebook</a:t>
+            </a:r>
+          </a:p>
+          <a:p>
+            <a:pPr lvl="1"/>
+            <a:r>
+              <a:rPr lang="en-GB" dirty="0"/>
+              <a:t>Go-get-it policy</a:t>
+            </a:r>
+          </a:p>
+          <a:p>
+            <a:pPr lvl="1"/>
+            <a:endParaRPr lang="en-GB" dirty="0"/>
+          </a:p>
+          <a:p>
+            <a:pPr lvl="1"/>
+            <a:endParaRPr lang="en-GB" dirty="0"/>
+          </a:p>
+          <a:p>
+            <a:pPr lvl="1"/>
+            <a:r>
+              <a:rPr lang="en-GB" dirty="0"/>
+              <a:t>Careful policy</a:t>
+            </a:r>
+          </a:p>
+          <a:p>
+            <a:pPr lvl="1"/>
+            <a:endParaRPr lang="en-GB" dirty="0"/>
+          </a:p>
+          <a:p>
+            <a:pPr lvl="1"/>
+            <a:endParaRPr lang="en-GB" dirty="0"/>
+          </a:p>
+          <a:p>
+            <a:r>
+              <a:rPr lang="en-GB" dirty="0"/>
+              <a:t>It seems Go-get-it doesn’t pay well in the FL environment! </a:t>
+            </a:r>
+          </a:p>
+          <a:p>
+            <a:endParaRPr lang="en-GB" dirty="0"/>
+          </a:p>
+          <a:p>
+            <a:r>
+              <a:rPr lang="en-GB" dirty="0"/>
+              <a:t>However, the brute-force approach is not a good idea, because it is very inefficient. We need a better way to evaluate policies.</a:t>
+            </a:r>
+          </a:p>
+        </p:txBody>
+      </p:sp>
+      <p:pic>
+        <p:nvPicPr>
+          <p:cNvPr id="5" name="Immagine 4">
+            <a:extLst>
+              <a:ext uri="{FF2B5EF4-FFF2-40B4-BE49-F238E27FC236}">
+                <a16:creationId xmlns:a16="http://schemas.microsoft.com/office/drawing/2014/main" id="{4B347B46-0E06-7865-406F-874239C5DAC3}"/>
+              </a:ext>
+            </a:extLst>
+          </p:cNvPr>
+          <p:cNvPicPr>
+            <a:picLocks noChangeAspect="1"/>
+          </p:cNvPicPr>
+          <p:nvPr/>
+        </p:nvPicPr>
+        <p:blipFill>
+          <a:blip r:embed="rId3"/>
+          <a:stretch>
+            <a:fillRect/>
+          </a:stretch>
+        </p:blipFill>
+        <p:spPr>
+          <a:xfrm>
+            <a:off x="1300646" y="3030883"/>
+            <a:ext cx="5346700" cy="584200"/>
+          </a:xfrm>
+          <a:prstGeom prst="rect">
+            <a:avLst/>
+          </a:prstGeom>
+        </p:spPr>
+      </p:pic>
+      <p:pic>
+        <p:nvPicPr>
+          <p:cNvPr id="9" name="Immagine 8">
+            <a:extLst>
+              <a:ext uri="{FF2B5EF4-FFF2-40B4-BE49-F238E27FC236}">
+                <a16:creationId xmlns:a16="http://schemas.microsoft.com/office/drawing/2014/main" id="{3BF9E22D-EA10-7BCF-204D-014EFD771D81}"/>
+              </a:ext>
+            </a:extLst>
+          </p:cNvPr>
+          <p:cNvPicPr>
+            <a:picLocks noChangeAspect="1"/>
+          </p:cNvPicPr>
+          <p:nvPr/>
+        </p:nvPicPr>
+        <p:blipFill>
+          <a:blip r:embed="rId4"/>
+          <a:stretch>
+            <a:fillRect/>
+          </a:stretch>
+        </p:blipFill>
+        <p:spPr>
+          <a:xfrm>
+            <a:off x="1300646" y="4212385"/>
+            <a:ext cx="5270500" cy="533400"/>
+          </a:xfrm>
+          <a:prstGeom prst="rect">
+            <a:avLst/>
+          </a:prstGeom>
+        </p:spPr>
+      </p:pic>
+    </p:spTree>
+    <p:extLst>
+      <p:ext uri="{BB962C8B-B14F-4D97-AF65-F5344CB8AC3E}">
+        <p14:creationId xmlns:p14="http://schemas.microsoft.com/office/powerpoint/2010/main" val="1696908413"/>
+      </p:ext>
+    </p:extLst>
+  </p:cSld>
+  <p:clrMapOvr>
+    <a:masterClrMapping/>
+  </p:clrMapOvr>
+</p:sld>
+</file>
+
+<file path=ppt/slides/slide6.xml><?xml version="1.0" encoding="utf-8"?>
+<p:sld xmlns:a="http://schemas.openxmlformats.org/drawingml/2006/main" xmlns:r="http://schemas.openxmlformats.org/officeDocument/2006/relationships" xmlns:p="http://schemas.openxmlformats.org/presentationml/2006/main">
+  <p:cSld>
+    <p:spTree>
+      <p:nvGrpSpPr>
+        <p:cNvPr id="1" name="Shape 82"/>
+        <p:cNvGrpSpPr/>
+        <p:nvPr/>
+      </p:nvGrpSpPr>
+      <p:grpSpPr>
+        <a:xfrm>
+          <a:off x="0" y="0"/>
+          <a:ext cx="0" cy="0"/>
+          <a:chOff x="0" y="0"/>
+          <a:chExt cx="0" cy="0"/>
+        </a:xfrm>
+      </p:grpSpPr>
+      <p:sp>
+        <p:nvSpPr>
+          <p:cNvPr id="83" name="Google Shape;83;p14"/>
+          <p:cNvSpPr txBox="1">
+            <a:spLocks noGrp="1"/>
+          </p:cNvSpPr>
+          <p:nvPr>
+            <p:ph type="title" idx="4294967295"/>
+          </p:nvPr>
+        </p:nvSpPr>
+        <p:spPr>
+          <a:xfrm>
+            <a:off x="311700" y="421233"/>
+            <a:ext cx="8520600" cy="622500"/>
+          </a:xfrm>
+          <a:prstGeom prst="rect">
+            <a:avLst/>
+          </a:prstGeom>
+        </p:spPr>
+        <p:txBody>
+          <a:bodyPr spcFirstLastPara="1" wrap="square" lIns="91425" tIns="91425" rIns="91425" bIns="91425" anchor="b" anchorCtr="0">
+            <a:noAutofit/>
+          </a:bodyPr>
+          <a:lstStyle/>
+          <a:p>
+            <a:pPr lvl="0"/>
+            <a:r>
+              <a:rPr lang="en-GB" sz="4000" dirty="0"/>
               <a:t>State-value function</a:t>
             </a:r>
             <a:endParaRPr sz="4000" dirty="0"/>
@@ -14168,7 +12091,7 @@
 </p:sld>
 </file>
 
-<file path=ppt/slides/slide5.xml><?xml version="1.0" encoding="utf-8"?>
+<file path=ppt/slides/slide7.xml><?xml version="1.0" encoding="utf-8"?>
 <p:sld xmlns:a="http://schemas.openxmlformats.org/drawingml/2006/main" xmlns:r="http://schemas.openxmlformats.org/officeDocument/2006/relationships" xmlns:p="http://schemas.openxmlformats.org/presentationml/2006/main">
   <p:cSld>
     <p:spTree>
@@ -14491,480 +12414,6 @@
 </p:sld>
 </file>
 
-<file path=ppt/slides/slide6.xml><?xml version="1.0" encoding="utf-8"?>
-<p:sld xmlns:a="http://schemas.openxmlformats.org/drawingml/2006/main" xmlns:r="http://schemas.openxmlformats.org/officeDocument/2006/relationships" xmlns:p="http://schemas.openxmlformats.org/presentationml/2006/main">
-  <p:cSld>
-    <p:spTree>
-      <p:nvGrpSpPr>
-        <p:cNvPr id="1" name="Shape 82"/>
-        <p:cNvGrpSpPr/>
-        <p:nvPr/>
-      </p:nvGrpSpPr>
-      <p:grpSpPr>
-        <a:xfrm>
-          <a:off x="0" y="0"/>
-          <a:ext cx="0" cy="0"/>
-          <a:chOff x="0" y="0"/>
-          <a:chExt cx="0" cy="0"/>
-        </a:xfrm>
-      </p:grpSpPr>
-      <p:sp>
-        <p:nvSpPr>
-          <p:cNvPr id="83" name="Google Shape;83;p14"/>
-          <p:cNvSpPr txBox="1">
-            <a:spLocks noGrp="1"/>
-          </p:cNvSpPr>
-          <p:nvPr>
-            <p:ph type="title" idx="4294967295"/>
-          </p:nvPr>
-        </p:nvSpPr>
-        <p:spPr>
-          <a:xfrm>
-            <a:off x="311700" y="421233"/>
-            <a:ext cx="8520600" cy="622500"/>
-          </a:xfrm>
-          <a:prstGeom prst="rect">
-            <a:avLst/>
-          </a:prstGeom>
-        </p:spPr>
-        <p:txBody>
-          <a:bodyPr spcFirstLastPara="1" wrap="square" lIns="91425" tIns="91425" rIns="91425" bIns="91425" anchor="b" anchorCtr="0">
-            <a:noAutofit/>
-          </a:bodyPr>
-          <a:lstStyle/>
-          <a:p>
-            <a:pPr lvl="0"/>
-            <a:r>
-              <a:rPr lang="en-GB" sz="4000" dirty="0"/>
-              <a:t>Bellman equation (2)</a:t>
-            </a:r>
-            <a:endParaRPr sz="4000" dirty="0"/>
-          </a:p>
-        </p:txBody>
-      </p:sp>
-      <p:sp>
-        <p:nvSpPr>
-          <p:cNvPr id="84" name="Google Shape;84;p14"/>
-          <p:cNvSpPr txBox="1">
-            <a:spLocks noGrp="1"/>
-          </p:cNvSpPr>
-          <p:nvPr>
-            <p:ph type="body" idx="1"/>
-          </p:nvPr>
-        </p:nvSpPr>
-        <p:spPr>
-          <a:xfrm>
-            <a:off x="162750" y="1212537"/>
-            <a:ext cx="8818500" cy="5224230"/>
-          </a:xfrm>
-          <a:prstGeom prst="rect">
-            <a:avLst/>
-          </a:prstGeom>
-        </p:spPr>
-        <p:txBody>
-          <a:bodyPr spcFirstLastPara="1" wrap="square" lIns="91425" tIns="91425" rIns="91425" bIns="91425" anchor="t" anchorCtr="0">
-            <a:noAutofit/>
-          </a:bodyPr>
-          <a:lstStyle/>
-          <a:p>
-            <a:pPr lvl="0"/>
-            <a:endParaRPr lang="en-GB" dirty="0"/>
-          </a:p>
-          <a:p>
-            <a:pPr lvl="0"/>
-            <a:endParaRPr lang="en-GB" dirty="0"/>
-          </a:p>
-          <a:p>
-            <a:pPr lvl="0"/>
-            <a:endParaRPr lang="en-GB" dirty="0"/>
-          </a:p>
-          <a:p>
-            <a:pPr lvl="0"/>
-            <a:r>
-              <a:rPr lang="en-GB" dirty="0"/>
-              <a:t>apply the law of total expectation on the next state:</a:t>
-            </a:r>
-          </a:p>
-          <a:p>
-            <a:pPr lvl="0"/>
-            <a:endParaRPr lang="en-GB" dirty="0"/>
-          </a:p>
-          <a:p>
-            <a:pPr lvl="0"/>
-            <a:endParaRPr lang="en-GB" dirty="0"/>
-          </a:p>
-          <a:p>
-            <a:pPr lvl="0"/>
-            <a:endParaRPr lang="en-GB" dirty="0"/>
-          </a:p>
-          <a:p>
-            <a:pPr lvl="0"/>
-            <a:endParaRPr lang="en-GB" dirty="0"/>
-          </a:p>
-          <a:p>
-            <a:pPr lvl="0"/>
-            <a:r>
-              <a:rPr lang="en-GB" dirty="0"/>
-              <a:t>Markov property: knowing 𝑆</a:t>
-            </a:r>
-            <a:r>
-              <a:rPr lang="en-GB" baseline="-25000" dirty="0"/>
-              <a:t>𝑡+1</a:t>
-            </a:r>
-            <a:r>
-              <a:rPr lang="en-GB" dirty="0"/>
-              <a:t> makes the expectation independent of 𝑆</a:t>
-            </a:r>
-            <a:r>
-              <a:rPr lang="en-GB" baseline="-25000" dirty="0"/>
-              <a:t>𝑡</a:t>
-            </a:r>
-            <a:r>
-              <a:rPr lang="en-GB" dirty="0"/>
-              <a:t> and 𝐴𝑡:</a:t>
-            </a:r>
-          </a:p>
-          <a:p>
-            <a:pPr lvl="0"/>
-            <a:endParaRPr lang="en-GB" dirty="0"/>
-          </a:p>
-          <a:p>
-            <a:pPr lvl="0"/>
-            <a:endParaRPr lang="en-GB" dirty="0"/>
-          </a:p>
-          <a:p>
-            <a:pPr lvl="0"/>
-            <a:endParaRPr lang="en-GB" dirty="0"/>
-          </a:p>
-          <a:p>
-            <a:pPr lvl="0"/>
-            <a:endParaRPr lang="en-GB" dirty="0"/>
-          </a:p>
-          <a:p>
-            <a:pPr lvl="0"/>
-            <a:r>
-              <a:rPr lang="en-GB" dirty="0"/>
-              <a:t>note that  𝐸</a:t>
-            </a:r>
-            <a:r>
-              <a:rPr lang="en-GB" baseline="-25000" dirty="0"/>
-              <a:t>𝜋</a:t>
-            </a:r>
-            <a:r>
-              <a:rPr lang="en-GB" dirty="0"/>
-              <a:t>(𝐺</a:t>
-            </a:r>
-            <a:r>
-              <a:rPr lang="en-GB" baseline="-25000" dirty="0"/>
-              <a:t>𝑡+1</a:t>
-            </a:r>
-            <a:r>
-              <a:rPr lang="en-GB" dirty="0"/>
-              <a:t>|𝑆</a:t>
-            </a:r>
-            <a:r>
-              <a:rPr lang="en-GB" baseline="-25000" dirty="0"/>
-              <a:t>𝑡+1</a:t>
-            </a:r>
-            <a:r>
-              <a:rPr lang="en-GB" dirty="0"/>
-              <a:t>=𝑠′)=𝑣</a:t>
-            </a:r>
-            <a:r>
-              <a:rPr lang="en-GB" baseline="-25000" dirty="0"/>
-              <a:t>𝜋</a:t>
-            </a:r>
-            <a:r>
-              <a:rPr lang="en-GB" dirty="0"/>
-              <a:t>(𝑠′)  and combine summations:</a:t>
-            </a:r>
-          </a:p>
-          <a:p>
-            <a:pPr lvl="0"/>
-            <a:endParaRPr lang="en-GB" dirty="0"/>
-          </a:p>
-          <a:p>
-            <a:pPr lvl="0"/>
-            <a:endParaRPr lang="en-GB" dirty="0"/>
-          </a:p>
-          <a:p>
-            <a:pPr lvl="1"/>
-            <a:endParaRPr lang="en-GB" dirty="0"/>
-          </a:p>
-        </p:txBody>
-      </p:sp>
-      <p:pic>
-        <p:nvPicPr>
-          <p:cNvPr id="2" name="Immagine 1">
-            <a:extLst>
-              <a:ext uri="{FF2B5EF4-FFF2-40B4-BE49-F238E27FC236}">
-                <a16:creationId xmlns:a16="http://schemas.microsoft.com/office/drawing/2014/main" id="{11A22941-9D9F-0A86-77A8-6569923FB64C}"/>
-              </a:ext>
-            </a:extLst>
-          </p:cNvPr>
-          <p:cNvPicPr>
-            <a:picLocks noChangeAspect="1"/>
-          </p:cNvPicPr>
-          <p:nvPr/>
-        </p:nvPicPr>
-        <p:blipFill>
-          <a:blip r:embed="rId3"/>
-          <a:stretch>
-            <a:fillRect/>
-          </a:stretch>
-        </p:blipFill>
-        <p:spPr>
-          <a:xfrm>
-            <a:off x="454597" y="1212537"/>
-            <a:ext cx="7127311" cy="925468"/>
-          </a:xfrm>
-          <a:prstGeom prst="rect">
-            <a:avLst/>
-          </a:prstGeom>
-        </p:spPr>
-      </p:pic>
-      <p:pic>
-        <p:nvPicPr>
-          <p:cNvPr id="3" name="Immagine 2">
-            <a:extLst>
-              <a:ext uri="{FF2B5EF4-FFF2-40B4-BE49-F238E27FC236}">
-                <a16:creationId xmlns:a16="http://schemas.microsoft.com/office/drawing/2014/main" id="{7349848B-BAEB-F000-83D4-2063841462E7}"/>
-              </a:ext>
-            </a:extLst>
-          </p:cNvPr>
-          <p:cNvPicPr>
-            <a:picLocks noChangeAspect="1"/>
-          </p:cNvPicPr>
-          <p:nvPr/>
-        </p:nvPicPr>
-        <p:blipFill>
-          <a:blip r:embed="rId4"/>
-          <a:stretch>
-            <a:fillRect/>
-          </a:stretch>
-        </p:blipFill>
-        <p:spPr>
-          <a:xfrm>
-            <a:off x="455351" y="2701725"/>
-            <a:ext cx="8688649" cy="982777"/>
-          </a:xfrm>
-          <a:prstGeom prst="rect">
-            <a:avLst/>
-          </a:prstGeom>
-        </p:spPr>
-      </p:pic>
-      <p:pic>
-        <p:nvPicPr>
-          <p:cNvPr id="4" name="Immagine 3">
-            <a:extLst>
-              <a:ext uri="{FF2B5EF4-FFF2-40B4-BE49-F238E27FC236}">
-                <a16:creationId xmlns:a16="http://schemas.microsoft.com/office/drawing/2014/main" id="{CA163FBF-91DE-7D73-3123-723022D9BFFC}"/>
-              </a:ext>
-            </a:extLst>
-          </p:cNvPr>
-          <p:cNvPicPr>
-            <a:picLocks noChangeAspect="1"/>
-          </p:cNvPicPr>
-          <p:nvPr/>
-        </p:nvPicPr>
-        <p:blipFill>
-          <a:blip r:embed="rId5"/>
-          <a:stretch>
-            <a:fillRect/>
-          </a:stretch>
-        </p:blipFill>
-        <p:spPr>
-          <a:xfrm>
-            <a:off x="454597" y="4055794"/>
-            <a:ext cx="7525295" cy="918853"/>
-          </a:xfrm>
-          <a:prstGeom prst="rect">
-            <a:avLst/>
-          </a:prstGeom>
-        </p:spPr>
-      </p:pic>
-      <p:pic>
-        <p:nvPicPr>
-          <p:cNvPr id="5" name="Immagine 4">
-            <a:extLst>
-              <a:ext uri="{FF2B5EF4-FFF2-40B4-BE49-F238E27FC236}">
-                <a16:creationId xmlns:a16="http://schemas.microsoft.com/office/drawing/2014/main" id="{91FC8208-2D04-C3A4-56C0-26814A9A6EB9}"/>
-              </a:ext>
-            </a:extLst>
-          </p:cNvPr>
-          <p:cNvPicPr>
-            <a:picLocks noChangeAspect="1"/>
-          </p:cNvPicPr>
-          <p:nvPr/>
-        </p:nvPicPr>
-        <p:blipFill>
-          <a:blip r:embed="rId6"/>
-          <a:stretch>
-            <a:fillRect/>
-          </a:stretch>
-        </p:blipFill>
-        <p:spPr>
-          <a:xfrm>
-            <a:off x="454597" y="5588284"/>
-            <a:ext cx="4207544" cy="848483"/>
-          </a:xfrm>
-          <a:prstGeom prst="rect">
-            <a:avLst/>
-          </a:prstGeom>
-        </p:spPr>
-      </p:pic>
-    </p:spTree>
-    <p:extLst>
-      <p:ext uri="{BB962C8B-B14F-4D97-AF65-F5344CB8AC3E}">
-        <p14:creationId xmlns:p14="http://schemas.microsoft.com/office/powerpoint/2010/main" val="2533931395"/>
-      </p:ext>
-    </p:extLst>
-  </p:cSld>
-  <p:clrMapOvr>
-    <a:masterClrMapping/>
-  </p:clrMapOvr>
-</p:sld>
-</file>
-
-<file path=ppt/slides/slide7.xml><?xml version="1.0" encoding="utf-8"?>
-<p:sld xmlns:a="http://schemas.openxmlformats.org/drawingml/2006/main" xmlns:r="http://schemas.openxmlformats.org/officeDocument/2006/relationships" xmlns:p="http://schemas.openxmlformats.org/presentationml/2006/main">
-  <p:cSld>
-    <p:spTree>
-      <p:nvGrpSpPr>
-        <p:cNvPr id="1" name="Shape 82"/>
-        <p:cNvGrpSpPr/>
-        <p:nvPr/>
-      </p:nvGrpSpPr>
-      <p:grpSpPr>
-        <a:xfrm>
-          <a:off x="0" y="0"/>
-          <a:ext cx="0" cy="0"/>
-          <a:chOff x="0" y="0"/>
-          <a:chExt cx="0" cy="0"/>
-        </a:xfrm>
-      </p:grpSpPr>
-      <p:sp>
-        <p:nvSpPr>
-          <p:cNvPr id="83" name="Google Shape;83;p14"/>
-          <p:cNvSpPr txBox="1">
-            <a:spLocks noGrp="1"/>
-          </p:cNvSpPr>
-          <p:nvPr>
-            <p:ph type="title" idx="4294967295"/>
-          </p:nvPr>
-        </p:nvSpPr>
-        <p:spPr>
-          <a:xfrm>
-            <a:off x="311700" y="421233"/>
-            <a:ext cx="8520600" cy="622500"/>
-          </a:xfrm>
-          <a:prstGeom prst="rect">
-            <a:avLst/>
-          </a:prstGeom>
-        </p:spPr>
-        <p:txBody>
-          <a:bodyPr spcFirstLastPara="1" wrap="square" lIns="91425" tIns="91425" rIns="91425" bIns="91425" anchor="b" anchorCtr="0">
-            <a:noAutofit/>
-          </a:bodyPr>
-          <a:lstStyle/>
-          <a:p>
-            <a:pPr lvl="0"/>
-            <a:r>
-              <a:rPr lang="en-GB" sz="4000" dirty="0"/>
-              <a:t>Bellman equation (3)</a:t>
-            </a:r>
-            <a:endParaRPr sz="4000" dirty="0"/>
-          </a:p>
-        </p:txBody>
-      </p:sp>
-      <p:sp>
-        <p:nvSpPr>
-          <p:cNvPr id="84" name="Google Shape;84;p14"/>
-          <p:cNvSpPr txBox="1">
-            <a:spLocks noGrp="1"/>
-          </p:cNvSpPr>
-          <p:nvPr>
-            <p:ph type="body" idx="1"/>
-          </p:nvPr>
-        </p:nvSpPr>
-        <p:spPr>
-          <a:xfrm>
-            <a:off x="162750" y="1212537"/>
-            <a:ext cx="8818500" cy="5224230"/>
-          </a:xfrm>
-          <a:prstGeom prst="rect">
-            <a:avLst/>
-          </a:prstGeom>
-        </p:spPr>
-        <p:txBody>
-          <a:bodyPr spcFirstLastPara="1" wrap="square" lIns="91425" tIns="91425" rIns="91425" bIns="91425" anchor="t" anchorCtr="0">
-            <a:noAutofit/>
-          </a:bodyPr>
-          <a:lstStyle/>
-          <a:p>
-            <a:pPr lvl="0"/>
-            <a:r>
-              <a:rPr lang="en-GB" dirty="0"/>
-              <a:t>The value of a state must equal the (discounted) value of the expected next state, plus the reward expected along the way:</a:t>
-            </a:r>
-          </a:p>
-          <a:p>
-            <a:pPr lvl="0"/>
-            <a:endParaRPr lang="en-GB" dirty="0"/>
-          </a:p>
-          <a:p>
-            <a:pPr lvl="0"/>
-            <a:endParaRPr lang="en-GB" dirty="0"/>
-          </a:p>
-          <a:p>
-            <a:pPr lvl="1"/>
-            <a:endParaRPr lang="en-GB" dirty="0"/>
-          </a:p>
-        </p:txBody>
-      </p:sp>
-      <p:pic>
-        <p:nvPicPr>
-          <p:cNvPr id="3" name="Immagine 2">
-            <a:extLst>
-              <a:ext uri="{FF2B5EF4-FFF2-40B4-BE49-F238E27FC236}">
-                <a16:creationId xmlns:a16="http://schemas.microsoft.com/office/drawing/2014/main" id="{DA03AC7D-417B-5AFD-85E1-87D7DFB184A9}"/>
-              </a:ext>
-            </a:extLst>
-          </p:cNvPr>
-          <p:cNvPicPr>
-            <a:picLocks noChangeAspect="1"/>
-          </p:cNvPicPr>
-          <p:nvPr/>
-        </p:nvPicPr>
-        <p:blipFill>
-          <a:blip r:embed="rId3"/>
-          <a:stretch>
-            <a:fillRect/>
-          </a:stretch>
-        </p:blipFill>
-        <p:spPr>
-          <a:xfrm>
-            <a:off x="685800" y="2704724"/>
-            <a:ext cx="7772400" cy="2239855"/>
-          </a:xfrm>
-          <a:prstGeom prst="rect">
-            <a:avLst/>
-          </a:prstGeom>
-        </p:spPr>
-      </p:pic>
-    </p:spTree>
-    <p:extLst>
-      <p:ext uri="{BB962C8B-B14F-4D97-AF65-F5344CB8AC3E}">
-        <p14:creationId xmlns:p14="http://schemas.microsoft.com/office/powerpoint/2010/main" val="3588489452"/>
-      </p:ext>
-    </p:extLst>
-  </p:cSld>
-  <p:clrMapOvr>
-    <a:masterClrMapping/>
-  </p:clrMapOvr>
-</p:sld>
-</file>
-
 <file path=ppt/slides/slide8.xml><?xml version="1.0" encoding="utf-8"?>
 <p:sld xmlns:a="http://schemas.openxmlformats.org/drawingml/2006/main" xmlns:r="http://schemas.openxmlformats.org/officeDocument/2006/relationships" xmlns:p="http://schemas.openxmlformats.org/presentationml/2006/main">
   <p:cSld>
@@ -15010,7 +12459,7 @@
             <a:pPr lvl="0"/>
             <a:r>
               <a:rPr lang="en-GB" sz="4000" dirty="0"/>
-              <a:t>Action-value function (Q-function)</a:t>
+              <a:t>Bellman equation (2)</a:t>
             </a:r>
             <a:endParaRPr sz="4000" dirty="0"/>
           </a:p>
@@ -15042,72 +12491,128 @@
           <a:lstStyle/>
           <a:p>
             <a:pPr lvl="0"/>
-            <a:r>
-              <a:rPr lang="en-GB" dirty="0"/>
-              <a:t>However, the critical question isn’t merely about the </a:t>
-            </a:r>
+            <a:endParaRPr lang="en-GB" dirty="0"/>
+          </a:p>
+          <a:p>
+            <a:pPr lvl="0"/>
+            <a:endParaRPr lang="en-GB" dirty="0"/>
+          </a:p>
+          <a:p>
+            <a:pPr lvl="0"/>
+            <a:endParaRPr lang="en-GB" dirty="0"/>
+          </a:p>
+          <a:p>
+            <a:pPr lvl="0"/>
+            <a:r>
+              <a:rPr lang="en-GB" dirty="0"/>
+              <a:t>apply the law of total expectation on the next state:</a:t>
+            </a:r>
+          </a:p>
+          <a:p>
+            <a:pPr lvl="0"/>
+            <a:endParaRPr lang="en-GB" dirty="0"/>
+          </a:p>
+          <a:p>
+            <a:pPr lvl="0"/>
+            <a:endParaRPr lang="en-GB" dirty="0"/>
+          </a:p>
+          <a:p>
+            <a:pPr lvl="0"/>
+            <a:endParaRPr lang="en-GB" dirty="0"/>
+          </a:p>
+          <a:p>
+            <a:pPr lvl="0"/>
+            <a:endParaRPr lang="en-GB" dirty="0"/>
+          </a:p>
+          <a:p>
+            <a:pPr lvl="0"/>
             <a:r>
               <a:rPr lang="en-GB" b="1" dirty="0"/>
-              <a:t>value of a state</a:t>
-            </a:r>
-            <a:r>
-              <a:rPr lang="en-GB" dirty="0"/>
-              <a:t>, but </a:t>
-            </a:r>
-            <a:r>
-              <a:rPr lang="en-GB" b="1" dirty="0"/>
-              <a:t>the value of taking action 𝑎 in a state 𝑠</a:t>
-            </a:r>
-          </a:p>
-          <a:p>
-            <a:pPr lvl="0"/>
-            <a:r>
-              <a:rPr lang="en-GB" dirty="0"/>
-              <a:t>For instance, the “go-get-it” policy goes right when in state 14, but the “careful” policy goes down</a:t>
-            </a:r>
-          </a:p>
-          <a:p>
-            <a:pPr lvl="1"/>
-            <a:r>
-              <a:rPr lang="en-GB" dirty="0"/>
-              <a:t>which action is better? </a:t>
-            </a:r>
-          </a:p>
-          <a:p>
-            <a:pPr lvl="1"/>
-            <a:r>
-              <a:rPr lang="en-GB" dirty="0"/>
-              <a:t>which action is better under each policy? </a:t>
-            </a:r>
-          </a:p>
-          <a:p>
-            <a:r>
-              <a:rPr lang="en-GB" dirty="0"/>
-              <a:t>The expected return if the agent follows policy 𝜋 after taking action 𝑎 in state 𝑠</a:t>
-            </a:r>
-          </a:p>
-          <a:p>
-            <a:pPr lvl="0"/>
-            <a:endParaRPr lang="en-GB" dirty="0"/>
-          </a:p>
-          <a:p>
-            <a:pPr lvl="0"/>
-            <a:endParaRPr lang="en-GB" dirty="0"/>
-          </a:p>
-          <a:p>
-            <a:pPr lvl="0"/>
-            <a:endParaRPr lang="en-GB" dirty="0"/>
-          </a:p>
-          <a:p>
-            <a:pPr lvl="0"/>
-            <a:endParaRPr lang="en-GB" dirty="0"/>
-          </a:p>
-          <a:p>
-            <a:pPr lvl="0"/>
-            <a:r>
-              <a:rPr lang="en-GB" dirty="0"/>
-              <a:t>We can provide a formulation of the Bellman equation also for the action-value function with similar reasoning:</a:t>
-            </a:r>
+              <a:t>Markov property</a:t>
+            </a:r>
+            <a:r>
+              <a:rPr lang="en-GB" dirty="0"/>
+              <a:t>: knowing 𝑆</a:t>
+            </a:r>
+            <a:r>
+              <a:rPr lang="en-GB" baseline="-25000" dirty="0"/>
+              <a:t>𝑡+1</a:t>
+            </a:r>
+            <a:r>
+              <a:rPr lang="en-GB" dirty="0"/>
+              <a:t> makes the expectation independent of 𝑆</a:t>
+            </a:r>
+            <a:r>
+              <a:rPr lang="en-GB" baseline="-25000" dirty="0"/>
+              <a:t>𝑡</a:t>
+            </a:r>
+            <a:r>
+              <a:rPr lang="en-GB" dirty="0"/>
+              <a:t> and 𝐴𝑡:</a:t>
+            </a:r>
+          </a:p>
+          <a:p>
+            <a:pPr lvl="0"/>
+            <a:endParaRPr lang="en-GB" dirty="0"/>
+          </a:p>
+          <a:p>
+            <a:pPr lvl="0"/>
+            <a:endParaRPr lang="en-GB" dirty="0"/>
+          </a:p>
+          <a:p>
+            <a:pPr lvl="0"/>
+            <a:endParaRPr lang="en-GB" dirty="0"/>
+          </a:p>
+          <a:p>
+            <a:pPr lvl="0"/>
+            <a:endParaRPr lang="en-GB" dirty="0"/>
+          </a:p>
+          <a:p>
+            <a:pPr lvl="0"/>
+            <a:r>
+              <a:rPr lang="en-GB" dirty="0"/>
+              <a:t>note that  𝐸</a:t>
+            </a:r>
+            <a:r>
+              <a:rPr lang="en-GB" baseline="-25000" dirty="0"/>
+              <a:t>𝜋</a:t>
+            </a:r>
+            <a:r>
+              <a:rPr lang="en-GB" dirty="0"/>
+              <a:t>(𝐺</a:t>
+            </a:r>
+            <a:r>
+              <a:rPr lang="en-GB" baseline="-25000" dirty="0"/>
+              <a:t>𝑡+1</a:t>
+            </a:r>
+            <a:r>
+              <a:rPr lang="en-GB" dirty="0"/>
+              <a:t>|𝑆</a:t>
+            </a:r>
+            <a:r>
+              <a:rPr lang="en-GB" baseline="-25000" dirty="0"/>
+              <a:t>𝑡+1</a:t>
+            </a:r>
+            <a:r>
+              <a:rPr lang="en-GB" dirty="0"/>
+              <a:t>=𝑠′)=𝑣</a:t>
+            </a:r>
+            <a:r>
+              <a:rPr lang="en-GB" baseline="-25000" dirty="0"/>
+              <a:t>𝜋</a:t>
+            </a:r>
+            <a:r>
+              <a:rPr lang="en-GB" dirty="0"/>
+              <a:t>(𝑠′)  and combine summations:</a:t>
+            </a:r>
+          </a:p>
+          <a:p>
+            <a:pPr lvl="0"/>
+            <a:endParaRPr lang="en-GB" dirty="0"/>
+          </a:p>
+          <a:p>
+            <a:pPr lvl="0"/>
+            <a:endParaRPr lang="en-GB" dirty="0"/>
           </a:p>
           <a:p>
             <a:pPr lvl="1"/>
@@ -15117,10 +12622,10 @@
       </p:sp>
       <p:pic>
         <p:nvPicPr>
-          <p:cNvPr id="3" name="Immagine 2">
+          <p:cNvPr id="2" name="Immagine 1">
             <a:extLst>
               <a:ext uri="{FF2B5EF4-FFF2-40B4-BE49-F238E27FC236}">
-                <a16:creationId xmlns:a16="http://schemas.microsoft.com/office/drawing/2014/main" id="{DAFF939D-CA3F-4971-8022-A9968C6B4E03}"/>
+                <a16:creationId xmlns:a16="http://schemas.microsoft.com/office/drawing/2014/main" id="{11A22941-9D9F-0A86-77A8-6569923FB64C}"/>
               </a:ext>
             </a:extLst>
           </p:cNvPr>
@@ -15137,8 +12642,8 @@
         </p:blipFill>
         <p:spPr>
           <a:xfrm>
-            <a:off x="685800" y="3640791"/>
-            <a:ext cx="7772400" cy="977584"/>
+            <a:off x="454597" y="1212537"/>
+            <a:ext cx="7127311" cy="925468"/>
           </a:xfrm>
           <a:prstGeom prst="rect">
             <a:avLst/>
@@ -15147,10 +12652,10 @@
       </p:pic>
       <p:pic>
         <p:nvPicPr>
-          <p:cNvPr id="5" name="Immagine 4">
+          <p:cNvPr id="3" name="Immagine 2">
             <a:extLst>
               <a:ext uri="{FF2B5EF4-FFF2-40B4-BE49-F238E27FC236}">
-                <a16:creationId xmlns:a16="http://schemas.microsoft.com/office/drawing/2014/main" id="{7B86D6E6-A8CA-EF51-8EE9-2D96DFC182B9}"/>
+                <a16:creationId xmlns:a16="http://schemas.microsoft.com/office/drawing/2014/main" id="{7349848B-BAEB-F000-83D4-2063841462E7}"/>
               </a:ext>
             </a:extLst>
           </p:cNvPr>
@@ -15167,8 +12672,68 @@
         </p:blipFill>
         <p:spPr>
           <a:xfrm>
-            <a:off x="685800" y="5522367"/>
-            <a:ext cx="5816600" cy="914400"/>
+            <a:off x="455351" y="2701725"/>
+            <a:ext cx="8688649" cy="982777"/>
+          </a:xfrm>
+          <a:prstGeom prst="rect">
+            <a:avLst/>
+          </a:prstGeom>
+        </p:spPr>
+      </p:pic>
+      <p:pic>
+        <p:nvPicPr>
+          <p:cNvPr id="4" name="Immagine 3">
+            <a:extLst>
+              <a:ext uri="{FF2B5EF4-FFF2-40B4-BE49-F238E27FC236}">
+                <a16:creationId xmlns:a16="http://schemas.microsoft.com/office/drawing/2014/main" id="{CA163FBF-91DE-7D73-3123-723022D9BFFC}"/>
+              </a:ext>
+            </a:extLst>
+          </p:cNvPr>
+          <p:cNvPicPr>
+            <a:picLocks noChangeAspect="1"/>
+          </p:cNvPicPr>
+          <p:nvPr/>
+        </p:nvPicPr>
+        <p:blipFill>
+          <a:blip r:embed="rId5"/>
+          <a:stretch>
+            <a:fillRect/>
+          </a:stretch>
+        </p:blipFill>
+        <p:spPr>
+          <a:xfrm>
+            <a:off x="454597" y="4055794"/>
+            <a:ext cx="7525295" cy="918853"/>
+          </a:xfrm>
+          <a:prstGeom prst="rect">
+            <a:avLst/>
+          </a:prstGeom>
+        </p:spPr>
+      </p:pic>
+      <p:pic>
+        <p:nvPicPr>
+          <p:cNvPr id="5" name="Immagine 4">
+            <a:extLst>
+              <a:ext uri="{FF2B5EF4-FFF2-40B4-BE49-F238E27FC236}">
+                <a16:creationId xmlns:a16="http://schemas.microsoft.com/office/drawing/2014/main" id="{91FC8208-2D04-C3A4-56C0-26814A9A6EB9}"/>
+              </a:ext>
+            </a:extLst>
+          </p:cNvPr>
+          <p:cNvPicPr>
+            <a:picLocks noChangeAspect="1"/>
+          </p:cNvPicPr>
+          <p:nvPr/>
+        </p:nvPicPr>
+        <p:blipFill>
+          <a:blip r:embed="rId6"/>
+          <a:stretch>
+            <a:fillRect/>
+          </a:stretch>
+        </p:blipFill>
+        <p:spPr>
+          <a:xfrm>
+            <a:off x="454597" y="5588284"/>
+            <a:ext cx="4207544" cy="848483"/>
           </a:xfrm>
           <a:prstGeom prst="rect">
             <a:avLst/>
@@ -15178,7 +12743,7 @@
     </p:spTree>
     <p:extLst>
       <p:ext uri="{BB962C8B-B14F-4D97-AF65-F5344CB8AC3E}">
-        <p14:creationId xmlns:p14="http://schemas.microsoft.com/office/powerpoint/2010/main" val="2117938314"/>
+        <p14:creationId xmlns:p14="http://schemas.microsoft.com/office/powerpoint/2010/main" val="2533931395"/>
       </p:ext>
     </p:extLst>
   </p:cSld>
@@ -15233,7 +12798,7 @@
             <a:pPr lvl="0"/>
             <a:r>
               <a:rPr lang="en-GB" sz="4000" dirty="0"/>
-              <a:t>Policy Evaluation (1)</a:t>
+              <a:t>Bellman equation (3)</a:t>
             </a:r>
             <a:endParaRPr sz="4000" dirty="0"/>
           </a:p>
@@ -15251,8 +12816,8 @@
         </p:nvSpPr>
         <p:spPr>
           <a:xfrm>
-            <a:off x="162750" y="930148"/>
-            <a:ext cx="8818500" cy="5672357"/>
+            <a:off x="162750" y="1212537"/>
+            <a:ext cx="8818500" cy="5224230"/>
           </a:xfrm>
           <a:prstGeom prst="rect">
             <a:avLst/>
@@ -15267,156 +12832,69 @@
             <a:pPr lvl="0"/>
             <a:r>
               <a:rPr lang="en-GB" dirty="0"/>
-              <a:t>We can consider an initial </a:t>
+              <a:t>The value of a state must equal the (discounted) value of the expected next state, plus the reward expected along the way:</a:t>
+            </a:r>
+          </a:p>
+          <a:p>
+            <a:pPr lvl="0"/>
+            <a:endParaRPr lang="en-GB" dirty="0"/>
+          </a:p>
+          <a:p>
+            <a:pPr lvl="0"/>
+            <a:endParaRPr lang="en-GB" dirty="0"/>
+          </a:p>
+          <a:p>
+            <a:pPr lvl="0"/>
+            <a:endParaRPr lang="en-GB" dirty="0"/>
+          </a:p>
+          <a:p>
+            <a:pPr lvl="0"/>
+            <a:endParaRPr lang="en-GB" dirty="0"/>
+          </a:p>
+          <a:p>
+            <a:pPr lvl="0"/>
+            <a:endParaRPr lang="en-GB" dirty="0"/>
+          </a:p>
+          <a:p>
+            <a:pPr lvl="0"/>
+            <a:endParaRPr lang="en-GB" dirty="0"/>
+          </a:p>
+          <a:p>
+            <a:pPr lvl="0"/>
+            <a:endParaRPr lang="en-GB" dirty="0"/>
+          </a:p>
+          <a:p>
+            <a:pPr lvl="0"/>
+            <a:endParaRPr lang="en-GB" dirty="0"/>
+          </a:p>
+          <a:p>
+            <a:pPr lvl="0"/>
+            <a:endParaRPr lang="en-GB" dirty="0"/>
+          </a:p>
+          <a:p>
+            <a:pPr marL="120650" lvl="0" indent="0">
+              <a:buNone/>
+            </a:pPr>
+            <a:endParaRPr lang="en-GB" dirty="0"/>
+          </a:p>
+          <a:p>
+            <a:pPr lvl="0"/>
+            <a:r>
+              <a:rPr lang="en-GB" dirty="0"/>
+              <a:t>Notice how the value of a state </a:t>
             </a:r>
             <a:r>
               <a:rPr lang="en-GB" b="1" dirty="0"/>
-              <a:t>random approximation 𝑣</a:t>
-            </a:r>
-            <a:r>
-              <a:rPr lang="en-GB" b="1" baseline="-25000" dirty="0"/>
-              <a:t>0</a:t>
-            </a:r>
-            <a:r>
-              <a:rPr lang="en-GB" b="1" dirty="0"/>
-              <a:t> </a:t>
-            </a:r>
-            <a:r>
-              <a:rPr lang="en-GB" dirty="0"/>
-              <a:t>of the value functions of a policy 𝜋, the we can get </a:t>
-            </a:r>
-            <a:r>
-              <a:rPr lang="en-GB" b="1" dirty="0"/>
-              <a:t>successive approximation</a:t>
-            </a:r>
-            <a:r>
-              <a:rPr lang="en-GB" dirty="0"/>
-              <a:t> using the Bellman equation as an </a:t>
-            </a:r>
-            <a:r>
-              <a:rPr lang="en-GB" b="1" dirty="0"/>
-              <a:t>update rule</a:t>
-            </a:r>
-            <a:r>
-              <a:rPr lang="en-GB" dirty="0"/>
-              <a:t>:</a:t>
-            </a:r>
-          </a:p>
-          <a:p>
-            <a:pPr lvl="0"/>
-            <a:endParaRPr lang="en-GB" dirty="0"/>
-          </a:p>
-          <a:p>
-            <a:pPr lvl="0"/>
-            <a:endParaRPr lang="en-GB" dirty="0"/>
-          </a:p>
-          <a:p>
-            <a:pPr lvl="0"/>
-            <a:endParaRPr lang="en-GB" dirty="0"/>
-          </a:p>
-          <a:p>
-            <a:pPr lvl="0"/>
-            <a:endParaRPr lang="en-GB" dirty="0"/>
-          </a:p>
-          <a:p>
-            <a:pPr marL="120650" lvl="0" indent="0">
-              <a:buNone/>
-            </a:pPr>
-            <a:endParaRPr lang="en-GB" dirty="0"/>
-          </a:p>
-          <a:p>
-            <a:pPr lvl="0"/>
-            <a:r>
-              <a:rPr lang="en-GB" dirty="0"/>
-              <a:t>The sequence </a:t>
-            </a:r>
-            <a:r>
-              <a:rPr lang="en-GB" b="1" dirty="0"/>
-              <a:t>𝑣</a:t>
-            </a:r>
-            <a:r>
-              <a:rPr lang="en-GB" b="1" baseline="-25000" dirty="0"/>
-              <a:t>𝑘</a:t>
-            </a:r>
-            <a:r>
-              <a:rPr lang="en-GB" b="1" dirty="0"/>
-              <a:t> converge to 𝑣</a:t>
-            </a:r>
-            <a:r>
-              <a:rPr lang="en-GB" b="1" baseline="-25000" dirty="0"/>
-              <a:t>𝜋</a:t>
-            </a:r>
-            <a:r>
-              <a:rPr lang="en-GB" b="1" dirty="0"/>
-              <a:t>  as  𝑘⟶∞ </a:t>
-            </a:r>
-          </a:p>
-          <a:p>
-            <a:pPr lvl="1"/>
-            <a:r>
-              <a:rPr lang="en-GB" dirty="0"/>
-              <a:t>we can stop short when variations are sufficiently small</a:t>
-            </a:r>
-          </a:p>
-          <a:p>
-            <a:pPr lvl="1"/>
-            <a:endParaRPr lang="en-GB" dirty="0"/>
-          </a:p>
-          <a:p>
-            <a:pPr lvl="0"/>
-            <a:r>
-              <a:rPr lang="en-GB" dirty="0"/>
-              <a:t>Note that we </a:t>
-            </a:r>
-            <a:r>
-              <a:rPr lang="en-GB" b="1" dirty="0"/>
-              <a:t>update estimates on the basis of other estimates</a:t>
-            </a:r>
-          </a:p>
-          <a:p>
-            <a:pPr lvl="1"/>
-            <a:r>
-              <a:rPr lang="en-GB" dirty="0"/>
-              <a:t>this general idea is called </a:t>
-            </a:r>
-            <a:r>
-              <a:rPr lang="en-GB" b="1" dirty="0"/>
-              <a:t>bootstrapping</a:t>
-            </a:r>
-            <a:endParaRPr lang="en-GB" dirty="0"/>
-          </a:p>
-          <a:p>
-            <a:pPr lvl="0"/>
-            <a:r>
-              <a:rPr lang="en-GB" dirty="0"/>
-              <a:t>Notice that the k here are </a:t>
-            </a:r>
-            <a:r>
-              <a:rPr lang="en-GB" b="1" dirty="0"/>
-              <a:t>iterations across estimates</a:t>
-            </a:r>
-            <a:r>
-              <a:rPr lang="en-GB" dirty="0"/>
-              <a:t>, but they’re </a:t>
-            </a:r>
-            <a:r>
-              <a:rPr lang="en-GB" b="1" dirty="0"/>
-              <a:t>not interactions with the environment</a:t>
-            </a:r>
-          </a:p>
-          <a:p>
-            <a:pPr lvl="1"/>
-            <a:r>
-              <a:rPr lang="en-GB" dirty="0"/>
-              <a:t>these aren’t episodes, these aren’t time steps</a:t>
-            </a:r>
-          </a:p>
-          <a:p>
-            <a:pPr lvl="1"/>
-            <a:r>
-              <a:rPr lang="en-GB" dirty="0"/>
-              <a:t>just the iterations of the iterative policy evaluation algorithm</a:t>
-            </a:r>
+              <a:t>depends recursively on the value of possibly many other states</a:t>
+            </a:r>
+            <a:r>
+              <a:rPr lang="en-GB" dirty="0"/>
+              <a:t>, which values may also depend on others, including the original state!</a:t>
+            </a:r>
+          </a:p>
+          <a:p>
+            <a:pPr lvl="0"/>
+            <a:endParaRPr lang="en-GB" dirty="0"/>
           </a:p>
           <a:p>
             <a:pPr lvl="0"/>
@@ -15430,10 +12908,10 @@
       </p:sp>
       <p:pic>
         <p:nvPicPr>
-          <p:cNvPr id="9" name="Immagine 8">
+          <p:cNvPr id="3" name="Immagine 2">
             <a:extLst>
               <a:ext uri="{FF2B5EF4-FFF2-40B4-BE49-F238E27FC236}">
-                <a16:creationId xmlns:a16="http://schemas.microsoft.com/office/drawing/2014/main" id="{257B1452-1BCC-F442-B4A6-62E523E4630C}"/>
+                <a16:creationId xmlns:a16="http://schemas.microsoft.com/office/drawing/2014/main" id="{DA03AC7D-417B-5AFD-85E1-87D7DFB184A9}"/>
               </a:ext>
             </a:extLst>
           </p:cNvPr>
@@ -15450,119 +12928,8 @@
         </p:blipFill>
         <p:spPr>
           <a:xfrm>
-            <a:off x="711550" y="2604295"/>
-            <a:ext cx="4895874" cy="706621"/>
-          </a:xfrm>
-          <a:prstGeom prst="rect">
-            <a:avLst/>
-          </a:prstGeom>
-        </p:spPr>
-      </p:pic>
-      <p:grpSp>
-        <p:nvGrpSpPr>
-          <p:cNvPr id="14" name="Gruppo 13">
-            <a:extLst>
-              <a:ext uri="{FF2B5EF4-FFF2-40B4-BE49-F238E27FC236}">
-                <a16:creationId xmlns:a16="http://schemas.microsoft.com/office/drawing/2014/main" id="{24DBCD1A-14D5-59B3-0D0C-D15BC57D6C0C}"/>
-              </a:ext>
-            </a:extLst>
-          </p:cNvPr>
-          <p:cNvGrpSpPr/>
-          <p:nvPr/>
-        </p:nvGrpSpPr>
-        <p:grpSpPr>
-          <a:xfrm>
-            <a:off x="711550" y="1852768"/>
-            <a:ext cx="5164815" cy="889000"/>
-            <a:chOff x="3440261" y="2082800"/>
-            <a:chExt cx="5956300" cy="1155700"/>
-          </a:xfrm>
-        </p:grpSpPr>
-        <p:pic>
-          <p:nvPicPr>
-            <p:cNvPr id="11" name="Immagine 10">
-              <a:extLst>
-                <a:ext uri="{FF2B5EF4-FFF2-40B4-BE49-F238E27FC236}">
-                  <a16:creationId xmlns:a16="http://schemas.microsoft.com/office/drawing/2014/main" id="{BBDCE4E3-6E6C-B07D-1B32-616E61F2A2CA}"/>
-                </a:ext>
-              </a:extLst>
-            </p:cNvPr>
-            <p:cNvPicPr>
-              <a:picLocks noChangeAspect="1"/>
-            </p:cNvPicPr>
-            <p:nvPr/>
-          </p:nvPicPr>
-          <p:blipFill>
-            <a:blip r:embed="rId4"/>
-            <a:stretch>
-              <a:fillRect/>
-            </a:stretch>
-          </p:blipFill>
-          <p:spPr>
-            <a:xfrm>
-              <a:off x="3440261" y="2209800"/>
-              <a:ext cx="1244600" cy="647700"/>
-            </a:xfrm>
-            <a:prstGeom prst="rect">
-              <a:avLst/>
-            </a:prstGeom>
-          </p:spPr>
-        </p:pic>
-        <p:pic>
-          <p:nvPicPr>
-            <p:cNvPr id="13" name="Immagine 12">
-              <a:extLst>
-                <a:ext uri="{FF2B5EF4-FFF2-40B4-BE49-F238E27FC236}">
-                  <a16:creationId xmlns:a16="http://schemas.microsoft.com/office/drawing/2014/main" id="{631C911F-2A6D-BE85-54D9-6D5F1C9ED9F1}"/>
-                </a:ext>
-              </a:extLst>
-            </p:cNvPr>
-            <p:cNvPicPr>
-              <a:picLocks noChangeAspect="1"/>
-            </p:cNvPicPr>
-            <p:nvPr/>
-          </p:nvPicPr>
-          <p:blipFill>
-            <a:blip r:embed="rId5"/>
-            <a:stretch>
-              <a:fillRect/>
-            </a:stretch>
-          </p:blipFill>
-          <p:spPr>
-            <a:xfrm>
-              <a:off x="4684861" y="2082800"/>
-              <a:ext cx="4711700" cy="1155700"/>
-            </a:xfrm>
-            <a:prstGeom prst="rect">
-              <a:avLst/>
-            </a:prstGeom>
-          </p:spPr>
-        </p:pic>
-      </p:grpSp>
-      <p:pic>
-        <p:nvPicPr>
-          <p:cNvPr id="16" name="Immagine 15">
-            <a:extLst>
-              <a:ext uri="{FF2B5EF4-FFF2-40B4-BE49-F238E27FC236}">
-                <a16:creationId xmlns:a16="http://schemas.microsoft.com/office/drawing/2014/main" id="{A943F268-5332-5E82-3E71-0B5D714B54E6}"/>
-              </a:ext>
-            </a:extLst>
-          </p:cNvPr>
-          <p:cNvPicPr>
-            <a:picLocks noChangeAspect="1"/>
-          </p:cNvPicPr>
-          <p:nvPr/>
-        </p:nvPicPr>
-        <p:blipFill>
-          <a:blip r:embed="rId6"/>
-          <a:stretch>
-            <a:fillRect/>
-          </a:stretch>
-        </p:blipFill>
-        <p:spPr>
-          <a:xfrm>
-            <a:off x="1124324" y="3999873"/>
-            <a:ext cx="1860923" cy="423775"/>
+            <a:off x="685800" y="2209424"/>
+            <a:ext cx="7772400" cy="2239855"/>
           </a:xfrm>
           <a:prstGeom prst="rect">
             <a:avLst/>
@@ -15572,7 +12939,7 @@
     </p:spTree>
     <p:extLst>
       <p:ext uri="{BB962C8B-B14F-4D97-AF65-F5344CB8AC3E}">
-        <p14:creationId xmlns:p14="http://schemas.microsoft.com/office/powerpoint/2010/main" val="2527555437"/>
+        <p14:creationId xmlns:p14="http://schemas.microsoft.com/office/powerpoint/2010/main" val="3588489452"/>
       </p:ext>
     </p:extLst>
   </p:cSld>

--- a/02 - Dynamic Programming/slides.pptx
+++ b/02 - Dynamic Programming/slides.pptx
@@ -5,7 +5,7 @@
     <p:sldMasterId id="2147483659" r:id="rId1"/>
   </p:sldMasterIdLst>
   <p:notesMasterIdLst>
-    <p:notesMasterId r:id="rId23"/>
+    <p:notesMasterId r:id="rId24"/>
   </p:notesMasterIdLst>
   <p:sldIdLst>
     <p:sldId id="256" r:id="rId2"/>
@@ -29,23 +29,24 @@
     <p:sldId id="276" r:id="rId20"/>
     <p:sldId id="277" r:id="rId21"/>
     <p:sldId id="278" r:id="rId22"/>
+    <p:sldId id="285" r:id="rId23"/>
   </p:sldIdLst>
   <p:sldSz cx="9144000" cy="6858000" type="screen4x3"/>
   <p:notesSz cx="6858000" cy="9144000"/>
   <p:embeddedFontLst>
     <p:embeddedFont>
       <p:font typeface="Economica" panose="02000506040000020004" pitchFamily="2" charset="77"/>
-      <p:regular r:id="rId24"/>
-      <p:bold r:id="rId25"/>
-      <p:italic r:id="rId26"/>
-      <p:boldItalic r:id="rId27"/>
+      <p:regular r:id="rId25"/>
+      <p:bold r:id="rId26"/>
+      <p:italic r:id="rId27"/>
+      <p:boldItalic r:id="rId28"/>
     </p:embeddedFont>
     <p:embeddedFont>
       <p:font typeface="Open Sans" panose="020B0606030504020204" pitchFamily="34" charset="0"/>
-      <p:regular r:id="rId28"/>
-      <p:bold r:id="rId29"/>
-      <p:italic r:id="rId30"/>
-      <p:boldItalic r:id="rId31"/>
+      <p:regular r:id="rId29"/>
+      <p:bold r:id="rId30"/>
+      <p:italic r:id="rId31"/>
+      <p:boldItalic r:id="rId32"/>
     </p:embeddedFont>
   </p:embeddedFontLst>
   <p:defaultTextStyle>
@@ -2233,6 +2234,115 @@
     <p:extLst>
       <p:ext uri="{BB962C8B-B14F-4D97-AF65-F5344CB8AC3E}">
         <p14:creationId xmlns:p14="http://schemas.microsoft.com/office/powerpoint/2010/main" val="1470491545"/>
+      </p:ext>
+    </p:extLst>
+  </p:cSld>
+  <p:clrMapOvr>
+    <a:masterClrMapping/>
+  </p:clrMapOvr>
+</p:notes>
+</file>
+
+<file path=ppt/notesSlides/notesSlide22.xml><?xml version="1.0" encoding="utf-8"?>
+<p:notes xmlns:a="http://schemas.openxmlformats.org/drawingml/2006/main" xmlns:r="http://schemas.openxmlformats.org/officeDocument/2006/relationships" xmlns:p="http://schemas.openxmlformats.org/presentationml/2006/main" showMasterSp="0" showMasterPhAnim="0">
+  <p:cSld>
+    <p:spTree>
+      <p:nvGrpSpPr>
+        <p:cNvPr id="1" name="Shape 79"/>
+        <p:cNvGrpSpPr/>
+        <p:nvPr/>
+      </p:nvGrpSpPr>
+      <p:grpSpPr>
+        <a:xfrm>
+          <a:off x="0" y="0"/>
+          <a:ext cx="0" cy="0"/>
+          <a:chOff x="0" y="0"/>
+          <a:chExt cx="0" cy="0"/>
+        </a:xfrm>
+      </p:grpSpPr>
+      <p:sp>
+        <p:nvSpPr>
+          <p:cNvPr id="80" name="Google Shape;80;geed6aedbf_0_0:notes"/>
+          <p:cNvSpPr>
+            <a:spLocks noGrp="1" noRot="1" noChangeAspect="1"/>
+          </p:cNvSpPr>
+          <p:nvPr>
+            <p:ph type="sldImg" idx="2"/>
+          </p:nvPr>
+        </p:nvSpPr>
+        <p:spPr>
+          <a:xfrm>
+            <a:off x="1143000" y="685800"/>
+            <a:ext cx="4572000" cy="3429000"/>
+          </a:xfrm>
+          <a:custGeom>
+            <a:avLst/>
+            <a:gdLst/>
+            <a:ahLst/>
+            <a:cxnLst/>
+            <a:rect l="l" t="t" r="r" b="b"/>
+            <a:pathLst>
+              <a:path w="120000" h="120000" extrusionOk="0">
+                <a:moveTo>
+                  <a:pt x="0" y="0"/>
+                </a:moveTo>
+                <a:lnTo>
+                  <a:pt x="120000" y="0"/>
+                </a:lnTo>
+                <a:lnTo>
+                  <a:pt x="120000" y="120000"/>
+                </a:lnTo>
+                <a:lnTo>
+                  <a:pt x="0" y="120000"/>
+                </a:lnTo>
+                <a:close/>
+              </a:path>
+            </a:pathLst>
+          </a:custGeom>
+        </p:spPr>
+      </p:sp>
+      <p:sp>
+        <p:nvSpPr>
+          <p:cNvPr id="81" name="Google Shape;81;geed6aedbf_0_0:notes"/>
+          <p:cNvSpPr txBox="1">
+            <a:spLocks noGrp="1"/>
+          </p:cNvSpPr>
+          <p:nvPr>
+            <p:ph type="body" idx="1"/>
+          </p:nvPr>
+        </p:nvSpPr>
+        <p:spPr>
+          <a:xfrm>
+            <a:off x="685800" y="4343400"/>
+            <a:ext cx="5486400" cy="4114800"/>
+          </a:xfrm>
+          <a:prstGeom prst="rect">
+            <a:avLst/>
+          </a:prstGeom>
+        </p:spPr>
+        <p:txBody>
+          <a:bodyPr spcFirstLastPara="1" wrap="square" lIns="91425" tIns="91425" rIns="91425" bIns="91425" anchor="t" anchorCtr="0">
+            <a:noAutofit/>
+          </a:bodyPr>
+          <a:lstStyle/>
+          <a:p>
+            <a:pPr marL="0" lvl="0" indent="0" algn="l" rtl="0">
+              <a:spcBef>
+                <a:spcPts val="0"/>
+              </a:spcBef>
+              <a:spcAft>
+                <a:spcPts val="0"/>
+              </a:spcAft>
+              <a:buNone/>
+            </a:pPr>
+            <a:endParaRPr dirty="0"/>
+          </a:p>
+        </p:txBody>
+      </p:sp>
+    </p:spTree>
+    <p:extLst>
+      <p:ext uri="{BB962C8B-B14F-4D97-AF65-F5344CB8AC3E}">
+        <p14:creationId xmlns:p14="http://schemas.microsoft.com/office/powerpoint/2010/main" val="1366058689"/>
       </p:ext>
     </p:extLst>
   </p:cSld>
@@ -9312,7 +9422,7 @@
         </p:nvSpPr>
         <p:spPr>
           <a:xfrm>
-            <a:off x="162750" y="1161008"/>
+            <a:off x="162750" y="1105518"/>
             <a:ext cx="8818500" cy="5224230"/>
           </a:xfrm>
           <a:prstGeom prst="rect">
@@ -9406,9 +9516,10 @@
             <a:endParaRPr lang="en-GB" sz="1050" dirty="0"/>
           </a:p>
           <a:p>
-            <a:r>
-              <a:rPr lang="en-GB" dirty="0"/>
-              <a:t>If it is greater then 𝑣</a:t>
+            <a:pPr lvl="1"/>
+            <a:r>
+              <a:rPr lang="en-GB" dirty="0"/>
+              <a:t>if it is greater than 𝑣</a:t>
             </a:r>
             <a:r>
               <a:rPr lang="en-GB" baseline="-25000" dirty="0"/>
@@ -9508,8 +9619,8 @@
         </p:blipFill>
         <p:spPr>
           <a:xfrm>
-            <a:off x="729876" y="3084876"/>
-            <a:ext cx="3707653" cy="688247"/>
+            <a:off x="889062" y="3098077"/>
+            <a:ext cx="3398734" cy="630903"/>
           </a:xfrm>
           <a:prstGeom prst="rect">
             <a:avLst/>
@@ -9538,7 +9649,7 @@
         </p:blipFill>
         <p:spPr>
           <a:xfrm>
-            <a:off x="1133288" y="4818560"/>
+            <a:off x="1108574" y="4756822"/>
             <a:ext cx="4467038" cy="384143"/>
           </a:xfrm>
           <a:prstGeom prst="rect">
@@ -9665,7 +9776,7 @@
             <a:pPr lvl="0"/>
             <a:r>
               <a:rPr lang="en-GB" dirty="0"/>
-              <a:t>The process of making a new policy that improves an original policy, by making it</a:t>
+              <a:t>The process of making a new policy that improves an original policy by making it</a:t>
             </a:r>
             <a:r>
               <a:rPr lang="en-GB" b="1" dirty="0"/>
@@ -9729,7 +9840,7 @@
         </p:blipFill>
         <p:spPr>
           <a:xfrm>
-            <a:off x="669738" y="1939739"/>
+            <a:off x="669738" y="2001523"/>
             <a:ext cx="6997700" cy="800100"/>
           </a:xfrm>
           <a:prstGeom prst="rect">
@@ -9837,7 +9948,7 @@
             </a:r>
             <a:r>
               <a:rPr lang="en-GB" dirty="0"/>
-              <a:t>-lake environment in order to improve the “careful” policy</a:t>
+              <a:t> lake environment to improve the “careful” policy</a:t>
             </a:r>
           </a:p>
           <a:p>
@@ -9887,7 +9998,7 @@
           <a:p>
             <a:r>
               <a:rPr lang="en-GB" dirty="0"/>
-              <a:t>Notice if we act greedily with respect to the Q-function of the policy, we obtain a new policy: “careful-plus”</a:t>
+              <a:t>Notice if we act greedily with respect to the action-value function of the policy, we obtain a new policy: “careful-plus”</a:t>
             </a:r>
           </a:p>
           <a:p>
@@ -9932,7 +10043,7 @@
         </p:blipFill>
         <p:spPr>
           <a:xfrm>
-            <a:off x="995082" y="1879338"/>
+            <a:off x="1044509" y="1927101"/>
             <a:ext cx="6456455" cy="3907608"/>
           </a:xfrm>
           <a:prstGeom prst="rect">
@@ -10267,15 +10378,27 @@
           </a:p>
           <a:p>
             <a:r>
-              <a:rPr lang="en-GB" dirty="0"/>
-              <a:t>See “notebook - policy-</a:t>
-            </a:r>
-            <a:r>
-              <a:rPr lang="en-GB" dirty="0" err="1"/>
+              <a:rPr lang="en-GB" dirty="0">
+                <a:highlight>
+                  <a:srgbClr val="FFFF00"/>
+                </a:highlight>
+              </a:rPr>
+              <a:t>See “policy-</a:t>
+            </a:r>
+            <a:r>
+              <a:rPr lang="en-GB" dirty="0" err="1">
+                <a:highlight>
+                  <a:srgbClr val="FFFF00"/>
+                </a:highlight>
+              </a:rPr>
               <a:t>iteration.ipynb</a:t>
             </a:r>
             <a:r>
-              <a:rPr lang="en-GB" dirty="0"/>
+              <a:rPr lang="en-GB" dirty="0">
+                <a:highlight>
+                  <a:srgbClr val="FFFF00"/>
+                </a:highlight>
+              </a:rPr>
               <a:t>” notebook</a:t>
             </a:r>
           </a:p>
@@ -11182,6 +11305,214 @@
     <p:extLst>
       <p:ext uri="{BB962C8B-B14F-4D97-AF65-F5344CB8AC3E}">
         <p14:creationId xmlns:p14="http://schemas.microsoft.com/office/powerpoint/2010/main" val="1953745686"/>
+      </p:ext>
+    </p:extLst>
+  </p:cSld>
+  <p:clrMapOvr>
+    <a:masterClrMapping/>
+  </p:clrMapOvr>
+</p:sld>
+</file>
+
+<file path=ppt/slides/slide22.xml><?xml version="1.0" encoding="utf-8"?>
+<p:sld xmlns:a="http://schemas.openxmlformats.org/drawingml/2006/main" xmlns:r="http://schemas.openxmlformats.org/officeDocument/2006/relationships" xmlns:p="http://schemas.openxmlformats.org/presentationml/2006/main">
+  <p:cSld>
+    <p:spTree>
+      <p:nvGrpSpPr>
+        <p:cNvPr id="1" name="Shape 82"/>
+        <p:cNvGrpSpPr/>
+        <p:nvPr/>
+      </p:nvGrpSpPr>
+      <p:grpSpPr>
+        <a:xfrm>
+          <a:off x="0" y="0"/>
+          <a:ext cx="0" cy="0"/>
+          <a:chOff x="0" y="0"/>
+          <a:chExt cx="0" cy="0"/>
+        </a:xfrm>
+      </p:grpSpPr>
+      <p:sp>
+        <p:nvSpPr>
+          <p:cNvPr id="83" name="Google Shape;83;p14"/>
+          <p:cNvSpPr txBox="1">
+            <a:spLocks noGrp="1"/>
+          </p:cNvSpPr>
+          <p:nvPr>
+            <p:ph type="title" idx="4294967295"/>
+          </p:nvPr>
+        </p:nvSpPr>
+        <p:spPr>
+          <a:xfrm>
+            <a:off x="311700" y="421233"/>
+            <a:ext cx="8520600" cy="622500"/>
+          </a:xfrm>
+          <a:prstGeom prst="rect">
+            <a:avLst/>
+          </a:prstGeom>
+        </p:spPr>
+        <p:txBody>
+          <a:bodyPr spcFirstLastPara="1" wrap="square" lIns="91425" tIns="91425" rIns="91425" bIns="91425" anchor="b" anchorCtr="0">
+            <a:noAutofit/>
+          </a:bodyPr>
+          <a:lstStyle/>
+          <a:p>
+            <a:pPr lvl="0"/>
+            <a:r>
+              <a:rPr lang="en-GB" sz="4000" dirty="0"/>
+              <a:t>Generalized Policy Iteration</a:t>
+            </a:r>
+          </a:p>
+        </p:txBody>
+      </p:sp>
+      <p:sp>
+        <p:nvSpPr>
+          <p:cNvPr id="84" name="Google Shape;84;p14"/>
+          <p:cNvSpPr txBox="1">
+            <a:spLocks noGrp="1"/>
+          </p:cNvSpPr>
+          <p:nvPr>
+            <p:ph type="body" idx="1"/>
+          </p:nvPr>
+        </p:nvSpPr>
+        <p:spPr>
+          <a:xfrm>
+            <a:off x="162750" y="1212537"/>
+            <a:ext cx="8818500" cy="5224230"/>
+          </a:xfrm>
+          <a:prstGeom prst="rect">
+            <a:avLst/>
+          </a:prstGeom>
+        </p:spPr>
+        <p:txBody>
+          <a:bodyPr spcFirstLastPara="1" wrap="square" lIns="91425" tIns="91425" rIns="91425" bIns="91425" anchor="t" anchorCtr="0">
+            <a:noAutofit/>
+          </a:bodyPr>
+          <a:lstStyle/>
+          <a:p>
+            <a:pPr lvl="0"/>
+            <a:r>
+              <a:rPr lang="en-GB" dirty="0"/>
+              <a:t>Two simultaneous, interacting processes</a:t>
+            </a:r>
+          </a:p>
+          <a:p>
+            <a:pPr lvl="1"/>
+            <a:r>
+              <a:rPr lang="en-GB" dirty="0"/>
+              <a:t>one making value function consistent with the current policy (evaluation) </a:t>
+            </a:r>
+          </a:p>
+          <a:p>
+            <a:pPr lvl="1"/>
+            <a:r>
+              <a:rPr lang="en-GB" dirty="0"/>
+              <a:t>the other making the policy greedy with the current value function (improvement) </a:t>
+            </a:r>
+          </a:p>
+          <a:p>
+            <a:r>
+              <a:rPr lang="en-GB" dirty="0"/>
+              <a:t>These two processes alternate</a:t>
+            </a:r>
+          </a:p>
+          <a:p>
+            <a:pPr lvl="1"/>
+            <a:r>
+              <a:rPr lang="en-GB" dirty="0"/>
+              <a:t>each completing before the other begins (policy iteration)</a:t>
+            </a:r>
+          </a:p>
+          <a:p>
+            <a:pPr lvl="1"/>
+            <a:r>
+              <a:rPr lang="en-GB" dirty="0"/>
+              <a:t>only a single iteration of evaluation is performed before each policy improvement;</a:t>
+            </a:r>
+          </a:p>
+          <a:p>
+            <a:pPr lvl="1"/>
+            <a:r>
+              <a:rPr lang="en-GB" dirty="0"/>
+              <a:t>or the two can be interleaved at an even finer grain (asynchronous methods)</a:t>
+            </a:r>
+          </a:p>
+          <a:p>
+            <a:endParaRPr lang="en-GB" dirty="0"/>
+          </a:p>
+          <a:p>
+            <a:pPr lvl="0"/>
+            <a:endParaRPr lang="en-GB" dirty="0"/>
+          </a:p>
+          <a:p>
+            <a:pPr lvl="1"/>
+            <a:endParaRPr lang="en-GB" dirty="0"/>
+          </a:p>
+        </p:txBody>
+      </p:sp>
+      <p:pic>
+        <p:nvPicPr>
+          <p:cNvPr id="4" name="Immagine 3" descr="Immagine che contiene testo, diagramma, Carattere, cerchio&#10;&#10;Descrizione generata automaticamente">
+            <a:extLst>
+              <a:ext uri="{FF2B5EF4-FFF2-40B4-BE49-F238E27FC236}">
+                <a16:creationId xmlns:a16="http://schemas.microsoft.com/office/drawing/2014/main" id="{43B3DE51-4894-0AC0-2053-477D69282A5F}"/>
+              </a:ext>
+            </a:extLst>
+          </p:cNvPr>
+          <p:cNvPicPr>
+            <a:picLocks noChangeAspect="1"/>
+          </p:cNvPicPr>
+          <p:nvPr/>
+        </p:nvPicPr>
+        <p:blipFill>
+          <a:blip r:embed="rId3"/>
+          <a:stretch>
+            <a:fillRect/>
+          </a:stretch>
+        </p:blipFill>
+        <p:spPr>
+          <a:xfrm>
+            <a:off x="311699" y="3882057"/>
+            <a:ext cx="3566505" cy="2723513"/>
+          </a:xfrm>
+          <a:prstGeom prst="rect">
+            <a:avLst/>
+          </a:prstGeom>
+        </p:spPr>
+      </p:pic>
+      <p:pic>
+        <p:nvPicPr>
+          <p:cNvPr id="6" name="Immagine 5" descr="Immagine che contiene linea, diagramma, triangolo&#10;&#10;Descrizione generata automaticamente">
+            <a:extLst>
+              <a:ext uri="{FF2B5EF4-FFF2-40B4-BE49-F238E27FC236}">
+                <a16:creationId xmlns:a16="http://schemas.microsoft.com/office/drawing/2014/main" id="{80D58996-325D-6AD7-7243-F8961C4C9071}"/>
+              </a:ext>
+            </a:extLst>
+          </p:cNvPr>
+          <p:cNvPicPr>
+            <a:picLocks noChangeAspect="1"/>
+          </p:cNvPicPr>
+          <p:nvPr/>
+        </p:nvPicPr>
+        <p:blipFill>
+          <a:blip r:embed="rId4"/>
+          <a:stretch>
+            <a:fillRect/>
+          </a:stretch>
+        </p:blipFill>
+        <p:spPr>
+          <a:xfrm>
+            <a:off x="3860901" y="3720826"/>
+            <a:ext cx="4971399" cy="2947116"/>
+          </a:xfrm>
+          <a:prstGeom prst="rect">
+            <a:avLst/>
+          </a:prstGeom>
+        </p:spPr>
+      </p:pic>
+    </p:spTree>
+    <p:extLst>
+      <p:ext uri="{BB962C8B-B14F-4D97-AF65-F5344CB8AC3E}">
+        <p14:creationId xmlns:p14="http://schemas.microsoft.com/office/powerpoint/2010/main" val="3946992071"/>
       </p:ext>
     </p:extLst>
   </p:cSld>

--- a/02 - Dynamic Programming/slides.pptx
+++ b/02 - Dynamic Programming/slides.pptx
@@ -10790,8 +10790,8 @@
         </p:nvSpPr>
         <p:spPr>
           <a:xfrm>
-            <a:off x="311700" y="1234697"/>
-            <a:ext cx="8520600" cy="5202070"/>
+            <a:off x="311700" y="1572899"/>
+            <a:ext cx="8520600" cy="4239177"/>
           </a:xfrm>
           <a:prstGeom prst="rect">
             <a:avLst/>
@@ -10886,6 +10886,13 @@
             <a:r>
               <a:rPr lang="en-GB" sz="1800" dirty="0"/>
               <a:t>Drawbacks</a:t>
+            </a:r>
+          </a:p>
+          <a:p>
+            <a:pPr lvl="0"/>
+            <a:r>
+              <a:rPr lang="en-GB" sz="1800" dirty="0"/>
+              <a:t>Generalized Policy Iteration</a:t>
             </a:r>
             <a:endParaRPr lang="en-GB" dirty="0"/>
           </a:p>

--- a/02 - Dynamic Programming/slides.pptx
+++ b/02 - Dynamic Programming/slides.pptx
@@ -8384,7 +8384,15 @@
           <a:p>
             <a:r>
               <a:rPr lang="en-GB" dirty="0"/>
-              <a:t>We can define the action-value function (Q-function) as the expected return if the agent follows a policy after taking an action in state:</a:t>
+              <a:t>We can define the </a:t>
+            </a:r>
+            <a:r>
+              <a:rPr lang="en-GB" b="1" dirty="0"/>
+              <a:t>action-value function (Q-function)</a:t>
+            </a:r>
+            <a:r>
+              <a:rPr lang="en-GB" dirty="0"/>
+              <a:t> as the expected return if the agent follows a policy after taking an action in state:</a:t>
             </a:r>
           </a:p>
           <a:p>
@@ -8601,15 +8609,7 @@
             </a:r>
             <a:r>
               <a:rPr lang="en-GB" b="1" dirty="0"/>
-              <a:t>better than or equal to all </a:t>
-            </a:r>
-            <a:r>
-              <a:rPr lang="en-GB" b="1" dirty="0" err="1"/>
-              <a:t>othe</a:t>
-            </a:r>
-            <a:r>
-              <a:rPr lang="en-GB" b="1" dirty="0"/>
-              <a:t>,</a:t>
+              <a:t>better than or equal to all others,</a:t>
             </a:r>
             <a:r>
               <a:rPr lang="en-GB" dirty="0"/>
@@ -8971,7 +8971,11 @@
             <a:pPr lvl="1"/>
             <a:r>
               <a:rPr lang="en-GB" dirty="0"/>
-              <a:t>we can stop short when variations are sufficiently small</a:t>
+              <a:t>we can stop short </a:t>
+            </a:r>
+            <a:r>
+              <a:rPr lang="en-GB" b="1" dirty="0"/>
+              <a:t>when variations are sufficiently small</a:t>
             </a:r>
           </a:p>
           <a:p>
@@ -11674,7 +11678,7 @@
           <a:p>
             <a:r>
               <a:rPr lang="en-GB" dirty="0"/>
-              <a:t>They are important theoretically. </a:t>
+              <a:t>They are important theoretically </a:t>
             </a:r>
           </a:p>
           <a:p>
@@ -12092,7 +12096,23 @@
           <a:p>
             <a:r>
               <a:rPr lang="en-GB" dirty="0"/>
-              <a:t>However, the brute-force approach is not a good idea, because it is very inefficient. We need a better way to evaluate policies.</a:t>
+              <a:t>However, the brute-force approach is </a:t>
+            </a:r>
+            <a:r>
+              <a:rPr lang="en-GB" b="1" dirty="0"/>
+              <a:t>not a good idea</a:t>
+            </a:r>
+            <a:r>
+              <a:rPr lang="en-GB" dirty="0"/>
+              <a:t>, because </a:t>
+            </a:r>
+            <a:r>
+              <a:rPr lang="en-GB" b="1" dirty="0"/>
+              <a:t>it is very inefficient</a:t>
+            </a:r>
+            <a:r>
+              <a:rPr lang="en-GB" dirty="0"/>
+              <a:t>. We need a better way to evaluate policies.</a:t>
             </a:r>
           </a:p>
         </p:txBody>
@@ -13154,7 +13174,7 @@
         </p:nvSpPr>
         <p:spPr>
           <a:xfrm>
-            <a:off x="162750" y="1212537"/>
+            <a:off x="162750" y="1283561"/>
             <a:ext cx="8818500" cy="5224230"/>
           </a:xfrm>
           <a:prstGeom prst="rect">
@@ -13170,7 +13190,7 @@
             <a:pPr lvl="0"/>
             <a:r>
               <a:rPr lang="en-GB" dirty="0"/>
-              <a:t>The value of a state must equal the (discounted) value of the expected next state, plus the reward expected along the way:</a:t>
+              <a:t>The value of a state is equal to the (discounted) value of the expected next state, plus the reward expected along the way:</a:t>
             </a:r>
           </a:p>
           <a:p>
@@ -13266,7 +13286,7 @@
         </p:blipFill>
         <p:spPr>
           <a:xfrm>
-            <a:off x="685800" y="2209424"/>
+            <a:off x="685800" y="2280448"/>
             <a:ext cx="7772400" cy="2239855"/>
           </a:xfrm>
           <a:prstGeom prst="rect">

--- a/02 - Dynamic Programming/slides.pptx
+++ b/02 - Dynamic Programming/slides.pptx
@@ -9780,7 +9780,15 @@
             <a:pPr lvl="0"/>
             <a:r>
               <a:rPr lang="en-GB" dirty="0"/>
-              <a:t>The process of making a new policy that improves an original policy by making it</a:t>
+              <a:t>The process of </a:t>
+            </a:r>
+            <a:r>
+              <a:rPr lang="en-GB" b="1" dirty="0"/>
+              <a:t>making a new policy </a:t>
+            </a:r>
+            <a:r>
+              <a:rPr lang="en-GB" dirty="0"/>
+              <a:t>that improves an original policy by making it</a:t>
             </a:r>
             <a:r>
               <a:rPr lang="en-GB" b="1" dirty="0"/>
@@ -9788,7 +9796,11 @@
             </a:r>
             <a:r>
               <a:rPr lang="en-GB" dirty="0"/>
-              <a:t>, is called policy improvement</a:t>
+              <a:t>, is called </a:t>
+            </a:r>
+            <a:r>
+              <a:rPr lang="en-GB" b="1" dirty="0"/>
+              <a:t>policy improvement</a:t>
             </a:r>
           </a:p>
           <a:p>
@@ -10360,7 +10372,7 @@
             </a:r>
             <a:r>
               <a:rPr lang="en-GB" dirty="0"/>
-              <a:t>over the previous one (unless it is already optimal). </a:t>
+              <a:t>over the previous one (unless it is already optimal)</a:t>
             </a:r>
           </a:p>
           <a:p>
@@ -10382,7 +10394,7 @@
           </a:p>
           <a:p>
             <a:r>
-              <a:rPr lang="en-GB" dirty="0">
+              <a:rPr lang="en-GB" b="1" dirty="0">
                 <a:highlight>
                   <a:srgbClr val="FFFF00"/>
                 </a:highlight>
@@ -10390,7 +10402,7 @@
               <a:t>See “policy-</a:t>
             </a:r>
             <a:r>
-              <a:rPr lang="en-GB" dirty="0" err="1">
+              <a:rPr lang="en-GB" b="1" dirty="0" err="1">
                 <a:highlight>
                   <a:srgbClr val="FFFF00"/>
                 </a:highlight>
@@ -10398,7 +10410,7 @@
               <a:t>iteration.ipynb</a:t>
             </a:r>
             <a:r>
-              <a:rPr lang="en-GB" dirty="0">
+              <a:rPr lang="en-GB" b="1" dirty="0">
                 <a:highlight>
                   <a:srgbClr val="FFFF00"/>
                 </a:highlight>
@@ -10600,7 +10612,11 @@
             </a:r>
             <a:r>
               <a:rPr lang="en-GB" dirty="0"/>
-              <a:t> evaluation after a single iteration</a:t>
+              <a:t> </a:t>
+            </a:r>
+            <a:r>
+              <a:rPr lang="en-GB" b="1" dirty="0"/>
+              <a:t>evaluation after a single iteration</a:t>
             </a:r>
           </a:p>
           <a:p>
@@ -10619,8 +10635,12 @@
           <a:p>
             <a:pPr lvl="1"/>
             <a:r>
-              <a:rPr lang="en-GB" dirty="0"/>
-              <a:t>don’t wait until we have an accurate estimate of the policy before improving</a:t>
+              <a:rPr lang="en-GB" b="1" dirty="0"/>
+              <a:t>don’t wait until we have an accurate estimate </a:t>
+            </a:r>
+            <a:r>
+              <a:rPr lang="en-GB" dirty="0"/>
+              <a:t>of the policy before improving</a:t>
             </a:r>
           </a:p>
           <a:p>
@@ -10648,7 +10668,7 @@
             <a:pPr lvl="1"/>
             <a:r>
               <a:rPr lang="en-GB" dirty="0"/>
-              <a:t>instead of improving the policy (by taking the argmax to get a better policy and then evaluating this improved policy to obtain a value function again)</a:t>
+              <a:t>instead of taking the argmax to get a better policy and then evaluate this improved policy to obtain a new value function</a:t>
             </a:r>
           </a:p>
           <a:p>
@@ -10682,10 +10702,10 @@
       </p:sp>
       <p:pic>
         <p:nvPicPr>
-          <p:cNvPr id="3" name="Immagine 2">
+          <p:cNvPr id="4" name="Immagine 3">
             <a:extLst>
               <a:ext uri="{FF2B5EF4-FFF2-40B4-BE49-F238E27FC236}">
-                <a16:creationId xmlns:a16="http://schemas.microsoft.com/office/drawing/2014/main" id="{4BDFCAA1-82C2-65D3-67CE-11523EB0262D}"/>
+                <a16:creationId xmlns:a16="http://schemas.microsoft.com/office/drawing/2014/main" id="{E1284947-41D3-6A0B-117D-33895F1395A7}"/>
               </a:ext>
             </a:extLst>
           </p:cNvPr>
@@ -10702,8 +10722,8 @@
         </p:blipFill>
         <p:spPr>
           <a:xfrm>
-            <a:off x="618191" y="4367306"/>
-            <a:ext cx="4787900" cy="812800"/>
+            <a:off x="790112" y="4439199"/>
+            <a:ext cx="4741046" cy="710157"/>
           </a:xfrm>
           <a:prstGeom prst="rect">
             <a:avLst/>
@@ -11060,16 +11080,24 @@
           <a:p>
             <a:r>
               <a:rPr lang="en-GB" dirty="0"/>
-              <a:t>While the goal is the same as of policy iteration (to find the optimal policy) it happens to do this through the value functions (thus the name)</a:t>
-            </a:r>
-          </a:p>
-          <a:p>
-            <a:endParaRPr lang="en-GB" dirty="0"/>
-          </a:p>
-          <a:p>
-            <a:r>
-              <a:rPr lang="en-GB" dirty="0"/>
-              <a:t>Only at the end of the algorithm, after the value function converges to the optimal, do we extract the optimal policy by taking the argmax over the actions of the Q-function.</a:t>
+              <a:t>While the goal is the same as of policy iteration (to find the optimal policy) </a:t>
+            </a:r>
+            <a:r>
+              <a:rPr lang="en-GB" b="1" dirty="0"/>
+              <a:t>it happens to do this through the value functions </a:t>
+            </a:r>
+            <a:r>
+              <a:rPr lang="en-GB" dirty="0"/>
+              <a:t>(thus the name)</a:t>
+            </a:r>
+          </a:p>
+          <a:p>
+            <a:endParaRPr lang="en-GB" dirty="0"/>
+          </a:p>
+          <a:p>
+            <a:r>
+              <a:rPr lang="en-GB" dirty="0"/>
+              <a:t>Only at the end of the algorithm, after the value function converges to the optimal, do we extract the optimal policy by taking the argmax over the actions of the action-value function</a:t>
             </a:r>
           </a:p>
           <a:p>
@@ -11082,7 +11110,7 @@
                   <a:srgbClr val="FFFF00"/>
                 </a:highlight>
               </a:rPr>
-              <a:t>See “Value-</a:t>
+              <a:t>See “value-</a:t>
             </a:r>
             <a:r>
               <a:rPr lang="en-GB" b="1" dirty="0" err="1">
@@ -11237,6 +11265,10 @@
             </a:r>
           </a:p>
           <a:p>
+            <a:pPr lvl="1"/>
+            <a:endParaRPr lang="en-GB" dirty="0"/>
+          </a:p>
+          <a:p>
             <a:pPr lvl="0"/>
             <a:r>
               <a:rPr lang="en-GB" dirty="0"/>
@@ -11281,7 +11313,7 @@
             </a:r>
             <a:r>
               <a:rPr lang="en-GB" dirty="0"/>
-              <a:t>are iterative algorithms that are not organized in terms of systematic sweeps of the state set. </a:t>
+              <a:t>are iterative algorithms that are not organized in terms of systematic sweeps of the state set </a:t>
             </a:r>
           </a:p>
           <a:p>
@@ -11437,7 +11469,7 @@
             <a:pPr lvl="1"/>
             <a:r>
               <a:rPr lang="en-GB" dirty="0"/>
-              <a:t>only a single iteration of evaluation is performed before each policy improvement;</a:t>
+              <a:t>only a single iteration of evaluation is performed before each policy improvement</a:t>
             </a:r>
           </a:p>
           <a:p>

--- a/02 - Dynamic Programming/slides.pptx
+++ b/02 - Dynamic Programming/slides.pptx
@@ -819,7 +819,7 @@
               </a:spcAft>
               <a:buNone/>
             </a:pPr>
-            <a:endParaRPr/>
+            <a:endParaRPr dirty="0"/>
           </a:p>
         </p:txBody>
       </p:sp>

--- a/02 - Dynamic Programming/slides.pptx
+++ b/02 - Dynamic Programming/slides.pptx
@@ -9231,13 +9231,14 @@
             </a:r>
           </a:p>
           <a:p>
+            <a:pPr lvl="0"/>
             <a:r>
               <a:rPr lang="en-GB" b="1" dirty="0">
                 <a:highlight>
                   <a:srgbClr val="FFFF00"/>
                 </a:highlight>
               </a:rPr>
-              <a:t>See “policy-</a:t>
+              <a:t>See “</a:t>
             </a:r>
             <a:r>
               <a:rPr lang="en-GB" b="1" dirty="0" err="1">
@@ -9245,7 +9246,7 @@
                   <a:srgbClr val="FFFF00"/>
                 </a:highlight>
               </a:rPr>
-              <a:t>evaluation.ipynb</a:t>
+              <a:t>notebook.ipynb</a:t>
             </a:r>
             <a:r>
               <a:rPr lang="en-GB" b="1" dirty="0">
@@ -9253,43 +9254,8 @@
                   <a:srgbClr val="FFFF00"/>
                 </a:highlight>
               </a:rPr>
-              <a:t>” notebook</a:t>
-            </a:r>
-          </a:p>
-          <a:p>
-            <a:endParaRPr lang="en-GB" dirty="0"/>
-          </a:p>
-          <a:p>
-            <a:endParaRPr lang="en-GB" dirty="0"/>
-          </a:p>
-          <a:p>
-            <a:endParaRPr lang="en-GB" dirty="0"/>
-          </a:p>
-          <a:p>
-            <a:endParaRPr lang="en-GB" dirty="0"/>
-          </a:p>
-          <a:p>
-            <a:endParaRPr lang="en-GB" dirty="0"/>
-          </a:p>
-          <a:p>
-            <a:endParaRPr lang="en-GB" dirty="0"/>
-          </a:p>
-          <a:p>
-            <a:endParaRPr lang="en-GB" dirty="0"/>
-          </a:p>
-          <a:p>
-            <a:endParaRPr lang="en-GB" dirty="0"/>
-          </a:p>
-          <a:p>
-            <a:endParaRPr lang="en-GB" dirty="0"/>
-          </a:p>
-          <a:p>
-            <a:endParaRPr lang="en-GB" dirty="0"/>
-          </a:p>
-          <a:p>
-            <a:endParaRPr lang="en-GB" dirty="0"/>
-          </a:p>
-          <a:p>
+              <a:t>”</a:t>
+            </a:r>
             <a:endParaRPr lang="en-GB" dirty="0"/>
           </a:p>
           <a:p>
@@ -9321,35 +9287,6 @@
           </a:p>
         </p:txBody>
       </p:sp>
-      <p:pic>
-        <p:nvPicPr>
-          <p:cNvPr id="3" name="Immagine 2">
-            <a:extLst>
-              <a:ext uri="{FF2B5EF4-FFF2-40B4-BE49-F238E27FC236}">
-                <a16:creationId xmlns:a16="http://schemas.microsoft.com/office/drawing/2014/main" id="{6A21728D-C447-40EA-7D63-4081FD2B8AB5}"/>
-              </a:ext>
-            </a:extLst>
-          </p:cNvPr>
-          <p:cNvPicPr>
-            <a:picLocks noChangeAspect="1"/>
-          </p:cNvPicPr>
-          <p:nvPr/>
-        </p:nvPicPr>
-        <p:blipFill rotWithShape="1">
-          <a:blip r:embed="rId3"/>
-          <a:srcRect b="19274"/>
-          <a:stretch/>
-        </p:blipFill>
-        <p:spPr>
-          <a:xfrm>
-            <a:off x="512109" y="1961624"/>
-            <a:ext cx="7435103" cy="3473524"/>
-          </a:xfrm>
-          <a:prstGeom prst="rect">
-            <a:avLst/>
-          </a:prstGeom>
-        </p:spPr>
-      </p:pic>
     </p:spTree>
     <p:extLst>
       <p:ext uri="{BB962C8B-B14F-4D97-AF65-F5344CB8AC3E}">
@@ -10039,10 +9976,10 @@
       </p:sp>
       <p:pic>
         <p:nvPicPr>
-          <p:cNvPr id="4" name="Immagine 3">
+          <p:cNvPr id="2" name="Immagine 1">
             <a:extLst>
               <a:ext uri="{FF2B5EF4-FFF2-40B4-BE49-F238E27FC236}">
-                <a16:creationId xmlns:a16="http://schemas.microsoft.com/office/drawing/2014/main" id="{F2EA674F-3007-8C11-D4E9-6B891C31B2B8}"/>
+                <a16:creationId xmlns:a16="http://schemas.microsoft.com/office/drawing/2014/main" id="{DCB02F15-C11A-E0A2-626F-1922A7F39D16}"/>
               </a:ext>
             </a:extLst>
           </p:cNvPr>
@@ -10059,8 +9996,8 @@
         </p:blipFill>
         <p:spPr>
           <a:xfrm>
-            <a:off x="1044509" y="1927101"/>
-            <a:ext cx="6456455" cy="3907608"/>
+            <a:off x="283576" y="2216349"/>
+            <a:ext cx="8548724" cy="3234882"/>
           </a:xfrm>
           <a:prstGeom prst="rect">
             <a:avLst/>
@@ -10163,13 +10100,14 @@
             </a:r>
           </a:p>
           <a:p>
+            <a:pPr lvl="0"/>
             <a:r>
               <a:rPr lang="en-GB" b="1" dirty="0">
                 <a:highlight>
                   <a:srgbClr val="FFFF00"/>
                 </a:highlight>
               </a:rPr>
-              <a:t>See “policy-</a:t>
+              <a:t>See “</a:t>
             </a:r>
             <a:r>
               <a:rPr lang="en-GB" b="1" dirty="0" err="1">
@@ -10177,7 +10115,7 @@
                   <a:srgbClr val="FFFF00"/>
                 </a:highlight>
               </a:rPr>
-              <a:t>improvement.ipynb</a:t>
+              <a:t>notebook.ipynb</a:t>
             </a:r>
             <a:r>
               <a:rPr lang="en-GB" b="1" dirty="0">
@@ -10185,7 +10123,7 @@
                   <a:srgbClr val="FFFF00"/>
                 </a:highlight>
               </a:rPr>
-              <a:t>” notebook</a:t>
+              <a:t>”</a:t>
             </a:r>
           </a:p>
           <a:p>
@@ -10214,36 +10152,6 @@
           </a:p>
         </p:txBody>
       </p:sp>
-      <p:pic>
-        <p:nvPicPr>
-          <p:cNvPr id="6" name="Immagine 5">
-            <a:extLst>
-              <a:ext uri="{FF2B5EF4-FFF2-40B4-BE49-F238E27FC236}">
-                <a16:creationId xmlns:a16="http://schemas.microsoft.com/office/drawing/2014/main" id="{9E42DC6C-2D97-601D-D608-EEEE5049A6ED}"/>
-              </a:ext>
-            </a:extLst>
-          </p:cNvPr>
-          <p:cNvPicPr>
-            <a:picLocks noChangeAspect="1"/>
-          </p:cNvPicPr>
-          <p:nvPr/>
-        </p:nvPicPr>
-        <p:blipFill>
-          <a:blip r:embed="rId3"/>
-          <a:stretch>
-            <a:fillRect/>
-          </a:stretch>
-        </p:blipFill>
-        <p:spPr>
-          <a:xfrm>
-            <a:off x="580640" y="2072556"/>
-            <a:ext cx="7772400" cy="4203440"/>
-          </a:xfrm>
-          <a:prstGeom prst="rect">
-            <a:avLst/>
-          </a:prstGeom>
-        </p:spPr>
-      </p:pic>
     </p:spTree>
     <p:extLst>
       <p:ext uri="{BB962C8B-B14F-4D97-AF65-F5344CB8AC3E}">
@@ -10393,13 +10301,14 @@
             <a:endParaRPr lang="en-GB" dirty="0"/>
           </a:p>
           <a:p>
+            <a:pPr lvl="0"/>
             <a:r>
               <a:rPr lang="en-GB" b="1" dirty="0">
                 <a:highlight>
                   <a:srgbClr val="FFFF00"/>
                 </a:highlight>
               </a:rPr>
-              <a:t>See “policy-</a:t>
+              <a:t>See “</a:t>
             </a:r>
             <a:r>
               <a:rPr lang="en-GB" b="1" dirty="0" err="1">
@@ -10407,7 +10316,7 @@
                   <a:srgbClr val="FFFF00"/>
                 </a:highlight>
               </a:rPr>
-              <a:t>iteration.ipynb</a:t>
+              <a:t>notebook.ipynb</a:t>
             </a:r>
             <a:r>
               <a:rPr lang="en-GB" b="1" dirty="0">
@@ -10415,7 +10324,7 @@
                   <a:srgbClr val="FFFF00"/>
                 </a:highlight>
               </a:rPr>
-              <a:t>” notebook</a:t>
+              <a:t>”</a:t>
             </a:r>
           </a:p>
           <a:p>
@@ -11104,13 +11013,14 @@
             <a:endParaRPr lang="en-GB" dirty="0"/>
           </a:p>
           <a:p>
+            <a:pPr lvl="0"/>
             <a:r>
               <a:rPr lang="en-GB" b="1" dirty="0">
                 <a:highlight>
                   <a:srgbClr val="FFFF00"/>
                 </a:highlight>
               </a:rPr>
-              <a:t>See “value-</a:t>
+              <a:t>See “</a:t>
             </a:r>
             <a:r>
               <a:rPr lang="en-GB" b="1" dirty="0" err="1">
@@ -11118,7 +11028,7 @@
                   <a:srgbClr val="FFFF00"/>
                 </a:highlight>
               </a:rPr>
-              <a:t>iteration.ipynb</a:t>
+              <a:t>notebook.ipynb</a:t>
             </a:r>
             <a:r>
               <a:rPr lang="en-GB" b="1" dirty="0">
@@ -11126,7 +11036,7 @@
                   <a:srgbClr val="FFFF00"/>
                 </a:highlight>
               </a:rPr>
-              <a:t>” notebook</a:t>
+              <a:t>”</a:t>
             </a:r>
           </a:p>
           <a:p>
@@ -11494,10 +11404,10 @@
       </p:sp>
       <p:pic>
         <p:nvPicPr>
-          <p:cNvPr id="4" name="Immagine 3" descr="Immagine che contiene testo, diagramma, Carattere, cerchio&#10;&#10;Descrizione generata automaticamente">
+          <p:cNvPr id="2" name="Immagine 1">
             <a:extLst>
               <a:ext uri="{FF2B5EF4-FFF2-40B4-BE49-F238E27FC236}">
-                <a16:creationId xmlns:a16="http://schemas.microsoft.com/office/drawing/2014/main" id="{43B3DE51-4894-0AC0-2053-477D69282A5F}"/>
+                <a16:creationId xmlns:a16="http://schemas.microsoft.com/office/drawing/2014/main" id="{A093C899-FBE1-E68A-9540-5824C2447CFA}"/>
               </a:ext>
             </a:extLst>
           </p:cNvPr>
@@ -11514,38 +11424,8 @@
         </p:blipFill>
         <p:spPr>
           <a:xfrm>
-            <a:off x="311699" y="3882057"/>
-            <a:ext cx="3566505" cy="2723513"/>
-          </a:xfrm>
-          <a:prstGeom prst="rect">
-            <a:avLst/>
-          </a:prstGeom>
-        </p:spPr>
-      </p:pic>
-      <p:pic>
-        <p:nvPicPr>
-          <p:cNvPr id="6" name="Immagine 5" descr="Immagine che contiene linea, diagramma, triangolo&#10;&#10;Descrizione generata automaticamente">
-            <a:extLst>
-              <a:ext uri="{FF2B5EF4-FFF2-40B4-BE49-F238E27FC236}">
-                <a16:creationId xmlns:a16="http://schemas.microsoft.com/office/drawing/2014/main" id="{80D58996-325D-6AD7-7243-F8961C4C9071}"/>
-              </a:ext>
-            </a:extLst>
-          </p:cNvPr>
-          <p:cNvPicPr>
-            <a:picLocks noChangeAspect="1"/>
-          </p:cNvPicPr>
-          <p:nvPr/>
-        </p:nvPicPr>
-        <p:blipFill>
-          <a:blip r:embed="rId4"/>
-          <a:stretch>
-            <a:fillRect/>
-          </a:stretch>
-        </p:blipFill>
-        <p:spPr>
-          <a:xfrm>
-            <a:off x="3860901" y="3720826"/>
-            <a:ext cx="4971399" cy="2947116"/>
+            <a:off x="685800" y="3824652"/>
+            <a:ext cx="7772400" cy="2711539"/>
           </a:xfrm>
           <a:prstGeom prst="rect">
             <a:avLst/>
@@ -11919,10 +11799,10 @@
       </p:sp>
       <p:pic>
         <p:nvPicPr>
-          <p:cNvPr id="3" name="Immagine 2">
+          <p:cNvPr id="2" name="Immagine 1">
             <a:extLst>
               <a:ext uri="{FF2B5EF4-FFF2-40B4-BE49-F238E27FC236}">
-                <a16:creationId xmlns:a16="http://schemas.microsoft.com/office/drawing/2014/main" id="{3D612918-D8B8-CD01-B1BD-3C2C883C0619}"/>
+                <a16:creationId xmlns:a16="http://schemas.microsoft.com/office/drawing/2014/main" id="{676BA6A5-CD6D-5F9A-0DE6-A9A9622D5FF3}"/>
               </a:ext>
             </a:extLst>
           </p:cNvPr>
@@ -11939,8 +11819,8 @@
         </p:blipFill>
         <p:spPr>
           <a:xfrm>
-            <a:off x="311700" y="2517413"/>
-            <a:ext cx="8675537" cy="3772564"/>
+            <a:off x="685800" y="2546092"/>
+            <a:ext cx="7772400" cy="3673230"/>
           </a:xfrm>
           <a:prstGeom prst="rect">
             <a:avLst/>
@@ -12061,13 +11941,14 @@
             </a:r>
           </a:p>
           <a:p>
+            <a:pPr lvl="0"/>
             <a:r>
               <a:rPr lang="en-GB" b="1" dirty="0">
                 <a:highlight>
                   <a:srgbClr val="FFFF00"/>
                 </a:highlight>
               </a:rPr>
-              <a:t>See “brute-force-</a:t>
+              <a:t>See “</a:t>
             </a:r>
             <a:r>
               <a:rPr lang="en-GB" b="1" dirty="0" err="1">
@@ -12075,7 +11956,7 @@
                   <a:srgbClr val="FFFF00"/>
                 </a:highlight>
               </a:rPr>
-              <a:t>evaluation.ipynb</a:t>
+              <a:t>notebook.ipynb</a:t>
             </a:r>
             <a:r>
               <a:rPr lang="en-GB" b="1" dirty="0">
@@ -12083,7 +11964,7 @@
                   <a:srgbClr val="FFFF00"/>
                 </a:highlight>
               </a:rPr>
-              <a:t>” notebook</a:t>
+              <a:t>”</a:t>
             </a:r>
           </a:p>
           <a:p>
@@ -12440,10 +12321,10 @@
       </p:pic>
       <p:pic>
         <p:nvPicPr>
-          <p:cNvPr id="5" name="Immagine 4">
+          <p:cNvPr id="2" name="Immagine 1">
             <a:extLst>
               <a:ext uri="{FF2B5EF4-FFF2-40B4-BE49-F238E27FC236}">
-                <a16:creationId xmlns:a16="http://schemas.microsoft.com/office/drawing/2014/main" id="{55C3708D-308C-3DBB-63DA-7A240C10CC40}"/>
+                <a16:creationId xmlns:a16="http://schemas.microsoft.com/office/drawing/2014/main" id="{10EAD22E-A8B1-C71A-9169-11571D80F81E}"/>
               </a:ext>
             </a:extLst>
           </p:cNvPr>
@@ -12460,8 +12341,8 @@
         </p:blipFill>
         <p:spPr>
           <a:xfrm>
-            <a:off x="1449745" y="2807355"/>
-            <a:ext cx="5623409" cy="3173083"/>
+            <a:off x="1882177" y="2872706"/>
+            <a:ext cx="4794738" cy="3090802"/>
           </a:xfrm>
           <a:prstGeom prst="rect">
             <a:avLst/>
@@ -13262,6 +13143,14 @@
             <a:endParaRPr lang="en-GB" dirty="0"/>
           </a:p>
           <a:p>
+            <a:pPr lvl="0"/>
+            <a:endParaRPr lang="en-GB" dirty="0"/>
+          </a:p>
+          <a:p>
+            <a:pPr lvl="0"/>
+            <a:endParaRPr lang="en-GB" dirty="0"/>
+          </a:p>
+          <a:p>
             <a:pPr marL="120650" lvl="0" indent="0">
               <a:buNone/>
             </a:pPr>
@@ -13298,10 +13187,10 @@
       </p:sp>
       <p:pic>
         <p:nvPicPr>
-          <p:cNvPr id="3" name="Immagine 2">
+          <p:cNvPr id="2" name="Immagine 1">
             <a:extLst>
               <a:ext uri="{FF2B5EF4-FFF2-40B4-BE49-F238E27FC236}">
-                <a16:creationId xmlns:a16="http://schemas.microsoft.com/office/drawing/2014/main" id="{DA03AC7D-417B-5AFD-85E1-87D7DFB184A9}"/>
+                <a16:creationId xmlns:a16="http://schemas.microsoft.com/office/drawing/2014/main" id="{290F74E5-1E47-273E-D0DE-4CBCE516DF31}"/>
               </a:ext>
             </a:extLst>
           </p:cNvPr>
@@ -13318,8 +13207,8 @@
         </p:blipFill>
         <p:spPr>
           <a:xfrm>
-            <a:off x="685800" y="2280448"/>
-            <a:ext cx="7772400" cy="2239855"/>
+            <a:off x="656492" y="2036400"/>
+            <a:ext cx="7292769" cy="3297600"/>
           </a:xfrm>
           <a:prstGeom prst="rect">
             <a:avLst/>

--- a/02 - Dynamic Programming/slides.pptx
+++ b/02 - Dynamic Programming/slides.pptx
@@ -8452,10 +8452,10 @@
       </p:pic>
       <p:pic>
         <p:nvPicPr>
-          <p:cNvPr id="5" name="Immagine 4">
+          <p:cNvPr id="4" name="Immagine 3">
             <a:extLst>
               <a:ext uri="{FF2B5EF4-FFF2-40B4-BE49-F238E27FC236}">
-                <a16:creationId xmlns:a16="http://schemas.microsoft.com/office/drawing/2014/main" id="{7B86D6E6-A8CA-EF51-8EE9-2D96DFC182B9}"/>
+                <a16:creationId xmlns:a16="http://schemas.microsoft.com/office/drawing/2014/main" id="{49D4DE54-5CA3-0125-DED5-9540211E4311}"/>
               </a:ext>
             </a:extLst>
           </p:cNvPr>
@@ -8472,8 +8472,8 @@
         </p:blipFill>
         <p:spPr>
           <a:xfrm>
-            <a:off x="685800" y="5522367"/>
-            <a:ext cx="5816600" cy="914400"/>
+            <a:off x="685800" y="5645463"/>
+            <a:ext cx="6360459" cy="769023"/>
           </a:xfrm>
           <a:prstGeom prst="rect">
             <a:avLst/>
@@ -8664,7 +8664,7 @@
             <a:pPr lvl="0"/>
             <a:r>
               <a:rPr lang="en-GB" dirty="0"/>
-              <a:t>Once we have an optimal state-(action-)value function, it is easy to determine an optimal policy</a:t>
+              <a:t>Once we have an optimal state/action-value function, it is easy to determine an optimal policy</a:t>
             </a:r>
           </a:p>
           <a:p>
@@ -8703,10 +8703,10 @@
       </p:sp>
       <p:pic>
         <p:nvPicPr>
-          <p:cNvPr id="3" name="Immagine 2">
+          <p:cNvPr id="4" name="Immagine 3">
             <a:extLst>
               <a:ext uri="{FF2B5EF4-FFF2-40B4-BE49-F238E27FC236}">
-                <a16:creationId xmlns:a16="http://schemas.microsoft.com/office/drawing/2014/main" id="{B0127973-591B-9909-FAFE-07ECD76ED8FD}"/>
+                <a16:creationId xmlns:a16="http://schemas.microsoft.com/office/drawing/2014/main" id="{5C2FC9CC-238F-7BD1-38B3-20957891A954}"/>
               </a:ext>
             </a:extLst>
           </p:cNvPr>
@@ -8723,8 +8723,8 @@
         </p:blipFill>
         <p:spPr>
           <a:xfrm>
-            <a:off x="1147155" y="1992057"/>
-            <a:ext cx="3923871" cy="383367"/>
+            <a:off x="1122180" y="3056952"/>
+            <a:ext cx="2743200" cy="368300"/>
           </a:xfrm>
           <a:prstGeom prst="rect">
             <a:avLst/>
@@ -8733,10 +8733,10 @@
       </p:pic>
       <p:pic>
         <p:nvPicPr>
-          <p:cNvPr id="10" name="Immagine 9">
+          <p:cNvPr id="6" name="Immagine 5">
             <a:extLst>
               <a:ext uri="{FF2B5EF4-FFF2-40B4-BE49-F238E27FC236}">
-                <a16:creationId xmlns:a16="http://schemas.microsoft.com/office/drawing/2014/main" id="{D65949B2-86D7-6273-3893-959F8649C774}"/>
+                <a16:creationId xmlns:a16="http://schemas.microsoft.com/office/drawing/2014/main" id="{462170BD-2F9E-9282-5E1F-A157418CF394}"/>
               </a:ext>
             </a:extLst>
           </p:cNvPr>
@@ -8753,8 +8753,8 @@
         </p:blipFill>
         <p:spPr>
           <a:xfrm>
-            <a:off x="673100" y="3110727"/>
-            <a:ext cx="3282950" cy="460340"/>
+            <a:off x="1122180" y="1998118"/>
+            <a:ext cx="3479800" cy="355600"/>
           </a:xfrm>
           <a:prstGeom prst="rect">
             <a:avLst/>
@@ -8763,10 +8763,10 @@
       </p:pic>
       <p:pic>
         <p:nvPicPr>
-          <p:cNvPr id="12" name="Immagine 11">
+          <p:cNvPr id="8" name="Immagine 7">
             <a:extLst>
               <a:ext uri="{FF2B5EF4-FFF2-40B4-BE49-F238E27FC236}">
-                <a16:creationId xmlns:a16="http://schemas.microsoft.com/office/drawing/2014/main" id="{A34C585B-ADDA-909D-7E87-E59E871EA38E}"/>
+                <a16:creationId xmlns:a16="http://schemas.microsoft.com/office/drawing/2014/main" id="{49A4F975-673C-9E1D-02FC-52B94F0523B4}"/>
               </a:ext>
             </a:extLst>
           </p:cNvPr>
@@ -8783,8 +8783,8 @@
         </p:blipFill>
         <p:spPr>
           <a:xfrm>
-            <a:off x="673100" y="3840490"/>
-            <a:ext cx="4927600" cy="511355"/>
+            <a:off x="1122180" y="3868691"/>
+            <a:ext cx="4051300" cy="508000"/>
           </a:xfrm>
           <a:prstGeom prst="rect">
             <a:avLst/>
@@ -9231,34 +9231,6 @@
             </a:r>
           </a:p>
           <a:p>
-            <a:pPr lvl="0"/>
-            <a:r>
-              <a:rPr lang="en-GB" b="1" dirty="0">
-                <a:highlight>
-                  <a:srgbClr val="FFFF00"/>
-                </a:highlight>
-              </a:rPr>
-              <a:t>See “</a:t>
-            </a:r>
-            <a:r>
-              <a:rPr lang="en-GB" b="1" dirty="0" err="1">
-                <a:highlight>
-                  <a:srgbClr val="FFFF00"/>
-                </a:highlight>
-              </a:rPr>
-              <a:t>notebook.ipynb</a:t>
-            </a:r>
-            <a:r>
-              <a:rPr lang="en-GB" b="1" dirty="0">
-                <a:highlight>
-                  <a:srgbClr val="FFFF00"/>
-                </a:highlight>
-              </a:rPr>
-              <a:t>”</a:t>
-            </a:r>
-            <a:endParaRPr lang="en-GB" dirty="0"/>
-          </a:p>
-          <a:p>
             <a:endParaRPr lang="en-GB" sz="500" dirty="0"/>
           </a:p>
           <a:p>
@@ -9287,6 +9259,36 @@
           </a:p>
         </p:txBody>
       </p:sp>
+      <p:pic>
+        <p:nvPicPr>
+          <p:cNvPr id="2" name="Immagine 1" descr="Immagine che contiene Carattere, Elementi grafici, logo, cerchio&#10;&#10;Descrizione generata automaticamente">
+            <a:extLst>
+              <a:ext uri="{FF2B5EF4-FFF2-40B4-BE49-F238E27FC236}">
+                <a16:creationId xmlns:a16="http://schemas.microsoft.com/office/drawing/2014/main" id="{EED187CF-9928-E27B-44D7-D2F3C4BD0290}"/>
+              </a:ext>
+            </a:extLst>
+          </p:cNvPr>
+          <p:cNvPicPr>
+            <a:picLocks noChangeAspect="1"/>
+          </p:cNvPicPr>
+          <p:nvPr/>
+        </p:nvPicPr>
+        <p:blipFill>
+          <a:blip r:embed="rId3"/>
+          <a:stretch>
+            <a:fillRect/>
+          </a:stretch>
+        </p:blipFill>
+        <p:spPr>
+          <a:xfrm>
+            <a:off x="8596852" y="87408"/>
+            <a:ext cx="407258" cy="495579"/>
+          </a:xfrm>
+          <a:prstGeom prst="rect">
+            <a:avLst/>
+          </a:prstGeom>
+        </p:spPr>
+      </p:pic>
     </p:spTree>
     <p:extLst>
       <p:ext uri="{BB962C8B-B14F-4D97-AF65-F5344CB8AC3E}">
@@ -9773,10 +9775,10 @@
       </p:sp>
       <p:pic>
         <p:nvPicPr>
-          <p:cNvPr id="3" name="Immagine 2">
+          <p:cNvPr id="4" name="Immagine 3">
             <a:extLst>
               <a:ext uri="{FF2B5EF4-FFF2-40B4-BE49-F238E27FC236}">
-                <a16:creationId xmlns:a16="http://schemas.microsoft.com/office/drawing/2014/main" id="{D168A4EC-8B0B-3D6A-14AC-9D2288F47B59}"/>
+                <a16:creationId xmlns:a16="http://schemas.microsoft.com/office/drawing/2014/main" id="{4F5AF040-4B70-7AA6-926A-5081FAAB2260}"/>
               </a:ext>
             </a:extLst>
           </p:cNvPr>
@@ -9793,8 +9795,8 @@
         </p:blipFill>
         <p:spPr>
           <a:xfrm>
-            <a:off x="669738" y="2001523"/>
-            <a:ext cx="6997700" cy="800100"/>
+            <a:off x="660919" y="1982657"/>
+            <a:ext cx="7139089" cy="685591"/>
           </a:xfrm>
           <a:prstGeom prst="rect">
             <a:avLst/>
@@ -10101,37 +10103,6 @@
           </a:p>
           <a:p>
             <a:pPr lvl="0"/>
-            <a:r>
-              <a:rPr lang="en-GB" b="1" dirty="0">
-                <a:highlight>
-                  <a:srgbClr val="FFFF00"/>
-                </a:highlight>
-              </a:rPr>
-              <a:t>See “</a:t>
-            </a:r>
-            <a:r>
-              <a:rPr lang="en-GB" b="1" dirty="0" err="1">
-                <a:highlight>
-                  <a:srgbClr val="FFFF00"/>
-                </a:highlight>
-              </a:rPr>
-              <a:t>notebook.ipynb</a:t>
-            </a:r>
-            <a:r>
-              <a:rPr lang="en-GB" b="1" dirty="0">
-                <a:highlight>
-                  <a:srgbClr val="FFFF00"/>
-                </a:highlight>
-              </a:rPr>
-              <a:t>”</a:t>
-            </a:r>
-          </a:p>
-          <a:p>
-            <a:pPr lvl="1"/>
-            <a:endParaRPr lang="en-GB" dirty="0"/>
-          </a:p>
-          <a:p>
-            <a:pPr lvl="0"/>
             <a:endParaRPr lang="en-GB" dirty="0"/>
           </a:p>
           <a:p>
@@ -10152,6 +10123,36 @@
           </a:p>
         </p:txBody>
       </p:sp>
+      <p:pic>
+        <p:nvPicPr>
+          <p:cNvPr id="2" name="Immagine 1" descr="Immagine che contiene Carattere, Elementi grafici, logo, cerchio&#10;&#10;Descrizione generata automaticamente">
+            <a:extLst>
+              <a:ext uri="{FF2B5EF4-FFF2-40B4-BE49-F238E27FC236}">
+                <a16:creationId xmlns:a16="http://schemas.microsoft.com/office/drawing/2014/main" id="{0702DB52-6D7D-811A-790E-005AE8EBE603}"/>
+              </a:ext>
+            </a:extLst>
+          </p:cNvPr>
+          <p:cNvPicPr>
+            <a:picLocks noChangeAspect="1"/>
+          </p:cNvPicPr>
+          <p:nvPr/>
+        </p:nvPicPr>
+        <p:blipFill>
+          <a:blip r:embed="rId3"/>
+          <a:stretch>
+            <a:fillRect/>
+          </a:stretch>
+        </p:blipFill>
+        <p:spPr>
+          <a:xfrm>
+            <a:off x="8596852" y="87408"/>
+            <a:ext cx="407258" cy="495579"/>
+          </a:xfrm>
+          <a:prstGeom prst="rect">
+            <a:avLst/>
+          </a:prstGeom>
+        </p:spPr>
+      </p:pic>
     </p:spTree>
     <p:extLst>
       <p:ext uri="{BB962C8B-B14F-4D97-AF65-F5344CB8AC3E}">
@@ -10298,36 +10299,9 @@
             </a:r>
           </a:p>
           <a:p>
-            <a:endParaRPr lang="en-GB" dirty="0"/>
-          </a:p>
-          <a:p>
-            <a:pPr lvl="0"/>
-            <a:r>
-              <a:rPr lang="en-GB" b="1" dirty="0">
-                <a:highlight>
-                  <a:srgbClr val="FFFF00"/>
-                </a:highlight>
-              </a:rPr>
-              <a:t>See “</a:t>
-            </a:r>
-            <a:r>
-              <a:rPr lang="en-GB" b="1" dirty="0" err="1">
-                <a:highlight>
-                  <a:srgbClr val="FFFF00"/>
-                </a:highlight>
-              </a:rPr>
-              <a:t>notebook.ipynb</a:t>
-            </a:r>
-            <a:r>
-              <a:rPr lang="en-GB" b="1" dirty="0">
-                <a:highlight>
-                  <a:srgbClr val="FFFF00"/>
-                </a:highlight>
-              </a:rPr>
-              <a:t>”</a:t>
-            </a:r>
-          </a:p>
-          <a:p>
+            <a:pPr marL="120650" indent="0">
+              <a:buNone/>
+            </a:pPr>
             <a:endParaRPr lang="en-GB" dirty="0"/>
           </a:p>
           <a:p>
@@ -10398,6 +10372,36 @@
           <a:xfrm>
             <a:off x="860612" y="2489947"/>
             <a:ext cx="7772400" cy="513271"/>
+          </a:xfrm>
+          <a:prstGeom prst="rect">
+            <a:avLst/>
+          </a:prstGeom>
+        </p:spPr>
+      </p:pic>
+      <p:pic>
+        <p:nvPicPr>
+          <p:cNvPr id="2" name="Immagine 1" descr="Immagine che contiene Carattere, Elementi grafici, logo, cerchio&#10;&#10;Descrizione generata automaticamente">
+            <a:extLst>
+              <a:ext uri="{FF2B5EF4-FFF2-40B4-BE49-F238E27FC236}">
+                <a16:creationId xmlns:a16="http://schemas.microsoft.com/office/drawing/2014/main" id="{6338948F-EA95-9D30-E76A-FD28B7C89C72}"/>
+              </a:ext>
+            </a:extLst>
+          </p:cNvPr>
+          <p:cNvPicPr>
+            <a:picLocks noChangeAspect="1"/>
+          </p:cNvPicPr>
+          <p:nvPr/>
+        </p:nvPicPr>
+        <p:blipFill>
+          <a:blip r:embed="rId4"/>
+          <a:stretch>
+            <a:fillRect/>
+          </a:stretch>
+        </p:blipFill>
+        <p:spPr>
+          <a:xfrm>
+            <a:off x="8596852" y="87408"/>
+            <a:ext cx="407258" cy="495579"/>
           </a:xfrm>
           <a:prstGeom prst="rect">
             <a:avLst/>
@@ -10581,13 +10585,6 @@
             </a:r>
           </a:p>
           <a:p>
-            <a:pPr lvl="1"/>
-            <a:r>
-              <a:rPr lang="en-GB" dirty="0"/>
-              <a:t>we directly calculate the maximum (max, instead of argmax) value across the actions to be used for the next sweep over the states</a:t>
-            </a:r>
-          </a:p>
-          <a:p>
             <a:pPr lvl="0"/>
             <a:endParaRPr lang="en-GB" dirty="0"/>
           </a:p>
@@ -10611,10 +10608,10 @@
       </p:sp>
       <p:pic>
         <p:nvPicPr>
-          <p:cNvPr id="4" name="Immagine 3">
+          <p:cNvPr id="5" name="Immagine 4" descr="Immagine che contiene testo, Carattere, bianco, calligrafia&#10;&#10;Descrizione generata automaticamente">
             <a:extLst>
               <a:ext uri="{FF2B5EF4-FFF2-40B4-BE49-F238E27FC236}">
-                <a16:creationId xmlns:a16="http://schemas.microsoft.com/office/drawing/2014/main" id="{E1284947-41D3-6A0B-117D-33895F1395A7}"/>
+                <a16:creationId xmlns:a16="http://schemas.microsoft.com/office/drawing/2014/main" id="{FB6C823A-FF22-441E-78A6-EFDC289B2B0A}"/>
               </a:ext>
             </a:extLst>
           </p:cNvPr>
@@ -10631,8 +10628,8 @@
         </p:blipFill>
         <p:spPr>
           <a:xfrm>
-            <a:off x="790112" y="4439199"/>
-            <a:ext cx="4741046" cy="710157"/>
+            <a:off x="759460" y="4479290"/>
+            <a:ext cx="5727700" cy="711200"/>
           </a:xfrm>
           <a:prstGeom prst="rect">
             <a:avLst/>
@@ -11012,47 +11009,38 @@
           <a:p>
             <a:endParaRPr lang="en-GB" dirty="0"/>
           </a:p>
-          <a:p>
-            <a:pPr lvl="0"/>
-            <a:r>
-              <a:rPr lang="en-GB" b="1" dirty="0">
-                <a:highlight>
-                  <a:srgbClr val="FFFF00"/>
-                </a:highlight>
-              </a:rPr>
-              <a:t>See “</a:t>
-            </a:r>
-            <a:r>
-              <a:rPr lang="en-GB" b="1" dirty="0" err="1">
-                <a:highlight>
-                  <a:srgbClr val="FFFF00"/>
-                </a:highlight>
-              </a:rPr>
-              <a:t>notebook.ipynb</a:t>
-            </a:r>
-            <a:r>
-              <a:rPr lang="en-GB" b="1" dirty="0">
-                <a:highlight>
-                  <a:srgbClr val="FFFF00"/>
-                </a:highlight>
-              </a:rPr>
-              <a:t>”</a:t>
-            </a:r>
-          </a:p>
-          <a:p>
-            <a:pPr lvl="0"/>
-            <a:endParaRPr lang="en-GB" dirty="0"/>
-          </a:p>
-          <a:p>
-            <a:pPr lvl="0"/>
-            <a:endParaRPr lang="en-GB" dirty="0"/>
-          </a:p>
-          <a:p>
-            <a:pPr lvl="1"/>
-            <a:endParaRPr lang="en-GB" dirty="0"/>
-          </a:p>
         </p:txBody>
       </p:sp>
+      <p:pic>
+        <p:nvPicPr>
+          <p:cNvPr id="2" name="Immagine 1" descr="Immagine che contiene Carattere, Elementi grafici, logo, cerchio&#10;&#10;Descrizione generata automaticamente">
+            <a:extLst>
+              <a:ext uri="{FF2B5EF4-FFF2-40B4-BE49-F238E27FC236}">
+                <a16:creationId xmlns:a16="http://schemas.microsoft.com/office/drawing/2014/main" id="{F5BC7EB4-7EF6-299F-F30C-C9709F3E108C}"/>
+              </a:ext>
+            </a:extLst>
+          </p:cNvPr>
+          <p:cNvPicPr>
+            <a:picLocks noChangeAspect="1"/>
+          </p:cNvPicPr>
+          <p:nvPr/>
+        </p:nvPicPr>
+        <p:blipFill>
+          <a:blip r:embed="rId3"/>
+          <a:stretch>
+            <a:fillRect/>
+          </a:stretch>
+        </p:blipFill>
+        <p:spPr>
+          <a:xfrm>
+            <a:off x="8596852" y="87408"/>
+            <a:ext cx="407258" cy="495579"/>
+          </a:xfrm>
+          <a:prstGeom prst="rect">
+            <a:avLst/>
+          </a:prstGeom>
+        </p:spPr>
+      </p:pic>
     </p:spTree>
     <p:extLst>
       <p:ext uri="{BB962C8B-B14F-4D97-AF65-F5344CB8AC3E}">
@@ -11569,7 +11557,7 @@
             <a:pPr lvl="1"/>
             <a:r>
               <a:rPr lang="en-GB" dirty="0"/>
-              <a:t>because they depend on </a:t>
+              <a:t>depend on </a:t>
             </a:r>
             <a:r>
               <a:rPr lang="en-GB" b="1" dirty="0"/>
@@ -11941,49 +11929,20 @@
             </a:r>
           </a:p>
           <a:p>
-            <a:pPr lvl="0"/>
-            <a:r>
-              <a:rPr lang="en-GB" b="1" dirty="0">
-                <a:highlight>
-                  <a:srgbClr val="FFFF00"/>
-                </a:highlight>
-              </a:rPr>
-              <a:t>See “</a:t>
-            </a:r>
-            <a:r>
-              <a:rPr lang="en-GB" b="1" dirty="0" err="1">
-                <a:highlight>
-                  <a:srgbClr val="FFFF00"/>
-                </a:highlight>
-              </a:rPr>
-              <a:t>notebook.ipynb</a:t>
-            </a:r>
-            <a:r>
-              <a:rPr lang="en-GB" b="1" dirty="0">
-                <a:highlight>
-                  <a:srgbClr val="FFFF00"/>
-                </a:highlight>
-              </a:rPr>
-              <a:t>”</a:t>
+            <a:r>
+              <a:rPr lang="en-GB" dirty="0"/>
+              <a:t>Go-get-it policy</a:t>
             </a:r>
           </a:p>
           <a:p>
             <a:pPr lvl="1"/>
-            <a:r>
-              <a:rPr lang="en-GB" dirty="0"/>
-              <a:t>Go-get-it policy</a:t>
-            </a:r>
+            <a:endParaRPr lang="en-GB" dirty="0"/>
           </a:p>
           <a:p>
             <a:pPr lvl="1"/>
             <a:endParaRPr lang="en-GB" dirty="0"/>
           </a:p>
           <a:p>
-            <a:pPr lvl="1"/>
-            <a:endParaRPr lang="en-GB" dirty="0"/>
-          </a:p>
-          <a:p>
-            <a:pPr lvl="1"/>
             <a:r>
               <a:rPr lang="en-GB" dirty="0"/>
               <a:t>Careful policy</a:t>
@@ -12052,7 +12011,7 @@
         </p:blipFill>
         <p:spPr>
           <a:xfrm>
-            <a:off x="1300646" y="3030883"/>
+            <a:off x="934886" y="2645615"/>
             <a:ext cx="5346700" cy="584200"/>
           </a:xfrm>
           <a:prstGeom prst="rect">
@@ -12082,8 +12041,38 @@
         </p:blipFill>
         <p:spPr>
           <a:xfrm>
-            <a:off x="1300646" y="4212385"/>
+            <a:off x="934886" y="3797772"/>
             <a:ext cx="5270500" cy="533400"/>
+          </a:xfrm>
+          <a:prstGeom prst="rect">
+            <a:avLst/>
+          </a:prstGeom>
+        </p:spPr>
+      </p:pic>
+      <p:pic>
+        <p:nvPicPr>
+          <p:cNvPr id="2" name="Immagine 1" descr="Immagine che contiene Carattere, Elementi grafici, logo, cerchio&#10;&#10;Descrizione generata automaticamente">
+            <a:extLst>
+              <a:ext uri="{FF2B5EF4-FFF2-40B4-BE49-F238E27FC236}">
+                <a16:creationId xmlns:a16="http://schemas.microsoft.com/office/drawing/2014/main" id="{956D1750-AF73-2EE1-808A-1B03FEECB59B}"/>
+              </a:ext>
+            </a:extLst>
+          </p:cNvPr>
+          <p:cNvPicPr>
+            <a:picLocks noChangeAspect="1"/>
+          </p:cNvPicPr>
+          <p:nvPr/>
+        </p:nvPicPr>
+        <p:blipFill>
+          <a:blip r:embed="rId5"/>
+          <a:stretch>
+            <a:fillRect/>
+          </a:stretch>
+        </p:blipFill>
+        <p:spPr>
+          <a:xfrm>
+            <a:off x="8596852" y="87408"/>
+            <a:ext cx="407258" cy="495579"/>
           </a:xfrm>
           <a:prstGeom prst="rect">
             <a:avLst/>
@@ -12194,12 +12183,45 @@
             <a:endParaRPr lang="en-GB" sz="1050" dirty="0"/>
           </a:p>
           <a:p>
-            <a:pPr lvl="0"/>
-            <a:endParaRPr lang="en-GB" dirty="0"/>
-          </a:p>
-          <a:p>
-            <a:pPr lvl="0"/>
-            <a:endParaRPr lang="en-GB" dirty="0"/>
+            <a:pPr marL="120650" lvl="0" indent="0">
+              <a:buNone/>
+            </a:pPr>
+            <a:endParaRPr lang="en-GB" dirty="0"/>
+          </a:p>
+          <a:p>
+            <a:pPr marL="120650" lvl="0" indent="0">
+              <a:buNone/>
+            </a:pPr>
+            <a:endParaRPr lang="en-GB" sz="400" dirty="0"/>
+          </a:p>
+          <a:p>
+            <a:pPr marL="120650" lvl="0" indent="0">
+              <a:buNone/>
+            </a:pPr>
+            <a:endParaRPr lang="en-GB" sz="400" dirty="0"/>
+          </a:p>
+          <a:p>
+            <a:pPr lvl="0"/>
+            <a:r>
+              <a:rPr lang="en-GB" dirty="0"/>
+              <a:t>This is the </a:t>
+            </a:r>
+            <a:r>
+              <a:rPr lang="en-GB" b="1" dirty="0"/>
+              <a:t>state-value function</a:t>
+            </a:r>
+            <a:r>
+              <a:rPr lang="en-GB" dirty="0"/>
+              <a:t> (or </a:t>
+            </a:r>
+            <a:r>
+              <a:rPr lang="en-GB" b="1" dirty="0"/>
+              <a:t>V-function</a:t>
+            </a:r>
+            <a:r>
+              <a:rPr lang="en-GB" dirty="0"/>
+              <a:t>)</a:t>
+            </a:r>
           </a:p>
           <a:p>
             <a:pPr lvl="0"/>
@@ -12210,6 +12232,10 @@
           </a:p>
           <a:p>
             <a:pPr lvl="0"/>
+            <a:endParaRPr lang="en-GB" sz="1050" dirty="0"/>
+          </a:p>
+          <a:p>
+            <a:pPr lvl="0"/>
             <a:endParaRPr lang="en-GB" dirty="0"/>
           </a:p>
           <a:p>
@@ -12256,7 +12282,7 @@
             <a:pPr lvl="0"/>
             <a:r>
               <a:rPr lang="en-GB" dirty="0"/>
-              <a:t>it isn’t straightforward to calculate because of the dependence on other states (10 and 14,) which we don’t have either and one is the same state!</a:t>
+              <a:t>it isn’t straightforward to calculate because of the dependence on other states</a:t>
             </a:r>
           </a:p>
           <a:p>
@@ -12311,8 +12337,8 @@
         </p:blipFill>
         <p:spPr>
           <a:xfrm>
-            <a:off x="669815" y="1411194"/>
-            <a:ext cx="6007100" cy="1028700"/>
+            <a:off x="658241" y="1395961"/>
+            <a:ext cx="5282651" cy="904640"/>
           </a:xfrm>
           <a:prstGeom prst="rect">
             <a:avLst/>
@@ -12341,8 +12367,8 @@
         </p:blipFill>
         <p:spPr>
           <a:xfrm>
-            <a:off x="1882177" y="2872706"/>
-            <a:ext cx="4794738" cy="3090802"/>
+            <a:off x="1930674" y="2920645"/>
+            <a:ext cx="5282651" cy="3405322"/>
           </a:xfrm>
           <a:prstGeom prst="rect">
             <a:avLst/>
